--- a/Thesis/Visio/chapter-3/MotorDrive.pptx
+++ b/Thesis/Visio/chapter-3/MotorDrive.pptx
@@ -10,6 +10,9 @@
     <p:sldId id="258" r:id="rId4"/>
     <p:sldId id="259" r:id="rId5"/>
     <p:sldId id="260" r:id="rId6"/>
+    <p:sldId id="261" r:id="rId7"/>
+    <p:sldId id="262" r:id="rId8"/>
+    <p:sldId id="263" r:id="rId9"/>
   </p:sldIdLst>
   <p:sldSz cx="12192000" cy="6858000"/>
   <p:notesSz cx="6858000" cy="9144000"/>
@@ -263,7 +266,7 @@
           <a:p>
             <a:fld id="{25E67960-04D2-4CF9-B1EA-85202866050D}" type="datetimeFigureOut">
               <a:rPr lang="en-US" smtClean="0"/>
-              <a:t>6/27/2022</a:t>
+              <a:t>6/28/2022</a:t>
             </a:fld>
             <a:endParaRPr lang="en-US"/>
           </a:p>
@@ -461,7 +464,7 @@
           <a:p>
             <a:fld id="{25E67960-04D2-4CF9-B1EA-85202866050D}" type="datetimeFigureOut">
               <a:rPr lang="en-US" smtClean="0"/>
-              <a:t>6/27/2022</a:t>
+              <a:t>6/28/2022</a:t>
             </a:fld>
             <a:endParaRPr lang="en-US"/>
           </a:p>
@@ -669,7 +672,7 @@
           <a:p>
             <a:fld id="{25E67960-04D2-4CF9-B1EA-85202866050D}" type="datetimeFigureOut">
               <a:rPr lang="en-US" smtClean="0"/>
-              <a:t>6/27/2022</a:t>
+              <a:t>6/28/2022</a:t>
             </a:fld>
             <a:endParaRPr lang="en-US"/>
           </a:p>
@@ -867,7 +870,7 @@
           <a:p>
             <a:fld id="{25E67960-04D2-4CF9-B1EA-85202866050D}" type="datetimeFigureOut">
               <a:rPr lang="en-US" smtClean="0"/>
-              <a:t>6/27/2022</a:t>
+              <a:t>6/28/2022</a:t>
             </a:fld>
             <a:endParaRPr lang="en-US"/>
           </a:p>
@@ -1142,7 +1145,7 @@
           <a:p>
             <a:fld id="{25E67960-04D2-4CF9-B1EA-85202866050D}" type="datetimeFigureOut">
               <a:rPr lang="en-US" smtClean="0"/>
-              <a:t>6/27/2022</a:t>
+              <a:t>6/28/2022</a:t>
             </a:fld>
             <a:endParaRPr lang="en-US"/>
           </a:p>
@@ -1407,7 +1410,7 @@
           <a:p>
             <a:fld id="{25E67960-04D2-4CF9-B1EA-85202866050D}" type="datetimeFigureOut">
               <a:rPr lang="en-US" smtClean="0"/>
-              <a:t>6/27/2022</a:t>
+              <a:t>6/28/2022</a:t>
             </a:fld>
             <a:endParaRPr lang="en-US"/>
           </a:p>
@@ -1819,7 +1822,7 @@
           <a:p>
             <a:fld id="{25E67960-04D2-4CF9-B1EA-85202866050D}" type="datetimeFigureOut">
               <a:rPr lang="en-US" smtClean="0"/>
-              <a:t>6/27/2022</a:t>
+              <a:t>6/28/2022</a:t>
             </a:fld>
             <a:endParaRPr lang="en-US"/>
           </a:p>
@@ -1960,7 +1963,7 @@
           <a:p>
             <a:fld id="{25E67960-04D2-4CF9-B1EA-85202866050D}" type="datetimeFigureOut">
               <a:rPr lang="en-US" smtClean="0"/>
-              <a:t>6/27/2022</a:t>
+              <a:t>6/28/2022</a:t>
             </a:fld>
             <a:endParaRPr lang="en-US"/>
           </a:p>
@@ -2073,7 +2076,7 @@
           <a:p>
             <a:fld id="{25E67960-04D2-4CF9-B1EA-85202866050D}" type="datetimeFigureOut">
               <a:rPr lang="en-US" smtClean="0"/>
-              <a:t>6/27/2022</a:t>
+              <a:t>6/28/2022</a:t>
             </a:fld>
             <a:endParaRPr lang="en-US"/>
           </a:p>
@@ -2384,7 +2387,7 @@
           <a:p>
             <a:fld id="{25E67960-04D2-4CF9-B1EA-85202866050D}" type="datetimeFigureOut">
               <a:rPr lang="en-US" smtClean="0"/>
-              <a:t>6/27/2022</a:t>
+              <a:t>6/28/2022</a:t>
             </a:fld>
             <a:endParaRPr lang="en-US"/>
           </a:p>
@@ -2672,7 +2675,7 @@
           <a:p>
             <a:fld id="{25E67960-04D2-4CF9-B1EA-85202866050D}" type="datetimeFigureOut">
               <a:rPr lang="en-US" smtClean="0"/>
-              <a:t>6/27/2022</a:t>
+              <a:t>6/28/2022</a:t>
             </a:fld>
             <a:endParaRPr lang="en-US"/>
           </a:p>
@@ -2913,7 +2916,7 @@
           <a:p>
             <a:fld id="{25E67960-04D2-4CF9-B1EA-85202866050D}" type="datetimeFigureOut">
               <a:rPr lang="en-US" smtClean="0"/>
-              <a:t>6/27/2022</a:t>
+              <a:t>6/28/2022</a:t>
             </a:fld>
             <a:endParaRPr lang="en-US"/>
           </a:p>
@@ -9709,6 +9712,4147 @@
 </p:sld>
 </file>
 
+<file path=ppt/slides/slide6.xml><?xml version="1.0" encoding="utf-8"?>
+<p:sld xmlns:a="http://schemas.openxmlformats.org/drawingml/2006/main" xmlns:r="http://schemas.openxmlformats.org/officeDocument/2006/relationships" xmlns:p="http://schemas.openxmlformats.org/presentationml/2006/main">
+  <p:cSld>
+    <p:spTree>
+      <p:nvGrpSpPr>
+        <p:cNvPr id="1" name=""/>
+        <p:cNvGrpSpPr/>
+        <p:nvPr/>
+      </p:nvGrpSpPr>
+      <p:grpSpPr>
+        <a:xfrm>
+          <a:off x="0" y="0"/>
+          <a:ext cx="0" cy="0"/>
+          <a:chOff x="0" y="0"/>
+          <a:chExt cx="0" cy="0"/>
+        </a:xfrm>
+      </p:grpSpPr>
+      <p:sp>
+        <p:nvSpPr>
+          <p:cNvPr id="40" name="Rectangle 39">
+            <a:extLst>
+              <a:ext uri="{FF2B5EF4-FFF2-40B4-BE49-F238E27FC236}">
+                <a16:creationId xmlns:a16="http://schemas.microsoft.com/office/drawing/2014/main" id="{56BF8BBF-A99B-457F-9C19-50AA6752A584}"/>
+              </a:ext>
+            </a:extLst>
+          </p:cNvPr>
+          <p:cNvSpPr/>
+          <p:nvPr/>
+        </p:nvSpPr>
+        <p:spPr>
+          <a:xfrm>
+            <a:off x="4227153" y="1671778"/>
+            <a:ext cx="2095105" cy="2098319"/>
+          </a:xfrm>
+          <a:prstGeom prst="rect">
+            <a:avLst/>
+          </a:prstGeom>
+          <a:solidFill>
+            <a:schemeClr val="accent1">
+              <a:lumMod val="40000"/>
+              <a:lumOff val="60000"/>
+              <a:alpha val="25000"/>
+            </a:schemeClr>
+          </a:solidFill>
+          <a:ln>
+            <a:solidFill>
+              <a:schemeClr val="accent1">
+                <a:shade val="50000"/>
+                <a:alpha val="0"/>
+              </a:schemeClr>
+            </a:solidFill>
+          </a:ln>
+        </p:spPr>
+        <p:style>
+          <a:lnRef idx="2">
+            <a:schemeClr val="accent1">
+              <a:shade val="50000"/>
+            </a:schemeClr>
+          </a:lnRef>
+          <a:fillRef idx="1">
+            <a:schemeClr val="accent1"/>
+          </a:fillRef>
+          <a:effectRef idx="0">
+            <a:schemeClr val="accent1"/>
+          </a:effectRef>
+          <a:fontRef idx="minor">
+            <a:schemeClr val="lt1"/>
+          </a:fontRef>
+        </p:style>
+        <p:txBody>
+          <a:bodyPr rtlCol="0" anchor="ctr"/>
+          <a:lstStyle/>
+          <a:p>
+            <a:pPr algn="ctr"/>
+            <a:endParaRPr lang="en-US"/>
+          </a:p>
+        </p:txBody>
+      </p:sp>
+      <p:sp>
+        <p:nvSpPr>
+          <p:cNvPr id="41" name="Rectangle 40">
+            <a:extLst>
+              <a:ext uri="{FF2B5EF4-FFF2-40B4-BE49-F238E27FC236}">
+                <a16:creationId xmlns:a16="http://schemas.microsoft.com/office/drawing/2014/main" id="{45C60A22-E44E-4AC4-9754-0B2861C36AB2}"/>
+              </a:ext>
+            </a:extLst>
+          </p:cNvPr>
+          <p:cNvSpPr/>
+          <p:nvPr/>
+        </p:nvSpPr>
+        <p:spPr>
+          <a:xfrm>
+            <a:off x="2205174" y="2054037"/>
+            <a:ext cx="1962154" cy="1733481"/>
+          </a:xfrm>
+          <a:prstGeom prst="rect">
+            <a:avLst/>
+          </a:prstGeom>
+          <a:solidFill>
+            <a:srgbClr val="E3BCB9">
+              <a:alpha val="24706"/>
+            </a:srgbClr>
+          </a:solidFill>
+          <a:ln>
+            <a:solidFill>
+              <a:schemeClr val="accent1">
+                <a:shade val="50000"/>
+                <a:alpha val="0"/>
+              </a:schemeClr>
+            </a:solidFill>
+          </a:ln>
+        </p:spPr>
+        <p:style>
+          <a:lnRef idx="2">
+            <a:schemeClr val="accent1">
+              <a:shade val="50000"/>
+            </a:schemeClr>
+          </a:lnRef>
+          <a:fillRef idx="1">
+            <a:schemeClr val="accent1"/>
+          </a:fillRef>
+          <a:effectRef idx="0">
+            <a:schemeClr val="accent1"/>
+          </a:effectRef>
+          <a:fontRef idx="minor">
+            <a:schemeClr val="lt1"/>
+          </a:fontRef>
+        </p:style>
+        <p:txBody>
+          <a:bodyPr rtlCol="0" anchor="ctr"/>
+          <a:lstStyle/>
+          <a:p>
+            <a:pPr algn="ctr"/>
+            <a:endParaRPr lang="en-US" dirty="0"/>
+          </a:p>
+        </p:txBody>
+      </p:sp>
+      <p:cxnSp>
+        <p:nvCxnSpPr>
+          <p:cNvPr id="4" name="Straight Arrow Connector 3">
+            <a:extLst>
+              <a:ext uri="{FF2B5EF4-FFF2-40B4-BE49-F238E27FC236}">
+                <a16:creationId xmlns:a16="http://schemas.microsoft.com/office/drawing/2014/main" id="{B8BF09C7-B5AF-487D-AFE1-62D149D58A04}"/>
+              </a:ext>
+            </a:extLst>
+          </p:cNvPr>
+          <p:cNvCxnSpPr>
+            <a:cxnSpLocks/>
+          </p:cNvCxnSpPr>
+          <p:nvPr/>
+        </p:nvCxnSpPr>
+        <p:spPr>
+          <a:xfrm flipV="1">
+            <a:off x="2205203" y="1453861"/>
+            <a:ext cx="0" cy="2351520"/>
+          </a:xfrm>
+          <a:prstGeom prst="straightConnector1">
+            <a:avLst/>
+          </a:prstGeom>
+          <a:ln w="25400">
+            <a:solidFill>
+              <a:schemeClr val="tx1"/>
+            </a:solidFill>
+            <a:tailEnd type="triangle" w="lg" len="lg"/>
+          </a:ln>
+        </p:spPr>
+        <p:style>
+          <a:lnRef idx="1">
+            <a:schemeClr val="accent1"/>
+          </a:lnRef>
+          <a:fillRef idx="0">
+            <a:schemeClr val="accent1"/>
+          </a:fillRef>
+          <a:effectRef idx="0">
+            <a:schemeClr val="accent1"/>
+          </a:effectRef>
+          <a:fontRef idx="minor">
+            <a:schemeClr val="tx1"/>
+          </a:fontRef>
+        </p:style>
+      </p:cxnSp>
+      <p:cxnSp>
+        <p:nvCxnSpPr>
+          <p:cNvPr id="6" name="Straight Arrow Connector 5">
+            <a:extLst>
+              <a:ext uri="{FF2B5EF4-FFF2-40B4-BE49-F238E27FC236}">
+                <a16:creationId xmlns:a16="http://schemas.microsoft.com/office/drawing/2014/main" id="{147CD01A-F5CD-42C8-B177-CFAD0719013E}"/>
+              </a:ext>
+            </a:extLst>
+          </p:cNvPr>
+          <p:cNvCxnSpPr>
+            <a:cxnSpLocks/>
+          </p:cNvCxnSpPr>
+          <p:nvPr/>
+        </p:nvCxnSpPr>
+        <p:spPr>
+          <a:xfrm flipV="1">
+            <a:off x="2205203" y="3787518"/>
+            <a:ext cx="4607077" cy="17863"/>
+          </a:xfrm>
+          <a:prstGeom prst="straightConnector1">
+            <a:avLst/>
+          </a:prstGeom>
+          <a:ln w="25400">
+            <a:solidFill>
+              <a:schemeClr val="tx1"/>
+            </a:solidFill>
+            <a:tailEnd type="triangle" w="lg" len="lg"/>
+          </a:ln>
+        </p:spPr>
+        <p:style>
+          <a:lnRef idx="1">
+            <a:schemeClr val="accent1"/>
+          </a:lnRef>
+          <a:fillRef idx="0">
+            <a:schemeClr val="accent1"/>
+          </a:fillRef>
+          <a:effectRef idx="0">
+            <a:schemeClr val="accent1"/>
+          </a:effectRef>
+          <a:fontRef idx="minor">
+            <a:schemeClr val="tx1"/>
+          </a:fontRef>
+        </p:style>
+      </p:cxnSp>
+      <p:sp>
+        <p:nvSpPr>
+          <p:cNvPr id="8" name="TextBox 7">
+            <a:extLst>
+              <a:ext uri="{FF2B5EF4-FFF2-40B4-BE49-F238E27FC236}">
+                <a16:creationId xmlns:a16="http://schemas.microsoft.com/office/drawing/2014/main" id="{2185FC19-A353-46BF-84E3-62BCDC290484}"/>
+              </a:ext>
+            </a:extLst>
+          </p:cNvPr>
+          <p:cNvSpPr txBox="1"/>
+          <p:nvPr/>
+        </p:nvSpPr>
+        <p:spPr>
+          <a:xfrm>
+            <a:off x="3839577" y="3823245"/>
+            <a:ext cx="904461" cy="400110"/>
+          </a:xfrm>
+          <a:prstGeom prst="rect">
+            <a:avLst/>
+          </a:prstGeom>
+          <a:noFill/>
+        </p:spPr>
+        <p:txBody>
+          <a:bodyPr wrap="square" rtlCol="0">
+            <a:spAutoFit/>
+          </a:bodyPr>
+          <a:lstStyle/>
+          <a:p>
+            <a:r>
+              <a:rPr lang="el-GR" sz="2000" dirty="0">
+                <a:latin typeface="Times New Roman" panose="02020603050405020304" pitchFamily="18" charset="0"/>
+                <a:cs typeface="Times New Roman" panose="02020603050405020304" pitchFamily="18" charset="0"/>
+              </a:rPr>
+              <a:t>ω</a:t>
+            </a:r>
+            <a:r>
+              <a:rPr lang="en-US" sz="1400" dirty="0">
+                <a:latin typeface="Times New Roman" panose="02020603050405020304" pitchFamily="18" charset="0"/>
+                <a:cs typeface="Times New Roman" panose="02020603050405020304" pitchFamily="18" charset="0"/>
+              </a:rPr>
+              <a:t>base</a:t>
+            </a:r>
+            <a:endParaRPr lang="en-US" sz="2000" dirty="0"/>
+          </a:p>
+        </p:txBody>
+      </p:sp>
+      <p:cxnSp>
+        <p:nvCxnSpPr>
+          <p:cNvPr id="10" name="Straight Connector 9">
+            <a:extLst>
+              <a:ext uri="{FF2B5EF4-FFF2-40B4-BE49-F238E27FC236}">
+                <a16:creationId xmlns:a16="http://schemas.microsoft.com/office/drawing/2014/main" id="{D47C412E-185D-4CCD-905B-3D007255C415}"/>
+              </a:ext>
+            </a:extLst>
+          </p:cNvPr>
+          <p:cNvCxnSpPr>
+            <a:cxnSpLocks/>
+          </p:cNvCxnSpPr>
+          <p:nvPr/>
+        </p:nvCxnSpPr>
+        <p:spPr>
+          <a:xfrm>
+            <a:off x="4202545" y="1671782"/>
+            <a:ext cx="0" cy="2133599"/>
+          </a:xfrm>
+          <a:prstGeom prst="line">
+            <a:avLst/>
+          </a:prstGeom>
+          <a:ln w="25400">
+            <a:solidFill>
+              <a:schemeClr val="tx1">
+                <a:lumMod val="50000"/>
+                <a:lumOff val="50000"/>
+              </a:schemeClr>
+            </a:solidFill>
+            <a:prstDash val="sysDash"/>
+          </a:ln>
+        </p:spPr>
+        <p:style>
+          <a:lnRef idx="1">
+            <a:schemeClr val="accent1"/>
+          </a:lnRef>
+          <a:fillRef idx="0">
+            <a:schemeClr val="accent1"/>
+          </a:fillRef>
+          <a:effectRef idx="0">
+            <a:schemeClr val="accent1"/>
+          </a:effectRef>
+          <a:fontRef idx="minor">
+            <a:schemeClr val="tx1"/>
+          </a:fontRef>
+        </p:style>
+      </p:cxnSp>
+      <p:cxnSp>
+        <p:nvCxnSpPr>
+          <p:cNvPr id="12" name="Straight Connector 11">
+            <a:extLst>
+              <a:ext uri="{FF2B5EF4-FFF2-40B4-BE49-F238E27FC236}">
+                <a16:creationId xmlns:a16="http://schemas.microsoft.com/office/drawing/2014/main" id="{8F95F4A0-DB08-49AF-8FD3-5305EE41490F}"/>
+              </a:ext>
+            </a:extLst>
+          </p:cNvPr>
+          <p:cNvCxnSpPr>
+            <a:cxnSpLocks/>
+          </p:cNvCxnSpPr>
+          <p:nvPr/>
+        </p:nvCxnSpPr>
+        <p:spPr>
+          <a:xfrm>
+            <a:off x="6322291" y="1671781"/>
+            <a:ext cx="0" cy="2133599"/>
+          </a:xfrm>
+          <a:prstGeom prst="line">
+            <a:avLst/>
+          </a:prstGeom>
+          <a:ln w="25400">
+            <a:solidFill>
+              <a:schemeClr val="tx1">
+                <a:lumMod val="50000"/>
+                <a:lumOff val="50000"/>
+              </a:schemeClr>
+            </a:solidFill>
+            <a:prstDash val="sysDash"/>
+          </a:ln>
+        </p:spPr>
+        <p:style>
+          <a:lnRef idx="1">
+            <a:schemeClr val="accent1"/>
+          </a:lnRef>
+          <a:fillRef idx="0">
+            <a:schemeClr val="accent1"/>
+          </a:fillRef>
+          <a:effectRef idx="0">
+            <a:schemeClr val="accent1"/>
+          </a:effectRef>
+          <a:fontRef idx="minor">
+            <a:schemeClr val="tx1"/>
+          </a:fontRef>
+        </p:style>
+      </p:cxnSp>
+      <p:cxnSp>
+        <p:nvCxnSpPr>
+          <p:cNvPr id="13" name="Straight Connector 12">
+            <a:extLst>
+              <a:ext uri="{FF2B5EF4-FFF2-40B4-BE49-F238E27FC236}">
+                <a16:creationId xmlns:a16="http://schemas.microsoft.com/office/drawing/2014/main" id="{924B7578-A1AC-481F-BA06-D2B94E849BCC}"/>
+              </a:ext>
+            </a:extLst>
+          </p:cNvPr>
+          <p:cNvCxnSpPr>
+            <a:cxnSpLocks/>
+          </p:cNvCxnSpPr>
+          <p:nvPr/>
+        </p:nvCxnSpPr>
+        <p:spPr>
+          <a:xfrm flipH="1">
+            <a:off x="2205202" y="1671781"/>
+            <a:ext cx="1997344" cy="2133599"/>
+          </a:xfrm>
+          <a:prstGeom prst="line">
+            <a:avLst/>
+          </a:prstGeom>
+          <a:ln w="25400">
+            <a:solidFill>
+              <a:srgbClr val="0070C0"/>
+            </a:solidFill>
+            <a:prstDash val="solid"/>
+          </a:ln>
+        </p:spPr>
+        <p:style>
+          <a:lnRef idx="1">
+            <a:schemeClr val="accent1"/>
+          </a:lnRef>
+          <a:fillRef idx="0">
+            <a:schemeClr val="accent1"/>
+          </a:fillRef>
+          <a:effectRef idx="0">
+            <a:schemeClr val="accent1"/>
+          </a:effectRef>
+          <a:fontRef idx="minor">
+            <a:schemeClr val="tx1"/>
+          </a:fontRef>
+        </p:style>
+      </p:cxnSp>
+      <p:cxnSp>
+        <p:nvCxnSpPr>
+          <p:cNvPr id="16" name="Straight Connector 15">
+            <a:extLst>
+              <a:ext uri="{FF2B5EF4-FFF2-40B4-BE49-F238E27FC236}">
+                <a16:creationId xmlns:a16="http://schemas.microsoft.com/office/drawing/2014/main" id="{59F61614-847A-4E6F-9CF8-44D96B4997D2}"/>
+              </a:ext>
+            </a:extLst>
+          </p:cNvPr>
+          <p:cNvCxnSpPr>
+            <a:cxnSpLocks/>
+          </p:cNvCxnSpPr>
+          <p:nvPr/>
+        </p:nvCxnSpPr>
+        <p:spPr>
+          <a:xfrm>
+            <a:off x="4202546" y="1671780"/>
+            <a:ext cx="2119744" cy="0"/>
+          </a:xfrm>
+          <a:prstGeom prst="line">
+            <a:avLst/>
+          </a:prstGeom>
+          <a:ln w="25400">
+            <a:solidFill>
+              <a:srgbClr val="0070C0"/>
+            </a:solidFill>
+            <a:prstDash val="solid"/>
+          </a:ln>
+        </p:spPr>
+        <p:style>
+          <a:lnRef idx="1">
+            <a:schemeClr val="accent1"/>
+          </a:lnRef>
+          <a:fillRef idx="0">
+            <a:schemeClr val="accent1"/>
+          </a:fillRef>
+          <a:effectRef idx="0">
+            <a:schemeClr val="accent1"/>
+          </a:effectRef>
+          <a:fontRef idx="minor">
+            <a:schemeClr val="tx1"/>
+          </a:fontRef>
+        </p:style>
+      </p:cxnSp>
+      <p:sp>
+        <p:nvSpPr>
+          <p:cNvPr id="19" name="TextBox 18">
+            <a:extLst>
+              <a:ext uri="{FF2B5EF4-FFF2-40B4-BE49-F238E27FC236}">
+                <a16:creationId xmlns:a16="http://schemas.microsoft.com/office/drawing/2014/main" id="{931055EA-F475-4F8E-AD54-7B5815C5CE4D}"/>
+              </a:ext>
+            </a:extLst>
+          </p:cNvPr>
+          <p:cNvSpPr txBox="1"/>
+          <p:nvPr/>
+        </p:nvSpPr>
+        <p:spPr>
+          <a:xfrm>
+            <a:off x="5987031" y="3740118"/>
+            <a:ext cx="904461" cy="400110"/>
+          </a:xfrm>
+          <a:prstGeom prst="rect">
+            <a:avLst/>
+          </a:prstGeom>
+          <a:noFill/>
+        </p:spPr>
+        <p:txBody>
+          <a:bodyPr wrap="square" rtlCol="0">
+            <a:spAutoFit/>
+          </a:bodyPr>
+          <a:lstStyle/>
+          <a:p>
+            <a:r>
+              <a:rPr lang="el-GR" sz="2000" dirty="0">
+                <a:latin typeface="Times New Roman" panose="02020603050405020304" pitchFamily="18" charset="0"/>
+                <a:cs typeface="Times New Roman" panose="02020603050405020304" pitchFamily="18" charset="0"/>
+              </a:rPr>
+              <a:t>ω</a:t>
+            </a:r>
+            <a:r>
+              <a:rPr lang="en-US" sz="1400" dirty="0">
+                <a:latin typeface="Times New Roman" panose="02020603050405020304" pitchFamily="18" charset="0"/>
+                <a:cs typeface="Times New Roman" panose="02020603050405020304" pitchFamily="18" charset="0"/>
+              </a:rPr>
+              <a:t>max</a:t>
+            </a:r>
+            <a:endParaRPr lang="en-US" sz="2000" dirty="0"/>
+          </a:p>
+        </p:txBody>
+      </p:sp>
+      <p:sp>
+        <p:nvSpPr>
+          <p:cNvPr id="20" name="TextBox 19">
+            <a:extLst>
+              <a:ext uri="{FF2B5EF4-FFF2-40B4-BE49-F238E27FC236}">
+                <a16:creationId xmlns:a16="http://schemas.microsoft.com/office/drawing/2014/main" id="{B570373A-D1D2-462F-BF90-43181455905A}"/>
+              </a:ext>
+            </a:extLst>
+          </p:cNvPr>
+          <p:cNvSpPr txBox="1"/>
+          <p:nvPr/>
+        </p:nvSpPr>
+        <p:spPr>
+          <a:xfrm>
+            <a:off x="6763317" y="3585431"/>
+            <a:ext cx="1087573" cy="369332"/>
+          </a:xfrm>
+          <a:prstGeom prst="rect">
+            <a:avLst/>
+          </a:prstGeom>
+          <a:noFill/>
+        </p:spPr>
+        <p:txBody>
+          <a:bodyPr wrap="square" rtlCol="0">
+            <a:spAutoFit/>
+          </a:bodyPr>
+          <a:lstStyle/>
+          <a:p>
+            <a:r>
+              <a:rPr lang="en-US" dirty="0">
+                <a:latin typeface="Times New Roman" panose="02020603050405020304" pitchFamily="18" charset="0"/>
+                <a:cs typeface="Times New Roman" panose="02020603050405020304" pitchFamily="18" charset="0"/>
+              </a:rPr>
+              <a:t>[rad/sec]</a:t>
+            </a:r>
+            <a:endParaRPr lang="en-US" dirty="0"/>
+          </a:p>
+        </p:txBody>
+      </p:sp>
+      <p:cxnSp>
+        <p:nvCxnSpPr>
+          <p:cNvPr id="21" name="Straight Connector 20">
+            <a:extLst>
+              <a:ext uri="{FF2B5EF4-FFF2-40B4-BE49-F238E27FC236}">
+                <a16:creationId xmlns:a16="http://schemas.microsoft.com/office/drawing/2014/main" id="{29128D18-2728-4CAF-BA5F-C71BCDA49E06}"/>
+              </a:ext>
+            </a:extLst>
+          </p:cNvPr>
+          <p:cNvCxnSpPr>
+            <a:cxnSpLocks/>
+          </p:cNvCxnSpPr>
+          <p:nvPr/>
+        </p:nvCxnSpPr>
+        <p:spPr>
+          <a:xfrm>
+            <a:off x="2205202" y="2036616"/>
+            <a:ext cx="1997343" cy="0"/>
+          </a:xfrm>
+          <a:prstGeom prst="line">
+            <a:avLst/>
+          </a:prstGeom>
+          <a:ln w="25400">
+            <a:solidFill>
+              <a:srgbClr val="FF0000"/>
+            </a:solidFill>
+            <a:prstDash val="solid"/>
+          </a:ln>
+        </p:spPr>
+        <p:style>
+          <a:lnRef idx="1">
+            <a:schemeClr val="accent1"/>
+          </a:lnRef>
+          <a:fillRef idx="0">
+            <a:schemeClr val="accent1"/>
+          </a:fillRef>
+          <a:effectRef idx="0">
+            <a:schemeClr val="accent1"/>
+          </a:effectRef>
+          <a:fontRef idx="minor">
+            <a:schemeClr val="tx1"/>
+          </a:fontRef>
+        </p:style>
+      </p:cxnSp>
+      <p:sp>
+        <p:nvSpPr>
+          <p:cNvPr id="34" name="Freeform: Shape 33">
+            <a:extLst>
+              <a:ext uri="{FF2B5EF4-FFF2-40B4-BE49-F238E27FC236}">
+                <a16:creationId xmlns:a16="http://schemas.microsoft.com/office/drawing/2014/main" id="{E2BE2FF0-98CF-496F-A67A-9A0F57475CF8}"/>
+              </a:ext>
+            </a:extLst>
+          </p:cNvPr>
+          <p:cNvSpPr/>
+          <p:nvPr/>
+        </p:nvSpPr>
+        <p:spPr>
+          <a:xfrm>
+            <a:off x="4202544" y="2036614"/>
+            <a:ext cx="2119725" cy="1568709"/>
+          </a:xfrm>
+          <a:custGeom>
+            <a:avLst/>
+            <a:gdLst>
+              <a:gd name="connsiteX0" fmla="*/ 0 w 2068946"/>
+              <a:gd name="connsiteY0" fmla="*/ 0 h 1477818"/>
+              <a:gd name="connsiteX1" fmla="*/ 535709 w 2068946"/>
+              <a:gd name="connsiteY1" fmla="*/ 1099127 h 1477818"/>
+              <a:gd name="connsiteX2" fmla="*/ 2068946 w 2068946"/>
+              <a:gd name="connsiteY2" fmla="*/ 1477818 h 1477818"/>
+            </a:gdLst>
+            <a:ahLst/>
+            <a:cxnLst>
+              <a:cxn ang="0">
+                <a:pos x="connsiteX0" y="connsiteY0"/>
+              </a:cxn>
+              <a:cxn ang="0">
+                <a:pos x="connsiteX1" y="connsiteY1"/>
+              </a:cxn>
+              <a:cxn ang="0">
+                <a:pos x="connsiteX2" y="connsiteY2"/>
+              </a:cxn>
+            </a:cxnLst>
+            <a:rect l="l" t="t" r="r" b="b"/>
+            <a:pathLst>
+              <a:path w="2068946" h="1477818">
+                <a:moveTo>
+                  <a:pt x="0" y="0"/>
+                </a:moveTo>
+                <a:cubicBezTo>
+                  <a:pt x="95442" y="426412"/>
+                  <a:pt x="190885" y="852824"/>
+                  <a:pt x="535709" y="1099127"/>
+                </a:cubicBezTo>
+                <a:cubicBezTo>
+                  <a:pt x="880533" y="1345430"/>
+                  <a:pt x="1474739" y="1411624"/>
+                  <a:pt x="2068946" y="1477818"/>
+                </a:cubicBezTo>
+              </a:path>
+            </a:pathLst>
+          </a:custGeom>
+          <a:noFill/>
+          <a:ln w="25400">
+            <a:solidFill>
+              <a:srgbClr val="FF0000"/>
+            </a:solidFill>
+          </a:ln>
+        </p:spPr>
+        <p:style>
+          <a:lnRef idx="2">
+            <a:schemeClr val="accent1">
+              <a:shade val="50000"/>
+            </a:schemeClr>
+          </a:lnRef>
+          <a:fillRef idx="1">
+            <a:schemeClr val="accent1"/>
+          </a:fillRef>
+          <a:effectRef idx="0">
+            <a:schemeClr val="accent1"/>
+          </a:effectRef>
+          <a:fontRef idx="minor">
+            <a:schemeClr val="lt1"/>
+          </a:fontRef>
+        </p:style>
+        <p:txBody>
+          <a:bodyPr rtlCol="0" anchor="ctr"/>
+          <a:lstStyle/>
+          <a:p>
+            <a:pPr algn="ctr"/>
+            <a:endParaRPr lang="en-US"/>
+          </a:p>
+        </p:txBody>
+      </p:sp>
+      <p:sp>
+        <p:nvSpPr>
+          <p:cNvPr id="35" name="TextBox 34">
+            <a:extLst>
+              <a:ext uri="{FF2B5EF4-FFF2-40B4-BE49-F238E27FC236}">
+                <a16:creationId xmlns:a16="http://schemas.microsoft.com/office/drawing/2014/main" id="{F162C3FB-99C4-4DAA-B7E8-DA70F6C7A0B3}"/>
+              </a:ext>
+            </a:extLst>
+          </p:cNvPr>
+          <p:cNvSpPr txBox="1"/>
+          <p:nvPr/>
+        </p:nvSpPr>
+        <p:spPr>
+          <a:xfrm>
+            <a:off x="2812835" y="1618643"/>
+            <a:ext cx="904461" cy="400110"/>
+          </a:xfrm>
+          <a:prstGeom prst="rect">
+            <a:avLst/>
+          </a:prstGeom>
+          <a:noFill/>
+        </p:spPr>
+        <p:txBody>
+          <a:bodyPr wrap="square" rtlCol="0">
+            <a:spAutoFit/>
+          </a:bodyPr>
+          <a:lstStyle/>
+          <a:p>
+            <a:r>
+              <a:rPr lang="en-US" sz="2000" dirty="0">
+                <a:solidFill>
+                  <a:srgbClr val="FF0000"/>
+                </a:solidFill>
+                <a:latin typeface="Times New Roman" panose="02020603050405020304" pitchFamily="18" charset="0"/>
+                <a:cs typeface="Times New Roman" panose="02020603050405020304" pitchFamily="18" charset="0"/>
+              </a:rPr>
+              <a:t>T</a:t>
+            </a:r>
+            <a:endParaRPr lang="en-US" sz="2000" dirty="0">
+              <a:solidFill>
+                <a:srgbClr val="FF0000"/>
+              </a:solidFill>
+            </a:endParaRPr>
+          </a:p>
+        </p:txBody>
+      </p:sp>
+      <p:sp>
+        <p:nvSpPr>
+          <p:cNvPr id="36" name="TextBox 35">
+            <a:extLst>
+              <a:ext uri="{FF2B5EF4-FFF2-40B4-BE49-F238E27FC236}">
+                <a16:creationId xmlns:a16="http://schemas.microsoft.com/office/drawing/2014/main" id="{2C5F707E-6003-4738-AB08-838FFA5993EE}"/>
+              </a:ext>
+            </a:extLst>
+          </p:cNvPr>
+          <p:cNvSpPr txBox="1"/>
+          <p:nvPr/>
+        </p:nvSpPr>
+        <p:spPr>
+          <a:xfrm>
+            <a:off x="5095259" y="1301658"/>
+            <a:ext cx="904461" cy="400110"/>
+          </a:xfrm>
+          <a:prstGeom prst="rect">
+            <a:avLst/>
+          </a:prstGeom>
+          <a:noFill/>
+        </p:spPr>
+        <p:txBody>
+          <a:bodyPr wrap="square" rtlCol="0">
+            <a:spAutoFit/>
+          </a:bodyPr>
+          <a:lstStyle/>
+          <a:p>
+            <a:r>
+              <a:rPr lang="en-US" sz="2000" dirty="0">
+                <a:solidFill>
+                  <a:srgbClr val="0070C0"/>
+                </a:solidFill>
+                <a:latin typeface="Times New Roman" panose="02020603050405020304" pitchFamily="18" charset="0"/>
+                <a:cs typeface="Times New Roman" panose="02020603050405020304" pitchFamily="18" charset="0"/>
+              </a:rPr>
+              <a:t>P</a:t>
+            </a:r>
+            <a:endParaRPr lang="en-US" sz="2000" dirty="0">
+              <a:solidFill>
+                <a:srgbClr val="0070C0"/>
+              </a:solidFill>
+            </a:endParaRPr>
+          </a:p>
+        </p:txBody>
+      </p:sp>
+      <p:sp>
+        <p:nvSpPr>
+          <p:cNvPr id="37" name="TextBox 36">
+            <a:extLst>
+              <a:ext uri="{FF2B5EF4-FFF2-40B4-BE49-F238E27FC236}">
+                <a16:creationId xmlns:a16="http://schemas.microsoft.com/office/drawing/2014/main" id="{B62C78C8-2487-4060-807C-6985CF58A3FB}"/>
+              </a:ext>
+            </a:extLst>
+          </p:cNvPr>
+          <p:cNvSpPr txBox="1"/>
+          <p:nvPr/>
+        </p:nvSpPr>
+        <p:spPr>
+          <a:xfrm>
+            <a:off x="2700028" y="3289853"/>
+            <a:ext cx="1354732" cy="400110"/>
+          </a:xfrm>
+          <a:prstGeom prst="rect">
+            <a:avLst/>
+          </a:prstGeom>
+          <a:noFill/>
+        </p:spPr>
+        <p:txBody>
+          <a:bodyPr wrap="square" rtlCol="0">
+            <a:spAutoFit/>
+          </a:bodyPr>
+          <a:lstStyle/>
+          <a:p>
+            <a:r>
+              <a:rPr lang="en-US" sz="2000" dirty="0">
+                <a:solidFill>
+                  <a:srgbClr val="FF0000"/>
+                </a:solidFill>
+                <a:latin typeface="Times New Roman" panose="02020603050405020304" pitchFamily="18" charset="0"/>
+                <a:cs typeface="Times New Roman" panose="02020603050405020304" pitchFamily="18" charset="0"/>
+              </a:rPr>
+              <a:t>Constant T</a:t>
+            </a:r>
+            <a:endParaRPr lang="en-US" sz="2000" dirty="0">
+              <a:solidFill>
+                <a:srgbClr val="FF0000"/>
+              </a:solidFill>
+            </a:endParaRPr>
+          </a:p>
+        </p:txBody>
+      </p:sp>
+      <p:sp>
+        <p:nvSpPr>
+          <p:cNvPr id="39" name="TextBox 38">
+            <a:extLst>
+              <a:ext uri="{FF2B5EF4-FFF2-40B4-BE49-F238E27FC236}">
+                <a16:creationId xmlns:a16="http://schemas.microsoft.com/office/drawing/2014/main" id="{B860C992-8358-4279-9932-54B50BA3F8BB}"/>
+              </a:ext>
+            </a:extLst>
+          </p:cNvPr>
+          <p:cNvSpPr txBox="1"/>
+          <p:nvPr/>
+        </p:nvSpPr>
+        <p:spPr>
+          <a:xfrm>
+            <a:off x="4736528" y="1901819"/>
+            <a:ext cx="1354732" cy="400110"/>
+          </a:xfrm>
+          <a:prstGeom prst="rect">
+            <a:avLst/>
+          </a:prstGeom>
+          <a:noFill/>
+        </p:spPr>
+        <p:txBody>
+          <a:bodyPr wrap="square" rtlCol="0">
+            <a:spAutoFit/>
+          </a:bodyPr>
+          <a:lstStyle/>
+          <a:p>
+            <a:r>
+              <a:rPr lang="en-US" sz="2000" dirty="0">
+                <a:solidFill>
+                  <a:schemeClr val="accent1">
+                    <a:lumMod val="50000"/>
+                  </a:schemeClr>
+                </a:solidFill>
+                <a:latin typeface="Times New Roman" panose="02020603050405020304" pitchFamily="18" charset="0"/>
+                <a:cs typeface="Times New Roman" panose="02020603050405020304" pitchFamily="18" charset="0"/>
+              </a:rPr>
+              <a:t>Constant P</a:t>
+            </a:r>
+            <a:endParaRPr lang="en-US" sz="2000" dirty="0">
+              <a:solidFill>
+                <a:schemeClr val="accent1">
+                  <a:lumMod val="50000"/>
+                </a:schemeClr>
+              </a:solidFill>
+            </a:endParaRPr>
+          </a:p>
+        </p:txBody>
+      </p:sp>
+    </p:spTree>
+    <p:extLst>
+      <p:ext uri="{BB962C8B-B14F-4D97-AF65-F5344CB8AC3E}">
+        <p14:creationId xmlns:p14="http://schemas.microsoft.com/office/powerpoint/2010/main" val="2550863435"/>
+      </p:ext>
+    </p:extLst>
+  </p:cSld>
+  <p:clrMapOvr>
+    <a:masterClrMapping/>
+  </p:clrMapOvr>
+</p:sld>
+</file>
+
+<file path=ppt/slides/slide7.xml><?xml version="1.0" encoding="utf-8"?>
+<p:sld xmlns:a="http://schemas.openxmlformats.org/drawingml/2006/main" xmlns:r="http://schemas.openxmlformats.org/officeDocument/2006/relationships" xmlns:p="http://schemas.openxmlformats.org/presentationml/2006/main">
+  <p:cSld>
+    <p:spTree>
+      <p:nvGrpSpPr>
+        <p:cNvPr id="1" name=""/>
+        <p:cNvGrpSpPr/>
+        <p:nvPr/>
+      </p:nvGrpSpPr>
+      <p:grpSpPr>
+        <a:xfrm>
+          <a:off x="0" y="0"/>
+          <a:ext cx="0" cy="0"/>
+          <a:chOff x="0" y="0"/>
+          <a:chExt cx="0" cy="0"/>
+        </a:xfrm>
+      </p:grpSpPr>
+      <p:cxnSp>
+        <p:nvCxnSpPr>
+          <p:cNvPr id="6" name="Straight Arrow Connector 5">
+            <a:extLst>
+              <a:ext uri="{FF2B5EF4-FFF2-40B4-BE49-F238E27FC236}">
+                <a16:creationId xmlns:a16="http://schemas.microsoft.com/office/drawing/2014/main" id="{D0E608C6-F3EE-4FF4-B8ED-F23A782BF6F9}"/>
+              </a:ext>
+            </a:extLst>
+          </p:cNvPr>
+          <p:cNvCxnSpPr>
+            <a:cxnSpLocks/>
+          </p:cNvCxnSpPr>
+          <p:nvPr/>
+        </p:nvCxnSpPr>
+        <p:spPr>
+          <a:xfrm flipV="1">
+            <a:off x="2205203" y="1453861"/>
+            <a:ext cx="0" cy="2351520"/>
+          </a:xfrm>
+          <a:prstGeom prst="straightConnector1">
+            <a:avLst/>
+          </a:prstGeom>
+          <a:ln w="25400">
+            <a:solidFill>
+              <a:schemeClr val="tx1"/>
+            </a:solidFill>
+            <a:tailEnd type="triangle" w="lg" len="lg"/>
+          </a:ln>
+        </p:spPr>
+        <p:style>
+          <a:lnRef idx="1">
+            <a:schemeClr val="accent1"/>
+          </a:lnRef>
+          <a:fillRef idx="0">
+            <a:schemeClr val="accent1"/>
+          </a:fillRef>
+          <a:effectRef idx="0">
+            <a:schemeClr val="accent1"/>
+          </a:effectRef>
+          <a:fontRef idx="minor">
+            <a:schemeClr val="tx1"/>
+          </a:fontRef>
+        </p:style>
+      </p:cxnSp>
+      <p:cxnSp>
+        <p:nvCxnSpPr>
+          <p:cNvPr id="7" name="Straight Arrow Connector 6">
+            <a:extLst>
+              <a:ext uri="{FF2B5EF4-FFF2-40B4-BE49-F238E27FC236}">
+                <a16:creationId xmlns:a16="http://schemas.microsoft.com/office/drawing/2014/main" id="{4A6DA796-F1F6-4935-AB40-48EC032CCC22}"/>
+              </a:ext>
+            </a:extLst>
+          </p:cNvPr>
+          <p:cNvCxnSpPr>
+            <a:cxnSpLocks/>
+          </p:cNvCxnSpPr>
+          <p:nvPr/>
+        </p:nvCxnSpPr>
+        <p:spPr>
+          <a:xfrm flipV="1">
+            <a:off x="2205203" y="3754887"/>
+            <a:ext cx="5872003" cy="50495"/>
+          </a:xfrm>
+          <a:prstGeom prst="straightConnector1">
+            <a:avLst/>
+          </a:prstGeom>
+          <a:ln w="25400">
+            <a:solidFill>
+              <a:schemeClr val="tx1"/>
+            </a:solidFill>
+            <a:tailEnd type="triangle" w="lg" len="lg"/>
+          </a:ln>
+        </p:spPr>
+        <p:style>
+          <a:lnRef idx="1">
+            <a:schemeClr val="accent1"/>
+          </a:lnRef>
+          <a:fillRef idx="0">
+            <a:schemeClr val="accent1"/>
+          </a:fillRef>
+          <a:effectRef idx="0">
+            <a:schemeClr val="accent1"/>
+          </a:effectRef>
+          <a:fontRef idx="minor">
+            <a:schemeClr val="tx1"/>
+          </a:fontRef>
+        </p:style>
+      </p:cxnSp>
+      <p:sp>
+        <p:nvSpPr>
+          <p:cNvPr id="14" name="TextBox 13">
+            <a:extLst>
+              <a:ext uri="{FF2B5EF4-FFF2-40B4-BE49-F238E27FC236}">
+                <a16:creationId xmlns:a16="http://schemas.microsoft.com/office/drawing/2014/main" id="{9AED8FD5-8EE4-482C-BAD2-9FC25C8938D9}"/>
+              </a:ext>
+            </a:extLst>
+          </p:cNvPr>
+          <p:cNvSpPr txBox="1"/>
+          <p:nvPr/>
+        </p:nvSpPr>
+        <p:spPr>
+          <a:xfrm>
+            <a:off x="8065594" y="3530288"/>
+            <a:ext cx="1087573" cy="369332"/>
+          </a:xfrm>
+          <a:prstGeom prst="rect">
+            <a:avLst/>
+          </a:prstGeom>
+          <a:noFill/>
+        </p:spPr>
+        <p:txBody>
+          <a:bodyPr wrap="square" rtlCol="0">
+            <a:spAutoFit/>
+          </a:bodyPr>
+          <a:lstStyle/>
+          <a:p>
+            <a:r>
+              <a:rPr lang="en-US" dirty="0">
+                <a:latin typeface="Times New Roman" panose="02020603050405020304" pitchFamily="18" charset="0"/>
+                <a:cs typeface="Times New Roman" panose="02020603050405020304" pitchFamily="18" charset="0"/>
+              </a:rPr>
+              <a:t>[rad/sec]</a:t>
+            </a:r>
+            <a:endParaRPr lang="en-US" dirty="0"/>
+          </a:p>
+        </p:txBody>
+      </p:sp>
+      <p:sp>
+        <p:nvSpPr>
+          <p:cNvPr id="30" name="Freeform: Shape 29">
+            <a:extLst>
+              <a:ext uri="{FF2B5EF4-FFF2-40B4-BE49-F238E27FC236}">
+                <a16:creationId xmlns:a16="http://schemas.microsoft.com/office/drawing/2014/main" id="{4E973883-5B59-4C8A-A953-05963DBEF349}"/>
+              </a:ext>
+            </a:extLst>
+          </p:cNvPr>
+          <p:cNvSpPr/>
+          <p:nvPr/>
+        </p:nvSpPr>
+        <p:spPr>
+          <a:xfrm>
+            <a:off x="2318327" y="1910719"/>
+            <a:ext cx="886691" cy="1912737"/>
+          </a:xfrm>
+          <a:custGeom>
+            <a:avLst/>
+            <a:gdLst>
+              <a:gd name="connsiteX0" fmla="*/ 0 w 886691"/>
+              <a:gd name="connsiteY0" fmla="*/ 493757 h 2285611"/>
+              <a:gd name="connsiteX1" fmla="*/ 314036 w 886691"/>
+              <a:gd name="connsiteY1" fmla="*/ 115066 h 2285611"/>
+              <a:gd name="connsiteX2" fmla="*/ 886691 w 886691"/>
+              <a:gd name="connsiteY2" fmla="*/ 2285611 h 2285611"/>
+            </a:gdLst>
+            <a:ahLst/>
+            <a:cxnLst>
+              <a:cxn ang="0">
+                <a:pos x="connsiteX0" y="connsiteY0"/>
+              </a:cxn>
+              <a:cxn ang="0">
+                <a:pos x="connsiteX1" y="connsiteY1"/>
+              </a:cxn>
+              <a:cxn ang="0">
+                <a:pos x="connsiteX2" y="connsiteY2"/>
+              </a:cxn>
+            </a:cxnLst>
+            <a:rect l="l" t="t" r="r" b="b"/>
+            <a:pathLst>
+              <a:path w="886691" h="2285611">
+                <a:moveTo>
+                  <a:pt x="0" y="493757"/>
+                </a:moveTo>
+                <a:cubicBezTo>
+                  <a:pt x="83127" y="155090"/>
+                  <a:pt x="166254" y="-183576"/>
+                  <a:pt x="314036" y="115066"/>
+                </a:cubicBezTo>
+                <a:cubicBezTo>
+                  <a:pt x="461818" y="413708"/>
+                  <a:pt x="748146" y="1982351"/>
+                  <a:pt x="886691" y="2285611"/>
+                </a:cubicBezTo>
+              </a:path>
+            </a:pathLst>
+          </a:custGeom>
+          <a:noFill/>
+          <a:ln w="25400">
+            <a:solidFill>
+              <a:srgbClr val="002060"/>
+            </a:solidFill>
+          </a:ln>
+        </p:spPr>
+        <p:style>
+          <a:lnRef idx="2">
+            <a:schemeClr val="accent1">
+              <a:shade val="50000"/>
+            </a:schemeClr>
+          </a:lnRef>
+          <a:fillRef idx="1">
+            <a:schemeClr val="accent1"/>
+          </a:fillRef>
+          <a:effectRef idx="0">
+            <a:schemeClr val="accent1"/>
+          </a:effectRef>
+          <a:fontRef idx="minor">
+            <a:schemeClr val="lt1"/>
+          </a:fontRef>
+        </p:style>
+        <p:txBody>
+          <a:bodyPr rtlCol="0" anchor="ctr"/>
+          <a:lstStyle/>
+          <a:p>
+            <a:pPr algn="ctr"/>
+            <a:endParaRPr lang="en-US"/>
+          </a:p>
+        </p:txBody>
+      </p:sp>
+      <p:sp>
+        <p:nvSpPr>
+          <p:cNvPr id="32" name="Freeform: Shape 31">
+            <a:extLst>
+              <a:ext uri="{FF2B5EF4-FFF2-40B4-BE49-F238E27FC236}">
+                <a16:creationId xmlns:a16="http://schemas.microsoft.com/office/drawing/2014/main" id="{1B299EEB-B345-4007-B7C3-0A8ED8F6B8EA}"/>
+              </a:ext>
+            </a:extLst>
+          </p:cNvPr>
+          <p:cNvSpPr/>
+          <p:nvPr/>
+        </p:nvSpPr>
+        <p:spPr>
+          <a:xfrm>
+            <a:off x="2874795" y="1910719"/>
+            <a:ext cx="886691" cy="1894661"/>
+          </a:xfrm>
+          <a:custGeom>
+            <a:avLst/>
+            <a:gdLst>
+              <a:gd name="connsiteX0" fmla="*/ 0 w 886691"/>
+              <a:gd name="connsiteY0" fmla="*/ 493757 h 2285611"/>
+              <a:gd name="connsiteX1" fmla="*/ 314036 w 886691"/>
+              <a:gd name="connsiteY1" fmla="*/ 115066 h 2285611"/>
+              <a:gd name="connsiteX2" fmla="*/ 886691 w 886691"/>
+              <a:gd name="connsiteY2" fmla="*/ 2285611 h 2285611"/>
+            </a:gdLst>
+            <a:ahLst/>
+            <a:cxnLst>
+              <a:cxn ang="0">
+                <a:pos x="connsiteX0" y="connsiteY0"/>
+              </a:cxn>
+              <a:cxn ang="0">
+                <a:pos x="connsiteX1" y="connsiteY1"/>
+              </a:cxn>
+              <a:cxn ang="0">
+                <a:pos x="connsiteX2" y="connsiteY2"/>
+              </a:cxn>
+            </a:cxnLst>
+            <a:rect l="l" t="t" r="r" b="b"/>
+            <a:pathLst>
+              <a:path w="886691" h="2285611">
+                <a:moveTo>
+                  <a:pt x="0" y="493757"/>
+                </a:moveTo>
+                <a:cubicBezTo>
+                  <a:pt x="83127" y="155090"/>
+                  <a:pt x="166254" y="-183576"/>
+                  <a:pt x="314036" y="115066"/>
+                </a:cubicBezTo>
+                <a:cubicBezTo>
+                  <a:pt x="461818" y="413708"/>
+                  <a:pt x="748146" y="1982351"/>
+                  <a:pt x="886691" y="2285611"/>
+                </a:cubicBezTo>
+              </a:path>
+            </a:pathLst>
+          </a:custGeom>
+          <a:noFill/>
+          <a:ln w="25400">
+            <a:solidFill>
+              <a:srgbClr val="002060"/>
+            </a:solidFill>
+          </a:ln>
+        </p:spPr>
+        <p:style>
+          <a:lnRef idx="2">
+            <a:schemeClr val="accent1">
+              <a:shade val="50000"/>
+            </a:schemeClr>
+          </a:lnRef>
+          <a:fillRef idx="1">
+            <a:schemeClr val="accent1"/>
+          </a:fillRef>
+          <a:effectRef idx="0">
+            <a:schemeClr val="accent1"/>
+          </a:effectRef>
+          <a:fontRef idx="minor">
+            <a:schemeClr val="lt1"/>
+          </a:fontRef>
+        </p:style>
+        <p:txBody>
+          <a:bodyPr rtlCol="0" anchor="ctr"/>
+          <a:lstStyle/>
+          <a:p>
+            <a:pPr algn="ctr"/>
+            <a:endParaRPr lang="en-US"/>
+          </a:p>
+        </p:txBody>
+      </p:sp>
+      <p:sp>
+        <p:nvSpPr>
+          <p:cNvPr id="33" name="Freeform: Shape 32">
+            <a:extLst>
+              <a:ext uri="{FF2B5EF4-FFF2-40B4-BE49-F238E27FC236}">
+                <a16:creationId xmlns:a16="http://schemas.microsoft.com/office/drawing/2014/main" id="{3F9AAE48-F2A9-423E-932B-58825A342466}"/>
+              </a:ext>
+            </a:extLst>
+          </p:cNvPr>
+          <p:cNvSpPr/>
+          <p:nvPr/>
+        </p:nvSpPr>
+        <p:spPr>
+          <a:xfrm>
+            <a:off x="3431263" y="1910720"/>
+            <a:ext cx="886691" cy="1861706"/>
+          </a:xfrm>
+          <a:custGeom>
+            <a:avLst/>
+            <a:gdLst>
+              <a:gd name="connsiteX0" fmla="*/ 0 w 886691"/>
+              <a:gd name="connsiteY0" fmla="*/ 493757 h 2285611"/>
+              <a:gd name="connsiteX1" fmla="*/ 314036 w 886691"/>
+              <a:gd name="connsiteY1" fmla="*/ 115066 h 2285611"/>
+              <a:gd name="connsiteX2" fmla="*/ 886691 w 886691"/>
+              <a:gd name="connsiteY2" fmla="*/ 2285611 h 2285611"/>
+            </a:gdLst>
+            <a:ahLst/>
+            <a:cxnLst>
+              <a:cxn ang="0">
+                <a:pos x="connsiteX0" y="connsiteY0"/>
+              </a:cxn>
+              <a:cxn ang="0">
+                <a:pos x="connsiteX1" y="connsiteY1"/>
+              </a:cxn>
+              <a:cxn ang="0">
+                <a:pos x="connsiteX2" y="connsiteY2"/>
+              </a:cxn>
+            </a:cxnLst>
+            <a:rect l="l" t="t" r="r" b="b"/>
+            <a:pathLst>
+              <a:path w="886691" h="2285611">
+                <a:moveTo>
+                  <a:pt x="0" y="493757"/>
+                </a:moveTo>
+                <a:cubicBezTo>
+                  <a:pt x="83127" y="155090"/>
+                  <a:pt x="166254" y="-183576"/>
+                  <a:pt x="314036" y="115066"/>
+                </a:cubicBezTo>
+                <a:cubicBezTo>
+                  <a:pt x="461818" y="413708"/>
+                  <a:pt x="748146" y="1982351"/>
+                  <a:pt x="886691" y="2285611"/>
+                </a:cubicBezTo>
+              </a:path>
+            </a:pathLst>
+          </a:custGeom>
+          <a:noFill/>
+          <a:ln w="25400">
+            <a:solidFill>
+              <a:srgbClr val="002060"/>
+            </a:solidFill>
+          </a:ln>
+        </p:spPr>
+        <p:style>
+          <a:lnRef idx="2">
+            <a:schemeClr val="accent1">
+              <a:shade val="50000"/>
+            </a:schemeClr>
+          </a:lnRef>
+          <a:fillRef idx="1">
+            <a:schemeClr val="accent1"/>
+          </a:fillRef>
+          <a:effectRef idx="0">
+            <a:schemeClr val="accent1"/>
+          </a:effectRef>
+          <a:fontRef idx="minor">
+            <a:schemeClr val="lt1"/>
+          </a:fontRef>
+        </p:style>
+        <p:txBody>
+          <a:bodyPr rtlCol="0" anchor="ctr"/>
+          <a:lstStyle/>
+          <a:p>
+            <a:pPr algn="ctr"/>
+            <a:endParaRPr lang="en-US"/>
+          </a:p>
+        </p:txBody>
+      </p:sp>
+      <p:sp>
+        <p:nvSpPr>
+          <p:cNvPr id="34" name="Freeform: Shape 33">
+            <a:extLst>
+              <a:ext uri="{FF2B5EF4-FFF2-40B4-BE49-F238E27FC236}">
+                <a16:creationId xmlns:a16="http://schemas.microsoft.com/office/drawing/2014/main" id="{B3C3AD26-5DD2-4D9B-81A9-EE88E1A49D28}"/>
+              </a:ext>
+            </a:extLst>
+          </p:cNvPr>
+          <p:cNvSpPr/>
+          <p:nvPr/>
+        </p:nvSpPr>
+        <p:spPr>
+          <a:xfrm>
+            <a:off x="4032841" y="1911927"/>
+            <a:ext cx="886691" cy="1860499"/>
+          </a:xfrm>
+          <a:custGeom>
+            <a:avLst/>
+            <a:gdLst>
+              <a:gd name="connsiteX0" fmla="*/ 0 w 886691"/>
+              <a:gd name="connsiteY0" fmla="*/ 493757 h 2285611"/>
+              <a:gd name="connsiteX1" fmla="*/ 314036 w 886691"/>
+              <a:gd name="connsiteY1" fmla="*/ 115066 h 2285611"/>
+              <a:gd name="connsiteX2" fmla="*/ 886691 w 886691"/>
+              <a:gd name="connsiteY2" fmla="*/ 2285611 h 2285611"/>
+            </a:gdLst>
+            <a:ahLst/>
+            <a:cxnLst>
+              <a:cxn ang="0">
+                <a:pos x="connsiteX0" y="connsiteY0"/>
+              </a:cxn>
+              <a:cxn ang="0">
+                <a:pos x="connsiteX1" y="connsiteY1"/>
+              </a:cxn>
+              <a:cxn ang="0">
+                <a:pos x="connsiteX2" y="connsiteY2"/>
+              </a:cxn>
+            </a:cxnLst>
+            <a:rect l="l" t="t" r="r" b="b"/>
+            <a:pathLst>
+              <a:path w="886691" h="2285611">
+                <a:moveTo>
+                  <a:pt x="0" y="493757"/>
+                </a:moveTo>
+                <a:cubicBezTo>
+                  <a:pt x="83127" y="155090"/>
+                  <a:pt x="166254" y="-183576"/>
+                  <a:pt x="314036" y="115066"/>
+                </a:cubicBezTo>
+                <a:cubicBezTo>
+                  <a:pt x="461818" y="413708"/>
+                  <a:pt x="748146" y="1982351"/>
+                  <a:pt x="886691" y="2285611"/>
+                </a:cubicBezTo>
+              </a:path>
+            </a:pathLst>
+          </a:custGeom>
+          <a:noFill/>
+          <a:ln w="25400">
+            <a:solidFill>
+              <a:srgbClr val="002060"/>
+            </a:solidFill>
+          </a:ln>
+        </p:spPr>
+        <p:style>
+          <a:lnRef idx="2">
+            <a:schemeClr val="accent1">
+              <a:shade val="50000"/>
+            </a:schemeClr>
+          </a:lnRef>
+          <a:fillRef idx="1">
+            <a:schemeClr val="accent1"/>
+          </a:fillRef>
+          <a:effectRef idx="0">
+            <a:schemeClr val="accent1"/>
+          </a:effectRef>
+          <a:fontRef idx="minor">
+            <a:schemeClr val="lt1"/>
+          </a:fontRef>
+        </p:style>
+        <p:txBody>
+          <a:bodyPr rtlCol="0" anchor="ctr"/>
+          <a:lstStyle/>
+          <a:p>
+            <a:pPr algn="ctr"/>
+            <a:endParaRPr lang="en-US"/>
+          </a:p>
+        </p:txBody>
+      </p:sp>
+      <p:sp>
+        <p:nvSpPr>
+          <p:cNvPr id="35" name="Freeform: Shape 34">
+            <a:extLst>
+              <a:ext uri="{FF2B5EF4-FFF2-40B4-BE49-F238E27FC236}">
+                <a16:creationId xmlns:a16="http://schemas.microsoft.com/office/drawing/2014/main" id="{61E5643D-4349-48F9-873D-D878B6D29C21}"/>
+              </a:ext>
+            </a:extLst>
+          </p:cNvPr>
+          <p:cNvSpPr/>
+          <p:nvPr/>
+        </p:nvSpPr>
+        <p:spPr>
+          <a:xfrm>
+            <a:off x="4660171" y="2029350"/>
+            <a:ext cx="886691" cy="1772983"/>
+          </a:xfrm>
+          <a:custGeom>
+            <a:avLst/>
+            <a:gdLst>
+              <a:gd name="connsiteX0" fmla="*/ 0 w 886691"/>
+              <a:gd name="connsiteY0" fmla="*/ 493757 h 2285611"/>
+              <a:gd name="connsiteX1" fmla="*/ 314036 w 886691"/>
+              <a:gd name="connsiteY1" fmla="*/ 115066 h 2285611"/>
+              <a:gd name="connsiteX2" fmla="*/ 886691 w 886691"/>
+              <a:gd name="connsiteY2" fmla="*/ 2285611 h 2285611"/>
+            </a:gdLst>
+            <a:ahLst/>
+            <a:cxnLst>
+              <a:cxn ang="0">
+                <a:pos x="connsiteX0" y="connsiteY0"/>
+              </a:cxn>
+              <a:cxn ang="0">
+                <a:pos x="connsiteX1" y="connsiteY1"/>
+              </a:cxn>
+              <a:cxn ang="0">
+                <a:pos x="connsiteX2" y="connsiteY2"/>
+              </a:cxn>
+            </a:cxnLst>
+            <a:rect l="l" t="t" r="r" b="b"/>
+            <a:pathLst>
+              <a:path w="886691" h="2285611">
+                <a:moveTo>
+                  <a:pt x="0" y="493757"/>
+                </a:moveTo>
+                <a:cubicBezTo>
+                  <a:pt x="83127" y="155090"/>
+                  <a:pt x="166254" y="-183576"/>
+                  <a:pt x="314036" y="115066"/>
+                </a:cubicBezTo>
+                <a:cubicBezTo>
+                  <a:pt x="461818" y="413708"/>
+                  <a:pt x="748146" y="1982351"/>
+                  <a:pt x="886691" y="2285611"/>
+                </a:cubicBezTo>
+              </a:path>
+            </a:pathLst>
+          </a:custGeom>
+          <a:noFill/>
+          <a:ln w="25400">
+            <a:solidFill>
+              <a:srgbClr val="002060"/>
+            </a:solidFill>
+          </a:ln>
+        </p:spPr>
+        <p:style>
+          <a:lnRef idx="2">
+            <a:schemeClr val="accent1">
+              <a:shade val="50000"/>
+            </a:schemeClr>
+          </a:lnRef>
+          <a:fillRef idx="1">
+            <a:schemeClr val="accent1"/>
+          </a:fillRef>
+          <a:effectRef idx="0">
+            <a:schemeClr val="accent1"/>
+          </a:effectRef>
+          <a:fontRef idx="minor">
+            <a:schemeClr val="lt1"/>
+          </a:fontRef>
+        </p:style>
+        <p:txBody>
+          <a:bodyPr rtlCol="0" anchor="ctr"/>
+          <a:lstStyle/>
+          <a:p>
+            <a:pPr algn="ctr"/>
+            <a:endParaRPr lang="en-US"/>
+          </a:p>
+        </p:txBody>
+      </p:sp>
+      <p:sp>
+        <p:nvSpPr>
+          <p:cNvPr id="36" name="Freeform: Shape 35">
+            <a:extLst>
+              <a:ext uri="{FF2B5EF4-FFF2-40B4-BE49-F238E27FC236}">
+                <a16:creationId xmlns:a16="http://schemas.microsoft.com/office/drawing/2014/main" id="{35525555-B5F6-4393-80E4-C0DFA3B3369A}"/>
+              </a:ext>
+            </a:extLst>
+          </p:cNvPr>
+          <p:cNvSpPr/>
+          <p:nvPr/>
+        </p:nvSpPr>
+        <p:spPr>
+          <a:xfrm>
+            <a:off x="5290321" y="2456873"/>
+            <a:ext cx="886691" cy="1323860"/>
+          </a:xfrm>
+          <a:custGeom>
+            <a:avLst/>
+            <a:gdLst>
+              <a:gd name="connsiteX0" fmla="*/ 0 w 886691"/>
+              <a:gd name="connsiteY0" fmla="*/ 493757 h 2285611"/>
+              <a:gd name="connsiteX1" fmla="*/ 314036 w 886691"/>
+              <a:gd name="connsiteY1" fmla="*/ 115066 h 2285611"/>
+              <a:gd name="connsiteX2" fmla="*/ 886691 w 886691"/>
+              <a:gd name="connsiteY2" fmla="*/ 2285611 h 2285611"/>
+            </a:gdLst>
+            <a:ahLst/>
+            <a:cxnLst>
+              <a:cxn ang="0">
+                <a:pos x="connsiteX0" y="connsiteY0"/>
+              </a:cxn>
+              <a:cxn ang="0">
+                <a:pos x="connsiteX1" y="connsiteY1"/>
+              </a:cxn>
+              <a:cxn ang="0">
+                <a:pos x="connsiteX2" y="connsiteY2"/>
+              </a:cxn>
+            </a:cxnLst>
+            <a:rect l="l" t="t" r="r" b="b"/>
+            <a:pathLst>
+              <a:path w="886691" h="2285611">
+                <a:moveTo>
+                  <a:pt x="0" y="493757"/>
+                </a:moveTo>
+                <a:cubicBezTo>
+                  <a:pt x="83127" y="155090"/>
+                  <a:pt x="166254" y="-183576"/>
+                  <a:pt x="314036" y="115066"/>
+                </a:cubicBezTo>
+                <a:cubicBezTo>
+                  <a:pt x="461818" y="413708"/>
+                  <a:pt x="748146" y="1982351"/>
+                  <a:pt x="886691" y="2285611"/>
+                </a:cubicBezTo>
+              </a:path>
+            </a:pathLst>
+          </a:custGeom>
+          <a:noFill/>
+          <a:ln w="25400">
+            <a:solidFill>
+              <a:srgbClr val="002060"/>
+            </a:solidFill>
+          </a:ln>
+        </p:spPr>
+        <p:style>
+          <a:lnRef idx="2">
+            <a:schemeClr val="accent1">
+              <a:shade val="50000"/>
+            </a:schemeClr>
+          </a:lnRef>
+          <a:fillRef idx="1">
+            <a:schemeClr val="accent1"/>
+          </a:fillRef>
+          <a:effectRef idx="0">
+            <a:schemeClr val="accent1"/>
+          </a:effectRef>
+          <a:fontRef idx="minor">
+            <a:schemeClr val="lt1"/>
+          </a:fontRef>
+        </p:style>
+        <p:txBody>
+          <a:bodyPr rtlCol="0" anchor="ctr"/>
+          <a:lstStyle/>
+          <a:p>
+            <a:pPr algn="ctr"/>
+            <a:endParaRPr lang="en-US"/>
+          </a:p>
+        </p:txBody>
+      </p:sp>
+      <p:sp>
+        <p:nvSpPr>
+          <p:cNvPr id="37" name="Freeform: Shape 36">
+            <a:extLst>
+              <a:ext uri="{FF2B5EF4-FFF2-40B4-BE49-F238E27FC236}">
+                <a16:creationId xmlns:a16="http://schemas.microsoft.com/office/drawing/2014/main" id="{826BCAA6-5022-4D2B-BAC1-BB2D1CADACF7}"/>
+              </a:ext>
+            </a:extLst>
+          </p:cNvPr>
+          <p:cNvSpPr/>
+          <p:nvPr/>
+        </p:nvSpPr>
+        <p:spPr>
+          <a:xfrm>
+            <a:off x="6001046" y="2801820"/>
+            <a:ext cx="741549" cy="978313"/>
+          </a:xfrm>
+          <a:custGeom>
+            <a:avLst/>
+            <a:gdLst>
+              <a:gd name="connsiteX0" fmla="*/ 0 w 886691"/>
+              <a:gd name="connsiteY0" fmla="*/ 493757 h 2285611"/>
+              <a:gd name="connsiteX1" fmla="*/ 314036 w 886691"/>
+              <a:gd name="connsiteY1" fmla="*/ 115066 h 2285611"/>
+              <a:gd name="connsiteX2" fmla="*/ 886691 w 886691"/>
+              <a:gd name="connsiteY2" fmla="*/ 2285611 h 2285611"/>
+            </a:gdLst>
+            <a:ahLst/>
+            <a:cxnLst>
+              <a:cxn ang="0">
+                <a:pos x="connsiteX0" y="connsiteY0"/>
+              </a:cxn>
+              <a:cxn ang="0">
+                <a:pos x="connsiteX1" y="connsiteY1"/>
+              </a:cxn>
+              <a:cxn ang="0">
+                <a:pos x="connsiteX2" y="connsiteY2"/>
+              </a:cxn>
+            </a:cxnLst>
+            <a:rect l="l" t="t" r="r" b="b"/>
+            <a:pathLst>
+              <a:path w="886691" h="2285611">
+                <a:moveTo>
+                  <a:pt x="0" y="493757"/>
+                </a:moveTo>
+                <a:cubicBezTo>
+                  <a:pt x="83127" y="155090"/>
+                  <a:pt x="166254" y="-183576"/>
+                  <a:pt x="314036" y="115066"/>
+                </a:cubicBezTo>
+                <a:cubicBezTo>
+                  <a:pt x="461818" y="413708"/>
+                  <a:pt x="748146" y="1982351"/>
+                  <a:pt x="886691" y="2285611"/>
+                </a:cubicBezTo>
+              </a:path>
+            </a:pathLst>
+          </a:custGeom>
+          <a:noFill/>
+          <a:ln w="25400">
+            <a:solidFill>
+              <a:srgbClr val="002060"/>
+            </a:solidFill>
+          </a:ln>
+        </p:spPr>
+        <p:style>
+          <a:lnRef idx="2">
+            <a:schemeClr val="accent1">
+              <a:shade val="50000"/>
+            </a:schemeClr>
+          </a:lnRef>
+          <a:fillRef idx="1">
+            <a:schemeClr val="accent1"/>
+          </a:fillRef>
+          <a:effectRef idx="0">
+            <a:schemeClr val="accent1"/>
+          </a:effectRef>
+          <a:fontRef idx="minor">
+            <a:schemeClr val="lt1"/>
+          </a:fontRef>
+        </p:style>
+        <p:txBody>
+          <a:bodyPr rtlCol="0" anchor="ctr"/>
+          <a:lstStyle/>
+          <a:p>
+            <a:pPr algn="ctr"/>
+            <a:endParaRPr lang="en-US"/>
+          </a:p>
+        </p:txBody>
+      </p:sp>
+      <p:sp>
+        <p:nvSpPr>
+          <p:cNvPr id="38" name="Freeform: Shape 37">
+            <a:extLst>
+              <a:ext uri="{FF2B5EF4-FFF2-40B4-BE49-F238E27FC236}">
+                <a16:creationId xmlns:a16="http://schemas.microsoft.com/office/drawing/2014/main" id="{E012035E-D940-4EAD-AEE5-09B4B81AC831}"/>
+              </a:ext>
+            </a:extLst>
+          </p:cNvPr>
+          <p:cNvSpPr/>
+          <p:nvPr/>
+        </p:nvSpPr>
+        <p:spPr>
+          <a:xfrm>
+            <a:off x="6602623" y="2973790"/>
+            <a:ext cx="741549" cy="781096"/>
+          </a:xfrm>
+          <a:custGeom>
+            <a:avLst/>
+            <a:gdLst>
+              <a:gd name="connsiteX0" fmla="*/ 0 w 886691"/>
+              <a:gd name="connsiteY0" fmla="*/ 493757 h 2285611"/>
+              <a:gd name="connsiteX1" fmla="*/ 314036 w 886691"/>
+              <a:gd name="connsiteY1" fmla="*/ 115066 h 2285611"/>
+              <a:gd name="connsiteX2" fmla="*/ 886691 w 886691"/>
+              <a:gd name="connsiteY2" fmla="*/ 2285611 h 2285611"/>
+            </a:gdLst>
+            <a:ahLst/>
+            <a:cxnLst>
+              <a:cxn ang="0">
+                <a:pos x="connsiteX0" y="connsiteY0"/>
+              </a:cxn>
+              <a:cxn ang="0">
+                <a:pos x="connsiteX1" y="connsiteY1"/>
+              </a:cxn>
+              <a:cxn ang="0">
+                <a:pos x="connsiteX2" y="connsiteY2"/>
+              </a:cxn>
+            </a:cxnLst>
+            <a:rect l="l" t="t" r="r" b="b"/>
+            <a:pathLst>
+              <a:path w="886691" h="2285611">
+                <a:moveTo>
+                  <a:pt x="0" y="493757"/>
+                </a:moveTo>
+                <a:cubicBezTo>
+                  <a:pt x="83127" y="155090"/>
+                  <a:pt x="166254" y="-183576"/>
+                  <a:pt x="314036" y="115066"/>
+                </a:cubicBezTo>
+                <a:cubicBezTo>
+                  <a:pt x="461818" y="413708"/>
+                  <a:pt x="748146" y="1982351"/>
+                  <a:pt x="886691" y="2285611"/>
+                </a:cubicBezTo>
+              </a:path>
+            </a:pathLst>
+          </a:custGeom>
+          <a:noFill/>
+          <a:ln w="25400">
+            <a:solidFill>
+              <a:srgbClr val="002060"/>
+            </a:solidFill>
+          </a:ln>
+        </p:spPr>
+        <p:style>
+          <a:lnRef idx="2">
+            <a:schemeClr val="accent1">
+              <a:shade val="50000"/>
+            </a:schemeClr>
+          </a:lnRef>
+          <a:fillRef idx="1">
+            <a:schemeClr val="accent1"/>
+          </a:fillRef>
+          <a:effectRef idx="0">
+            <a:schemeClr val="accent1"/>
+          </a:effectRef>
+          <a:fontRef idx="minor">
+            <a:schemeClr val="lt1"/>
+          </a:fontRef>
+        </p:style>
+        <p:txBody>
+          <a:bodyPr rtlCol="0" anchor="ctr"/>
+          <a:lstStyle/>
+          <a:p>
+            <a:pPr algn="ctr"/>
+            <a:endParaRPr lang="en-US"/>
+          </a:p>
+        </p:txBody>
+      </p:sp>
+      <p:sp>
+        <p:nvSpPr>
+          <p:cNvPr id="47" name="Freeform: Shape 46">
+            <a:extLst>
+              <a:ext uri="{FF2B5EF4-FFF2-40B4-BE49-F238E27FC236}">
+                <a16:creationId xmlns:a16="http://schemas.microsoft.com/office/drawing/2014/main" id="{3CDC6AF3-EB3A-4A99-8F49-C3AA137BBBA1}"/>
+              </a:ext>
+            </a:extLst>
+          </p:cNvPr>
+          <p:cNvSpPr/>
+          <p:nvPr/>
+        </p:nvSpPr>
+        <p:spPr>
+          <a:xfrm>
+            <a:off x="7344173" y="3153610"/>
+            <a:ext cx="456436" cy="610150"/>
+          </a:xfrm>
+          <a:custGeom>
+            <a:avLst/>
+            <a:gdLst>
+              <a:gd name="connsiteX0" fmla="*/ 0 w 886691"/>
+              <a:gd name="connsiteY0" fmla="*/ 493757 h 2285611"/>
+              <a:gd name="connsiteX1" fmla="*/ 314036 w 886691"/>
+              <a:gd name="connsiteY1" fmla="*/ 115066 h 2285611"/>
+              <a:gd name="connsiteX2" fmla="*/ 886691 w 886691"/>
+              <a:gd name="connsiteY2" fmla="*/ 2285611 h 2285611"/>
+            </a:gdLst>
+            <a:ahLst/>
+            <a:cxnLst>
+              <a:cxn ang="0">
+                <a:pos x="connsiteX0" y="connsiteY0"/>
+              </a:cxn>
+              <a:cxn ang="0">
+                <a:pos x="connsiteX1" y="connsiteY1"/>
+              </a:cxn>
+              <a:cxn ang="0">
+                <a:pos x="connsiteX2" y="connsiteY2"/>
+              </a:cxn>
+            </a:cxnLst>
+            <a:rect l="l" t="t" r="r" b="b"/>
+            <a:pathLst>
+              <a:path w="886691" h="2285611">
+                <a:moveTo>
+                  <a:pt x="0" y="493757"/>
+                </a:moveTo>
+                <a:cubicBezTo>
+                  <a:pt x="83127" y="155090"/>
+                  <a:pt x="166254" y="-183576"/>
+                  <a:pt x="314036" y="115066"/>
+                </a:cubicBezTo>
+                <a:cubicBezTo>
+                  <a:pt x="461818" y="413708"/>
+                  <a:pt x="748146" y="1982351"/>
+                  <a:pt x="886691" y="2285611"/>
+                </a:cubicBezTo>
+              </a:path>
+            </a:pathLst>
+          </a:custGeom>
+          <a:noFill/>
+          <a:ln w="25400">
+            <a:solidFill>
+              <a:srgbClr val="002060"/>
+            </a:solidFill>
+          </a:ln>
+        </p:spPr>
+        <p:style>
+          <a:lnRef idx="2">
+            <a:schemeClr val="accent1">
+              <a:shade val="50000"/>
+            </a:schemeClr>
+          </a:lnRef>
+          <a:fillRef idx="1">
+            <a:schemeClr val="accent1"/>
+          </a:fillRef>
+          <a:effectRef idx="0">
+            <a:schemeClr val="accent1"/>
+          </a:effectRef>
+          <a:fontRef idx="minor">
+            <a:schemeClr val="lt1"/>
+          </a:fontRef>
+        </p:style>
+        <p:txBody>
+          <a:bodyPr rtlCol="0" anchor="ctr"/>
+          <a:lstStyle/>
+          <a:p>
+            <a:pPr algn="ctr"/>
+            <a:endParaRPr lang="en-US"/>
+          </a:p>
+        </p:txBody>
+      </p:sp>
+      <p:sp>
+        <p:nvSpPr>
+          <p:cNvPr id="59" name="Freeform: Shape 58">
+            <a:extLst>
+              <a:ext uri="{FF2B5EF4-FFF2-40B4-BE49-F238E27FC236}">
+                <a16:creationId xmlns:a16="http://schemas.microsoft.com/office/drawing/2014/main" id="{3D7EF20B-DFA4-41D1-910E-2BD4F28C921B}"/>
+              </a:ext>
+            </a:extLst>
+          </p:cNvPr>
+          <p:cNvSpPr/>
+          <p:nvPr/>
+        </p:nvSpPr>
+        <p:spPr>
+          <a:xfrm>
+            <a:off x="4544199" y="2321387"/>
+            <a:ext cx="3431774" cy="1060230"/>
+          </a:xfrm>
+          <a:custGeom>
+            <a:avLst/>
+            <a:gdLst>
+              <a:gd name="connsiteX0" fmla="*/ 0 w 3435928"/>
+              <a:gd name="connsiteY0" fmla="*/ 0 h 1496290"/>
+              <a:gd name="connsiteX1" fmla="*/ 1311564 w 3435928"/>
+              <a:gd name="connsiteY1" fmla="*/ 914400 h 1496290"/>
+              <a:gd name="connsiteX2" fmla="*/ 3435928 w 3435928"/>
+              <a:gd name="connsiteY2" fmla="*/ 1496290 h 1496290"/>
+            </a:gdLst>
+            <a:ahLst/>
+            <a:cxnLst>
+              <a:cxn ang="0">
+                <a:pos x="connsiteX0" y="connsiteY0"/>
+              </a:cxn>
+              <a:cxn ang="0">
+                <a:pos x="connsiteX1" y="connsiteY1"/>
+              </a:cxn>
+              <a:cxn ang="0">
+                <a:pos x="connsiteX2" y="connsiteY2"/>
+              </a:cxn>
+            </a:cxnLst>
+            <a:rect l="l" t="t" r="r" b="b"/>
+            <a:pathLst>
+              <a:path w="3435928" h="1496290">
+                <a:moveTo>
+                  <a:pt x="0" y="0"/>
+                </a:moveTo>
+                <a:cubicBezTo>
+                  <a:pt x="369454" y="332509"/>
+                  <a:pt x="738909" y="665018"/>
+                  <a:pt x="1311564" y="914400"/>
+                </a:cubicBezTo>
+                <a:cubicBezTo>
+                  <a:pt x="1884219" y="1163782"/>
+                  <a:pt x="2660073" y="1330036"/>
+                  <a:pt x="3435928" y="1496290"/>
+                </a:cubicBezTo>
+              </a:path>
+            </a:pathLst>
+          </a:custGeom>
+          <a:noFill/>
+          <a:ln w="25400">
+            <a:solidFill>
+              <a:srgbClr val="FF0000"/>
+            </a:solidFill>
+          </a:ln>
+        </p:spPr>
+        <p:style>
+          <a:lnRef idx="2">
+            <a:schemeClr val="accent1">
+              <a:shade val="50000"/>
+            </a:schemeClr>
+          </a:lnRef>
+          <a:fillRef idx="1">
+            <a:schemeClr val="accent1"/>
+          </a:fillRef>
+          <a:effectRef idx="0">
+            <a:schemeClr val="accent1"/>
+          </a:effectRef>
+          <a:fontRef idx="minor">
+            <a:schemeClr val="lt1"/>
+          </a:fontRef>
+        </p:style>
+        <p:txBody>
+          <a:bodyPr rtlCol="0" anchor="ctr"/>
+          <a:lstStyle/>
+          <a:p>
+            <a:pPr algn="ctr"/>
+            <a:endParaRPr lang="en-US"/>
+          </a:p>
+        </p:txBody>
+      </p:sp>
+      <p:cxnSp>
+        <p:nvCxnSpPr>
+          <p:cNvPr id="61" name="Straight Connector 60">
+            <a:extLst>
+              <a:ext uri="{FF2B5EF4-FFF2-40B4-BE49-F238E27FC236}">
+                <a16:creationId xmlns:a16="http://schemas.microsoft.com/office/drawing/2014/main" id="{251A1B5B-7C96-4476-A165-9FA0BD6BC79F}"/>
+              </a:ext>
+            </a:extLst>
+          </p:cNvPr>
+          <p:cNvCxnSpPr>
+            <a:stCxn id="59" idx="0"/>
+          </p:cNvCxnSpPr>
+          <p:nvPr/>
+        </p:nvCxnSpPr>
+        <p:spPr>
+          <a:xfrm flipH="1">
+            <a:off x="2205203" y="2321387"/>
+            <a:ext cx="2338996" cy="0"/>
+          </a:xfrm>
+          <a:prstGeom prst="line">
+            <a:avLst/>
+          </a:prstGeom>
+          <a:ln w="25400">
+            <a:solidFill>
+              <a:srgbClr val="FF0000"/>
+            </a:solidFill>
+          </a:ln>
+        </p:spPr>
+        <p:style>
+          <a:lnRef idx="1">
+            <a:schemeClr val="accent1"/>
+          </a:lnRef>
+          <a:fillRef idx="0">
+            <a:schemeClr val="accent1"/>
+          </a:fillRef>
+          <a:effectRef idx="0">
+            <a:schemeClr val="accent1"/>
+          </a:effectRef>
+          <a:fontRef idx="minor">
+            <a:schemeClr val="tx1"/>
+          </a:fontRef>
+        </p:style>
+      </p:cxnSp>
+      <p:sp>
+        <p:nvSpPr>
+          <p:cNvPr id="63" name="TextBox 62">
+            <a:extLst>
+              <a:ext uri="{FF2B5EF4-FFF2-40B4-BE49-F238E27FC236}">
+                <a16:creationId xmlns:a16="http://schemas.microsoft.com/office/drawing/2014/main" id="{CF8CB8F4-E111-4104-9C73-B2FBE6C323F1}"/>
+              </a:ext>
+            </a:extLst>
+          </p:cNvPr>
+          <p:cNvSpPr txBox="1"/>
+          <p:nvPr/>
+        </p:nvSpPr>
+        <p:spPr>
+          <a:xfrm>
+            <a:off x="4777805" y="4051349"/>
+            <a:ext cx="904461" cy="400110"/>
+          </a:xfrm>
+          <a:prstGeom prst="rect">
+            <a:avLst/>
+          </a:prstGeom>
+          <a:noFill/>
+        </p:spPr>
+        <p:txBody>
+          <a:bodyPr wrap="square" rtlCol="0">
+            <a:spAutoFit/>
+          </a:bodyPr>
+          <a:lstStyle/>
+          <a:p>
+            <a:r>
+              <a:rPr lang="el-GR" sz="2000" dirty="0">
+                <a:latin typeface="Times New Roman" panose="02020603050405020304" pitchFamily="18" charset="0"/>
+                <a:cs typeface="Times New Roman" panose="02020603050405020304" pitchFamily="18" charset="0"/>
+              </a:rPr>
+              <a:t>ω</a:t>
+            </a:r>
+            <a:r>
+              <a:rPr lang="en-US" sz="1400" dirty="0">
+                <a:latin typeface="Times New Roman" panose="02020603050405020304" pitchFamily="18" charset="0"/>
+                <a:cs typeface="Times New Roman" panose="02020603050405020304" pitchFamily="18" charset="0"/>
+              </a:rPr>
+              <a:t>s</a:t>
+            </a:r>
+            <a:endParaRPr lang="en-US" sz="2000" dirty="0"/>
+          </a:p>
+        </p:txBody>
+      </p:sp>
+      <p:sp>
+        <p:nvSpPr>
+          <p:cNvPr id="64" name="Rectangle 63">
+            <a:extLst>
+              <a:ext uri="{FF2B5EF4-FFF2-40B4-BE49-F238E27FC236}">
+                <a16:creationId xmlns:a16="http://schemas.microsoft.com/office/drawing/2014/main" id="{335FF86B-B8CF-409B-9182-CD0739F53004}"/>
+              </a:ext>
+            </a:extLst>
+          </p:cNvPr>
+          <p:cNvSpPr/>
+          <p:nvPr/>
+        </p:nvSpPr>
+        <p:spPr>
+          <a:xfrm>
+            <a:off x="2184165" y="2318738"/>
+            <a:ext cx="2369927" cy="1483596"/>
+          </a:xfrm>
+          <a:prstGeom prst="rect">
+            <a:avLst/>
+          </a:prstGeom>
+          <a:solidFill>
+            <a:srgbClr val="E3BCB9">
+              <a:alpha val="24706"/>
+            </a:srgbClr>
+          </a:solidFill>
+          <a:ln>
+            <a:solidFill>
+              <a:schemeClr val="accent1">
+                <a:shade val="50000"/>
+                <a:alpha val="0"/>
+              </a:schemeClr>
+            </a:solidFill>
+          </a:ln>
+        </p:spPr>
+        <p:style>
+          <a:lnRef idx="2">
+            <a:schemeClr val="accent1">
+              <a:shade val="50000"/>
+            </a:schemeClr>
+          </a:lnRef>
+          <a:fillRef idx="1">
+            <a:schemeClr val="accent1"/>
+          </a:fillRef>
+          <a:effectRef idx="0">
+            <a:schemeClr val="accent1"/>
+          </a:effectRef>
+          <a:fontRef idx="minor">
+            <a:schemeClr val="lt1"/>
+          </a:fontRef>
+        </p:style>
+        <p:txBody>
+          <a:bodyPr rtlCol="0" anchor="ctr"/>
+          <a:lstStyle/>
+          <a:p>
+            <a:pPr algn="ctr"/>
+            <a:endParaRPr lang="en-US" dirty="0"/>
+          </a:p>
+        </p:txBody>
+      </p:sp>
+      <p:sp>
+        <p:nvSpPr>
+          <p:cNvPr id="65" name="TextBox 64">
+            <a:extLst>
+              <a:ext uri="{FF2B5EF4-FFF2-40B4-BE49-F238E27FC236}">
+                <a16:creationId xmlns:a16="http://schemas.microsoft.com/office/drawing/2014/main" id="{DF509234-EC0B-4DBC-B769-1C5A08CFE063}"/>
+              </a:ext>
+            </a:extLst>
+          </p:cNvPr>
+          <p:cNvSpPr txBox="1"/>
+          <p:nvPr/>
+        </p:nvSpPr>
+        <p:spPr>
+          <a:xfrm>
+            <a:off x="2737710" y="3247409"/>
+            <a:ext cx="1354732" cy="400110"/>
+          </a:xfrm>
+          <a:prstGeom prst="rect">
+            <a:avLst/>
+          </a:prstGeom>
+          <a:noFill/>
+        </p:spPr>
+        <p:txBody>
+          <a:bodyPr wrap="square" rtlCol="0">
+            <a:spAutoFit/>
+          </a:bodyPr>
+          <a:lstStyle/>
+          <a:p>
+            <a:r>
+              <a:rPr lang="en-US" sz="2000" dirty="0">
+                <a:solidFill>
+                  <a:srgbClr val="FF0000"/>
+                </a:solidFill>
+                <a:latin typeface="Times New Roman" panose="02020603050405020304" pitchFamily="18" charset="0"/>
+                <a:cs typeface="Times New Roman" panose="02020603050405020304" pitchFamily="18" charset="0"/>
+              </a:rPr>
+              <a:t>Constant T</a:t>
+            </a:r>
+            <a:endParaRPr lang="en-US" sz="2000" dirty="0">
+              <a:solidFill>
+                <a:srgbClr val="FF0000"/>
+              </a:solidFill>
+            </a:endParaRPr>
+          </a:p>
+        </p:txBody>
+      </p:sp>
+      <p:cxnSp>
+        <p:nvCxnSpPr>
+          <p:cNvPr id="66" name="Straight Connector 65">
+            <a:extLst>
+              <a:ext uri="{FF2B5EF4-FFF2-40B4-BE49-F238E27FC236}">
+                <a16:creationId xmlns:a16="http://schemas.microsoft.com/office/drawing/2014/main" id="{58270CE2-A781-4DD3-9EAE-F9640BAFBEAF}"/>
+              </a:ext>
+            </a:extLst>
+          </p:cNvPr>
+          <p:cNvCxnSpPr>
+            <a:cxnSpLocks/>
+          </p:cNvCxnSpPr>
+          <p:nvPr/>
+        </p:nvCxnSpPr>
+        <p:spPr>
+          <a:xfrm flipH="1">
+            <a:off x="2205202" y="2131362"/>
+            <a:ext cx="2332109" cy="1663494"/>
+          </a:xfrm>
+          <a:prstGeom prst="line">
+            <a:avLst/>
+          </a:prstGeom>
+          <a:ln w="25400">
+            <a:solidFill>
+              <a:srgbClr val="0070C0"/>
+            </a:solidFill>
+            <a:prstDash val="solid"/>
+          </a:ln>
+        </p:spPr>
+        <p:style>
+          <a:lnRef idx="1">
+            <a:schemeClr val="accent1"/>
+          </a:lnRef>
+          <a:fillRef idx="0">
+            <a:schemeClr val="accent1"/>
+          </a:fillRef>
+          <a:effectRef idx="0">
+            <a:schemeClr val="accent1"/>
+          </a:effectRef>
+          <a:fontRef idx="minor">
+            <a:schemeClr val="tx1"/>
+          </a:fontRef>
+        </p:style>
+      </p:cxnSp>
+      <p:cxnSp>
+        <p:nvCxnSpPr>
+          <p:cNvPr id="72" name="Straight Connector 71">
+            <a:extLst>
+              <a:ext uri="{FF2B5EF4-FFF2-40B4-BE49-F238E27FC236}">
+                <a16:creationId xmlns:a16="http://schemas.microsoft.com/office/drawing/2014/main" id="{A182098D-0E48-46B0-B76F-B76E8A7902B3}"/>
+              </a:ext>
+            </a:extLst>
+          </p:cNvPr>
+          <p:cNvCxnSpPr>
+            <a:cxnSpLocks/>
+          </p:cNvCxnSpPr>
+          <p:nvPr/>
+        </p:nvCxnSpPr>
+        <p:spPr>
+          <a:xfrm flipH="1">
+            <a:off x="4537311" y="2131362"/>
+            <a:ext cx="2575729" cy="0"/>
+          </a:xfrm>
+          <a:prstGeom prst="line">
+            <a:avLst/>
+          </a:prstGeom>
+          <a:ln w="25400">
+            <a:solidFill>
+              <a:srgbClr val="0070C0"/>
+            </a:solidFill>
+            <a:prstDash val="solid"/>
+          </a:ln>
+        </p:spPr>
+        <p:style>
+          <a:lnRef idx="1">
+            <a:schemeClr val="accent1"/>
+          </a:lnRef>
+          <a:fillRef idx="0">
+            <a:schemeClr val="accent1"/>
+          </a:fillRef>
+          <a:effectRef idx="0">
+            <a:schemeClr val="accent1"/>
+          </a:effectRef>
+          <a:fontRef idx="minor">
+            <a:schemeClr val="tx1"/>
+          </a:fontRef>
+        </p:style>
+      </p:cxnSp>
+      <p:sp>
+        <p:nvSpPr>
+          <p:cNvPr id="77" name="Rectangle 76">
+            <a:extLst>
+              <a:ext uri="{FF2B5EF4-FFF2-40B4-BE49-F238E27FC236}">
+                <a16:creationId xmlns:a16="http://schemas.microsoft.com/office/drawing/2014/main" id="{50915063-04E6-44A9-B9CE-802F74C5ADFD}"/>
+              </a:ext>
+            </a:extLst>
+          </p:cNvPr>
+          <p:cNvSpPr/>
+          <p:nvPr/>
+        </p:nvSpPr>
+        <p:spPr>
+          <a:xfrm>
+            <a:off x="4537311" y="2148326"/>
+            <a:ext cx="2095105" cy="1615434"/>
+          </a:xfrm>
+          <a:prstGeom prst="rect">
+            <a:avLst/>
+          </a:prstGeom>
+          <a:solidFill>
+            <a:schemeClr val="accent1">
+              <a:lumMod val="40000"/>
+              <a:lumOff val="60000"/>
+              <a:alpha val="25000"/>
+            </a:schemeClr>
+          </a:solidFill>
+          <a:ln>
+            <a:solidFill>
+              <a:schemeClr val="accent1">
+                <a:shade val="50000"/>
+                <a:alpha val="0"/>
+              </a:schemeClr>
+            </a:solidFill>
+          </a:ln>
+        </p:spPr>
+        <p:style>
+          <a:lnRef idx="2">
+            <a:schemeClr val="accent1">
+              <a:shade val="50000"/>
+            </a:schemeClr>
+          </a:lnRef>
+          <a:fillRef idx="1">
+            <a:schemeClr val="accent1"/>
+          </a:fillRef>
+          <a:effectRef idx="0">
+            <a:schemeClr val="accent1"/>
+          </a:effectRef>
+          <a:fontRef idx="minor">
+            <a:schemeClr val="lt1"/>
+          </a:fontRef>
+        </p:style>
+        <p:txBody>
+          <a:bodyPr rtlCol="0" anchor="ctr"/>
+          <a:lstStyle/>
+          <a:p>
+            <a:pPr algn="ctr"/>
+            <a:endParaRPr lang="en-US"/>
+          </a:p>
+        </p:txBody>
+      </p:sp>
+      <p:sp>
+        <p:nvSpPr>
+          <p:cNvPr id="78" name="Rectangle 77">
+            <a:extLst>
+              <a:ext uri="{FF2B5EF4-FFF2-40B4-BE49-F238E27FC236}">
+                <a16:creationId xmlns:a16="http://schemas.microsoft.com/office/drawing/2014/main" id="{822BF33B-1AD7-4E3E-89E9-1479E8B707CB}"/>
+              </a:ext>
+            </a:extLst>
+          </p:cNvPr>
+          <p:cNvSpPr/>
+          <p:nvPr/>
+        </p:nvSpPr>
+        <p:spPr>
+          <a:xfrm>
+            <a:off x="5146875" y="2118662"/>
+            <a:ext cx="1191352" cy="369332"/>
+          </a:xfrm>
+          <a:prstGeom prst="rect">
+            <a:avLst/>
+          </a:prstGeom>
+        </p:spPr>
+        <p:txBody>
+          <a:bodyPr wrap="none">
+            <a:spAutoFit/>
+          </a:bodyPr>
+          <a:lstStyle/>
+          <a:p>
+            <a:r>
+              <a:rPr lang="en-US" dirty="0">
+                <a:solidFill>
+                  <a:schemeClr val="accent1">
+                    <a:lumMod val="50000"/>
+                  </a:schemeClr>
+                </a:solidFill>
+                <a:latin typeface="Times New Roman" panose="02020603050405020304" pitchFamily="18" charset="0"/>
+                <a:cs typeface="Times New Roman" panose="02020603050405020304" pitchFamily="18" charset="0"/>
+              </a:rPr>
+              <a:t>Constant P</a:t>
+            </a:r>
+            <a:endParaRPr lang="en-US" dirty="0">
+              <a:solidFill>
+                <a:schemeClr val="accent1">
+                  <a:lumMod val="50000"/>
+                </a:schemeClr>
+              </a:solidFill>
+            </a:endParaRPr>
+          </a:p>
+        </p:txBody>
+      </p:sp>
+      <p:sp>
+        <p:nvSpPr>
+          <p:cNvPr id="79" name="TextBox 78">
+            <a:extLst>
+              <a:ext uri="{FF2B5EF4-FFF2-40B4-BE49-F238E27FC236}">
+                <a16:creationId xmlns:a16="http://schemas.microsoft.com/office/drawing/2014/main" id="{4AF32E1B-BB57-4C7A-B2F2-E6BBD15CDE5A}"/>
+              </a:ext>
+            </a:extLst>
+          </p:cNvPr>
+          <p:cNvSpPr txBox="1"/>
+          <p:nvPr/>
+        </p:nvSpPr>
+        <p:spPr>
+          <a:xfrm>
+            <a:off x="3192250" y="1947226"/>
+            <a:ext cx="904461" cy="400110"/>
+          </a:xfrm>
+          <a:prstGeom prst="rect">
+            <a:avLst/>
+          </a:prstGeom>
+          <a:noFill/>
+        </p:spPr>
+        <p:txBody>
+          <a:bodyPr wrap="square" rtlCol="0">
+            <a:spAutoFit/>
+          </a:bodyPr>
+          <a:lstStyle/>
+          <a:p>
+            <a:r>
+              <a:rPr lang="en-US" sz="2000" dirty="0">
+                <a:solidFill>
+                  <a:srgbClr val="FF0000"/>
+                </a:solidFill>
+                <a:latin typeface="Times New Roman" panose="02020603050405020304" pitchFamily="18" charset="0"/>
+                <a:cs typeface="Times New Roman" panose="02020603050405020304" pitchFamily="18" charset="0"/>
+              </a:rPr>
+              <a:t>T</a:t>
+            </a:r>
+            <a:endParaRPr lang="en-US" sz="2000" dirty="0">
+              <a:solidFill>
+                <a:srgbClr val="FF0000"/>
+              </a:solidFill>
+            </a:endParaRPr>
+          </a:p>
+        </p:txBody>
+      </p:sp>
+      <p:sp>
+        <p:nvSpPr>
+          <p:cNvPr id="80" name="TextBox 79">
+            <a:extLst>
+              <a:ext uri="{FF2B5EF4-FFF2-40B4-BE49-F238E27FC236}">
+                <a16:creationId xmlns:a16="http://schemas.microsoft.com/office/drawing/2014/main" id="{17073EC4-6878-41F8-A809-84818664AD5D}"/>
+              </a:ext>
+            </a:extLst>
+          </p:cNvPr>
+          <p:cNvSpPr txBox="1"/>
+          <p:nvPr/>
+        </p:nvSpPr>
+        <p:spPr>
+          <a:xfrm>
+            <a:off x="5565869" y="1788965"/>
+            <a:ext cx="904461" cy="400110"/>
+          </a:xfrm>
+          <a:prstGeom prst="rect">
+            <a:avLst/>
+          </a:prstGeom>
+          <a:noFill/>
+        </p:spPr>
+        <p:txBody>
+          <a:bodyPr wrap="square" rtlCol="0">
+            <a:spAutoFit/>
+          </a:bodyPr>
+          <a:lstStyle/>
+          <a:p>
+            <a:r>
+              <a:rPr lang="en-US" sz="2000" dirty="0">
+                <a:solidFill>
+                  <a:srgbClr val="0070C0"/>
+                </a:solidFill>
+                <a:latin typeface="Times New Roman" panose="02020603050405020304" pitchFamily="18" charset="0"/>
+                <a:cs typeface="Times New Roman" panose="02020603050405020304" pitchFamily="18" charset="0"/>
+              </a:rPr>
+              <a:t>P</a:t>
+            </a:r>
+            <a:endParaRPr lang="en-US" sz="2000" dirty="0">
+              <a:solidFill>
+                <a:srgbClr val="0070C0"/>
+              </a:solidFill>
+            </a:endParaRPr>
+          </a:p>
+        </p:txBody>
+      </p:sp>
+      <p:sp>
+        <p:nvSpPr>
+          <p:cNvPr id="81" name="TextBox 80">
+            <a:extLst>
+              <a:ext uri="{FF2B5EF4-FFF2-40B4-BE49-F238E27FC236}">
+                <a16:creationId xmlns:a16="http://schemas.microsoft.com/office/drawing/2014/main" id="{D7673EFE-036B-413B-A09C-3C134894E3A6}"/>
+              </a:ext>
+            </a:extLst>
+          </p:cNvPr>
+          <p:cNvSpPr txBox="1"/>
+          <p:nvPr/>
+        </p:nvSpPr>
+        <p:spPr>
+          <a:xfrm>
+            <a:off x="2368074" y="1567337"/>
+            <a:ext cx="904461" cy="400110"/>
+          </a:xfrm>
+          <a:prstGeom prst="rect">
+            <a:avLst/>
+          </a:prstGeom>
+          <a:noFill/>
+        </p:spPr>
+        <p:txBody>
+          <a:bodyPr wrap="square" rtlCol="0">
+            <a:spAutoFit/>
+          </a:bodyPr>
+          <a:lstStyle/>
+          <a:p>
+            <a:r>
+              <a:rPr lang="en-US" sz="2000" dirty="0">
+                <a:solidFill>
+                  <a:srgbClr val="002060"/>
+                </a:solidFill>
+                <a:latin typeface="Times New Roman" panose="02020603050405020304" pitchFamily="18" charset="0"/>
+                <a:cs typeface="Times New Roman" panose="02020603050405020304" pitchFamily="18" charset="0"/>
+              </a:rPr>
+              <a:t>T</a:t>
+            </a:r>
+            <a:endParaRPr lang="en-US" sz="2000" dirty="0">
+              <a:solidFill>
+                <a:srgbClr val="002060"/>
+              </a:solidFill>
+            </a:endParaRPr>
+          </a:p>
+        </p:txBody>
+      </p:sp>
+      <p:cxnSp>
+        <p:nvCxnSpPr>
+          <p:cNvPr id="82" name="Straight Connector 81">
+            <a:extLst>
+              <a:ext uri="{FF2B5EF4-FFF2-40B4-BE49-F238E27FC236}">
+                <a16:creationId xmlns:a16="http://schemas.microsoft.com/office/drawing/2014/main" id="{C304BECD-6F32-4FA7-BE6A-EAC176AC1267}"/>
+              </a:ext>
+            </a:extLst>
+          </p:cNvPr>
+          <p:cNvCxnSpPr>
+            <a:cxnSpLocks/>
+          </p:cNvCxnSpPr>
+          <p:nvPr/>
+        </p:nvCxnSpPr>
+        <p:spPr>
+          <a:xfrm>
+            <a:off x="4537311" y="2118662"/>
+            <a:ext cx="6888" cy="1645098"/>
+          </a:xfrm>
+          <a:prstGeom prst="line">
+            <a:avLst/>
+          </a:prstGeom>
+          <a:ln w="25400">
+            <a:solidFill>
+              <a:schemeClr val="tx1">
+                <a:lumMod val="50000"/>
+                <a:lumOff val="50000"/>
+              </a:schemeClr>
+            </a:solidFill>
+            <a:prstDash val="sysDash"/>
+          </a:ln>
+        </p:spPr>
+        <p:style>
+          <a:lnRef idx="1">
+            <a:schemeClr val="accent1"/>
+          </a:lnRef>
+          <a:fillRef idx="0">
+            <a:schemeClr val="accent1"/>
+          </a:fillRef>
+          <a:effectRef idx="0">
+            <a:schemeClr val="accent1"/>
+          </a:effectRef>
+          <a:fontRef idx="minor">
+            <a:schemeClr val="tx1"/>
+          </a:fontRef>
+        </p:style>
+      </p:cxnSp>
+      <p:cxnSp>
+        <p:nvCxnSpPr>
+          <p:cNvPr id="86" name="Straight Connector 85">
+            <a:extLst>
+              <a:ext uri="{FF2B5EF4-FFF2-40B4-BE49-F238E27FC236}">
+                <a16:creationId xmlns:a16="http://schemas.microsoft.com/office/drawing/2014/main" id="{BBA6A903-6EE8-4847-A3EE-7FD1D52F0171}"/>
+              </a:ext>
+            </a:extLst>
+          </p:cNvPr>
+          <p:cNvCxnSpPr>
+            <a:cxnSpLocks/>
+          </p:cNvCxnSpPr>
+          <p:nvPr/>
+        </p:nvCxnSpPr>
+        <p:spPr>
+          <a:xfrm>
+            <a:off x="3194491" y="3794856"/>
+            <a:ext cx="0" cy="191181"/>
+          </a:xfrm>
+          <a:prstGeom prst="line">
+            <a:avLst/>
+          </a:prstGeom>
+          <a:ln w="12700">
+            <a:solidFill>
+              <a:schemeClr val="tx1">
+                <a:lumMod val="50000"/>
+                <a:lumOff val="50000"/>
+              </a:schemeClr>
+            </a:solidFill>
+            <a:prstDash val="sysDash"/>
+          </a:ln>
+        </p:spPr>
+        <p:style>
+          <a:lnRef idx="1">
+            <a:schemeClr val="accent1"/>
+          </a:lnRef>
+          <a:fillRef idx="0">
+            <a:schemeClr val="accent1"/>
+          </a:fillRef>
+          <a:effectRef idx="0">
+            <a:schemeClr val="accent1"/>
+          </a:effectRef>
+          <a:fontRef idx="minor">
+            <a:schemeClr val="tx1"/>
+          </a:fontRef>
+        </p:style>
+      </p:cxnSp>
+      <p:cxnSp>
+        <p:nvCxnSpPr>
+          <p:cNvPr id="89" name="Straight Connector 88">
+            <a:extLst>
+              <a:ext uri="{FF2B5EF4-FFF2-40B4-BE49-F238E27FC236}">
+                <a16:creationId xmlns:a16="http://schemas.microsoft.com/office/drawing/2014/main" id="{BDA7C9BD-24CE-4333-80F1-AC9E0C17AA30}"/>
+              </a:ext>
+            </a:extLst>
+          </p:cNvPr>
+          <p:cNvCxnSpPr>
+            <a:cxnSpLocks/>
+          </p:cNvCxnSpPr>
+          <p:nvPr/>
+        </p:nvCxnSpPr>
+        <p:spPr>
+          <a:xfrm>
+            <a:off x="3192250" y="3982231"/>
+            <a:ext cx="1816419" cy="162499"/>
+          </a:xfrm>
+          <a:prstGeom prst="line">
+            <a:avLst/>
+          </a:prstGeom>
+          <a:ln w="12700">
+            <a:solidFill>
+              <a:schemeClr val="tx1">
+                <a:lumMod val="50000"/>
+                <a:lumOff val="50000"/>
+              </a:schemeClr>
+            </a:solidFill>
+            <a:prstDash val="sysDash"/>
+          </a:ln>
+        </p:spPr>
+        <p:style>
+          <a:lnRef idx="1">
+            <a:schemeClr val="accent1"/>
+          </a:lnRef>
+          <a:fillRef idx="0">
+            <a:schemeClr val="accent1"/>
+          </a:fillRef>
+          <a:effectRef idx="0">
+            <a:schemeClr val="accent1"/>
+          </a:effectRef>
+          <a:fontRef idx="minor">
+            <a:schemeClr val="tx1"/>
+          </a:fontRef>
+        </p:style>
+      </p:cxnSp>
+      <p:cxnSp>
+        <p:nvCxnSpPr>
+          <p:cNvPr id="93" name="Straight Connector 92">
+            <a:extLst>
+              <a:ext uri="{FF2B5EF4-FFF2-40B4-BE49-F238E27FC236}">
+                <a16:creationId xmlns:a16="http://schemas.microsoft.com/office/drawing/2014/main" id="{5E96B5D2-B091-475F-A222-E6523F42F9E7}"/>
+              </a:ext>
+            </a:extLst>
+          </p:cNvPr>
+          <p:cNvCxnSpPr>
+            <a:cxnSpLocks/>
+          </p:cNvCxnSpPr>
+          <p:nvPr/>
+        </p:nvCxnSpPr>
+        <p:spPr>
+          <a:xfrm>
+            <a:off x="3750959" y="3759671"/>
+            <a:ext cx="0" cy="191181"/>
+          </a:xfrm>
+          <a:prstGeom prst="line">
+            <a:avLst/>
+          </a:prstGeom>
+          <a:ln w="12700">
+            <a:solidFill>
+              <a:schemeClr val="tx1">
+                <a:lumMod val="50000"/>
+                <a:lumOff val="50000"/>
+              </a:schemeClr>
+            </a:solidFill>
+            <a:prstDash val="sysDash"/>
+          </a:ln>
+        </p:spPr>
+        <p:style>
+          <a:lnRef idx="1">
+            <a:schemeClr val="accent1"/>
+          </a:lnRef>
+          <a:fillRef idx="0">
+            <a:schemeClr val="accent1"/>
+          </a:fillRef>
+          <a:effectRef idx="0">
+            <a:schemeClr val="accent1"/>
+          </a:effectRef>
+          <a:fontRef idx="minor">
+            <a:schemeClr val="tx1"/>
+          </a:fontRef>
+        </p:style>
+      </p:cxnSp>
+      <p:cxnSp>
+        <p:nvCxnSpPr>
+          <p:cNvPr id="94" name="Straight Connector 93">
+            <a:extLst>
+              <a:ext uri="{FF2B5EF4-FFF2-40B4-BE49-F238E27FC236}">
+                <a16:creationId xmlns:a16="http://schemas.microsoft.com/office/drawing/2014/main" id="{7A1A7C98-BA8B-4456-BB59-BF8301DDBC4E}"/>
+              </a:ext>
+            </a:extLst>
+          </p:cNvPr>
+          <p:cNvCxnSpPr>
+            <a:cxnSpLocks/>
+          </p:cNvCxnSpPr>
+          <p:nvPr/>
+        </p:nvCxnSpPr>
+        <p:spPr>
+          <a:xfrm>
+            <a:off x="3744169" y="3940609"/>
+            <a:ext cx="1264500" cy="182340"/>
+          </a:xfrm>
+          <a:prstGeom prst="line">
+            <a:avLst/>
+          </a:prstGeom>
+          <a:ln w="12700">
+            <a:solidFill>
+              <a:schemeClr val="tx1">
+                <a:lumMod val="50000"/>
+                <a:lumOff val="50000"/>
+              </a:schemeClr>
+            </a:solidFill>
+            <a:prstDash val="sysDash"/>
+          </a:ln>
+        </p:spPr>
+        <p:style>
+          <a:lnRef idx="1">
+            <a:schemeClr val="accent1"/>
+          </a:lnRef>
+          <a:fillRef idx="0">
+            <a:schemeClr val="accent1"/>
+          </a:fillRef>
+          <a:effectRef idx="0">
+            <a:schemeClr val="accent1"/>
+          </a:effectRef>
+          <a:fontRef idx="minor">
+            <a:schemeClr val="tx1"/>
+          </a:fontRef>
+        </p:style>
+      </p:cxnSp>
+      <p:cxnSp>
+        <p:nvCxnSpPr>
+          <p:cNvPr id="97" name="Straight Connector 96">
+            <a:extLst>
+              <a:ext uri="{FF2B5EF4-FFF2-40B4-BE49-F238E27FC236}">
+                <a16:creationId xmlns:a16="http://schemas.microsoft.com/office/drawing/2014/main" id="{55597229-5C72-4316-A3C4-E20D4B5A711C}"/>
+              </a:ext>
+            </a:extLst>
+          </p:cNvPr>
+          <p:cNvCxnSpPr>
+            <a:cxnSpLocks/>
+          </p:cNvCxnSpPr>
+          <p:nvPr/>
+        </p:nvCxnSpPr>
+        <p:spPr>
+          <a:xfrm>
+            <a:off x="4307427" y="3767083"/>
+            <a:ext cx="0" cy="191181"/>
+          </a:xfrm>
+          <a:prstGeom prst="line">
+            <a:avLst/>
+          </a:prstGeom>
+          <a:ln w="12700">
+            <a:solidFill>
+              <a:schemeClr val="tx1">
+                <a:lumMod val="50000"/>
+                <a:lumOff val="50000"/>
+              </a:schemeClr>
+            </a:solidFill>
+            <a:prstDash val="sysDash"/>
+          </a:ln>
+        </p:spPr>
+        <p:style>
+          <a:lnRef idx="1">
+            <a:schemeClr val="accent1"/>
+          </a:lnRef>
+          <a:fillRef idx="0">
+            <a:schemeClr val="accent1"/>
+          </a:fillRef>
+          <a:effectRef idx="0">
+            <a:schemeClr val="accent1"/>
+          </a:effectRef>
+          <a:fontRef idx="minor">
+            <a:schemeClr val="tx1"/>
+          </a:fontRef>
+        </p:style>
+      </p:cxnSp>
+      <p:cxnSp>
+        <p:nvCxnSpPr>
+          <p:cNvPr id="98" name="Straight Connector 97">
+            <a:extLst>
+              <a:ext uri="{FF2B5EF4-FFF2-40B4-BE49-F238E27FC236}">
+                <a16:creationId xmlns:a16="http://schemas.microsoft.com/office/drawing/2014/main" id="{0E6E41F1-E93A-496B-B9BB-46B235B350B7}"/>
+              </a:ext>
+            </a:extLst>
+          </p:cNvPr>
+          <p:cNvCxnSpPr>
+            <a:cxnSpLocks/>
+          </p:cNvCxnSpPr>
+          <p:nvPr/>
+        </p:nvCxnSpPr>
+        <p:spPr>
+          <a:xfrm>
+            <a:off x="4300637" y="3949275"/>
+            <a:ext cx="708032" cy="173674"/>
+          </a:xfrm>
+          <a:prstGeom prst="line">
+            <a:avLst/>
+          </a:prstGeom>
+          <a:ln w="12700">
+            <a:solidFill>
+              <a:schemeClr val="tx1">
+                <a:lumMod val="50000"/>
+                <a:lumOff val="50000"/>
+              </a:schemeClr>
+            </a:solidFill>
+            <a:prstDash val="sysDash"/>
+          </a:ln>
+        </p:spPr>
+        <p:style>
+          <a:lnRef idx="1">
+            <a:schemeClr val="accent1"/>
+          </a:lnRef>
+          <a:fillRef idx="0">
+            <a:schemeClr val="accent1"/>
+          </a:fillRef>
+          <a:effectRef idx="0">
+            <a:schemeClr val="accent1"/>
+          </a:effectRef>
+          <a:fontRef idx="minor">
+            <a:schemeClr val="tx1"/>
+          </a:fontRef>
+        </p:style>
+      </p:cxnSp>
+      <p:cxnSp>
+        <p:nvCxnSpPr>
+          <p:cNvPr id="106" name="Straight Connector 105">
+            <a:extLst>
+              <a:ext uri="{FF2B5EF4-FFF2-40B4-BE49-F238E27FC236}">
+                <a16:creationId xmlns:a16="http://schemas.microsoft.com/office/drawing/2014/main" id="{D089BA8C-8559-4140-B23C-ADB2949934B8}"/>
+              </a:ext>
+            </a:extLst>
+          </p:cNvPr>
+          <p:cNvCxnSpPr>
+            <a:cxnSpLocks/>
+          </p:cNvCxnSpPr>
+          <p:nvPr/>
+        </p:nvCxnSpPr>
+        <p:spPr>
+          <a:xfrm>
+            <a:off x="4918450" y="3773775"/>
+            <a:ext cx="0" cy="191181"/>
+          </a:xfrm>
+          <a:prstGeom prst="line">
+            <a:avLst/>
+          </a:prstGeom>
+          <a:ln w="12700">
+            <a:solidFill>
+              <a:schemeClr val="tx1">
+                <a:lumMod val="50000"/>
+                <a:lumOff val="50000"/>
+              </a:schemeClr>
+            </a:solidFill>
+            <a:prstDash val="sysDash"/>
+          </a:ln>
+        </p:spPr>
+        <p:style>
+          <a:lnRef idx="1">
+            <a:schemeClr val="accent1"/>
+          </a:lnRef>
+          <a:fillRef idx="0">
+            <a:schemeClr val="accent1"/>
+          </a:fillRef>
+          <a:effectRef idx="0">
+            <a:schemeClr val="accent1"/>
+          </a:effectRef>
+          <a:fontRef idx="minor">
+            <a:schemeClr val="tx1"/>
+          </a:fontRef>
+        </p:style>
+      </p:cxnSp>
+      <p:cxnSp>
+        <p:nvCxnSpPr>
+          <p:cNvPr id="107" name="Straight Connector 106">
+            <a:extLst>
+              <a:ext uri="{FF2B5EF4-FFF2-40B4-BE49-F238E27FC236}">
+                <a16:creationId xmlns:a16="http://schemas.microsoft.com/office/drawing/2014/main" id="{AB637743-EF25-412A-9E99-B44668339A3B}"/>
+              </a:ext>
+            </a:extLst>
+          </p:cNvPr>
+          <p:cNvCxnSpPr>
+            <a:cxnSpLocks/>
+          </p:cNvCxnSpPr>
+          <p:nvPr/>
+        </p:nvCxnSpPr>
+        <p:spPr>
+          <a:xfrm>
+            <a:off x="4913657" y="3943580"/>
+            <a:ext cx="95012" cy="209823"/>
+          </a:xfrm>
+          <a:prstGeom prst="line">
+            <a:avLst/>
+          </a:prstGeom>
+          <a:ln w="12700">
+            <a:solidFill>
+              <a:schemeClr val="tx1">
+                <a:lumMod val="50000"/>
+                <a:lumOff val="50000"/>
+              </a:schemeClr>
+            </a:solidFill>
+            <a:prstDash val="sysDash"/>
+          </a:ln>
+        </p:spPr>
+        <p:style>
+          <a:lnRef idx="1">
+            <a:schemeClr val="accent1"/>
+          </a:lnRef>
+          <a:fillRef idx="0">
+            <a:schemeClr val="accent1"/>
+          </a:fillRef>
+          <a:effectRef idx="0">
+            <a:schemeClr val="accent1"/>
+          </a:effectRef>
+          <a:fontRef idx="minor">
+            <a:schemeClr val="tx1"/>
+          </a:fontRef>
+        </p:style>
+      </p:cxnSp>
+      <p:cxnSp>
+        <p:nvCxnSpPr>
+          <p:cNvPr id="110" name="Straight Connector 109">
+            <a:extLst>
+              <a:ext uri="{FF2B5EF4-FFF2-40B4-BE49-F238E27FC236}">
+                <a16:creationId xmlns:a16="http://schemas.microsoft.com/office/drawing/2014/main" id="{C38AFB1A-4BD2-487D-8A57-F391A5210C80}"/>
+              </a:ext>
+            </a:extLst>
+          </p:cNvPr>
+          <p:cNvCxnSpPr>
+            <a:cxnSpLocks/>
+          </p:cNvCxnSpPr>
+          <p:nvPr/>
+        </p:nvCxnSpPr>
+        <p:spPr>
+          <a:xfrm>
+            <a:off x="5540071" y="3776030"/>
+            <a:ext cx="0" cy="191181"/>
+          </a:xfrm>
+          <a:prstGeom prst="line">
+            <a:avLst/>
+          </a:prstGeom>
+          <a:ln w="12700">
+            <a:solidFill>
+              <a:schemeClr val="tx1">
+                <a:lumMod val="50000"/>
+                <a:lumOff val="50000"/>
+              </a:schemeClr>
+            </a:solidFill>
+            <a:prstDash val="sysDash"/>
+          </a:ln>
+        </p:spPr>
+        <p:style>
+          <a:lnRef idx="1">
+            <a:schemeClr val="accent1"/>
+          </a:lnRef>
+          <a:fillRef idx="0">
+            <a:schemeClr val="accent1"/>
+          </a:fillRef>
+          <a:effectRef idx="0">
+            <a:schemeClr val="accent1"/>
+          </a:effectRef>
+          <a:fontRef idx="minor">
+            <a:schemeClr val="tx1"/>
+          </a:fontRef>
+        </p:style>
+      </p:cxnSp>
+      <p:cxnSp>
+        <p:nvCxnSpPr>
+          <p:cNvPr id="111" name="Straight Connector 110">
+            <a:extLst>
+              <a:ext uri="{FF2B5EF4-FFF2-40B4-BE49-F238E27FC236}">
+                <a16:creationId xmlns:a16="http://schemas.microsoft.com/office/drawing/2014/main" id="{6F97D071-73D3-48A2-8524-9E6C64921A0A}"/>
+              </a:ext>
+            </a:extLst>
+          </p:cNvPr>
+          <p:cNvCxnSpPr>
+            <a:cxnSpLocks/>
+          </p:cNvCxnSpPr>
+          <p:nvPr/>
+        </p:nvCxnSpPr>
+        <p:spPr>
+          <a:xfrm flipH="1">
+            <a:off x="4992584" y="3975394"/>
+            <a:ext cx="536889" cy="189614"/>
+          </a:xfrm>
+          <a:prstGeom prst="line">
+            <a:avLst/>
+          </a:prstGeom>
+          <a:ln w="12700">
+            <a:solidFill>
+              <a:schemeClr val="tx1">
+                <a:lumMod val="50000"/>
+                <a:lumOff val="50000"/>
+              </a:schemeClr>
+            </a:solidFill>
+            <a:prstDash val="sysDash"/>
+          </a:ln>
+        </p:spPr>
+        <p:style>
+          <a:lnRef idx="1">
+            <a:schemeClr val="accent1"/>
+          </a:lnRef>
+          <a:fillRef idx="0">
+            <a:schemeClr val="accent1"/>
+          </a:fillRef>
+          <a:effectRef idx="0">
+            <a:schemeClr val="accent1"/>
+          </a:effectRef>
+          <a:fontRef idx="minor">
+            <a:schemeClr val="tx1"/>
+          </a:fontRef>
+        </p:style>
+      </p:cxnSp>
+      <p:cxnSp>
+        <p:nvCxnSpPr>
+          <p:cNvPr id="115" name="Straight Connector 114">
+            <a:extLst>
+              <a:ext uri="{FF2B5EF4-FFF2-40B4-BE49-F238E27FC236}">
+                <a16:creationId xmlns:a16="http://schemas.microsoft.com/office/drawing/2014/main" id="{AF6E08BC-8F88-449E-A772-743F74305434}"/>
+              </a:ext>
+            </a:extLst>
+          </p:cNvPr>
+          <p:cNvCxnSpPr>
+            <a:cxnSpLocks/>
+          </p:cNvCxnSpPr>
+          <p:nvPr/>
+        </p:nvCxnSpPr>
+        <p:spPr>
+          <a:xfrm>
+            <a:off x="6172218" y="3766717"/>
+            <a:ext cx="0" cy="191181"/>
+          </a:xfrm>
+          <a:prstGeom prst="line">
+            <a:avLst/>
+          </a:prstGeom>
+          <a:ln w="12700">
+            <a:solidFill>
+              <a:schemeClr val="tx1">
+                <a:lumMod val="50000"/>
+                <a:lumOff val="50000"/>
+              </a:schemeClr>
+            </a:solidFill>
+            <a:prstDash val="sysDash"/>
+          </a:ln>
+        </p:spPr>
+        <p:style>
+          <a:lnRef idx="1">
+            <a:schemeClr val="accent1"/>
+          </a:lnRef>
+          <a:fillRef idx="0">
+            <a:schemeClr val="accent1"/>
+          </a:fillRef>
+          <a:effectRef idx="0">
+            <a:schemeClr val="accent1"/>
+          </a:effectRef>
+          <a:fontRef idx="minor">
+            <a:schemeClr val="tx1"/>
+          </a:fontRef>
+        </p:style>
+      </p:cxnSp>
+      <p:cxnSp>
+        <p:nvCxnSpPr>
+          <p:cNvPr id="116" name="Straight Connector 115">
+            <a:extLst>
+              <a:ext uri="{FF2B5EF4-FFF2-40B4-BE49-F238E27FC236}">
+                <a16:creationId xmlns:a16="http://schemas.microsoft.com/office/drawing/2014/main" id="{B568E1EF-5CDE-433E-908F-B1ED816AF3F5}"/>
+              </a:ext>
+            </a:extLst>
+          </p:cNvPr>
+          <p:cNvCxnSpPr>
+            <a:cxnSpLocks/>
+          </p:cNvCxnSpPr>
+          <p:nvPr/>
+        </p:nvCxnSpPr>
+        <p:spPr>
+          <a:xfrm flipH="1">
+            <a:off x="4982059" y="3960855"/>
+            <a:ext cx="1190159" cy="176175"/>
+          </a:xfrm>
+          <a:prstGeom prst="line">
+            <a:avLst/>
+          </a:prstGeom>
+          <a:ln w="12700">
+            <a:solidFill>
+              <a:schemeClr val="tx1">
+                <a:lumMod val="50000"/>
+                <a:lumOff val="50000"/>
+              </a:schemeClr>
+            </a:solidFill>
+            <a:prstDash val="sysDash"/>
+          </a:ln>
+        </p:spPr>
+        <p:style>
+          <a:lnRef idx="1">
+            <a:schemeClr val="accent1"/>
+          </a:lnRef>
+          <a:fillRef idx="0">
+            <a:schemeClr val="accent1"/>
+          </a:fillRef>
+          <a:effectRef idx="0">
+            <a:schemeClr val="accent1"/>
+          </a:effectRef>
+          <a:fontRef idx="minor">
+            <a:schemeClr val="tx1"/>
+          </a:fontRef>
+        </p:style>
+      </p:cxnSp>
+      <p:cxnSp>
+        <p:nvCxnSpPr>
+          <p:cNvPr id="119" name="Straight Connector 118">
+            <a:extLst>
+              <a:ext uri="{FF2B5EF4-FFF2-40B4-BE49-F238E27FC236}">
+                <a16:creationId xmlns:a16="http://schemas.microsoft.com/office/drawing/2014/main" id="{9150BA63-3924-4C5A-AC91-605A1CEA134D}"/>
+              </a:ext>
+            </a:extLst>
+          </p:cNvPr>
+          <p:cNvCxnSpPr>
+            <a:cxnSpLocks/>
+          </p:cNvCxnSpPr>
+          <p:nvPr/>
+        </p:nvCxnSpPr>
+        <p:spPr>
+          <a:xfrm>
+            <a:off x="6730231" y="3755752"/>
+            <a:ext cx="0" cy="191181"/>
+          </a:xfrm>
+          <a:prstGeom prst="line">
+            <a:avLst/>
+          </a:prstGeom>
+          <a:ln w="12700">
+            <a:solidFill>
+              <a:schemeClr val="tx1">
+                <a:lumMod val="50000"/>
+                <a:lumOff val="50000"/>
+              </a:schemeClr>
+            </a:solidFill>
+            <a:prstDash val="sysDash"/>
+          </a:ln>
+        </p:spPr>
+        <p:style>
+          <a:lnRef idx="1">
+            <a:schemeClr val="accent1"/>
+          </a:lnRef>
+          <a:fillRef idx="0">
+            <a:schemeClr val="accent1"/>
+          </a:fillRef>
+          <a:effectRef idx="0">
+            <a:schemeClr val="accent1"/>
+          </a:effectRef>
+          <a:fontRef idx="minor">
+            <a:schemeClr val="tx1"/>
+          </a:fontRef>
+        </p:style>
+      </p:cxnSp>
+      <p:cxnSp>
+        <p:nvCxnSpPr>
+          <p:cNvPr id="120" name="Straight Connector 119">
+            <a:extLst>
+              <a:ext uri="{FF2B5EF4-FFF2-40B4-BE49-F238E27FC236}">
+                <a16:creationId xmlns:a16="http://schemas.microsoft.com/office/drawing/2014/main" id="{F16ED63E-836A-49C6-A57D-D8F20464C732}"/>
+              </a:ext>
+            </a:extLst>
+          </p:cNvPr>
+          <p:cNvCxnSpPr>
+            <a:cxnSpLocks/>
+          </p:cNvCxnSpPr>
+          <p:nvPr/>
+        </p:nvCxnSpPr>
+        <p:spPr>
+          <a:xfrm flipH="1">
+            <a:off x="4970444" y="3934645"/>
+            <a:ext cx="1745458" cy="203155"/>
+          </a:xfrm>
+          <a:prstGeom prst="line">
+            <a:avLst/>
+          </a:prstGeom>
+          <a:ln w="12700">
+            <a:solidFill>
+              <a:schemeClr val="tx1">
+                <a:lumMod val="50000"/>
+                <a:lumOff val="50000"/>
+              </a:schemeClr>
+            </a:solidFill>
+            <a:prstDash val="sysDash"/>
+          </a:ln>
+        </p:spPr>
+        <p:style>
+          <a:lnRef idx="1">
+            <a:schemeClr val="accent1"/>
+          </a:lnRef>
+          <a:fillRef idx="0">
+            <a:schemeClr val="accent1"/>
+          </a:fillRef>
+          <a:effectRef idx="0">
+            <a:schemeClr val="accent1"/>
+          </a:effectRef>
+          <a:fontRef idx="minor">
+            <a:schemeClr val="tx1"/>
+          </a:fontRef>
+        </p:style>
+      </p:cxnSp>
+      <p:cxnSp>
+        <p:nvCxnSpPr>
+          <p:cNvPr id="126" name="Straight Connector 125">
+            <a:extLst>
+              <a:ext uri="{FF2B5EF4-FFF2-40B4-BE49-F238E27FC236}">
+                <a16:creationId xmlns:a16="http://schemas.microsoft.com/office/drawing/2014/main" id="{0F134A97-0130-45DA-B051-B07B03C095EF}"/>
+              </a:ext>
+            </a:extLst>
+          </p:cNvPr>
+          <p:cNvCxnSpPr>
+            <a:cxnSpLocks/>
+          </p:cNvCxnSpPr>
+          <p:nvPr/>
+        </p:nvCxnSpPr>
+        <p:spPr>
+          <a:xfrm>
+            <a:off x="7333973" y="3736813"/>
+            <a:ext cx="0" cy="191181"/>
+          </a:xfrm>
+          <a:prstGeom prst="line">
+            <a:avLst/>
+          </a:prstGeom>
+          <a:ln w="12700">
+            <a:solidFill>
+              <a:schemeClr val="tx1">
+                <a:lumMod val="50000"/>
+                <a:lumOff val="50000"/>
+              </a:schemeClr>
+            </a:solidFill>
+            <a:prstDash val="sysDash"/>
+          </a:ln>
+        </p:spPr>
+        <p:style>
+          <a:lnRef idx="1">
+            <a:schemeClr val="accent1"/>
+          </a:lnRef>
+          <a:fillRef idx="0">
+            <a:schemeClr val="accent1"/>
+          </a:fillRef>
+          <a:effectRef idx="0">
+            <a:schemeClr val="accent1"/>
+          </a:effectRef>
+          <a:fontRef idx="minor">
+            <a:schemeClr val="tx1"/>
+          </a:fontRef>
+        </p:style>
+      </p:cxnSp>
+      <p:cxnSp>
+        <p:nvCxnSpPr>
+          <p:cNvPr id="127" name="Straight Connector 126">
+            <a:extLst>
+              <a:ext uri="{FF2B5EF4-FFF2-40B4-BE49-F238E27FC236}">
+                <a16:creationId xmlns:a16="http://schemas.microsoft.com/office/drawing/2014/main" id="{E5C6A190-DF02-493B-8F9F-F52043EA7593}"/>
+              </a:ext>
+            </a:extLst>
+          </p:cNvPr>
+          <p:cNvCxnSpPr>
+            <a:cxnSpLocks/>
+          </p:cNvCxnSpPr>
+          <p:nvPr/>
+        </p:nvCxnSpPr>
+        <p:spPr>
+          <a:xfrm flipH="1">
+            <a:off x="5007896" y="3919597"/>
+            <a:ext cx="2326077" cy="233806"/>
+          </a:xfrm>
+          <a:prstGeom prst="line">
+            <a:avLst/>
+          </a:prstGeom>
+          <a:ln w="12700">
+            <a:solidFill>
+              <a:schemeClr val="tx1">
+                <a:lumMod val="50000"/>
+                <a:lumOff val="50000"/>
+              </a:schemeClr>
+            </a:solidFill>
+            <a:prstDash val="sysDash"/>
+          </a:ln>
+        </p:spPr>
+        <p:style>
+          <a:lnRef idx="1">
+            <a:schemeClr val="accent1"/>
+          </a:lnRef>
+          <a:fillRef idx="0">
+            <a:schemeClr val="accent1"/>
+          </a:fillRef>
+          <a:effectRef idx="0">
+            <a:schemeClr val="accent1"/>
+          </a:effectRef>
+          <a:fontRef idx="minor">
+            <a:schemeClr val="tx1"/>
+          </a:fontRef>
+        </p:style>
+      </p:cxnSp>
+      <p:cxnSp>
+        <p:nvCxnSpPr>
+          <p:cNvPr id="130" name="Straight Connector 129">
+            <a:extLst>
+              <a:ext uri="{FF2B5EF4-FFF2-40B4-BE49-F238E27FC236}">
+                <a16:creationId xmlns:a16="http://schemas.microsoft.com/office/drawing/2014/main" id="{18CE73D8-5A12-437C-A94E-17042B35A638}"/>
+              </a:ext>
+            </a:extLst>
+          </p:cNvPr>
+          <p:cNvCxnSpPr>
+            <a:cxnSpLocks/>
+          </p:cNvCxnSpPr>
+          <p:nvPr/>
+        </p:nvCxnSpPr>
+        <p:spPr>
+          <a:xfrm>
+            <a:off x="7787232" y="3752399"/>
+            <a:ext cx="0" cy="191181"/>
+          </a:xfrm>
+          <a:prstGeom prst="line">
+            <a:avLst/>
+          </a:prstGeom>
+          <a:ln w="12700">
+            <a:solidFill>
+              <a:schemeClr val="tx1">
+                <a:lumMod val="50000"/>
+                <a:lumOff val="50000"/>
+              </a:schemeClr>
+            </a:solidFill>
+            <a:prstDash val="sysDash"/>
+          </a:ln>
+        </p:spPr>
+        <p:style>
+          <a:lnRef idx="1">
+            <a:schemeClr val="accent1"/>
+          </a:lnRef>
+          <a:fillRef idx="0">
+            <a:schemeClr val="accent1"/>
+          </a:fillRef>
+          <a:effectRef idx="0">
+            <a:schemeClr val="accent1"/>
+          </a:effectRef>
+          <a:fontRef idx="minor">
+            <a:schemeClr val="tx1"/>
+          </a:fontRef>
+        </p:style>
+      </p:cxnSp>
+      <p:cxnSp>
+        <p:nvCxnSpPr>
+          <p:cNvPr id="131" name="Straight Connector 130">
+            <a:extLst>
+              <a:ext uri="{FF2B5EF4-FFF2-40B4-BE49-F238E27FC236}">
+                <a16:creationId xmlns:a16="http://schemas.microsoft.com/office/drawing/2014/main" id="{01BB7849-017D-405C-AAD9-B9312DABBF6C}"/>
+              </a:ext>
+            </a:extLst>
+          </p:cNvPr>
+          <p:cNvCxnSpPr>
+            <a:cxnSpLocks/>
+          </p:cNvCxnSpPr>
+          <p:nvPr/>
+        </p:nvCxnSpPr>
+        <p:spPr>
+          <a:xfrm flipH="1">
+            <a:off x="5023981" y="3949275"/>
+            <a:ext cx="2763251" cy="195455"/>
+          </a:xfrm>
+          <a:prstGeom prst="line">
+            <a:avLst/>
+          </a:prstGeom>
+          <a:ln w="12700">
+            <a:solidFill>
+              <a:schemeClr val="tx1">
+                <a:lumMod val="50000"/>
+                <a:lumOff val="50000"/>
+              </a:schemeClr>
+            </a:solidFill>
+            <a:prstDash val="sysDash"/>
+          </a:ln>
+        </p:spPr>
+        <p:style>
+          <a:lnRef idx="1">
+            <a:schemeClr val="accent1"/>
+          </a:lnRef>
+          <a:fillRef idx="0">
+            <a:schemeClr val="accent1"/>
+          </a:fillRef>
+          <a:effectRef idx="0">
+            <a:schemeClr val="accent1"/>
+          </a:effectRef>
+          <a:fontRef idx="minor">
+            <a:schemeClr val="tx1"/>
+          </a:fontRef>
+        </p:style>
+      </p:cxnSp>
+    </p:spTree>
+    <p:extLst>
+      <p:ext uri="{BB962C8B-B14F-4D97-AF65-F5344CB8AC3E}">
+        <p14:creationId xmlns:p14="http://schemas.microsoft.com/office/powerpoint/2010/main" val="547707236"/>
+      </p:ext>
+    </p:extLst>
+  </p:cSld>
+  <p:clrMapOvr>
+    <a:masterClrMapping/>
+  </p:clrMapOvr>
+</p:sld>
+</file>
+
+<file path=ppt/slides/slide8.xml><?xml version="1.0" encoding="utf-8"?>
+<p:sld xmlns:a="http://schemas.openxmlformats.org/drawingml/2006/main" xmlns:r="http://schemas.openxmlformats.org/officeDocument/2006/relationships" xmlns:p="http://schemas.openxmlformats.org/presentationml/2006/main">
+  <p:cSld>
+    <p:spTree>
+      <p:nvGrpSpPr>
+        <p:cNvPr id="1" name=""/>
+        <p:cNvGrpSpPr/>
+        <p:nvPr/>
+      </p:nvGrpSpPr>
+      <p:grpSpPr>
+        <a:xfrm>
+          <a:off x="0" y="0"/>
+          <a:ext cx="0" cy="0"/>
+          <a:chOff x="0" y="0"/>
+          <a:chExt cx="0" cy="0"/>
+        </a:xfrm>
+      </p:grpSpPr>
+      <p:grpSp>
+        <p:nvGrpSpPr>
+          <p:cNvPr id="60" name="Group 59">
+            <a:extLst>
+              <a:ext uri="{FF2B5EF4-FFF2-40B4-BE49-F238E27FC236}">
+                <a16:creationId xmlns:a16="http://schemas.microsoft.com/office/drawing/2014/main" id="{5A955AE5-1B22-4809-8128-71B19F9A0E75}"/>
+              </a:ext>
+            </a:extLst>
+          </p:cNvPr>
+          <p:cNvGrpSpPr/>
+          <p:nvPr/>
+        </p:nvGrpSpPr>
+        <p:grpSpPr>
+          <a:xfrm>
+            <a:off x="3334326" y="721052"/>
+            <a:ext cx="2031999" cy="3084329"/>
+            <a:chOff x="3620653" y="794723"/>
+            <a:chExt cx="1745674" cy="1920204"/>
+          </a:xfrm>
+        </p:grpSpPr>
+        <p:sp>
+          <p:nvSpPr>
+            <p:cNvPr id="23" name="Rectangle 22">
+              <a:extLst>
+                <a:ext uri="{FF2B5EF4-FFF2-40B4-BE49-F238E27FC236}">
+                  <a16:creationId xmlns:a16="http://schemas.microsoft.com/office/drawing/2014/main" id="{19145D4B-58EE-4D4E-B15E-18432A990599}"/>
+                </a:ext>
+              </a:extLst>
+            </p:cNvPr>
+            <p:cNvSpPr/>
+            <p:nvPr/>
+          </p:nvSpPr>
+          <p:spPr>
+            <a:xfrm>
+              <a:off x="3628237" y="1673492"/>
+              <a:ext cx="1738090" cy="1041435"/>
+            </a:xfrm>
+            <a:prstGeom prst="rect">
+              <a:avLst/>
+            </a:prstGeom>
+            <a:solidFill>
+              <a:schemeClr val="accent6">
+                <a:lumMod val="60000"/>
+                <a:lumOff val="40000"/>
+                <a:alpha val="25000"/>
+              </a:schemeClr>
+            </a:solidFill>
+            <a:ln>
+              <a:solidFill>
+                <a:schemeClr val="accent1">
+                  <a:shade val="50000"/>
+                  <a:alpha val="0"/>
+                </a:schemeClr>
+              </a:solidFill>
+            </a:ln>
+          </p:spPr>
+          <p:style>
+            <a:lnRef idx="2">
+              <a:schemeClr val="accent1">
+                <a:shade val="50000"/>
+              </a:schemeClr>
+            </a:lnRef>
+            <a:fillRef idx="1">
+              <a:schemeClr val="accent1"/>
+            </a:fillRef>
+            <a:effectRef idx="0">
+              <a:schemeClr val="accent1"/>
+            </a:effectRef>
+            <a:fontRef idx="minor">
+              <a:schemeClr val="lt1"/>
+            </a:fontRef>
+          </p:style>
+          <p:txBody>
+            <a:bodyPr rtlCol="0" anchor="ctr"/>
+            <a:lstStyle/>
+            <a:p>
+              <a:pPr algn="ctr"/>
+              <a:endParaRPr lang="en-US"/>
+            </a:p>
+          </p:txBody>
+        </p:sp>
+        <p:sp>
+          <p:nvSpPr>
+            <p:cNvPr id="54" name="Right Triangle 53">
+              <a:extLst>
+                <a:ext uri="{FF2B5EF4-FFF2-40B4-BE49-F238E27FC236}">
+                  <a16:creationId xmlns:a16="http://schemas.microsoft.com/office/drawing/2014/main" id="{55A30959-EC74-4C2D-90A1-27F825E46A09}"/>
+                </a:ext>
+              </a:extLst>
+            </p:cNvPr>
+            <p:cNvSpPr/>
+            <p:nvPr/>
+          </p:nvSpPr>
+          <p:spPr>
+            <a:xfrm>
+              <a:off x="3620653" y="794723"/>
+              <a:ext cx="1738091" cy="878769"/>
+            </a:xfrm>
+            <a:prstGeom prst="rtTriangle">
+              <a:avLst/>
+            </a:prstGeom>
+            <a:solidFill>
+              <a:schemeClr val="accent6">
+                <a:lumMod val="60000"/>
+                <a:lumOff val="40000"/>
+                <a:alpha val="25000"/>
+              </a:schemeClr>
+            </a:solidFill>
+            <a:ln>
+              <a:solidFill>
+                <a:schemeClr val="accent1">
+                  <a:shade val="50000"/>
+                  <a:alpha val="0"/>
+                </a:schemeClr>
+              </a:solidFill>
+            </a:ln>
+          </p:spPr>
+          <p:style>
+            <a:lnRef idx="2">
+              <a:schemeClr val="accent1">
+                <a:shade val="50000"/>
+              </a:schemeClr>
+            </a:lnRef>
+            <a:fillRef idx="1">
+              <a:schemeClr val="accent1"/>
+            </a:fillRef>
+            <a:effectRef idx="0">
+              <a:schemeClr val="accent1"/>
+            </a:effectRef>
+            <a:fontRef idx="minor">
+              <a:schemeClr val="lt1"/>
+            </a:fontRef>
+          </p:style>
+          <p:txBody>
+            <a:bodyPr rtlCol="0" anchor="ctr"/>
+            <a:lstStyle/>
+            <a:p>
+              <a:pPr algn="ctr"/>
+              <a:endParaRPr lang="en-US"/>
+            </a:p>
+          </p:txBody>
+        </p:sp>
+      </p:grpSp>
+      <p:cxnSp>
+        <p:nvCxnSpPr>
+          <p:cNvPr id="4" name="Straight Arrow Connector 3">
+            <a:extLst>
+              <a:ext uri="{FF2B5EF4-FFF2-40B4-BE49-F238E27FC236}">
+                <a16:creationId xmlns:a16="http://schemas.microsoft.com/office/drawing/2014/main" id="{62807C3F-D0D3-4EE3-8F23-B3F41B4F9380}"/>
+              </a:ext>
+            </a:extLst>
+          </p:cNvPr>
+          <p:cNvCxnSpPr>
+            <a:cxnSpLocks/>
+          </p:cNvCxnSpPr>
+          <p:nvPr/>
+        </p:nvCxnSpPr>
+        <p:spPr>
+          <a:xfrm flipV="1">
+            <a:off x="2205203" y="1453861"/>
+            <a:ext cx="0" cy="2351520"/>
+          </a:xfrm>
+          <a:prstGeom prst="straightConnector1">
+            <a:avLst/>
+          </a:prstGeom>
+          <a:ln w="25400">
+            <a:solidFill>
+              <a:schemeClr val="tx1"/>
+            </a:solidFill>
+            <a:tailEnd type="triangle" w="lg" len="lg"/>
+          </a:ln>
+        </p:spPr>
+        <p:style>
+          <a:lnRef idx="1">
+            <a:schemeClr val="accent1"/>
+          </a:lnRef>
+          <a:fillRef idx="0">
+            <a:schemeClr val="accent1"/>
+          </a:fillRef>
+          <a:effectRef idx="0">
+            <a:schemeClr val="accent1"/>
+          </a:effectRef>
+          <a:fontRef idx="minor">
+            <a:schemeClr val="tx1"/>
+          </a:fontRef>
+        </p:style>
+      </p:cxnSp>
+      <p:cxnSp>
+        <p:nvCxnSpPr>
+          <p:cNvPr id="5" name="Straight Arrow Connector 4">
+            <a:extLst>
+              <a:ext uri="{FF2B5EF4-FFF2-40B4-BE49-F238E27FC236}">
+                <a16:creationId xmlns:a16="http://schemas.microsoft.com/office/drawing/2014/main" id="{D627EF9C-89EE-4475-A07A-588632485CDC}"/>
+              </a:ext>
+            </a:extLst>
+          </p:cNvPr>
+          <p:cNvCxnSpPr>
+            <a:cxnSpLocks/>
+          </p:cNvCxnSpPr>
+          <p:nvPr/>
+        </p:nvCxnSpPr>
+        <p:spPr>
+          <a:xfrm flipV="1">
+            <a:off x="2205203" y="3754887"/>
+            <a:ext cx="5872003" cy="50495"/>
+          </a:xfrm>
+          <a:prstGeom prst="straightConnector1">
+            <a:avLst/>
+          </a:prstGeom>
+          <a:ln w="25400">
+            <a:solidFill>
+              <a:schemeClr val="tx1"/>
+            </a:solidFill>
+            <a:tailEnd type="triangle" w="lg" len="lg"/>
+          </a:ln>
+        </p:spPr>
+        <p:style>
+          <a:lnRef idx="1">
+            <a:schemeClr val="accent1"/>
+          </a:lnRef>
+          <a:fillRef idx="0">
+            <a:schemeClr val="accent1"/>
+          </a:fillRef>
+          <a:effectRef idx="0">
+            <a:schemeClr val="accent1"/>
+          </a:effectRef>
+          <a:fontRef idx="minor">
+            <a:schemeClr val="tx1"/>
+          </a:fontRef>
+        </p:style>
+      </p:cxnSp>
+      <p:sp>
+        <p:nvSpPr>
+          <p:cNvPr id="6" name="TextBox 5">
+            <a:extLst>
+              <a:ext uri="{FF2B5EF4-FFF2-40B4-BE49-F238E27FC236}">
+                <a16:creationId xmlns:a16="http://schemas.microsoft.com/office/drawing/2014/main" id="{4F04E69E-2AFB-4D51-ADB0-E6BF491EDAF7}"/>
+              </a:ext>
+            </a:extLst>
+          </p:cNvPr>
+          <p:cNvSpPr txBox="1"/>
+          <p:nvPr/>
+        </p:nvSpPr>
+        <p:spPr>
+          <a:xfrm>
+            <a:off x="8065594" y="3530288"/>
+            <a:ext cx="1087573" cy="369332"/>
+          </a:xfrm>
+          <a:prstGeom prst="rect">
+            <a:avLst/>
+          </a:prstGeom>
+          <a:noFill/>
+        </p:spPr>
+        <p:txBody>
+          <a:bodyPr wrap="square" rtlCol="0">
+            <a:spAutoFit/>
+          </a:bodyPr>
+          <a:lstStyle/>
+          <a:p>
+            <a:r>
+              <a:rPr lang="en-US" dirty="0">
+                <a:latin typeface="Times New Roman" panose="02020603050405020304" pitchFamily="18" charset="0"/>
+                <a:cs typeface="Times New Roman" panose="02020603050405020304" pitchFamily="18" charset="0"/>
+              </a:rPr>
+              <a:t>[kHz]</a:t>
+            </a:r>
+            <a:endParaRPr lang="en-US" dirty="0"/>
+          </a:p>
+        </p:txBody>
+      </p:sp>
+      <p:sp>
+        <p:nvSpPr>
+          <p:cNvPr id="19" name="Rectangle 18">
+            <a:extLst>
+              <a:ext uri="{FF2B5EF4-FFF2-40B4-BE49-F238E27FC236}">
+                <a16:creationId xmlns:a16="http://schemas.microsoft.com/office/drawing/2014/main" id="{3CC6DDBE-9C70-4617-8787-CD2CD04771CA}"/>
+              </a:ext>
+            </a:extLst>
+          </p:cNvPr>
+          <p:cNvSpPr/>
+          <p:nvPr/>
+        </p:nvSpPr>
+        <p:spPr>
+          <a:xfrm>
+            <a:off x="9166787" y="3530288"/>
+            <a:ext cx="2369927" cy="1483596"/>
+          </a:xfrm>
+          <a:prstGeom prst="rect">
+            <a:avLst/>
+          </a:prstGeom>
+          <a:solidFill>
+            <a:srgbClr val="E3BCB9">
+              <a:alpha val="24706"/>
+            </a:srgbClr>
+          </a:solidFill>
+          <a:ln>
+            <a:solidFill>
+              <a:schemeClr val="accent1">
+                <a:shade val="50000"/>
+                <a:alpha val="0"/>
+              </a:schemeClr>
+            </a:solidFill>
+          </a:ln>
+        </p:spPr>
+        <p:style>
+          <a:lnRef idx="2">
+            <a:schemeClr val="accent1">
+              <a:shade val="50000"/>
+            </a:schemeClr>
+          </a:lnRef>
+          <a:fillRef idx="1">
+            <a:schemeClr val="accent1"/>
+          </a:fillRef>
+          <a:effectRef idx="0">
+            <a:schemeClr val="accent1"/>
+          </a:effectRef>
+          <a:fontRef idx="minor">
+            <a:schemeClr val="lt1"/>
+          </a:fontRef>
+        </p:style>
+        <p:txBody>
+          <a:bodyPr rtlCol="0" anchor="ctr"/>
+          <a:lstStyle/>
+          <a:p>
+            <a:pPr algn="ctr"/>
+            <a:endParaRPr lang="en-US" dirty="0"/>
+          </a:p>
+        </p:txBody>
+      </p:sp>
+      <p:cxnSp>
+        <p:nvCxnSpPr>
+          <p:cNvPr id="49" name="Straight Connector 48">
+            <a:extLst>
+              <a:ext uri="{FF2B5EF4-FFF2-40B4-BE49-F238E27FC236}">
+                <a16:creationId xmlns:a16="http://schemas.microsoft.com/office/drawing/2014/main" id="{2DB1983B-A822-406A-A598-AA39A4FFCA49}"/>
+              </a:ext>
+            </a:extLst>
+          </p:cNvPr>
+          <p:cNvCxnSpPr>
+            <a:cxnSpLocks/>
+          </p:cNvCxnSpPr>
+          <p:nvPr/>
+        </p:nvCxnSpPr>
+        <p:spPr>
+          <a:xfrm>
+            <a:off x="3315854" y="1671782"/>
+            <a:ext cx="0" cy="2133599"/>
+          </a:xfrm>
+          <a:prstGeom prst="line">
+            <a:avLst/>
+          </a:prstGeom>
+          <a:ln w="25400">
+            <a:solidFill>
+              <a:schemeClr val="tx1">
+                <a:lumMod val="50000"/>
+                <a:lumOff val="50000"/>
+              </a:schemeClr>
+            </a:solidFill>
+            <a:prstDash val="sysDash"/>
+          </a:ln>
+        </p:spPr>
+        <p:style>
+          <a:lnRef idx="1">
+            <a:schemeClr val="accent1"/>
+          </a:lnRef>
+          <a:fillRef idx="0">
+            <a:schemeClr val="accent1"/>
+          </a:fillRef>
+          <a:effectRef idx="0">
+            <a:schemeClr val="accent1"/>
+          </a:effectRef>
+          <a:fontRef idx="minor">
+            <a:schemeClr val="tx1"/>
+          </a:fontRef>
+        </p:style>
+      </p:cxnSp>
+      <p:cxnSp>
+        <p:nvCxnSpPr>
+          <p:cNvPr id="50" name="Straight Connector 49">
+            <a:extLst>
+              <a:ext uri="{FF2B5EF4-FFF2-40B4-BE49-F238E27FC236}">
+                <a16:creationId xmlns:a16="http://schemas.microsoft.com/office/drawing/2014/main" id="{0E82D618-685F-4445-9AC0-EFF025C652A6}"/>
+              </a:ext>
+            </a:extLst>
+          </p:cNvPr>
+          <p:cNvCxnSpPr>
+            <a:cxnSpLocks/>
+          </p:cNvCxnSpPr>
+          <p:nvPr/>
+        </p:nvCxnSpPr>
+        <p:spPr>
+          <a:xfrm>
+            <a:off x="4322618" y="1671782"/>
+            <a:ext cx="0" cy="2133599"/>
+          </a:xfrm>
+          <a:prstGeom prst="line">
+            <a:avLst/>
+          </a:prstGeom>
+          <a:ln w="25400">
+            <a:solidFill>
+              <a:schemeClr val="tx1">
+                <a:lumMod val="50000"/>
+                <a:lumOff val="50000"/>
+              </a:schemeClr>
+            </a:solidFill>
+            <a:prstDash val="sysDash"/>
+          </a:ln>
+        </p:spPr>
+        <p:style>
+          <a:lnRef idx="1">
+            <a:schemeClr val="accent1"/>
+          </a:lnRef>
+          <a:fillRef idx="0">
+            <a:schemeClr val="accent1"/>
+          </a:fillRef>
+          <a:effectRef idx="0">
+            <a:schemeClr val="accent1"/>
+          </a:effectRef>
+          <a:fontRef idx="minor">
+            <a:schemeClr val="tx1"/>
+          </a:fontRef>
+        </p:style>
+      </p:cxnSp>
+      <p:cxnSp>
+        <p:nvCxnSpPr>
+          <p:cNvPr id="51" name="Straight Connector 50">
+            <a:extLst>
+              <a:ext uri="{FF2B5EF4-FFF2-40B4-BE49-F238E27FC236}">
+                <a16:creationId xmlns:a16="http://schemas.microsoft.com/office/drawing/2014/main" id="{4D2193ED-A523-4C34-BA58-0DC1C1C165F9}"/>
+              </a:ext>
+            </a:extLst>
+          </p:cNvPr>
+          <p:cNvCxnSpPr>
+            <a:cxnSpLocks/>
+          </p:cNvCxnSpPr>
+          <p:nvPr/>
+        </p:nvCxnSpPr>
+        <p:spPr>
+          <a:xfrm>
+            <a:off x="5366327" y="1671782"/>
+            <a:ext cx="0" cy="2133599"/>
+          </a:xfrm>
+          <a:prstGeom prst="line">
+            <a:avLst/>
+          </a:prstGeom>
+          <a:ln w="25400">
+            <a:solidFill>
+              <a:schemeClr val="tx1">
+                <a:lumMod val="50000"/>
+                <a:lumOff val="50000"/>
+              </a:schemeClr>
+            </a:solidFill>
+            <a:prstDash val="sysDash"/>
+          </a:ln>
+        </p:spPr>
+        <p:style>
+          <a:lnRef idx="1">
+            <a:schemeClr val="accent1"/>
+          </a:lnRef>
+          <a:fillRef idx="0">
+            <a:schemeClr val="accent1"/>
+          </a:fillRef>
+          <a:effectRef idx="0">
+            <a:schemeClr val="accent1"/>
+          </a:effectRef>
+          <a:fontRef idx="minor">
+            <a:schemeClr val="tx1"/>
+          </a:fontRef>
+        </p:style>
+      </p:cxnSp>
+      <p:cxnSp>
+        <p:nvCxnSpPr>
+          <p:cNvPr id="52" name="Straight Connector 51">
+            <a:extLst>
+              <a:ext uri="{FF2B5EF4-FFF2-40B4-BE49-F238E27FC236}">
+                <a16:creationId xmlns:a16="http://schemas.microsoft.com/office/drawing/2014/main" id="{A1152694-4747-47BB-8668-A566538CC03B}"/>
+              </a:ext>
+            </a:extLst>
+          </p:cNvPr>
+          <p:cNvCxnSpPr>
+            <a:cxnSpLocks/>
+          </p:cNvCxnSpPr>
+          <p:nvPr/>
+        </p:nvCxnSpPr>
+        <p:spPr>
+          <a:xfrm>
+            <a:off x="6650182" y="1671782"/>
+            <a:ext cx="0" cy="2133599"/>
+          </a:xfrm>
+          <a:prstGeom prst="line">
+            <a:avLst/>
+          </a:prstGeom>
+          <a:ln w="25400">
+            <a:solidFill>
+              <a:schemeClr val="tx1">
+                <a:lumMod val="50000"/>
+                <a:lumOff val="50000"/>
+              </a:schemeClr>
+            </a:solidFill>
+            <a:prstDash val="sysDash"/>
+          </a:ln>
+        </p:spPr>
+        <p:style>
+          <a:lnRef idx="1">
+            <a:schemeClr val="accent1"/>
+          </a:lnRef>
+          <a:fillRef idx="0">
+            <a:schemeClr val="accent1"/>
+          </a:fillRef>
+          <a:effectRef idx="0">
+            <a:schemeClr val="accent1"/>
+          </a:effectRef>
+          <a:fontRef idx="minor">
+            <a:schemeClr val="tx1"/>
+          </a:fontRef>
+        </p:style>
+      </p:cxnSp>
+      <p:grpSp>
+        <p:nvGrpSpPr>
+          <p:cNvPr id="56" name="Group 55">
+            <a:extLst>
+              <a:ext uri="{FF2B5EF4-FFF2-40B4-BE49-F238E27FC236}">
+                <a16:creationId xmlns:a16="http://schemas.microsoft.com/office/drawing/2014/main" id="{EDACC6F8-2BF1-4DD1-9572-D3CA7AB7E1E4}"/>
+              </a:ext>
+            </a:extLst>
+          </p:cNvPr>
+          <p:cNvGrpSpPr/>
+          <p:nvPr/>
+        </p:nvGrpSpPr>
+        <p:grpSpPr>
+          <a:xfrm>
+            <a:off x="4314556" y="1919249"/>
+            <a:ext cx="3135297" cy="1835637"/>
+            <a:chOff x="4322618" y="1969745"/>
+            <a:chExt cx="3135297" cy="1835637"/>
+          </a:xfrm>
+        </p:grpSpPr>
+        <p:sp>
+          <p:nvSpPr>
+            <p:cNvPr id="57" name="Rectangle 56">
+              <a:extLst>
+                <a:ext uri="{FF2B5EF4-FFF2-40B4-BE49-F238E27FC236}">
+                  <a16:creationId xmlns:a16="http://schemas.microsoft.com/office/drawing/2014/main" id="{A79AAD37-B853-4DEE-A391-A2D313BEBF18}"/>
+                </a:ext>
+              </a:extLst>
+            </p:cNvPr>
+            <p:cNvSpPr/>
+            <p:nvPr/>
+          </p:nvSpPr>
+          <p:spPr>
+            <a:xfrm>
+              <a:off x="4336239" y="2809812"/>
+              <a:ext cx="3121676" cy="995570"/>
+            </a:xfrm>
+            <a:prstGeom prst="rect">
+              <a:avLst/>
+            </a:prstGeom>
+            <a:solidFill>
+              <a:schemeClr val="accent1">
+                <a:lumMod val="40000"/>
+                <a:lumOff val="60000"/>
+                <a:alpha val="25000"/>
+              </a:schemeClr>
+            </a:solidFill>
+            <a:ln>
+              <a:solidFill>
+                <a:schemeClr val="accent1">
+                  <a:shade val="50000"/>
+                  <a:alpha val="0"/>
+                </a:schemeClr>
+              </a:solidFill>
+            </a:ln>
+          </p:spPr>
+          <p:style>
+            <a:lnRef idx="2">
+              <a:schemeClr val="accent1">
+                <a:shade val="50000"/>
+              </a:schemeClr>
+            </a:lnRef>
+            <a:fillRef idx="1">
+              <a:schemeClr val="accent1"/>
+            </a:fillRef>
+            <a:effectRef idx="0">
+              <a:schemeClr val="accent1"/>
+            </a:effectRef>
+            <a:fontRef idx="minor">
+              <a:schemeClr val="lt1"/>
+            </a:fontRef>
+          </p:style>
+          <p:txBody>
+            <a:bodyPr rtlCol="0" anchor="ctr"/>
+            <a:lstStyle/>
+            <a:p>
+              <a:pPr algn="ctr"/>
+              <a:endParaRPr lang="en-US"/>
+            </a:p>
+          </p:txBody>
+        </p:sp>
+        <p:sp>
+          <p:nvSpPr>
+            <p:cNvPr id="58" name="Right Triangle 57">
+              <a:extLst>
+                <a:ext uri="{FF2B5EF4-FFF2-40B4-BE49-F238E27FC236}">
+                  <a16:creationId xmlns:a16="http://schemas.microsoft.com/office/drawing/2014/main" id="{393F133A-DD87-40C5-B2B4-321C6A534390}"/>
+                </a:ext>
+              </a:extLst>
+            </p:cNvPr>
+            <p:cNvSpPr/>
+            <p:nvPr/>
+          </p:nvSpPr>
+          <p:spPr>
+            <a:xfrm>
+              <a:off x="4322618" y="1969745"/>
+              <a:ext cx="3121677" cy="840067"/>
+            </a:xfrm>
+            <a:prstGeom prst="rtTriangle">
+              <a:avLst/>
+            </a:prstGeom>
+            <a:solidFill>
+              <a:schemeClr val="accent1">
+                <a:lumMod val="40000"/>
+                <a:lumOff val="60000"/>
+                <a:alpha val="25000"/>
+              </a:schemeClr>
+            </a:solidFill>
+            <a:ln>
+              <a:solidFill>
+                <a:schemeClr val="accent1">
+                  <a:shade val="50000"/>
+                  <a:alpha val="0"/>
+                </a:schemeClr>
+              </a:solidFill>
+            </a:ln>
+          </p:spPr>
+          <p:style>
+            <a:lnRef idx="2">
+              <a:schemeClr val="accent1">
+                <a:shade val="50000"/>
+              </a:schemeClr>
+            </a:lnRef>
+            <a:fillRef idx="1">
+              <a:schemeClr val="accent1"/>
+            </a:fillRef>
+            <a:effectRef idx="0">
+              <a:schemeClr val="accent1"/>
+            </a:effectRef>
+            <a:fontRef idx="minor">
+              <a:schemeClr val="lt1"/>
+            </a:fontRef>
+          </p:style>
+          <p:txBody>
+            <a:bodyPr rtlCol="0" anchor="ctr"/>
+            <a:lstStyle/>
+            <a:p>
+              <a:pPr algn="ctr"/>
+              <a:endParaRPr lang="en-US"/>
+            </a:p>
+          </p:txBody>
+        </p:sp>
+      </p:grpSp>
+      <p:sp>
+        <p:nvSpPr>
+          <p:cNvPr id="59" name="TextBox 58">
+            <a:extLst>
+              <a:ext uri="{FF2B5EF4-FFF2-40B4-BE49-F238E27FC236}">
+                <a16:creationId xmlns:a16="http://schemas.microsoft.com/office/drawing/2014/main" id="{F2A6CF12-ED30-4086-AB56-61FDCF360FD0}"/>
+              </a:ext>
+            </a:extLst>
+          </p:cNvPr>
+          <p:cNvSpPr txBox="1"/>
+          <p:nvPr/>
+        </p:nvSpPr>
+        <p:spPr>
+          <a:xfrm>
+            <a:off x="1881848" y="1038906"/>
+            <a:ext cx="1087573" cy="369332"/>
+          </a:xfrm>
+          <a:prstGeom prst="rect">
+            <a:avLst/>
+          </a:prstGeom>
+          <a:noFill/>
+        </p:spPr>
+        <p:txBody>
+          <a:bodyPr wrap="square" rtlCol="0">
+            <a:spAutoFit/>
+          </a:bodyPr>
+          <a:lstStyle/>
+          <a:p>
+            <a:r>
+              <a:rPr lang="en-US" dirty="0">
+                <a:latin typeface="Times New Roman" panose="02020603050405020304" pitchFamily="18" charset="0"/>
+                <a:cs typeface="Times New Roman" panose="02020603050405020304" pitchFamily="18" charset="0"/>
+              </a:rPr>
+              <a:t>[kW]</a:t>
+            </a:r>
+            <a:endParaRPr lang="en-US" dirty="0"/>
+          </a:p>
+        </p:txBody>
+      </p:sp>
+      <p:sp>
+        <p:nvSpPr>
+          <p:cNvPr id="48" name="Right Triangle 47">
+            <a:extLst>
+              <a:ext uri="{FF2B5EF4-FFF2-40B4-BE49-F238E27FC236}">
+                <a16:creationId xmlns:a16="http://schemas.microsoft.com/office/drawing/2014/main" id="{6216A828-D0FA-4B78-BEA9-9B6044A2AC10}"/>
+              </a:ext>
+            </a:extLst>
+          </p:cNvPr>
+          <p:cNvSpPr/>
+          <p:nvPr/>
+        </p:nvSpPr>
+        <p:spPr>
+          <a:xfrm>
+            <a:off x="2205202" y="2444356"/>
+            <a:ext cx="3121677" cy="1361026"/>
+          </a:xfrm>
+          <a:prstGeom prst="rtTriangle">
+            <a:avLst/>
+          </a:prstGeom>
+          <a:solidFill>
+            <a:srgbClr val="002060">
+              <a:alpha val="50000"/>
+            </a:srgbClr>
+          </a:solidFill>
+          <a:ln>
+            <a:solidFill>
+              <a:schemeClr val="accent1">
+                <a:shade val="50000"/>
+                <a:alpha val="49000"/>
+              </a:schemeClr>
+            </a:solidFill>
+          </a:ln>
+        </p:spPr>
+        <p:style>
+          <a:lnRef idx="2">
+            <a:schemeClr val="accent1">
+              <a:shade val="50000"/>
+            </a:schemeClr>
+          </a:lnRef>
+          <a:fillRef idx="1">
+            <a:schemeClr val="accent1"/>
+          </a:fillRef>
+          <a:effectRef idx="0">
+            <a:schemeClr val="accent1"/>
+          </a:effectRef>
+          <a:fontRef idx="minor">
+            <a:schemeClr val="lt1"/>
+          </a:fontRef>
+        </p:style>
+        <p:txBody>
+          <a:bodyPr rtlCol="0" anchor="ctr"/>
+          <a:lstStyle/>
+          <a:p>
+            <a:pPr algn="ctr"/>
+            <a:endParaRPr lang="en-US"/>
+          </a:p>
+        </p:txBody>
+      </p:sp>
+    </p:spTree>
+    <p:extLst>
+      <p:ext uri="{BB962C8B-B14F-4D97-AF65-F5344CB8AC3E}">
+        <p14:creationId xmlns:p14="http://schemas.microsoft.com/office/powerpoint/2010/main" val="2082307475"/>
+      </p:ext>
+    </p:extLst>
+  </p:cSld>
+  <p:clrMapOvr>
+    <a:masterClrMapping/>
+  </p:clrMapOvr>
+</p:sld>
+</file>
+
 <file path=ppt/theme/theme1.xml><?xml version="1.0" encoding="utf-8"?>
 <a:theme xmlns:a="http://schemas.openxmlformats.org/drawingml/2006/main" name="Office Theme">
   <a:themeElements>

--- a/Thesis/Visio/chapter-3/MotorDrive.pptx
+++ b/Thesis/Visio/chapter-3/MotorDrive.pptx
@@ -8,11 +8,15 @@
     <p:sldId id="256" r:id="rId2"/>
     <p:sldId id="257" r:id="rId3"/>
     <p:sldId id="258" r:id="rId4"/>
-    <p:sldId id="259" r:id="rId5"/>
-    <p:sldId id="260" r:id="rId6"/>
-    <p:sldId id="261" r:id="rId7"/>
-    <p:sldId id="262" r:id="rId8"/>
-    <p:sldId id="263" r:id="rId9"/>
+    <p:sldId id="264" r:id="rId5"/>
+    <p:sldId id="259" r:id="rId6"/>
+    <p:sldId id="260" r:id="rId7"/>
+    <p:sldId id="267" r:id="rId8"/>
+    <p:sldId id="261" r:id="rId9"/>
+    <p:sldId id="262" r:id="rId10"/>
+    <p:sldId id="266" r:id="rId11"/>
+    <p:sldId id="263" r:id="rId12"/>
+    <p:sldId id="265" r:id="rId13"/>
   </p:sldIdLst>
   <p:sldSz cx="12192000" cy="6858000"/>
   <p:notesSz cx="6858000" cy="9144000"/>
@@ -266,7 +270,7 @@
           <a:p>
             <a:fld id="{25E67960-04D2-4CF9-B1EA-85202866050D}" type="datetimeFigureOut">
               <a:rPr lang="en-US" smtClean="0"/>
-              <a:t>6/28/2022</a:t>
+              <a:t>8/16/2022</a:t>
             </a:fld>
             <a:endParaRPr lang="en-US"/>
           </a:p>
@@ -464,7 +468,7 @@
           <a:p>
             <a:fld id="{25E67960-04D2-4CF9-B1EA-85202866050D}" type="datetimeFigureOut">
               <a:rPr lang="en-US" smtClean="0"/>
-              <a:t>6/28/2022</a:t>
+              <a:t>8/16/2022</a:t>
             </a:fld>
             <a:endParaRPr lang="en-US"/>
           </a:p>
@@ -672,7 +676,7 @@
           <a:p>
             <a:fld id="{25E67960-04D2-4CF9-B1EA-85202866050D}" type="datetimeFigureOut">
               <a:rPr lang="en-US" smtClean="0"/>
-              <a:t>6/28/2022</a:t>
+              <a:t>8/16/2022</a:t>
             </a:fld>
             <a:endParaRPr lang="en-US"/>
           </a:p>
@@ -870,7 +874,7 @@
           <a:p>
             <a:fld id="{25E67960-04D2-4CF9-B1EA-85202866050D}" type="datetimeFigureOut">
               <a:rPr lang="en-US" smtClean="0"/>
-              <a:t>6/28/2022</a:t>
+              <a:t>8/16/2022</a:t>
             </a:fld>
             <a:endParaRPr lang="en-US"/>
           </a:p>
@@ -1145,7 +1149,7 @@
           <a:p>
             <a:fld id="{25E67960-04D2-4CF9-B1EA-85202866050D}" type="datetimeFigureOut">
               <a:rPr lang="en-US" smtClean="0"/>
-              <a:t>6/28/2022</a:t>
+              <a:t>8/16/2022</a:t>
             </a:fld>
             <a:endParaRPr lang="en-US"/>
           </a:p>
@@ -1410,7 +1414,7 @@
           <a:p>
             <a:fld id="{25E67960-04D2-4CF9-B1EA-85202866050D}" type="datetimeFigureOut">
               <a:rPr lang="en-US" smtClean="0"/>
-              <a:t>6/28/2022</a:t>
+              <a:t>8/16/2022</a:t>
             </a:fld>
             <a:endParaRPr lang="en-US"/>
           </a:p>
@@ -1822,7 +1826,7 @@
           <a:p>
             <a:fld id="{25E67960-04D2-4CF9-B1EA-85202866050D}" type="datetimeFigureOut">
               <a:rPr lang="en-US" smtClean="0"/>
-              <a:t>6/28/2022</a:t>
+              <a:t>8/16/2022</a:t>
             </a:fld>
             <a:endParaRPr lang="en-US"/>
           </a:p>
@@ -1963,7 +1967,7 @@
           <a:p>
             <a:fld id="{25E67960-04D2-4CF9-B1EA-85202866050D}" type="datetimeFigureOut">
               <a:rPr lang="en-US" smtClean="0"/>
-              <a:t>6/28/2022</a:t>
+              <a:t>8/16/2022</a:t>
             </a:fld>
             <a:endParaRPr lang="en-US"/>
           </a:p>
@@ -2076,7 +2080,7 @@
           <a:p>
             <a:fld id="{25E67960-04D2-4CF9-B1EA-85202866050D}" type="datetimeFigureOut">
               <a:rPr lang="en-US" smtClean="0"/>
-              <a:t>6/28/2022</a:t>
+              <a:t>8/16/2022</a:t>
             </a:fld>
             <a:endParaRPr lang="en-US"/>
           </a:p>
@@ -2387,7 +2391,7 @@
           <a:p>
             <a:fld id="{25E67960-04D2-4CF9-B1EA-85202866050D}" type="datetimeFigureOut">
               <a:rPr lang="en-US" smtClean="0"/>
-              <a:t>6/28/2022</a:t>
+              <a:t>8/16/2022</a:t>
             </a:fld>
             <a:endParaRPr lang="en-US"/>
           </a:p>
@@ -2675,7 +2679,7 @@
           <a:p>
             <a:fld id="{25E67960-04D2-4CF9-B1EA-85202866050D}" type="datetimeFigureOut">
               <a:rPr lang="en-US" smtClean="0"/>
-              <a:t>6/28/2022</a:t>
+              <a:t>8/16/2022</a:t>
             </a:fld>
             <a:endParaRPr lang="en-US"/>
           </a:p>
@@ -2916,7 +2920,7 @@
           <a:p>
             <a:fld id="{25E67960-04D2-4CF9-B1EA-85202866050D}" type="datetimeFigureOut">
               <a:rPr lang="en-US" smtClean="0"/>
-              <a:t>6/28/2022</a:t>
+              <a:t>8/16/2022</a:t>
             </a:fld>
             <a:endParaRPr lang="en-US"/>
           </a:p>
@@ -4149,6 +4153,2680 @@
 </p:sld>
 </file>
 
+<file path=ppt/slides/slide10.xml><?xml version="1.0" encoding="utf-8"?>
+<p:sld xmlns:a="http://schemas.openxmlformats.org/drawingml/2006/main" xmlns:r="http://schemas.openxmlformats.org/officeDocument/2006/relationships" xmlns:p="http://schemas.openxmlformats.org/presentationml/2006/main">
+  <p:cSld>
+    <p:spTree>
+      <p:nvGrpSpPr>
+        <p:cNvPr id="1" name=""/>
+        <p:cNvGrpSpPr/>
+        <p:nvPr/>
+      </p:nvGrpSpPr>
+      <p:grpSpPr>
+        <a:xfrm>
+          <a:off x="0" y="0"/>
+          <a:ext cx="0" cy="0"/>
+          <a:chOff x="0" y="0"/>
+          <a:chExt cx="0" cy="0"/>
+        </a:xfrm>
+      </p:grpSpPr>
+      <p:cxnSp>
+        <p:nvCxnSpPr>
+          <p:cNvPr id="4" name="Straight Arrow Connector 3">
+            <a:extLst>
+              <a:ext uri="{FF2B5EF4-FFF2-40B4-BE49-F238E27FC236}">
+                <a16:creationId xmlns:a16="http://schemas.microsoft.com/office/drawing/2014/main" id="{B0C8E64D-FA7C-4EFE-A1DD-337903E73942}"/>
+              </a:ext>
+            </a:extLst>
+          </p:cNvPr>
+          <p:cNvCxnSpPr>
+            <a:cxnSpLocks/>
+          </p:cNvCxnSpPr>
+          <p:nvPr/>
+        </p:nvCxnSpPr>
+        <p:spPr>
+          <a:xfrm flipV="1">
+            <a:off x="2205203" y="1453861"/>
+            <a:ext cx="0" cy="2351520"/>
+          </a:xfrm>
+          <a:prstGeom prst="straightConnector1">
+            <a:avLst/>
+          </a:prstGeom>
+          <a:ln w="25400">
+            <a:solidFill>
+              <a:schemeClr val="tx1"/>
+            </a:solidFill>
+            <a:tailEnd type="triangle" w="lg" len="lg"/>
+          </a:ln>
+        </p:spPr>
+        <p:style>
+          <a:lnRef idx="1">
+            <a:schemeClr val="accent1"/>
+          </a:lnRef>
+          <a:fillRef idx="0">
+            <a:schemeClr val="accent1"/>
+          </a:fillRef>
+          <a:effectRef idx="0">
+            <a:schemeClr val="accent1"/>
+          </a:effectRef>
+          <a:fontRef idx="minor">
+            <a:schemeClr val="tx1"/>
+          </a:fontRef>
+        </p:style>
+      </p:cxnSp>
+      <p:cxnSp>
+        <p:nvCxnSpPr>
+          <p:cNvPr id="5" name="Straight Arrow Connector 4">
+            <a:extLst>
+              <a:ext uri="{FF2B5EF4-FFF2-40B4-BE49-F238E27FC236}">
+                <a16:creationId xmlns:a16="http://schemas.microsoft.com/office/drawing/2014/main" id="{42A08719-A9B1-4BC7-9F2E-DDAB7E7CE9A0}"/>
+              </a:ext>
+            </a:extLst>
+          </p:cNvPr>
+          <p:cNvCxnSpPr>
+            <a:cxnSpLocks/>
+          </p:cNvCxnSpPr>
+          <p:nvPr/>
+        </p:nvCxnSpPr>
+        <p:spPr>
+          <a:xfrm flipV="1">
+            <a:off x="2205203" y="3754887"/>
+            <a:ext cx="5872003" cy="50495"/>
+          </a:xfrm>
+          <a:prstGeom prst="straightConnector1">
+            <a:avLst/>
+          </a:prstGeom>
+          <a:ln w="25400">
+            <a:solidFill>
+              <a:schemeClr val="tx1"/>
+            </a:solidFill>
+            <a:tailEnd type="triangle" w="lg" len="lg"/>
+          </a:ln>
+        </p:spPr>
+        <p:style>
+          <a:lnRef idx="1">
+            <a:schemeClr val="accent1"/>
+          </a:lnRef>
+          <a:fillRef idx="0">
+            <a:schemeClr val="accent1"/>
+          </a:fillRef>
+          <a:effectRef idx="0">
+            <a:schemeClr val="accent1"/>
+          </a:effectRef>
+          <a:fontRef idx="minor">
+            <a:schemeClr val="tx1"/>
+          </a:fontRef>
+        </p:style>
+      </p:cxnSp>
+      <p:sp>
+        <p:nvSpPr>
+          <p:cNvPr id="6" name="TextBox 5">
+            <a:extLst>
+              <a:ext uri="{FF2B5EF4-FFF2-40B4-BE49-F238E27FC236}">
+                <a16:creationId xmlns:a16="http://schemas.microsoft.com/office/drawing/2014/main" id="{3E4770B4-BE9A-43AB-9EC6-751FC4F7655A}"/>
+              </a:ext>
+            </a:extLst>
+          </p:cNvPr>
+          <p:cNvSpPr txBox="1"/>
+          <p:nvPr/>
+        </p:nvSpPr>
+        <p:spPr>
+          <a:xfrm>
+            <a:off x="8065594" y="3530288"/>
+            <a:ext cx="1087573" cy="369332"/>
+          </a:xfrm>
+          <a:prstGeom prst="rect">
+            <a:avLst/>
+          </a:prstGeom>
+          <a:noFill/>
+        </p:spPr>
+        <p:txBody>
+          <a:bodyPr wrap="square" rtlCol="0">
+            <a:spAutoFit/>
+          </a:bodyPr>
+          <a:lstStyle/>
+          <a:p>
+            <a:r>
+              <a:rPr lang="en-US" dirty="0">
+                <a:latin typeface="Times New Roman" panose="02020603050405020304" pitchFamily="18" charset="0"/>
+                <a:cs typeface="Times New Roman" panose="02020603050405020304" pitchFamily="18" charset="0"/>
+              </a:rPr>
+              <a:t>[rad/sec]</a:t>
+            </a:r>
+            <a:endParaRPr lang="en-US" dirty="0"/>
+          </a:p>
+        </p:txBody>
+      </p:sp>
+      <p:sp>
+        <p:nvSpPr>
+          <p:cNvPr id="7" name="Freeform: Shape 6">
+            <a:extLst>
+              <a:ext uri="{FF2B5EF4-FFF2-40B4-BE49-F238E27FC236}">
+                <a16:creationId xmlns:a16="http://schemas.microsoft.com/office/drawing/2014/main" id="{719F397A-6AD6-45C4-AC71-8AF03B196158}"/>
+              </a:ext>
+            </a:extLst>
+          </p:cNvPr>
+          <p:cNvSpPr/>
+          <p:nvPr/>
+        </p:nvSpPr>
+        <p:spPr>
+          <a:xfrm>
+            <a:off x="2318327" y="1910719"/>
+            <a:ext cx="886691" cy="1912737"/>
+          </a:xfrm>
+          <a:custGeom>
+            <a:avLst/>
+            <a:gdLst>
+              <a:gd name="connsiteX0" fmla="*/ 0 w 886691"/>
+              <a:gd name="connsiteY0" fmla="*/ 493757 h 2285611"/>
+              <a:gd name="connsiteX1" fmla="*/ 314036 w 886691"/>
+              <a:gd name="connsiteY1" fmla="*/ 115066 h 2285611"/>
+              <a:gd name="connsiteX2" fmla="*/ 886691 w 886691"/>
+              <a:gd name="connsiteY2" fmla="*/ 2285611 h 2285611"/>
+            </a:gdLst>
+            <a:ahLst/>
+            <a:cxnLst>
+              <a:cxn ang="0">
+                <a:pos x="connsiteX0" y="connsiteY0"/>
+              </a:cxn>
+              <a:cxn ang="0">
+                <a:pos x="connsiteX1" y="connsiteY1"/>
+              </a:cxn>
+              <a:cxn ang="0">
+                <a:pos x="connsiteX2" y="connsiteY2"/>
+              </a:cxn>
+            </a:cxnLst>
+            <a:rect l="l" t="t" r="r" b="b"/>
+            <a:pathLst>
+              <a:path w="886691" h="2285611">
+                <a:moveTo>
+                  <a:pt x="0" y="493757"/>
+                </a:moveTo>
+                <a:cubicBezTo>
+                  <a:pt x="83127" y="155090"/>
+                  <a:pt x="166254" y="-183576"/>
+                  <a:pt x="314036" y="115066"/>
+                </a:cubicBezTo>
+                <a:cubicBezTo>
+                  <a:pt x="461818" y="413708"/>
+                  <a:pt x="748146" y="1982351"/>
+                  <a:pt x="886691" y="2285611"/>
+                </a:cubicBezTo>
+              </a:path>
+            </a:pathLst>
+          </a:custGeom>
+          <a:noFill/>
+          <a:ln w="25400">
+            <a:solidFill>
+              <a:srgbClr val="002060"/>
+            </a:solidFill>
+          </a:ln>
+        </p:spPr>
+        <p:style>
+          <a:lnRef idx="2">
+            <a:schemeClr val="accent1">
+              <a:shade val="50000"/>
+            </a:schemeClr>
+          </a:lnRef>
+          <a:fillRef idx="1">
+            <a:schemeClr val="accent1"/>
+          </a:fillRef>
+          <a:effectRef idx="0">
+            <a:schemeClr val="accent1"/>
+          </a:effectRef>
+          <a:fontRef idx="minor">
+            <a:schemeClr val="lt1"/>
+          </a:fontRef>
+        </p:style>
+        <p:txBody>
+          <a:bodyPr rtlCol="0" anchor="ctr"/>
+          <a:lstStyle/>
+          <a:p>
+            <a:pPr algn="ctr"/>
+            <a:endParaRPr lang="en-US"/>
+          </a:p>
+        </p:txBody>
+      </p:sp>
+      <p:sp>
+        <p:nvSpPr>
+          <p:cNvPr id="8" name="Freeform: Shape 7">
+            <a:extLst>
+              <a:ext uri="{FF2B5EF4-FFF2-40B4-BE49-F238E27FC236}">
+                <a16:creationId xmlns:a16="http://schemas.microsoft.com/office/drawing/2014/main" id="{4ED69234-39BE-4829-AA76-66898FDA8B84}"/>
+              </a:ext>
+            </a:extLst>
+          </p:cNvPr>
+          <p:cNvSpPr/>
+          <p:nvPr/>
+        </p:nvSpPr>
+        <p:spPr>
+          <a:xfrm>
+            <a:off x="2874795" y="1910719"/>
+            <a:ext cx="886691" cy="1894661"/>
+          </a:xfrm>
+          <a:custGeom>
+            <a:avLst/>
+            <a:gdLst>
+              <a:gd name="connsiteX0" fmla="*/ 0 w 886691"/>
+              <a:gd name="connsiteY0" fmla="*/ 493757 h 2285611"/>
+              <a:gd name="connsiteX1" fmla="*/ 314036 w 886691"/>
+              <a:gd name="connsiteY1" fmla="*/ 115066 h 2285611"/>
+              <a:gd name="connsiteX2" fmla="*/ 886691 w 886691"/>
+              <a:gd name="connsiteY2" fmla="*/ 2285611 h 2285611"/>
+            </a:gdLst>
+            <a:ahLst/>
+            <a:cxnLst>
+              <a:cxn ang="0">
+                <a:pos x="connsiteX0" y="connsiteY0"/>
+              </a:cxn>
+              <a:cxn ang="0">
+                <a:pos x="connsiteX1" y="connsiteY1"/>
+              </a:cxn>
+              <a:cxn ang="0">
+                <a:pos x="connsiteX2" y="connsiteY2"/>
+              </a:cxn>
+            </a:cxnLst>
+            <a:rect l="l" t="t" r="r" b="b"/>
+            <a:pathLst>
+              <a:path w="886691" h="2285611">
+                <a:moveTo>
+                  <a:pt x="0" y="493757"/>
+                </a:moveTo>
+                <a:cubicBezTo>
+                  <a:pt x="83127" y="155090"/>
+                  <a:pt x="166254" y="-183576"/>
+                  <a:pt x="314036" y="115066"/>
+                </a:cubicBezTo>
+                <a:cubicBezTo>
+                  <a:pt x="461818" y="413708"/>
+                  <a:pt x="748146" y="1982351"/>
+                  <a:pt x="886691" y="2285611"/>
+                </a:cubicBezTo>
+              </a:path>
+            </a:pathLst>
+          </a:custGeom>
+          <a:noFill/>
+          <a:ln w="25400">
+            <a:solidFill>
+              <a:srgbClr val="002060"/>
+            </a:solidFill>
+          </a:ln>
+        </p:spPr>
+        <p:style>
+          <a:lnRef idx="2">
+            <a:schemeClr val="accent1">
+              <a:shade val="50000"/>
+            </a:schemeClr>
+          </a:lnRef>
+          <a:fillRef idx="1">
+            <a:schemeClr val="accent1"/>
+          </a:fillRef>
+          <a:effectRef idx="0">
+            <a:schemeClr val="accent1"/>
+          </a:effectRef>
+          <a:fontRef idx="minor">
+            <a:schemeClr val="lt1"/>
+          </a:fontRef>
+        </p:style>
+        <p:txBody>
+          <a:bodyPr rtlCol="0" anchor="ctr"/>
+          <a:lstStyle/>
+          <a:p>
+            <a:pPr algn="ctr"/>
+            <a:endParaRPr lang="en-US"/>
+          </a:p>
+        </p:txBody>
+      </p:sp>
+      <p:sp>
+        <p:nvSpPr>
+          <p:cNvPr id="9" name="Freeform: Shape 8">
+            <a:extLst>
+              <a:ext uri="{FF2B5EF4-FFF2-40B4-BE49-F238E27FC236}">
+                <a16:creationId xmlns:a16="http://schemas.microsoft.com/office/drawing/2014/main" id="{6058BD9E-CD81-4D6A-8317-ABC7BDB42A2B}"/>
+              </a:ext>
+            </a:extLst>
+          </p:cNvPr>
+          <p:cNvSpPr/>
+          <p:nvPr/>
+        </p:nvSpPr>
+        <p:spPr>
+          <a:xfrm>
+            <a:off x="3431263" y="1910720"/>
+            <a:ext cx="886691" cy="1861706"/>
+          </a:xfrm>
+          <a:custGeom>
+            <a:avLst/>
+            <a:gdLst>
+              <a:gd name="connsiteX0" fmla="*/ 0 w 886691"/>
+              <a:gd name="connsiteY0" fmla="*/ 493757 h 2285611"/>
+              <a:gd name="connsiteX1" fmla="*/ 314036 w 886691"/>
+              <a:gd name="connsiteY1" fmla="*/ 115066 h 2285611"/>
+              <a:gd name="connsiteX2" fmla="*/ 886691 w 886691"/>
+              <a:gd name="connsiteY2" fmla="*/ 2285611 h 2285611"/>
+            </a:gdLst>
+            <a:ahLst/>
+            <a:cxnLst>
+              <a:cxn ang="0">
+                <a:pos x="connsiteX0" y="connsiteY0"/>
+              </a:cxn>
+              <a:cxn ang="0">
+                <a:pos x="connsiteX1" y="connsiteY1"/>
+              </a:cxn>
+              <a:cxn ang="0">
+                <a:pos x="connsiteX2" y="connsiteY2"/>
+              </a:cxn>
+            </a:cxnLst>
+            <a:rect l="l" t="t" r="r" b="b"/>
+            <a:pathLst>
+              <a:path w="886691" h="2285611">
+                <a:moveTo>
+                  <a:pt x="0" y="493757"/>
+                </a:moveTo>
+                <a:cubicBezTo>
+                  <a:pt x="83127" y="155090"/>
+                  <a:pt x="166254" y="-183576"/>
+                  <a:pt x="314036" y="115066"/>
+                </a:cubicBezTo>
+                <a:cubicBezTo>
+                  <a:pt x="461818" y="413708"/>
+                  <a:pt x="748146" y="1982351"/>
+                  <a:pt x="886691" y="2285611"/>
+                </a:cubicBezTo>
+              </a:path>
+            </a:pathLst>
+          </a:custGeom>
+          <a:noFill/>
+          <a:ln w="25400">
+            <a:solidFill>
+              <a:srgbClr val="002060"/>
+            </a:solidFill>
+          </a:ln>
+        </p:spPr>
+        <p:style>
+          <a:lnRef idx="2">
+            <a:schemeClr val="accent1">
+              <a:shade val="50000"/>
+            </a:schemeClr>
+          </a:lnRef>
+          <a:fillRef idx="1">
+            <a:schemeClr val="accent1"/>
+          </a:fillRef>
+          <a:effectRef idx="0">
+            <a:schemeClr val="accent1"/>
+          </a:effectRef>
+          <a:fontRef idx="minor">
+            <a:schemeClr val="lt1"/>
+          </a:fontRef>
+        </p:style>
+        <p:txBody>
+          <a:bodyPr rtlCol="0" anchor="ctr"/>
+          <a:lstStyle/>
+          <a:p>
+            <a:pPr algn="ctr"/>
+            <a:endParaRPr lang="en-US"/>
+          </a:p>
+        </p:txBody>
+      </p:sp>
+      <p:sp>
+        <p:nvSpPr>
+          <p:cNvPr id="10" name="Freeform: Shape 9">
+            <a:extLst>
+              <a:ext uri="{FF2B5EF4-FFF2-40B4-BE49-F238E27FC236}">
+                <a16:creationId xmlns:a16="http://schemas.microsoft.com/office/drawing/2014/main" id="{E022AAB2-4018-40FB-97A4-D66325D0EF95}"/>
+              </a:ext>
+            </a:extLst>
+          </p:cNvPr>
+          <p:cNvSpPr/>
+          <p:nvPr/>
+        </p:nvSpPr>
+        <p:spPr>
+          <a:xfrm>
+            <a:off x="4032841" y="1911927"/>
+            <a:ext cx="886691" cy="1860499"/>
+          </a:xfrm>
+          <a:custGeom>
+            <a:avLst/>
+            <a:gdLst>
+              <a:gd name="connsiteX0" fmla="*/ 0 w 886691"/>
+              <a:gd name="connsiteY0" fmla="*/ 493757 h 2285611"/>
+              <a:gd name="connsiteX1" fmla="*/ 314036 w 886691"/>
+              <a:gd name="connsiteY1" fmla="*/ 115066 h 2285611"/>
+              <a:gd name="connsiteX2" fmla="*/ 886691 w 886691"/>
+              <a:gd name="connsiteY2" fmla="*/ 2285611 h 2285611"/>
+            </a:gdLst>
+            <a:ahLst/>
+            <a:cxnLst>
+              <a:cxn ang="0">
+                <a:pos x="connsiteX0" y="connsiteY0"/>
+              </a:cxn>
+              <a:cxn ang="0">
+                <a:pos x="connsiteX1" y="connsiteY1"/>
+              </a:cxn>
+              <a:cxn ang="0">
+                <a:pos x="connsiteX2" y="connsiteY2"/>
+              </a:cxn>
+            </a:cxnLst>
+            <a:rect l="l" t="t" r="r" b="b"/>
+            <a:pathLst>
+              <a:path w="886691" h="2285611">
+                <a:moveTo>
+                  <a:pt x="0" y="493757"/>
+                </a:moveTo>
+                <a:cubicBezTo>
+                  <a:pt x="83127" y="155090"/>
+                  <a:pt x="166254" y="-183576"/>
+                  <a:pt x="314036" y="115066"/>
+                </a:cubicBezTo>
+                <a:cubicBezTo>
+                  <a:pt x="461818" y="413708"/>
+                  <a:pt x="748146" y="1982351"/>
+                  <a:pt x="886691" y="2285611"/>
+                </a:cubicBezTo>
+              </a:path>
+            </a:pathLst>
+          </a:custGeom>
+          <a:noFill/>
+          <a:ln w="25400">
+            <a:solidFill>
+              <a:srgbClr val="002060"/>
+            </a:solidFill>
+          </a:ln>
+        </p:spPr>
+        <p:style>
+          <a:lnRef idx="2">
+            <a:schemeClr val="accent1">
+              <a:shade val="50000"/>
+            </a:schemeClr>
+          </a:lnRef>
+          <a:fillRef idx="1">
+            <a:schemeClr val="accent1"/>
+          </a:fillRef>
+          <a:effectRef idx="0">
+            <a:schemeClr val="accent1"/>
+          </a:effectRef>
+          <a:fontRef idx="minor">
+            <a:schemeClr val="lt1"/>
+          </a:fontRef>
+        </p:style>
+        <p:txBody>
+          <a:bodyPr rtlCol="0" anchor="ctr"/>
+          <a:lstStyle/>
+          <a:p>
+            <a:pPr algn="ctr"/>
+            <a:endParaRPr lang="en-US"/>
+          </a:p>
+        </p:txBody>
+      </p:sp>
+      <p:sp>
+        <p:nvSpPr>
+          <p:cNvPr id="11" name="Freeform: Shape 10">
+            <a:extLst>
+              <a:ext uri="{FF2B5EF4-FFF2-40B4-BE49-F238E27FC236}">
+                <a16:creationId xmlns:a16="http://schemas.microsoft.com/office/drawing/2014/main" id="{CE7D0F72-798D-4F44-9F8D-565B2B00EC01}"/>
+              </a:ext>
+            </a:extLst>
+          </p:cNvPr>
+          <p:cNvSpPr/>
+          <p:nvPr/>
+        </p:nvSpPr>
+        <p:spPr>
+          <a:xfrm>
+            <a:off x="4660171" y="2029350"/>
+            <a:ext cx="886691" cy="1772983"/>
+          </a:xfrm>
+          <a:custGeom>
+            <a:avLst/>
+            <a:gdLst>
+              <a:gd name="connsiteX0" fmla="*/ 0 w 886691"/>
+              <a:gd name="connsiteY0" fmla="*/ 493757 h 2285611"/>
+              <a:gd name="connsiteX1" fmla="*/ 314036 w 886691"/>
+              <a:gd name="connsiteY1" fmla="*/ 115066 h 2285611"/>
+              <a:gd name="connsiteX2" fmla="*/ 886691 w 886691"/>
+              <a:gd name="connsiteY2" fmla="*/ 2285611 h 2285611"/>
+            </a:gdLst>
+            <a:ahLst/>
+            <a:cxnLst>
+              <a:cxn ang="0">
+                <a:pos x="connsiteX0" y="connsiteY0"/>
+              </a:cxn>
+              <a:cxn ang="0">
+                <a:pos x="connsiteX1" y="connsiteY1"/>
+              </a:cxn>
+              <a:cxn ang="0">
+                <a:pos x="connsiteX2" y="connsiteY2"/>
+              </a:cxn>
+            </a:cxnLst>
+            <a:rect l="l" t="t" r="r" b="b"/>
+            <a:pathLst>
+              <a:path w="886691" h="2285611">
+                <a:moveTo>
+                  <a:pt x="0" y="493757"/>
+                </a:moveTo>
+                <a:cubicBezTo>
+                  <a:pt x="83127" y="155090"/>
+                  <a:pt x="166254" y="-183576"/>
+                  <a:pt x="314036" y="115066"/>
+                </a:cubicBezTo>
+                <a:cubicBezTo>
+                  <a:pt x="461818" y="413708"/>
+                  <a:pt x="748146" y="1982351"/>
+                  <a:pt x="886691" y="2285611"/>
+                </a:cubicBezTo>
+              </a:path>
+            </a:pathLst>
+          </a:custGeom>
+          <a:noFill/>
+          <a:ln w="25400">
+            <a:solidFill>
+              <a:srgbClr val="002060"/>
+            </a:solidFill>
+          </a:ln>
+        </p:spPr>
+        <p:style>
+          <a:lnRef idx="2">
+            <a:schemeClr val="accent1">
+              <a:shade val="50000"/>
+            </a:schemeClr>
+          </a:lnRef>
+          <a:fillRef idx="1">
+            <a:schemeClr val="accent1"/>
+          </a:fillRef>
+          <a:effectRef idx="0">
+            <a:schemeClr val="accent1"/>
+          </a:effectRef>
+          <a:fontRef idx="minor">
+            <a:schemeClr val="lt1"/>
+          </a:fontRef>
+        </p:style>
+        <p:txBody>
+          <a:bodyPr rtlCol="0" anchor="ctr"/>
+          <a:lstStyle/>
+          <a:p>
+            <a:pPr algn="ctr"/>
+            <a:endParaRPr lang="en-US"/>
+          </a:p>
+        </p:txBody>
+      </p:sp>
+      <p:sp>
+        <p:nvSpPr>
+          <p:cNvPr id="12" name="Freeform: Shape 11">
+            <a:extLst>
+              <a:ext uri="{FF2B5EF4-FFF2-40B4-BE49-F238E27FC236}">
+                <a16:creationId xmlns:a16="http://schemas.microsoft.com/office/drawing/2014/main" id="{8D4F1CC3-D357-4A50-BA4B-1D06AEF0985E}"/>
+              </a:ext>
+            </a:extLst>
+          </p:cNvPr>
+          <p:cNvSpPr/>
+          <p:nvPr/>
+        </p:nvSpPr>
+        <p:spPr>
+          <a:xfrm>
+            <a:off x="5290321" y="2456873"/>
+            <a:ext cx="886691" cy="1323860"/>
+          </a:xfrm>
+          <a:custGeom>
+            <a:avLst/>
+            <a:gdLst>
+              <a:gd name="connsiteX0" fmla="*/ 0 w 886691"/>
+              <a:gd name="connsiteY0" fmla="*/ 493757 h 2285611"/>
+              <a:gd name="connsiteX1" fmla="*/ 314036 w 886691"/>
+              <a:gd name="connsiteY1" fmla="*/ 115066 h 2285611"/>
+              <a:gd name="connsiteX2" fmla="*/ 886691 w 886691"/>
+              <a:gd name="connsiteY2" fmla="*/ 2285611 h 2285611"/>
+            </a:gdLst>
+            <a:ahLst/>
+            <a:cxnLst>
+              <a:cxn ang="0">
+                <a:pos x="connsiteX0" y="connsiteY0"/>
+              </a:cxn>
+              <a:cxn ang="0">
+                <a:pos x="connsiteX1" y="connsiteY1"/>
+              </a:cxn>
+              <a:cxn ang="0">
+                <a:pos x="connsiteX2" y="connsiteY2"/>
+              </a:cxn>
+            </a:cxnLst>
+            <a:rect l="l" t="t" r="r" b="b"/>
+            <a:pathLst>
+              <a:path w="886691" h="2285611">
+                <a:moveTo>
+                  <a:pt x="0" y="493757"/>
+                </a:moveTo>
+                <a:cubicBezTo>
+                  <a:pt x="83127" y="155090"/>
+                  <a:pt x="166254" y="-183576"/>
+                  <a:pt x="314036" y="115066"/>
+                </a:cubicBezTo>
+                <a:cubicBezTo>
+                  <a:pt x="461818" y="413708"/>
+                  <a:pt x="748146" y="1982351"/>
+                  <a:pt x="886691" y="2285611"/>
+                </a:cubicBezTo>
+              </a:path>
+            </a:pathLst>
+          </a:custGeom>
+          <a:noFill/>
+          <a:ln w="25400">
+            <a:solidFill>
+              <a:srgbClr val="002060"/>
+            </a:solidFill>
+          </a:ln>
+        </p:spPr>
+        <p:style>
+          <a:lnRef idx="2">
+            <a:schemeClr val="accent1">
+              <a:shade val="50000"/>
+            </a:schemeClr>
+          </a:lnRef>
+          <a:fillRef idx="1">
+            <a:schemeClr val="accent1"/>
+          </a:fillRef>
+          <a:effectRef idx="0">
+            <a:schemeClr val="accent1"/>
+          </a:effectRef>
+          <a:fontRef idx="minor">
+            <a:schemeClr val="lt1"/>
+          </a:fontRef>
+        </p:style>
+        <p:txBody>
+          <a:bodyPr rtlCol="0" anchor="ctr"/>
+          <a:lstStyle/>
+          <a:p>
+            <a:pPr algn="ctr"/>
+            <a:endParaRPr lang="en-US"/>
+          </a:p>
+        </p:txBody>
+      </p:sp>
+      <p:sp>
+        <p:nvSpPr>
+          <p:cNvPr id="13" name="Freeform: Shape 12">
+            <a:extLst>
+              <a:ext uri="{FF2B5EF4-FFF2-40B4-BE49-F238E27FC236}">
+                <a16:creationId xmlns:a16="http://schemas.microsoft.com/office/drawing/2014/main" id="{799FAD22-44BA-4B5E-98E5-0EB51199A0C7}"/>
+              </a:ext>
+            </a:extLst>
+          </p:cNvPr>
+          <p:cNvSpPr/>
+          <p:nvPr/>
+        </p:nvSpPr>
+        <p:spPr>
+          <a:xfrm>
+            <a:off x="6001046" y="2801820"/>
+            <a:ext cx="741549" cy="978313"/>
+          </a:xfrm>
+          <a:custGeom>
+            <a:avLst/>
+            <a:gdLst>
+              <a:gd name="connsiteX0" fmla="*/ 0 w 886691"/>
+              <a:gd name="connsiteY0" fmla="*/ 493757 h 2285611"/>
+              <a:gd name="connsiteX1" fmla="*/ 314036 w 886691"/>
+              <a:gd name="connsiteY1" fmla="*/ 115066 h 2285611"/>
+              <a:gd name="connsiteX2" fmla="*/ 886691 w 886691"/>
+              <a:gd name="connsiteY2" fmla="*/ 2285611 h 2285611"/>
+            </a:gdLst>
+            <a:ahLst/>
+            <a:cxnLst>
+              <a:cxn ang="0">
+                <a:pos x="connsiteX0" y="connsiteY0"/>
+              </a:cxn>
+              <a:cxn ang="0">
+                <a:pos x="connsiteX1" y="connsiteY1"/>
+              </a:cxn>
+              <a:cxn ang="0">
+                <a:pos x="connsiteX2" y="connsiteY2"/>
+              </a:cxn>
+            </a:cxnLst>
+            <a:rect l="l" t="t" r="r" b="b"/>
+            <a:pathLst>
+              <a:path w="886691" h="2285611">
+                <a:moveTo>
+                  <a:pt x="0" y="493757"/>
+                </a:moveTo>
+                <a:cubicBezTo>
+                  <a:pt x="83127" y="155090"/>
+                  <a:pt x="166254" y="-183576"/>
+                  <a:pt x="314036" y="115066"/>
+                </a:cubicBezTo>
+                <a:cubicBezTo>
+                  <a:pt x="461818" y="413708"/>
+                  <a:pt x="748146" y="1982351"/>
+                  <a:pt x="886691" y="2285611"/>
+                </a:cubicBezTo>
+              </a:path>
+            </a:pathLst>
+          </a:custGeom>
+          <a:noFill/>
+          <a:ln w="25400">
+            <a:solidFill>
+              <a:srgbClr val="002060"/>
+            </a:solidFill>
+          </a:ln>
+        </p:spPr>
+        <p:style>
+          <a:lnRef idx="2">
+            <a:schemeClr val="accent1">
+              <a:shade val="50000"/>
+            </a:schemeClr>
+          </a:lnRef>
+          <a:fillRef idx="1">
+            <a:schemeClr val="accent1"/>
+          </a:fillRef>
+          <a:effectRef idx="0">
+            <a:schemeClr val="accent1"/>
+          </a:effectRef>
+          <a:fontRef idx="minor">
+            <a:schemeClr val="lt1"/>
+          </a:fontRef>
+        </p:style>
+        <p:txBody>
+          <a:bodyPr rtlCol="0" anchor="ctr"/>
+          <a:lstStyle/>
+          <a:p>
+            <a:pPr algn="ctr"/>
+            <a:endParaRPr lang="en-US"/>
+          </a:p>
+        </p:txBody>
+      </p:sp>
+      <p:sp>
+        <p:nvSpPr>
+          <p:cNvPr id="14" name="Freeform: Shape 13">
+            <a:extLst>
+              <a:ext uri="{FF2B5EF4-FFF2-40B4-BE49-F238E27FC236}">
+                <a16:creationId xmlns:a16="http://schemas.microsoft.com/office/drawing/2014/main" id="{C3EE9290-24BC-4B00-BF50-A7CF05DE91B7}"/>
+              </a:ext>
+            </a:extLst>
+          </p:cNvPr>
+          <p:cNvSpPr/>
+          <p:nvPr/>
+        </p:nvSpPr>
+        <p:spPr>
+          <a:xfrm>
+            <a:off x="6602623" y="2973790"/>
+            <a:ext cx="741549" cy="781096"/>
+          </a:xfrm>
+          <a:custGeom>
+            <a:avLst/>
+            <a:gdLst>
+              <a:gd name="connsiteX0" fmla="*/ 0 w 886691"/>
+              <a:gd name="connsiteY0" fmla="*/ 493757 h 2285611"/>
+              <a:gd name="connsiteX1" fmla="*/ 314036 w 886691"/>
+              <a:gd name="connsiteY1" fmla="*/ 115066 h 2285611"/>
+              <a:gd name="connsiteX2" fmla="*/ 886691 w 886691"/>
+              <a:gd name="connsiteY2" fmla="*/ 2285611 h 2285611"/>
+            </a:gdLst>
+            <a:ahLst/>
+            <a:cxnLst>
+              <a:cxn ang="0">
+                <a:pos x="connsiteX0" y="connsiteY0"/>
+              </a:cxn>
+              <a:cxn ang="0">
+                <a:pos x="connsiteX1" y="connsiteY1"/>
+              </a:cxn>
+              <a:cxn ang="0">
+                <a:pos x="connsiteX2" y="connsiteY2"/>
+              </a:cxn>
+            </a:cxnLst>
+            <a:rect l="l" t="t" r="r" b="b"/>
+            <a:pathLst>
+              <a:path w="886691" h="2285611">
+                <a:moveTo>
+                  <a:pt x="0" y="493757"/>
+                </a:moveTo>
+                <a:cubicBezTo>
+                  <a:pt x="83127" y="155090"/>
+                  <a:pt x="166254" y="-183576"/>
+                  <a:pt x="314036" y="115066"/>
+                </a:cubicBezTo>
+                <a:cubicBezTo>
+                  <a:pt x="461818" y="413708"/>
+                  <a:pt x="748146" y="1982351"/>
+                  <a:pt x="886691" y="2285611"/>
+                </a:cubicBezTo>
+              </a:path>
+            </a:pathLst>
+          </a:custGeom>
+          <a:noFill/>
+          <a:ln w="25400">
+            <a:solidFill>
+              <a:srgbClr val="002060"/>
+            </a:solidFill>
+          </a:ln>
+        </p:spPr>
+        <p:style>
+          <a:lnRef idx="2">
+            <a:schemeClr val="accent1">
+              <a:shade val="50000"/>
+            </a:schemeClr>
+          </a:lnRef>
+          <a:fillRef idx="1">
+            <a:schemeClr val="accent1"/>
+          </a:fillRef>
+          <a:effectRef idx="0">
+            <a:schemeClr val="accent1"/>
+          </a:effectRef>
+          <a:fontRef idx="minor">
+            <a:schemeClr val="lt1"/>
+          </a:fontRef>
+        </p:style>
+        <p:txBody>
+          <a:bodyPr rtlCol="0" anchor="ctr"/>
+          <a:lstStyle/>
+          <a:p>
+            <a:pPr algn="ctr"/>
+            <a:endParaRPr lang="en-US"/>
+          </a:p>
+        </p:txBody>
+      </p:sp>
+      <p:sp>
+        <p:nvSpPr>
+          <p:cNvPr id="15" name="Freeform: Shape 14">
+            <a:extLst>
+              <a:ext uri="{FF2B5EF4-FFF2-40B4-BE49-F238E27FC236}">
+                <a16:creationId xmlns:a16="http://schemas.microsoft.com/office/drawing/2014/main" id="{D41F4E6E-6CDD-41C3-9B7E-80D0861B8CCF}"/>
+              </a:ext>
+            </a:extLst>
+          </p:cNvPr>
+          <p:cNvSpPr/>
+          <p:nvPr/>
+        </p:nvSpPr>
+        <p:spPr>
+          <a:xfrm>
+            <a:off x="7344173" y="3153610"/>
+            <a:ext cx="456436" cy="610150"/>
+          </a:xfrm>
+          <a:custGeom>
+            <a:avLst/>
+            <a:gdLst>
+              <a:gd name="connsiteX0" fmla="*/ 0 w 886691"/>
+              <a:gd name="connsiteY0" fmla="*/ 493757 h 2285611"/>
+              <a:gd name="connsiteX1" fmla="*/ 314036 w 886691"/>
+              <a:gd name="connsiteY1" fmla="*/ 115066 h 2285611"/>
+              <a:gd name="connsiteX2" fmla="*/ 886691 w 886691"/>
+              <a:gd name="connsiteY2" fmla="*/ 2285611 h 2285611"/>
+            </a:gdLst>
+            <a:ahLst/>
+            <a:cxnLst>
+              <a:cxn ang="0">
+                <a:pos x="connsiteX0" y="connsiteY0"/>
+              </a:cxn>
+              <a:cxn ang="0">
+                <a:pos x="connsiteX1" y="connsiteY1"/>
+              </a:cxn>
+              <a:cxn ang="0">
+                <a:pos x="connsiteX2" y="connsiteY2"/>
+              </a:cxn>
+            </a:cxnLst>
+            <a:rect l="l" t="t" r="r" b="b"/>
+            <a:pathLst>
+              <a:path w="886691" h="2285611">
+                <a:moveTo>
+                  <a:pt x="0" y="493757"/>
+                </a:moveTo>
+                <a:cubicBezTo>
+                  <a:pt x="83127" y="155090"/>
+                  <a:pt x="166254" y="-183576"/>
+                  <a:pt x="314036" y="115066"/>
+                </a:cubicBezTo>
+                <a:cubicBezTo>
+                  <a:pt x="461818" y="413708"/>
+                  <a:pt x="748146" y="1982351"/>
+                  <a:pt x="886691" y="2285611"/>
+                </a:cubicBezTo>
+              </a:path>
+            </a:pathLst>
+          </a:custGeom>
+          <a:noFill/>
+          <a:ln w="25400">
+            <a:solidFill>
+              <a:srgbClr val="002060"/>
+            </a:solidFill>
+          </a:ln>
+        </p:spPr>
+        <p:style>
+          <a:lnRef idx="2">
+            <a:schemeClr val="accent1">
+              <a:shade val="50000"/>
+            </a:schemeClr>
+          </a:lnRef>
+          <a:fillRef idx="1">
+            <a:schemeClr val="accent1"/>
+          </a:fillRef>
+          <a:effectRef idx="0">
+            <a:schemeClr val="accent1"/>
+          </a:effectRef>
+          <a:fontRef idx="minor">
+            <a:schemeClr val="lt1"/>
+          </a:fontRef>
+        </p:style>
+        <p:txBody>
+          <a:bodyPr rtlCol="0" anchor="ctr"/>
+          <a:lstStyle/>
+          <a:p>
+            <a:pPr algn="ctr"/>
+            <a:endParaRPr lang="en-US"/>
+          </a:p>
+        </p:txBody>
+      </p:sp>
+      <p:sp>
+        <p:nvSpPr>
+          <p:cNvPr id="16" name="Freeform: Shape 15">
+            <a:extLst>
+              <a:ext uri="{FF2B5EF4-FFF2-40B4-BE49-F238E27FC236}">
+                <a16:creationId xmlns:a16="http://schemas.microsoft.com/office/drawing/2014/main" id="{158BE9A6-B764-48CD-869D-E6E1F8579B1B}"/>
+              </a:ext>
+            </a:extLst>
+          </p:cNvPr>
+          <p:cNvSpPr/>
+          <p:nvPr/>
+        </p:nvSpPr>
+        <p:spPr>
+          <a:xfrm>
+            <a:off x="4544199" y="2321387"/>
+            <a:ext cx="3431774" cy="1060230"/>
+          </a:xfrm>
+          <a:custGeom>
+            <a:avLst/>
+            <a:gdLst>
+              <a:gd name="connsiteX0" fmla="*/ 0 w 3435928"/>
+              <a:gd name="connsiteY0" fmla="*/ 0 h 1496290"/>
+              <a:gd name="connsiteX1" fmla="*/ 1311564 w 3435928"/>
+              <a:gd name="connsiteY1" fmla="*/ 914400 h 1496290"/>
+              <a:gd name="connsiteX2" fmla="*/ 3435928 w 3435928"/>
+              <a:gd name="connsiteY2" fmla="*/ 1496290 h 1496290"/>
+            </a:gdLst>
+            <a:ahLst/>
+            <a:cxnLst>
+              <a:cxn ang="0">
+                <a:pos x="connsiteX0" y="connsiteY0"/>
+              </a:cxn>
+              <a:cxn ang="0">
+                <a:pos x="connsiteX1" y="connsiteY1"/>
+              </a:cxn>
+              <a:cxn ang="0">
+                <a:pos x="connsiteX2" y="connsiteY2"/>
+              </a:cxn>
+            </a:cxnLst>
+            <a:rect l="l" t="t" r="r" b="b"/>
+            <a:pathLst>
+              <a:path w="3435928" h="1496290">
+                <a:moveTo>
+                  <a:pt x="0" y="0"/>
+                </a:moveTo>
+                <a:cubicBezTo>
+                  <a:pt x="369454" y="332509"/>
+                  <a:pt x="738909" y="665018"/>
+                  <a:pt x="1311564" y="914400"/>
+                </a:cubicBezTo>
+                <a:cubicBezTo>
+                  <a:pt x="1884219" y="1163782"/>
+                  <a:pt x="2660073" y="1330036"/>
+                  <a:pt x="3435928" y="1496290"/>
+                </a:cubicBezTo>
+              </a:path>
+            </a:pathLst>
+          </a:custGeom>
+          <a:noFill/>
+          <a:ln w="25400">
+            <a:solidFill>
+              <a:srgbClr val="FF0000"/>
+            </a:solidFill>
+          </a:ln>
+        </p:spPr>
+        <p:style>
+          <a:lnRef idx="2">
+            <a:schemeClr val="accent1">
+              <a:shade val="50000"/>
+            </a:schemeClr>
+          </a:lnRef>
+          <a:fillRef idx="1">
+            <a:schemeClr val="accent1"/>
+          </a:fillRef>
+          <a:effectRef idx="0">
+            <a:schemeClr val="accent1"/>
+          </a:effectRef>
+          <a:fontRef idx="minor">
+            <a:schemeClr val="lt1"/>
+          </a:fontRef>
+        </p:style>
+        <p:txBody>
+          <a:bodyPr rtlCol="0" anchor="ctr"/>
+          <a:lstStyle/>
+          <a:p>
+            <a:pPr algn="ctr"/>
+            <a:endParaRPr lang="en-US"/>
+          </a:p>
+        </p:txBody>
+      </p:sp>
+      <p:cxnSp>
+        <p:nvCxnSpPr>
+          <p:cNvPr id="17" name="Straight Connector 16">
+            <a:extLst>
+              <a:ext uri="{FF2B5EF4-FFF2-40B4-BE49-F238E27FC236}">
+                <a16:creationId xmlns:a16="http://schemas.microsoft.com/office/drawing/2014/main" id="{9FBE629B-62A9-4B55-A130-6B7C3384D741}"/>
+              </a:ext>
+            </a:extLst>
+          </p:cNvPr>
+          <p:cNvCxnSpPr>
+            <a:stCxn id="16" idx="0"/>
+          </p:cNvCxnSpPr>
+          <p:nvPr/>
+        </p:nvCxnSpPr>
+        <p:spPr>
+          <a:xfrm flipH="1">
+            <a:off x="2205203" y="2321387"/>
+            <a:ext cx="2338996" cy="0"/>
+          </a:xfrm>
+          <a:prstGeom prst="line">
+            <a:avLst/>
+          </a:prstGeom>
+          <a:ln w="25400">
+            <a:solidFill>
+              <a:srgbClr val="FF0000"/>
+            </a:solidFill>
+          </a:ln>
+        </p:spPr>
+        <p:style>
+          <a:lnRef idx="1">
+            <a:schemeClr val="accent1"/>
+          </a:lnRef>
+          <a:fillRef idx="0">
+            <a:schemeClr val="accent1"/>
+          </a:fillRef>
+          <a:effectRef idx="0">
+            <a:schemeClr val="accent1"/>
+          </a:effectRef>
+          <a:fontRef idx="minor">
+            <a:schemeClr val="tx1"/>
+          </a:fontRef>
+        </p:style>
+      </p:cxnSp>
+      <p:sp>
+        <p:nvSpPr>
+          <p:cNvPr id="18" name="TextBox 17">
+            <a:extLst>
+              <a:ext uri="{FF2B5EF4-FFF2-40B4-BE49-F238E27FC236}">
+                <a16:creationId xmlns:a16="http://schemas.microsoft.com/office/drawing/2014/main" id="{074C5252-C7FF-43BF-BD0B-D35C7693D198}"/>
+              </a:ext>
+            </a:extLst>
+          </p:cNvPr>
+          <p:cNvSpPr txBox="1"/>
+          <p:nvPr/>
+        </p:nvSpPr>
+        <p:spPr>
+          <a:xfrm>
+            <a:off x="4395775" y="3958771"/>
+            <a:ext cx="1942452" cy="400110"/>
+          </a:xfrm>
+          <a:prstGeom prst="rect">
+            <a:avLst/>
+          </a:prstGeom>
+          <a:noFill/>
+        </p:spPr>
+        <p:txBody>
+          <a:bodyPr wrap="square" rtlCol="0">
+            <a:spAutoFit/>
+          </a:bodyPr>
+          <a:lstStyle/>
+          <a:p>
+            <a:r>
+              <a:rPr lang="en-US" sz="1600" dirty="0">
+                <a:latin typeface="Times New Roman" panose="02020603050405020304" pitchFamily="18" charset="0"/>
+                <a:cs typeface="Times New Roman" panose="02020603050405020304" pitchFamily="18" charset="0"/>
+              </a:rPr>
+              <a:t>Increasing</a:t>
+            </a:r>
+            <a:r>
+              <a:rPr lang="en-US" sz="2000" dirty="0">
+                <a:latin typeface="Times New Roman" panose="02020603050405020304" pitchFamily="18" charset="0"/>
+                <a:cs typeface="Times New Roman" panose="02020603050405020304" pitchFamily="18" charset="0"/>
+              </a:rPr>
+              <a:t> </a:t>
+            </a:r>
+            <a:r>
+              <a:rPr lang="el-GR" sz="2000" dirty="0">
+                <a:latin typeface="Times New Roman" panose="02020603050405020304" pitchFamily="18" charset="0"/>
+                <a:cs typeface="Times New Roman" panose="02020603050405020304" pitchFamily="18" charset="0"/>
+              </a:rPr>
+              <a:t>ω</a:t>
+            </a:r>
+            <a:r>
+              <a:rPr lang="en-US" sz="1400" dirty="0">
+                <a:latin typeface="Times New Roman" panose="02020603050405020304" pitchFamily="18" charset="0"/>
+                <a:cs typeface="Times New Roman" panose="02020603050405020304" pitchFamily="18" charset="0"/>
+              </a:rPr>
+              <a:t>s</a:t>
+            </a:r>
+            <a:endParaRPr lang="en-US" sz="2000" dirty="0"/>
+          </a:p>
+        </p:txBody>
+      </p:sp>
+      <p:sp>
+        <p:nvSpPr>
+          <p:cNvPr id="19" name="Rectangle 18">
+            <a:extLst>
+              <a:ext uri="{FF2B5EF4-FFF2-40B4-BE49-F238E27FC236}">
+                <a16:creationId xmlns:a16="http://schemas.microsoft.com/office/drawing/2014/main" id="{CA8CEDE0-90EC-48EF-BEBC-898A80A9B712}"/>
+              </a:ext>
+            </a:extLst>
+          </p:cNvPr>
+          <p:cNvSpPr/>
+          <p:nvPr/>
+        </p:nvSpPr>
+        <p:spPr>
+          <a:xfrm>
+            <a:off x="2184165" y="2318738"/>
+            <a:ext cx="2369927" cy="1483596"/>
+          </a:xfrm>
+          <a:prstGeom prst="rect">
+            <a:avLst/>
+          </a:prstGeom>
+          <a:solidFill>
+            <a:srgbClr val="E3BCB9">
+              <a:alpha val="24706"/>
+            </a:srgbClr>
+          </a:solidFill>
+          <a:ln>
+            <a:solidFill>
+              <a:schemeClr val="accent1">
+                <a:shade val="50000"/>
+                <a:alpha val="0"/>
+              </a:schemeClr>
+            </a:solidFill>
+          </a:ln>
+        </p:spPr>
+        <p:style>
+          <a:lnRef idx="2">
+            <a:schemeClr val="accent1">
+              <a:shade val="50000"/>
+            </a:schemeClr>
+          </a:lnRef>
+          <a:fillRef idx="1">
+            <a:schemeClr val="accent1"/>
+          </a:fillRef>
+          <a:effectRef idx="0">
+            <a:schemeClr val="accent1"/>
+          </a:effectRef>
+          <a:fontRef idx="minor">
+            <a:schemeClr val="lt1"/>
+          </a:fontRef>
+        </p:style>
+        <p:txBody>
+          <a:bodyPr rtlCol="0" anchor="ctr"/>
+          <a:lstStyle/>
+          <a:p>
+            <a:pPr algn="ctr"/>
+            <a:endParaRPr lang="en-US" dirty="0"/>
+          </a:p>
+        </p:txBody>
+      </p:sp>
+      <p:sp>
+        <p:nvSpPr>
+          <p:cNvPr id="20" name="TextBox 19">
+            <a:extLst>
+              <a:ext uri="{FF2B5EF4-FFF2-40B4-BE49-F238E27FC236}">
+                <a16:creationId xmlns:a16="http://schemas.microsoft.com/office/drawing/2014/main" id="{54FEA9DC-95C8-47DF-ADE4-9E3B5B2DD572}"/>
+              </a:ext>
+            </a:extLst>
+          </p:cNvPr>
+          <p:cNvSpPr txBox="1"/>
+          <p:nvPr/>
+        </p:nvSpPr>
+        <p:spPr>
+          <a:xfrm>
+            <a:off x="2737710" y="3247409"/>
+            <a:ext cx="1354732" cy="400110"/>
+          </a:xfrm>
+          <a:prstGeom prst="rect">
+            <a:avLst/>
+          </a:prstGeom>
+          <a:noFill/>
+        </p:spPr>
+        <p:txBody>
+          <a:bodyPr wrap="square" rtlCol="0">
+            <a:spAutoFit/>
+          </a:bodyPr>
+          <a:lstStyle/>
+          <a:p>
+            <a:r>
+              <a:rPr lang="en-US" sz="2000" dirty="0">
+                <a:solidFill>
+                  <a:srgbClr val="FF0000"/>
+                </a:solidFill>
+                <a:latin typeface="Times New Roman" panose="02020603050405020304" pitchFamily="18" charset="0"/>
+                <a:cs typeface="Times New Roman" panose="02020603050405020304" pitchFamily="18" charset="0"/>
+              </a:rPr>
+              <a:t>Constant T</a:t>
+            </a:r>
+            <a:endParaRPr lang="en-US" sz="2000" dirty="0">
+              <a:solidFill>
+                <a:srgbClr val="FF0000"/>
+              </a:solidFill>
+            </a:endParaRPr>
+          </a:p>
+        </p:txBody>
+      </p:sp>
+      <p:cxnSp>
+        <p:nvCxnSpPr>
+          <p:cNvPr id="21" name="Straight Connector 20">
+            <a:extLst>
+              <a:ext uri="{FF2B5EF4-FFF2-40B4-BE49-F238E27FC236}">
+                <a16:creationId xmlns:a16="http://schemas.microsoft.com/office/drawing/2014/main" id="{77E3F015-5DD4-4B80-8E2D-FD20B27AA486}"/>
+              </a:ext>
+            </a:extLst>
+          </p:cNvPr>
+          <p:cNvCxnSpPr>
+            <a:cxnSpLocks/>
+          </p:cNvCxnSpPr>
+          <p:nvPr/>
+        </p:nvCxnSpPr>
+        <p:spPr>
+          <a:xfrm flipH="1">
+            <a:off x="2205202" y="2131362"/>
+            <a:ext cx="2332109" cy="1663494"/>
+          </a:xfrm>
+          <a:prstGeom prst="line">
+            <a:avLst/>
+          </a:prstGeom>
+          <a:ln w="25400">
+            <a:solidFill>
+              <a:srgbClr val="0070C0"/>
+            </a:solidFill>
+            <a:prstDash val="solid"/>
+          </a:ln>
+        </p:spPr>
+        <p:style>
+          <a:lnRef idx="1">
+            <a:schemeClr val="accent1"/>
+          </a:lnRef>
+          <a:fillRef idx="0">
+            <a:schemeClr val="accent1"/>
+          </a:fillRef>
+          <a:effectRef idx="0">
+            <a:schemeClr val="accent1"/>
+          </a:effectRef>
+          <a:fontRef idx="minor">
+            <a:schemeClr val="tx1"/>
+          </a:fontRef>
+        </p:style>
+      </p:cxnSp>
+      <p:cxnSp>
+        <p:nvCxnSpPr>
+          <p:cNvPr id="22" name="Straight Connector 21">
+            <a:extLst>
+              <a:ext uri="{FF2B5EF4-FFF2-40B4-BE49-F238E27FC236}">
+                <a16:creationId xmlns:a16="http://schemas.microsoft.com/office/drawing/2014/main" id="{9296069E-F3DC-4486-BCE8-46A1FFB5A15B}"/>
+              </a:ext>
+            </a:extLst>
+          </p:cNvPr>
+          <p:cNvCxnSpPr>
+            <a:cxnSpLocks/>
+          </p:cNvCxnSpPr>
+          <p:nvPr/>
+        </p:nvCxnSpPr>
+        <p:spPr>
+          <a:xfrm flipH="1">
+            <a:off x="4537311" y="2131362"/>
+            <a:ext cx="2575729" cy="0"/>
+          </a:xfrm>
+          <a:prstGeom prst="line">
+            <a:avLst/>
+          </a:prstGeom>
+          <a:ln w="25400">
+            <a:solidFill>
+              <a:srgbClr val="0070C0"/>
+            </a:solidFill>
+            <a:prstDash val="solid"/>
+          </a:ln>
+        </p:spPr>
+        <p:style>
+          <a:lnRef idx="1">
+            <a:schemeClr val="accent1"/>
+          </a:lnRef>
+          <a:fillRef idx="0">
+            <a:schemeClr val="accent1"/>
+          </a:fillRef>
+          <a:effectRef idx="0">
+            <a:schemeClr val="accent1"/>
+          </a:effectRef>
+          <a:fontRef idx="minor">
+            <a:schemeClr val="tx1"/>
+          </a:fontRef>
+        </p:style>
+      </p:cxnSp>
+      <p:sp>
+        <p:nvSpPr>
+          <p:cNvPr id="23" name="Rectangle 22">
+            <a:extLst>
+              <a:ext uri="{FF2B5EF4-FFF2-40B4-BE49-F238E27FC236}">
+                <a16:creationId xmlns:a16="http://schemas.microsoft.com/office/drawing/2014/main" id="{691D5605-AB2A-4165-9D8D-9C3FCD8B9180}"/>
+              </a:ext>
+            </a:extLst>
+          </p:cNvPr>
+          <p:cNvSpPr/>
+          <p:nvPr/>
+        </p:nvSpPr>
+        <p:spPr>
+          <a:xfrm>
+            <a:off x="4537311" y="2148326"/>
+            <a:ext cx="2095105" cy="1615434"/>
+          </a:xfrm>
+          <a:prstGeom prst="rect">
+            <a:avLst/>
+          </a:prstGeom>
+          <a:solidFill>
+            <a:schemeClr val="accent1">
+              <a:lumMod val="40000"/>
+              <a:lumOff val="60000"/>
+              <a:alpha val="25000"/>
+            </a:schemeClr>
+          </a:solidFill>
+          <a:ln>
+            <a:solidFill>
+              <a:schemeClr val="accent1">
+                <a:shade val="50000"/>
+                <a:alpha val="0"/>
+              </a:schemeClr>
+            </a:solidFill>
+          </a:ln>
+        </p:spPr>
+        <p:style>
+          <a:lnRef idx="2">
+            <a:schemeClr val="accent1">
+              <a:shade val="50000"/>
+            </a:schemeClr>
+          </a:lnRef>
+          <a:fillRef idx="1">
+            <a:schemeClr val="accent1"/>
+          </a:fillRef>
+          <a:effectRef idx="0">
+            <a:schemeClr val="accent1"/>
+          </a:effectRef>
+          <a:fontRef idx="minor">
+            <a:schemeClr val="lt1"/>
+          </a:fontRef>
+        </p:style>
+        <p:txBody>
+          <a:bodyPr rtlCol="0" anchor="ctr"/>
+          <a:lstStyle/>
+          <a:p>
+            <a:pPr algn="ctr"/>
+            <a:endParaRPr lang="en-US"/>
+          </a:p>
+        </p:txBody>
+      </p:sp>
+      <p:sp>
+        <p:nvSpPr>
+          <p:cNvPr id="24" name="Rectangle 23">
+            <a:extLst>
+              <a:ext uri="{FF2B5EF4-FFF2-40B4-BE49-F238E27FC236}">
+                <a16:creationId xmlns:a16="http://schemas.microsoft.com/office/drawing/2014/main" id="{93F14063-852B-4F2C-B0F8-E4142BE06AD8}"/>
+              </a:ext>
+            </a:extLst>
+          </p:cNvPr>
+          <p:cNvSpPr/>
+          <p:nvPr/>
+        </p:nvSpPr>
+        <p:spPr>
+          <a:xfrm>
+            <a:off x="5146875" y="2118662"/>
+            <a:ext cx="1191352" cy="369332"/>
+          </a:xfrm>
+          <a:prstGeom prst="rect">
+            <a:avLst/>
+          </a:prstGeom>
+        </p:spPr>
+        <p:txBody>
+          <a:bodyPr wrap="none">
+            <a:spAutoFit/>
+          </a:bodyPr>
+          <a:lstStyle/>
+          <a:p>
+            <a:r>
+              <a:rPr lang="en-US" dirty="0">
+                <a:solidFill>
+                  <a:schemeClr val="accent1">
+                    <a:lumMod val="50000"/>
+                  </a:schemeClr>
+                </a:solidFill>
+                <a:latin typeface="Times New Roman" panose="02020603050405020304" pitchFamily="18" charset="0"/>
+                <a:cs typeface="Times New Roman" panose="02020603050405020304" pitchFamily="18" charset="0"/>
+              </a:rPr>
+              <a:t>Constant P</a:t>
+            </a:r>
+            <a:endParaRPr lang="en-US" dirty="0">
+              <a:solidFill>
+                <a:schemeClr val="accent1">
+                  <a:lumMod val="50000"/>
+                </a:schemeClr>
+              </a:solidFill>
+            </a:endParaRPr>
+          </a:p>
+        </p:txBody>
+      </p:sp>
+      <p:sp>
+        <p:nvSpPr>
+          <p:cNvPr id="25" name="TextBox 24">
+            <a:extLst>
+              <a:ext uri="{FF2B5EF4-FFF2-40B4-BE49-F238E27FC236}">
+                <a16:creationId xmlns:a16="http://schemas.microsoft.com/office/drawing/2014/main" id="{218B1D38-E67B-49D3-9AA8-7021381CE188}"/>
+              </a:ext>
+            </a:extLst>
+          </p:cNvPr>
+          <p:cNvSpPr txBox="1"/>
+          <p:nvPr/>
+        </p:nvSpPr>
+        <p:spPr>
+          <a:xfrm>
+            <a:off x="3192250" y="1947226"/>
+            <a:ext cx="904461" cy="400110"/>
+          </a:xfrm>
+          <a:prstGeom prst="rect">
+            <a:avLst/>
+          </a:prstGeom>
+          <a:noFill/>
+        </p:spPr>
+        <p:txBody>
+          <a:bodyPr wrap="square" rtlCol="0">
+            <a:spAutoFit/>
+          </a:bodyPr>
+          <a:lstStyle/>
+          <a:p>
+            <a:r>
+              <a:rPr lang="en-US" sz="2000" dirty="0">
+                <a:solidFill>
+                  <a:srgbClr val="FF0000"/>
+                </a:solidFill>
+                <a:latin typeface="Times New Roman" panose="02020603050405020304" pitchFamily="18" charset="0"/>
+                <a:cs typeface="Times New Roman" panose="02020603050405020304" pitchFamily="18" charset="0"/>
+              </a:rPr>
+              <a:t>T</a:t>
+            </a:r>
+            <a:endParaRPr lang="en-US" sz="2000" dirty="0">
+              <a:solidFill>
+                <a:srgbClr val="FF0000"/>
+              </a:solidFill>
+            </a:endParaRPr>
+          </a:p>
+        </p:txBody>
+      </p:sp>
+      <p:sp>
+        <p:nvSpPr>
+          <p:cNvPr id="26" name="TextBox 25">
+            <a:extLst>
+              <a:ext uri="{FF2B5EF4-FFF2-40B4-BE49-F238E27FC236}">
+                <a16:creationId xmlns:a16="http://schemas.microsoft.com/office/drawing/2014/main" id="{DD3B85B3-DCB7-47EA-8333-BAD3D426C3C8}"/>
+              </a:ext>
+            </a:extLst>
+          </p:cNvPr>
+          <p:cNvSpPr txBox="1"/>
+          <p:nvPr/>
+        </p:nvSpPr>
+        <p:spPr>
+          <a:xfrm>
+            <a:off x="5565869" y="1788965"/>
+            <a:ext cx="904461" cy="400110"/>
+          </a:xfrm>
+          <a:prstGeom prst="rect">
+            <a:avLst/>
+          </a:prstGeom>
+          <a:noFill/>
+        </p:spPr>
+        <p:txBody>
+          <a:bodyPr wrap="square" rtlCol="0">
+            <a:spAutoFit/>
+          </a:bodyPr>
+          <a:lstStyle/>
+          <a:p>
+            <a:r>
+              <a:rPr lang="en-US" sz="2000" dirty="0">
+                <a:solidFill>
+                  <a:srgbClr val="0070C0"/>
+                </a:solidFill>
+                <a:latin typeface="Times New Roman" panose="02020603050405020304" pitchFamily="18" charset="0"/>
+                <a:cs typeface="Times New Roman" panose="02020603050405020304" pitchFamily="18" charset="0"/>
+              </a:rPr>
+              <a:t>P</a:t>
+            </a:r>
+            <a:endParaRPr lang="en-US" sz="2000" dirty="0">
+              <a:solidFill>
+                <a:srgbClr val="0070C0"/>
+              </a:solidFill>
+            </a:endParaRPr>
+          </a:p>
+        </p:txBody>
+      </p:sp>
+      <p:sp>
+        <p:nvSpPr>
+          <p:cNvPr id="27" name="TextBox 26">
+            <a:extLst>
+              <a:ext uri="{FF2B5EF4-FFF2-40B4-BE49-F238E27FC236}">
+                <a16:creationId xmlns:a16="http://schemas.microsoft.com/office/drawing/2014/main" id="{5CA6CD03-273F-4816-8297-39902818D459}"/>
+              </a:ext>
+            </a:extLst>
+          </p:cNvPr>
+          <p:cNvSpPr txBox="1"/>
+          <p:nvPr/>
+        </p:nvSpPr>
+        <p:spPr>
+          <a:xfrm>
+            <a:off x="2368074" y="1567337"/>
+            <a:ext cx="904461" cy="400110"/>
+          </a:xfrm>
+          <a:prstGeom prst="rect">
+            <a:avLst/>
+          </a:prstGeom>
+          <a:noFill/>
+        </p:spPr>
+        <p:txBody>
+          <a:bodyPr wrap="square" rtlCol="0">
+            <a:spAutoFit/>
+          </a:bodyPr>
+          <a:lstStyle/>
+          <a:p>
+            <a:r>
+              <a:rPr lang="en-US" sz="2000" dirty="0">
+                <a:solidFill>
+                  <a:srgbClr val="002060"/>
+                </a:solidFill>
+                <a:latin typeface="Times New Roman" panose="02020603050405020304" pitchFamily="18" charset="0"/>
+                <a:cs typeface="Times New Roman" panose="02020603050405020304" pitchFamily="18" charset="0"/>
+              </a:rPr>
+              <a:t>T</a:t>
+            </a:r>
+            <a:endParaRPr lang="en-US" sz="2000" dirty="0">
+              <a:solidFill>
+                <a:srgbClr val="002060"/>
+              </a:solidFill>
+            </a:endParaRPr>
+          </a:p>
+        </p:txBody>
+      </p:sp>
+      <p:cxnSp>
+        <p:nvCxnSpPr>
+          <p:cNvPr id="28" name="Straight Connector 27">
+            <a:extLst>
+              <a:ext uri="{FF2B5EF4-FFF2-40B4-BE49-F238E27FC236}">
+                <a16:creationId xmlns:a16="http://schemas.microsoft.com/office/drawing/2014/main" id="{B985D910-2934-414D-AE8B-78382BC113DD}"/>
+              </a:ext>
+            </a:extLst>
+          </p:cNvPr>
+          <p:cNvCxnSpPr>
+            <a:cxnSpLocks/>
+          </p:cNvCxnSpPr>
+          <p:nvPr/>
+        </p:nvCxnSpPr>
+        <p:spPr>
+          <a:xfrm>
+            <a:off x="4537311" y="2118662"/>
+            <a:ext cx="6888" cy="1645098"/>
+          </a:xfrm>
+          <a:prstGeom prst="line">
+            <a:avLst/>
+          </a:prstGeom>
+          <a:ln w="25400">
+            <a:solidFill>
+              <a:schemeClr val="tx1">
+                <a:lumMod val="50000"/>
+                <a:lumOff val="50000"/>
+              </a:schemeClr>
+            </a:solidFill>
+            <a:prstDash val="sysDash"/>
+          </a:ln>
+        </p:spPr>
+        <p:style>
+          <a:lnRef idx="1">
+            <a:schemeClr val="accent1"/>
+          </a:lnRef>
+          <a:fillRef idx="0">
+            <a:schemeClr val="accent1"/>
+          </a:fillRef>
+          <a:effectRef idx="0">
+            <a:schemeClr val="accent1"/>
+          </a:effectRef>
+          <a:fontRef idx="minor">
+            <a:schemeClr val="tx1"/>
+          </a:fontRef>
+        </p:style>
+      </p:cxnSp>
+      <p:cxnSp>
+        <p:nvCxnSpPr>
+          <p:cNvPr id="47" name="Straight Connector 46">
+            <a:extLst>
+              <a:ext uri="{FF2B5EF4-FFF2-40B4-BE49-F238E27FC236}">
+                <a16:creationId xmlns:a16="http://schemas.microsoft.com/office/drawing/2014/main" id="{CCDB681F-24DA-4D06-81D0-F29049B4CCEB}"/>
+              </a:ext>
+            </a:extLst>
+          </p:cNvPr>
+          <p:cNvCxnSpPr>
+            <a:cxnSpLocks/>
+          </p:cNvCxnSpPr>
+          <p:nvPr/>
+        </p:nvCxnSpPr>
+        <p:spPr>
+          <a:xfrm>
+            <a:off x="4608305" y="4034824"/>
+            <a:ext cx="862431" cy="0"/>
+          </a:xfrm>
+          <a:prstGeom prst="line">
+            <a:avLst/>
+          </a:prstGeom>
+          <a:ln w="25400">
+            <a:solidFill>
+              <a:schemeClr val="tx1"/>
+            </a:solidFill>
+            <a:prstDash val="solid"/>
+            <a:tailEnd type="arrow"/>
+          </a:ln>
+        </p:spPr>
+        <p:style>
+          <a:lnRef idx="1">
+            <a:schemeClr val="accent1"/>
+          </a:lnRef>
+          <a:fillRef idx="0">
+            <a:schemeClr val="accent1"/>
+          </a:fillRef>
+          <a:effectRef idx="0">
+            <a:schemeClr val="accent1"/>
+          </a:effectRef>
+          <a:fontRef idx="minor">
+            <a:schemeClr val="tx1"/>
+          </a:fontRef>
+        </p:style>
+      </p:cxnSp>
+    </p:spTree>
+    <p:extLst>
+      <p:ext uri="{BB962C8B-B14F-4D97-AF65-F5344CB8AC3E}">
+        <p14:creationId xmlns:p14="http://schemas.microsoft.com/office/powerpoint/2010/main" val="2246754882"/>
+      </p:ext>
+    </p:extLst>
+  </p:cSld>
+  <p:clrMapOvr>
+    <a:masterClrMapping/>
+  </p:clrMapOvr>
+</p:sld>
+</file>
+
+<file path=ppt/slides/slide11.xml><?xml version="1.0" encoding="utf-8"?>
+<p:sld xmlns:a="http://schemas.openxmlformats.org/drawingml/2006/main" xmlns:r="http://schemas.openxmlformats.org/officeDocument/2006/relationships" xmlns:p="http://schemas.openxmlformats.org/presentationml/2006/main">
+  <p:cSld>
+    <p:spTree>
+      <p:nvGrpSpPr>
+        <p:cNvPr id="1" name=""/>
+        <p:cNvGrpSpPr/>
+        <p:nvPr/>
+      </p:nvGrpSpPr>
+      <p:grpSpPr>
+        <a:xfrm>
+          <a:off x="0" y="0"/>
+          <a:ext cx="0" cy="0"/>
+          <a:chOff x="0" y="0"/>
+          <a:chExt cx="0" cy="0"/>
+        </a:xfrm>
+      </p:grpSpPr>
+      <p:grpSp>
+        <p:nvGrpSpPr>
+          <p:cNvPr id="60" name="Group 59">
+            <a:extLst>
+              <a:ext uri="{FF2B5EF4-FFF2-40B4-BE49-F238E27FC236}">
+                <a16:creationId xmlns:a16="http://schemas.microsoft.com/office/drawing/2014/main" id="{5A955AE5-1B22-4809-8128-71B19F9A0E75}"/>
+              </a:ext>
+            </a:extLst>
+          </p:cNvPr>
+          <p:cNvGrpSpPr/>
+          <p:nvPr/>
+        </p:nvGrpSpPr>
+        <p:grpSpPr>
+          <a:xfrm>
+            <a:off x="3334326" y="721052"/>
+            <a:ext cx="2031999" cy="3084329"/>
+            <a:chOff x="3620653" y="794723"/>
+            <a:chExt cx="1745674" cy="1920204"/>
+          </a:xfrm>
+        </p:grpSpPr>
+        <p:sp>
+          <p:nvSpPr>
+            <p:cNvPr id="23" name="Rectangle 22">
+              <a:extLst>
+                <a:ext uri="{FF2B5EF4-FFF2-40B4-BE49-F238E27FC236}">
+                  <a16:creationId xmlns:a16="http://schemas.microsoft.com/office/drawing/2014/main" id="{19145D4B-58EE-4D4E-B15E-18432A990599}"/>
+                </a:ext>
+              </a:extLst>
+            </p:cNvPr>
+            <p:cNvSpPr/>
+            <p:nvPr/>
+          </p:nvSpPr>
+          <p:spPr>
+            <a:xfrm>
+              <a:off x="3628237" y="1673492"/>
+              <a:ext cx="1738090" cy="1041435"/>
+            </a:xfrm>
+            <a:prstGeom prst="rect">
+              <a:avLst/>
+            </a:prstGeom>
+            <a:solidFill>
+              <a:schemeClr val="accent6">
+                <a:lumMod val="60000"/>
+                <a:lumOff val="40000"/>
+                <a:alpha val="25000"/>
+              </a:schemeClr>
+            </a:solidFill>
+            <a:ln>
+              <a:solidFill>
+                <a:schemeClr val="accent1">
+                  <a:shade val="50000"/>
+                  <a:alpha val="0"/>
+                </a:schemeClr>
+              </a:solidFill>
+            </a:ln>
+          </p:spPr>
+          <p:style>
+            <a:lnRef idx="2">
+              <a:schemeClr val="accent1">
+                <a:shade val="50000"/>
+              </a:schemeClr>
+            </a:lnRef>
+            <a:fillRef idx="1">
+              <a:schemeClr val="accent1"/>
+            </a:fillRef>
+            <a:effectRef idx="0">
+              <a:schemeClr val="accent1"/>
+            </a:effectRef>
+            <a:fontRef idx="minor">
+              <a:schemeClr val="lt1"/>
+            </a:fontRef>
+          </p:style>
+          <p:txBody>
+            <a:bodyPr rtlCol="0" anchor="ctr"/>
+            <a:lstStyle/>
+            <a:p>
+              <a:pPr algn="ctr"/>
+              <a:endParaRPr lang="en-US"/>
+            </a:p>
+          </p:txBody>
+        </p:sp>
+        <p:sp>
+          <p:nvSpPr>
+            <p:cNvPr id="54" name="Right Triangle 53">
+              <a:extLst>
+                <a:ext uri="{FF2B5EF4-FFF2-40B4-BE49-F238E27FC236}">
+                  <a16:creationId xmlns:a16="http://schemas.microsoft.com/office/drawing/2014/main" id="{55A30959-EC74-4C2D-90A1-27F825E46A09}"/>
+                </a:ext>
+              </a:extLst>
+            </p:cNvPr>
+            <p:cNvSpPr/>
+            <p:nvPr/>
+          </p:nvSpPr>
+          <p:spPr>
+            <a:xfrm>
+              <a:off x="3620653" y="794723"/>
+              <a:ext cx="1738091" cy="878769"/>
+            </a:xfrm>
+            <a:prstGeom prst="rtTriangle">
+              <a:avLst/>
+            </a:prstGeom>
+            <a:solidFill>
+              <a:schemeClr val="accent6">
+                <a:lumMod val="60000"/>
+                <a:lumOff val="40000"/>
+                <a:alpha val="25000"/>
+              </a:schemeClr>
+            </a:solidFill>
+            <a:ln>
+              <a:solidFill>
+                <a:schemeClr val="accent1">
+                  <a:shade val="50000"/>
+                  <a:alpha val="0"/>
+                </a:schemeClr>
+              </a:solidFill>
+            </a:ln>
+          </p:spPr>
+          <p:style>
+            <a:lnRef idx="2">
+              <a:schemeClr val="accent1">
+                <a:shade val="50000"/>
+              </a:schemeClr>
+            </a:lnRef>
+            <a:fillRef idx="1">
+              <a:schemeClr val="accent1"/>
+            </a:fillRef>
+            <a:effectRef idx="0">
+              <a:schemeClr val="accent1"/>
+            </a:effectRef>
+            <a:fontRef idx="minor">
+              <a:schemeClr val="lt1"/>
+            </a:fontRef>
+          </p:style>
+          <p:txBody>
+            <a:bodyPr rtlCol="0" anchor="ctr"/>
+            <a:lstStyle/>
+            <a:p>
+              <a:pPr algn="ctr"/>
+              <a:endParaRPr lang="en-US"/>
+            </a:p>
+          </p:txBody>
+        </p:sp>
+      </p:grpSp>
+      <p:cxnSp>
+        <p:nvCxnSpPr>
+          <p:cNvPr id="4" name="Straight Arrow Connector 3">
+            <a:extLst>
+              <a:ext uri="{FF2B5EF4-FFF2-40B4-BE49-F238E27FC236}">
+                <a16:creationId xmlns:a16="http://schemas.microsoft.com/office/drawing/2014/main" id="{62807C3F-D0D3-4EE3-8F23-B3F41B4F9380}"/>
+              </a:ext>
+            </a:extLst>
+          </p:cNvPr>
+          <p:cNvCxnSpPr>
+            <a:cxnSpLocks/>
+          </p:cNvCxnSpPr>
+          <p:nvPr/>
+        </p:nvCxnSpPr>
+        <p:spPr>
+          <a:xfrm flipV="1">
+            <a:off x="2205203" y="1453861"/>
+            <a:ext cx="0" cy="2351520"/>
+          </a:xfrm>
+          <a:prstGeom prst="straightConnector1">
+            <a:avLst/>
+          </a:prstGeom>
+          <a:ln w="25400">
+            <a:solidFill>
+              <a:schemeClr val="tx1"/>
+            </a:solidFill>
+            <a:tailEnd type="triangle" w="lg" len="lg"/>
+          </a:ln>
+        </p:spPr>
+        <p:style>
+          <a:lnRef idx="1">
+            <a:schemeClr val="accent1"/>
+          </a:lnRef>
+          <a:fillRef idx="0">
+            <a:schemeClr val="accent1"/>
+          </a:fillRef>
+          <a:effectRef idx="0">
+            <a:schemeClr val="accent1"/>
+          </a:effectRef>
+          <a:fontRef idx="minor">
+            <a:schemeClr val="tx1"/>
+          </a:fontRef>
+        </p:style>
+      </p:cxnSp>
+      <p:cxnSp>
+        <p:nvCxnSpPr>
+          <p:cNvPr id="5" name="Straight Arrow Connector 4">
+            <a:extLst>
+              <a:ext uri="{FF2B5EF4-FFF2-40B4-BE49-F238E27FC236}">
+                <a16:creationId xmlns:a16="http://schemas.microsoft.com/office/drawing/2014/main" id="{D627EF9C-89EE-4475-A07A-588632485CDC}"/>
+              </a:ext>
+            </a:extLst>
+          </p:cNvPr>
+          <p:cNvCxnSpPr>
+            <a:cxnSpLocks/>
+          </p:cNvCxnSpPr>
+          <p:nvPr/>
+        </p:nvCxnSpPr>
+        <p:spPr>
+          <a:xfrm flipV="1">
+            <a:off x="2205203" y="3754887"/>
+            <a:ext cx="5872003" cy="50495"/>
+          </a:xfrm>
+          <a:prstGeom prst="straightConnector1">
+            <a:avLst/>
+          </a:prstGeom>
+          <a:ln w="25400">
+            <a:solidFill>
+              <a:schemeClr val="tx1"/>
+            </a:solidFill>
+            <a:tailEnd type="triangle" w="lg" len="lg"/>
+          </a:ln>
+        </p:spPr>
+        <p:style>
+          <a:lnRef idx="1">
+            <a:schemeClr val="accent1"/>
+          </a:lnRef>
+          <a:fillRef idx="0">
+            <a:schemeClr val="accent1"/>
+          </a:fillRef>
+          <a:effectRef idx="0">
+            <a:schemeClr val="accent1"/>
+          </a:effectRef>
+          <a:fontRef idx="minor">
+            <a:schemeClr val="tx1"/>
+          </a:fontRef>
+        </p:style>
+      </p:cxnSp>
+      <p:sp>
+        <p:nvSpPr>
+          <p:cNvPr id="6" name="TextBox 5">
+            <a:extLst>
+              <a:ext uri="{FF2B5EF4-FFF2-40B4-BE49-F238E27FC236}">
+                <a16:creationId xmlns:a16="http://schemas.microsoft.com/office/drawing/2014/main" id="{4F04E69E-2AFB-4D51-ADB0-E6BF491EDAF7}"/>
+              </a:ext>
+            </a:extLst>
+          </p:cNvPr>
+          <p:cNvSpPr txBox="1"/>
+          <p:nvPr/>
+        </p:nvSpPr>
+        <p:spPr>
+          <a:xfrm>
+            <a:off x="8065594" y="3530288"/>
+            <a:ext cx="1087573" cy="369332"/>
+          </a:xfrm>
+          <a:prstGeom prst="rect">
+            <a:avLst/>
+          </a:prstGeom>
+          <a:noFill/>
+        </p:spPr>
+        <p:txBody>
+          <a:bodyPr wrap="square" rtlCol="0">
+            <a:spAutoFit/>
+          </a:bodyPr>
+          <a:lstStyle/>
+          <a:p>
+            <a:r>
+              <a:rPr lang="en-US" dirty="0">
+                <a:latin typeface="Times New Roman" panose="02020603050405020304" pitchFamily="18" charset="0"/>
+                <a:cs typeface="Times New Roman" panose="02020603050405020304" pitchFamily="18" charset="0"/>
+              </a:rPr>
+              <a:t>[kHz]</a:t>
+            </a:r>
+            <a:endParaRPr lang="en-US" dirty="0"/>
+          </a:p>
+        </p:txBody>
+      </p:sp>
+      <p:sp>
+        <p:nvSpPr>
+          <p:cNvPr id="19" name="Rectangle 18">
+            <a:extLst>
+              <a:ext uri="{FF2B5EF4-FFF2-40B4-BE49-F238E27FC236}">
+                <a16:creationId xmlns:a16="http://schemas.microsoft.com/office/drawing/2014/main" id="{3CC6DDBE-9C70-4617-8787-CD2CD04771CA}"/>
+              </a:ext>
+            </a:extLst>
+          </p:cNvPr>
+          <p:cNvSpPr/>
+          <p:nvPr/>
+        </p:nvSpPr>
+        <p:spPr>
+          <a:xfrm>
+            <a:off x="9166787" y="3530288"/>
+            <a:ext cx="2369927" cy="1483596"/>
+          </a:xfrm>
+          <a:prstGeom prst="rect">
+            <a:avLst/>
+          </a:prstGeom>
+          <a:solidFill>
+            <a:srgbClr val="E3BCB9">
+              <a:alpha val="24706"/>
+            </a:srgbClr>
+          </a:solidFill>
+          <a:ln>
+            <a:solidFill>
+              <a:schemeClr val="accent1">
+                <a:shade val="50000"/>
+                <a:alpha val="0"/>
+              </a:schemeClr>
+            </a:solidFill>
+          </a:ln>
+        </p:spPr>
+        <p:style>
+          <a:lnRef idx="2">
+            <a:schemeClr val="accent1">
+              <a:shade val="50000"/>
+            </a:schemeClr>
+          </a:lnRef>
+          <a:fillRef idx="1">
+            <a:schemeClr val="accent1"/>
+          </a:fillRef>
+          <a:effectRef idx="0">
+            <a:schemeClr val="accent1"/>
+          </a:effectRef>
+          <a:fontRef idx="minor">
+            <a:schemeClr val="lt1"/>
+          </a:fontRef>
+        </p:style>
+        <p:txBody>
+          <a:bodyPr rtlCol="0" anchor="ctr"/>
+          <a:lstStyle/>
+          <a:p>
+            <a:pPr algn="ctr"/>
+            <a:endParaRPr lang="en-US" dirty="0"/>
+          </a:p>
+        </p:txBody>
+      </p:sp>
+      <p:cxnSp>
+        <p:nvCxnSpPr>
+          <p:cNvPr id="49" name="Straight Connector 48">
+            <a:extLst>
+              <a:ext uri="{FF2B5EF4-FFF2-40B4-BE49-F238E27FC236}">
+                <a16:creationId xmlns:a16="http://schemas.microsoft.com/office/drawing/2014/main" id="{2DB1983B-A822-406A-A598-AA39A4FFCA49}"/>
+              </a:ext>
+            </a:extLst>
+          </p:cNvPr>
+          <p:cNvCxnSpPr>
+            <a:cxnSpLocks/>
+          </p:cNvCxnSpPr>
+          <p:nvPr/>
+        </p:nvCxnSpPr>
+        <p:spPr>
+          <a:xfrm>
+            <a:off x="3315854" y="1671782"/>
+            <a:ext cx="0" cy="2133599"/>
+          </a:xfrm>
+          <a:prstGeom prst="line">
+            <a:avLst/>
+          </a:prstGeom>
+          <a:ln w="25400">
+            <a:solidFill>
+              <a:schemeClr val="tx1">
+                <a:lumMod val="50000"/>
+                <a:lumOff val="50000"/>
+              </a:schemeClr>
+            </a:solidFill>
+            <a:prstDash val="sysDash"/>
+          </a:ln>
+        </p:spPr>
+        <p:style>
+          <a:lnRef idx="1">
+            <a:schemeClr val="accent1"/>
+          </a:lnRef>
+          <a:fillRef idx="0">
+            <a:schemeClr val="accent1"/>
+          </a:fillRef>
+          <a:effectRef idx="0">
+            <a:schemeClr val="accent1"/>
+          </a:effectRef>
+          <a:fontRef idx="minor">
+            <a:schemeClr val="tx1"/>
+          </a:fontRef>
+        </p:style>
+      </p:cxnSp>
+      <p:cxnSp>
+        <p:nvCxnSpPr>
+          <p:cNvPr id="50" name="Straight Connector 49">
+            <a:extLst>
+              <a:ext uri="{FF2B5EF4-FFF2-40B4-BE49-F238E27FC236}">
+                <a16:creationId xmlns:a16="http://schemas.microsoft.com/office/drawing/2014/main" id="{0E82D618-685F-4445-9AC0-EFF025C652A6}"/>
+              </a:ext>
+            </a:extLst>
+          </p:cNvPr>
+          <p:cNvCxnSpPr>
+            <a:cxnSpLocks/>
+          </p:cNvCxnSpPr>
+          <p:nvPr/>
+        </p:nvCxnSpPr>
+        <p:spPr>
+          <a:xfrm>
+            <a:off x="4322618" y="1671782"/>
+            <a:ext cx="0" cy="2133599"/>
+          </a:xfrm>
+          <a:prstGeom prst="line">
+            <a:avLst/>
+          </a:prstGeom>
+          <a:ln w="25400">
+            <a:solidFill>
+              <a:schemeClr val="tx1">
+                <a:lumMod val="50000"/>
+                <a:lumOff val="50000"/>
+              </a:schemeClr>
+            </a:solidFill>
+            <a:prstDash val="sysDash"/>
+          </a:ln>
+        </p:spPr>
+        <p:style>
+          <a:lnRef idx="1">
+            <a:schemeClr val="accent1"/>
+          </a:lnRef>
+          <a:fillRef idx="0">
+            <a:schemeClr val="accent1"/>
+          </a:fillRef>
+          <a:effectRef idx="0">
+            <a:schemeClr val="accent1"/>
+          </a:effectRef>
+          <a:fontRef idx="minor">
+            <a:schemeClr val="tx1"/>
+          </a:fontRef>
+        </p:style>
+      </p:cxnSp>
+      <p:cxnSp>
+        <p:nvCxnSpPr>
+          <p:cNvPr id="51" name="Straight Connector 50">
+            <a:extLst>
+              <a:ext uri="{FF2B5EF4-FFF2-40B4-BE49-F238E27FC236}">
+                <a16:creationId xmlns:a16="http://schemas.microsoft.com/office/drawing/2014/main" id="{4D2193ED-A523-4C34-BA58-0DC1C1C165F9}"/>
+              </a:ext>
+            </a:extLst>
+          </p:cNvPr>
+          <p:cNvCxnSpPr>
+            <a:cxnSpLocks/>
+          </p:cNvCxnSpPr>
+          <p:nvPr/>
+        </p:nvCxnSpPr>
+        <p:spPr>
+          <a:xfrm>
+            <a:off x="5366327" y="1671782"/>
+            <a:ext cx="0" cy="2133599"/>
+          </a:xfrm>
+          <a:prstGeom prst="line">
+            <a:avLst/>
+          </a:prstGeom>
+          <a:ln w="25400">
+            <a:solidFill>
+              <a:schemeClr val="tx1">
+                <a:lumMod val="50000"/>
+                <a:lumOff val="50000"/>
+              </a:schemeClr>
+            </a:solidFill>
+            <a:prstDash val="sysDash"/>
+          </a:ln>
+        </p:spPr>
+        <p:style>
+          <a:lnRef idx="1">
+            <a:schemeClr val="accent1"/>
+          </a:lnRef>
+          <a:fillRef idx="0">
+            <a:schemeClr val="accent1"/>
+          </a:fillRef>
+          <a:effectRef idx="0">
+            <a:schemeClr val="accent1"/>
+          </a:effectRef>
+          <a:fontRef idx="minor">
+            <a:schemeClr val="tx1"/>
+          </a:fontRef>
+        </p:style>
+      </p:cxnSp>
+      <p:cxnSp>
+        <p:nvCxnSpPr>
+          <p:cNvPr id="52" name="Straight Connector 51">
+            <a:extLst>
+              <a:ext uri="{FF2B5EF4-FFF2-40B4-BE49-F238E27FC236}">
+                <a16:creationId xmlns:a16="http://schemas.microsoft.com/office/drawing/2014/main" id="{A1152694-4747-47BB-8668-A566538CC03B}"/>
+              </a:ext>
+            </a:extLst>
+          </p:cNvPr>
+          <p:cNvCxnSpPr>
+            <a:cxnSpLocks/>
+          </p:cNvCxnSpPr>
+          <p:nvPr/>
+        </p:nvCxnSpPr>
+        <p:spPr>
+          <a:xfrm>
+            <a:off x="6650182" y="1671782"/>
+            <a:ext cx="0" cy="2133599"/>
+          </a:xfrm>
+          <a:prstGeom prst="line">
+            <a:avLst/>
+          </a:prstGeom>
+          <a:ln w="25400">
+            <a:solidFill>
+              <a:schemeClr val="tx1">
+                <a:lumMod val="50000"/>
+                <a:lumOff val="50000"/>
+              </a:schemeClr>
+            </a:solidFill>
+            <a:prstDash val="sysDash"/>
+          </a:ln>
+        </p:spPr>
+        <p:style>
+          <a:lnRef idx="1">
+            <a:schemeClr val="accent1"/>
+          </a:lnRef>
+          <a:fillRef idx="0">
+            <a:schemeClr val="accent1"/>
+          </a:fillRef>
+          <a:effectRef idx="0">
+            <a:schemeClr val="accent1"/>
+          </a:effectRef>
+          <a:fontRef idx="minor">
+            <a:schemeClr val="tx1"/>
+          </a:fontRef>
+        </p:style>
+      </p:cxnSp>
+      <p:grpSp>
+        <p:nvGrpSpPr>
+          <p:cNvPr id="56" name="Group 55">
+            <a:extLst>
+              <a:ext uri="{FF2B5EF4-FFF2-40B4-BE49-F238E27FC236}">
+                <a16:creationId xmlns:a16="http://schemas.microsoft.com/office/drawing/2014/main" id="{EDACC6F8-2BF1-4DD1-9572-D3CA7AB7E1E4}"/>
+              </a:ext>
+            </a:extLst>
+          </p:cNvPr>
+          <p:cNvGrpSpPr/>
+          <p:nvPr/>
+        </p:nvGrpSpPr>
+        <p:grpSpPr>
+          <a:xfrm>
+            <a:off x="4314556" y="1919249"/>
+            <a:ext cx="3135297" cy="1835637"/>
+            <a:chOff x="4322618" y="1969745"/>
+            <a:chExt cx="3135297" cy="1835637"/>
+          </a:xfrm>
+        </p:grpSpPr>
+        <p:sp>
+          <p:nvSpPr>
+            <p:cNvPr id="57" name="Rectangle 56">
+              <a:extLst>
+                <a:ext uri="{FF2B5EF4-FFF2-40B4-BE49-F238E27FC236}">
+                  <a16:creationId xmlns:a16="http://schemas.microsoft.com/office/drawing/2014/main" id="{A79AAD37-B853-4DEE-A391-A2D313BEBF18}"/>
+                </a:ext>
+              </a:extLst>
+            </p:cNvPr>
+            <p:cNvSpPr/>
+            <p:nvPr/>
+          </p:nvSpPr>
+          <p:spPr>
+            <a:xfrm>
+              <a:off x="4336239" y="2809812"/>
+              <a:ext cx="3121676" cy="995570"/>
+            </a:xfrm>
+            <a:prstGeom prst="rect">
+              <a:avLst/>
+            </a:prstGeom>
+            <a:solidFill>
+              <a:schemeClr val="accent1">
+                <a:lumMod val="40000"/>
+                <a:lumOff val="60000"/>
+                <a:alpha val="25000"/>
+              </a:schemeClr>
+            </a:solidFill>
+            <a:ln>
+              <a:solidFill>
+                <a:schemeClr val="accent1">
+                  <a:shade val="50000"/>
+                  <a:alpha val="0"/>
+                </a:schemeClr>
+              </a:solidFill>
+            </a:ln>
+          </p:spPr>
+          <p:style>
+            <a:lnRef idx="2">
+              <a:schemeClr val="accent1">
+                <a:shade val="50000"/>
+              </a:schemeClr>
+            </a:lnRef>
+            <a:fillRef idx="1">
+              <a:schemeClr val="accent1"/>
+            </a:fillRef>
+            <a:effectRef idx="0">
+              <a:schemeClr val="accent1"/>
+            </a:effectRef>
+            <a:fontRef idx="minor">
+              <a:schemeClr val="lt1"/>
+            </a:fontRef>
+          </p:style>
+          <p:txBody>
+            <a:bodyPr rtlCol="0" anchor="ctr"/>
+            <a:lstStyle/>
+            <a:p>
+              <a:pPr algn="ctr"/>
+              <a:endParaRPr lang="en-US"/>
+            </a:p>
+          </p:txBody>
+        </p:sp>
+        <p:sp>
+          <p:nvSpPr>
+            <p:cNvPr id="58" name="Right Triangle 57">
+              <a:extLst>
+                <a:ext uri="{FF2B5EF4-FFF2-40B4-BE49-F238E27FC236}">
+                  <a16:creationId xmlns:a16="http://schemas.microsoft.com/office/drawing/2014/main" id="{393F133A-DD87-40C5-B2B4-321C6A534390}"/>
+                </a:ext>
+              </a:extLst>
+            </p:cNvPr>
+            <p:cNvSpPr/>
+            <p:nvPr/>
+          </p:nvSpPr>
+          <p:spPr>
+            <a:xfrm>
+              <a:off x="4322618" y="1969745"/>
+              <a:ext cx="3121677" cy="840067"/>
+            </a:xfrm>
+            <a:prstGeom prst="rtTriangle">
+              <a:avLst/>
+            </a:prstGeom>
+            <a:solidFill>
+              <a:schemeClr val="accent1">
+                <a:lumMod val="40000"/>
+                <a:lumOff val="60000"/>
+                <a:alpha val="25000"/>
+              </a:schemeClr>
+            </a:solidFill>
+            <a:ln>
+              <a:solidFill>
+                <a:schemeClr val="accent1">
+                  <a:shade val="50000"/>
+                  <a:alpha val="0"/>
+                </a:schemeClr>
+              </a:solidFill>
+            </a:ln>
+          </p:spPr>
+          <p:style>
+            <a:lnRef idx="2">
+              <a:schemeClr val="accent1">
+                <a:shade val="50000"/>
+              </a:schemeClr>
+            </a:lnRef>
+            <a:fillRef idx="1">
+              <a:schemeClr val="accent1"/>
+            </a:fillRef>
+            <a:effectRef idx="0">
+              <a:schemeClr val="accent1"/>
+            </a:effectRef>
+            <a:fontRef idx="minor">
+              <a:schemeClr val="lt1"/>
+            </a:fontRef>
+          </p:style>
+          <p:txBody>
+            <a:bodyPr rtlCol="0" anchor="ctr"/>
+            <a:lstStyle/>
+            <a:p>
+              <a:pPr algn="ctr"/>
+              <a:endParaRPr lang="en-US"/>
+            </a:p>
+          </p:txBody>
+        </p:sp>
+      </p:grpSp>
+      <p:sp>
+        <p:nvSpPr>
+          <p:cNvPr id="59" name="TextBox 58">
+            <a:extLst>
+              <a:ext uri="{FF2B5EF4-FFF2-40B4-BE49-F238E27FC236}">
+                <a16:creationId xmlns:a16="http://schemas.microsoft.com/office/drawing/2014/main" id="{F2A6CF12-ED30-4086-AB56-61FDCF360FD0}"/>
+              </a:ext>
+            </a:extLst>
+          </p:cNvPr>
+          <p:cNvSpPr txBox="1"/>
+          <p:nvPr/>
+        </p:nvSpPr>
+        <p:spPr>
+          <a:xfrm>
+            <a:off x="1881848" y="1038906"/>
+            <a:ext cx="1087573" cy="369332"/>
+          </a:xfrm>
+          <a:prstGeom prst="rect">
+            <a:avLst/>
+          </a:prstGeom>
+          <a:noFill/>
+        </p:spPr>
+        <p:txBody>
+          <a:bodyPr wrap="square" rtlCol="0">
+            <a:spAutoFit/>
+          </a:bodyPr>
+          <a:lstStyle/>
+          <a:p>
+            <a:r>
+              <a:rPr lang="en-US" dirty="0">
+                <a:latin typeface="Times New Roman" panose="02020603050405020304" pitchFamily="18" charset="0"/>
+                <a:cs typeface="Times New Roman" panose="02020603050405020304" pitchFamily="18" charset="0"/>
+              </a:rPr>
+              <a:t>[kW]</a:t>
+            </a:r>
+            <a:endParaRPr lang="en-US" dirty="0"/>
+          </a:p>
+        </p:txBody>
+      </p:sp>
+      <p:sp>
+        <p:nvSpPr>
+          <p:cNvPr id="48" name="Right Triangle 47">
+            <a:extLst>
+              <a:ext uri="{FF2B5EF4-FFF2-40B4-BE49-F238E27FC236}">
+                <a16:creationId xmlns:a16="http://schemas.microsoft.com/office/drawing/2014/main" id="{6216A828-D0FA-4B78-BEA9-9B6044A2AC10}"/>
+              </a:ext>
+            </a:extLst>
+          </p:cNvPr>
+          <p:cNvSpPr/>
+          <p:nvPr/>
+        </p:nvSpPr>
+        <p:spPr>
+          <a:xfrm>
+            <a:off x="2205202" y="2444356"/>
+            <a:ext cx="3121677" cy="1361026"/>
+          </a:xfrm>
+          <a:prstGeom prst="rtTriangle">
+            <a:avLst/>
+          </a:prstGeom>
+          <a:solidFill>
+            <a:srgbClr val="002060">
+              <a:alpha val="50000"/>
+            </a:srgbClr>
+          </a:solidFill>
+          <a:ln>
+            <a:solidFill>
+              <a:schemeClr val="accent1">
+                <a:shade val="50000"/>
+                <a:alpha val="49000"/>
+              </a:schemeClr>
+            </a:solidFill>
+          </a:ln>
+        </p:spPr>
+        <p:style>
+          <a:lnRef idx="2">
+            <a:schemeClr val="accent1">
+              <a:shade val="50000"/>
+            </a:schemeClr>
+          </a:lnRef>
+          <a:fillRef idx="1">
+            <a:schemeClr val="accent1"/>
+          </a:fillRef>
+          <a:effectRef idx="0">
+            <a:schemeClr val="accent1"/>
+          </a:effectRef>
+          <a:fontRef idx="minor">
+            <a:schemeClr val="lt1"/>
+          </a:fontRef>
+        </p:style>
+        <p:txBody>
+          <a:bodyPr rtlCol="0" anchor="ctr"/>
+          <a:lstStyle/>
+          <a:p>
+            <a:pPr algn="ctr"/>
+            <a:endParaRPr lang="en-US"/>
+          </a:p>
+        </p:txBody>
+      </p:sp>
+    </p:spTree>
+    <p:extLst>
+      <p:ext uri="{BB962C8B-B14F-4D97-AF65-F5344CB8AC3E}">
+        <p14:creationId xmlns:p14="http://schemas.microsoft.com/office/powerpoint/2010/main" val="2082307475"/>
+      </p:ext>
+    </p:extLst>
+  </p:cSld>
+  <p:clrMapOvr>
+    <a:masterClrMapping/>
+  </p:clrMapOvr>
+</p:sld>
+</file>
+
+<file path=ppt/slides/slide12.xml><?xml version="1.0" encoding="utf-8"?>
+<p:sld xmlns:a="http://schemas.openxmlformats.org/drawingml/2006/main" xmlns:r="http://schemas.openxmlformats.org/officeDocument/2006/relationships" xmlns:p="http://schemas.openxmlformats.org/presentationml/2006/main">
+  <p:cSld>
+    <p:spTree>
+      <p:nvGrpSpPr>
+        <p:cNvPr id="1" name=""/>
+        <p:cNvGrpSpPr/>
+        <p:nvPr/>
+      </p:nvGrpSpPr>
+      <p:grpSpPr>
+        <a:xfrm>
+          <a:off x="0" y="0"/>
+          <a:ext cx="0" cy="0"/>
+          <a:chOff x="0" y="0"/>
+          <a:chExt cx="0" cy="0"/>
+        </a:xfrm>
+      </p:grpSpPr>
+      <p:pic>
+        <p:nvPicPr>
+          <p:cNvPr id="4" name="Graphic 3">
+            <a:extLst>
+              <a:ext uri="{FF2B5EF4-FFF2-40B4-BE49-F238E27FC236}">
+                <a16:creationId xmlns:a16="http://schemas.microsoft.com/office/drawing/2014/main" id="{6C130209-0AB2-46DD-B7CF-EC044649498B}"/>
+              </a:ext>
+            </a:extLst>
+          </p:cNvPr>
+          <p:cNvPicPr>
+            <a:picLocks noChangeAspect="1"/>
+          </p:cNvPicPr>
+          <p:nvPr/>
+        </p:nvPicPr>
+        <p:blipFill>
+          <a:blip r:embed="rId2">
+            <a:extLst>
+              <a:ext uri="{96DAC541-7B7A-43D3-8B79-37D633B846F1}">
+                <asvg:svgBlip xmlns:asvg="http://schemas.microsoft.com/office/drawing/2016/SVG/main" r:embed="rId3"/>
+              </a:ext>
+            </a:extLst>
+          </a:blip>
+          <a:stretch>
+            <a:fillRect/>
+          </a:stretch>
+        </p:blipFill>
+        <p:spPr>
+          <a:xfrm>
+            <a:off x="2793969" y="807821"/>
+            <a:ext cx="5734050" cy="4638675"/>
+          </a:xfrm>
+          <a:prstGeom prst="rect">
+            <a:avLst/>
+          </a:prstGeom>
+        </p:spPr>
+      </p:pic>
+      <p:sp>
+        <p:nvSpPr>
+          <p:cNvPr id="5" name="TextBox 4">
+            <a:extLst>
+              <a:ext uri="{FF2B5EF4-FFF2-40B4-BE49-F238E27FC236}">
+                <a16:creationId xmlns:a16="http://schemas.microsoft.com/office/drawing/2014/main" id="{E445FF0A-96CC-4BF5-9D90-65E17A8F6C9E}"/>
+              </a:ext>
+            </a:extLst>
+          </p:cNvPr>
+          <p:cNvSpPr txBox="1"/>
+          <p:nvPr/>
+        </p:nvSpPr>
+        <p:spPr>
+          <a:xfrm rot="16200000">
+            <a:off x="1867122" y="1613945"/>
+            <a:ext cx="1207363" cy="646331"/>
+          </a:xfrm>
+          <a:prstGeom prst="rect">
+            <a:avLst/>
+          </a:prstGeom>
+          <a:noFill/>
+        </p:spPr>
+        <p:txBody>
+          <a:bodyPr wrap="square" rtlCol="0">
+            <a:spAutoFit/>
+          </a:bodyPr>
+          <a:lstStyle/>
+          <a:p>
+            <a:pPr algn="ctr"/>
+            <a:r>
+              <a:rPr lang="en-US" dirty="0">
+                <a:latin typeface="Times New Roman" panose="02020603050405020304" pitchFamily="18" charset="0"/>
+                <a:cs typeface="Times New Roman" panose="02020603050405020304" pitchFamily="18" charset="0"/>
+              </a:rPr>
+              <a:t>Switching</a:t>
+            </a:r>
+          </a:p>
+          <a:p>
+            <a:pPr algn="ctr"/>
+            <a:r>
+              <a:rPr lang="en-US" dirty="0">
+                <a:latin typeface="Times New Roman" panose="02020603050405020304" pitchFamily="18" charset="0"/>
+                <a:cs typeface="Times New Roman" panose="02020603050405020304" pitchFamily="18" charset="0"/>
+              </a:rPr>
+              <a:t>States</a:t>
+            </a:r>
+          </a:p>
+        </p:txBody>
+      </p:sp>
+      <p:sp>
+        <p:nvSpPr>
+          <p:cNvPr id="6" name="TextBox 5">
+            <a:extLst>
+              <a:ext uri="{FF2B5EF4-FFF2-40B4-BE49-F238E27FC236}">
+                <a16:creationId xmlns:a16="http://schemas.microsoft.com/office/drawing/2014/main" id="{3604AF61-4836-49BA-BE93-48D277419D1B}"/>
+              </a:ext>
+            </a:extLst>
+          </p:cNvPr>
+          <p:cNvSpPr txBox="1"/>
+          <p:nvPr/>
+        </p:nvSpPr>
+        <p:spPr>
+          <a:xfrm rot="16200000">
+            <a:off x="1801740" y="2938374"/>
+            <a:ext cx="1315375" cy="646331"/>
+          </a:xfrm>
+          <a:prstGeom prst="rect">
+            <a:avLst/>
+          </a:prstGeom>
+          <a:noFill/>
+        </p:spPr>
+        <p:txBody>
+          <a:bodyPr wrap="square" rtlCol="0">
+            <a:spAutoFit/>
+          </a:bodyPr>
+          <a:lstStyle/>
+          <a:p>
+            <a:pPr algn="ctr"/>
+            <a:r>
+              <a:rPr lang="en-US" dirty="0">
+                <a:latin typeface="Times New Roman" panose="02020603050405020304" pitchFamily="18" charset="0"/>
+                <a:cs typeface="Times New Roman" panose="02020603050405020304" pitchFamily="18" charset="0"/>
+              </a:rPr>
+              <a:t>Output Voltage</a:t>
+            </a:r>
+          </a:p>
+        </p:txBody>
+      </p:sp>
+      <p:sp>
+        <p:nvSpPr>
+          <p:cNvPr id="7" name="TextBox 6">
+            <a:extLst>
+              <a:ext uri="{FF2B5EF4-FFF2-40B4-BE49-F238E27FC236}">
+                <a16:creationId xmlns:a16="http://schemas.microsoft.com/office/drawing/2014/main" id="{79455787-C77D-49A4-979E-007453AB2704}"/>
+              </a:ext>
+            </a:extLst>
+          </p:cNvPr>
+          <p:cNvSpPr txBox="1"/>
+          <p:nvPr/>
+        </p:nvSpPr>
+        <p:spPr>
+          <a:xfrm rot="16200000">
+            <a:off x="1855747" y="4454523"/>
+            <a:ext cx="1207363" cy="369332"/>
+          </a:xfrm>
+          <a:prstGeom prst="rect">
+            <a:avLst/>
+          </a:prstGeom>
+          <a:noFill/>
+        </p:spPr>
+        <p:txBody>
+          <a:bodyPr wrap="square" rtlCol="0">
+            <a:spAutoFit/>
+          </a:bodyPr>
+          <a:lstStyle/>
+          <a:p>
+            <a:pPr algn="ctr"/>
+            <a:r>
+              <a:rPr lang="en-US" dirty="0">
+                <a:latin typeface="Times New Roman" panose="02020603050405020304" pitchFamily="18" charset="0"/>
+                <a:cs typeface="Times New Roman" panose="02020603050405020304" pitchFamily="18" charset="0"/>
+              </a:rPr>
+              <a:t>Currents</a:t>
+            </a:r>
+          </a:p>
+        </p:txBody>
+      </p:sp>
+    </p:spTree>
+    <p:extLst>
+      <p:ext uri="{BB962C8B-B14F-4D97-AF65-F5344CB8AC3E}">
+        <p14:creationId xmlns:p14="http://schemas.microsoft.com/office/powerpoint/2010/main" val="1370592856"/>
+      </p:ext>
+    </p:extLst>
+  </p:cSld>
+  <p:clrMapOvr>
+    <a:masterClrMapping/>
+  </p:clrMapOvr>
+</p:sld>
+</file>
+
 <file path=ppt/slides/slide2.xml><?xml version="1.0" encoding="utf-8"?>
 <p:sld xmlns:a="http://schemas.openxmlformats.org/drawingml/2006/main" xmlns:r="http://schemas.openxmlformats.org/officeDocument/2006/relationships" xmlns:p="http://schemas.openxmlformats.org/presentationml/2006/main">
   <p:cSld>
@@ -6766,6 +9444,1504 @@
           <a:chExt cx="0" cy="0"/>
         </a:xfrm>
       </p:grpSpPr>
+      <p:grpSp>
+        <p:nvGrpSpPr>
+          <p:cNvPr id="4" name="Group 3">
+            <a:extLst>
+              <a:ext uri="{FF2B5EF4-FFF2-40B4-BE49-F238E27FC236}">
+                <a16:creationId xmlns:a16="http://schemas.microsoft.com/office/drawing/2014/main" id="{5CA0F691-101D-45C9-9C7B-C10EB301EA09}"/>
+              </a:ext>
+            </a:extLst>
+          </p:cNvPr>
+          <p:cNvGrpSpPr/>
+          <p:nvPr/>
+        </p:nvGrpSpPr>
+        <p:grpSpPr>
+          <a:xfrm>
+            <a:off x="3828672" y="1589172"/>
+            <a:ext cx="552508" cy="589418"/>
+            <a:chOff x="3532006" y="1610392"/>
+            <a:chExt cx="552508" cy="589418"/>
+          </a:xfrm>
+        </p:grpSpPr>
+        <p:sp>
+          <p:nvSpPr>
+            <p:cNvPr id="5" name="Oval 4">
+              <a:extLst>
+                <a:ext uri="{FF2B5EF4-FFF2-40B4-BE49-F238E27FC236}">
+                  <a16:creationId xmlns:a16="http://schemas.microsoft.com/office/drawing/2014/main" id="{7A05EC47-06D3-408A-8087-6094A1C517A6}"/>
+                </a:ext>
+              </a:extLst>
+            </p:cNvPr>
+            <p:cNvSpPr/>
+            <p:nvPr/>
+          </p:nvSpPr>
+          <p:spPr>
+            <a:xfrm>
+              <a:off x="3577032" y="1610392"/>
+              <a:ext cx="507482" cy="506893"/>
+            </a:xfrm>
+            <a:prstGeom prst="ellipse">
+              <a:avLst/>
+            </a:prstGeom>
+            <a:solidFill>
+              <a:schemeClr val="bg1"/>
+            </a:solidFill>
+            <a:ln w="25400">
+              <a:solidFill>
+                <a:schemeClr val="tx1"/>
+              </a:solidFill>
+            </a:ln>
+          </p:spPr>
+          <p:style>
+            <a:lnRef idx="2">
+              <a:schemeClr val="accent1">
+                <a:shade val="50000"/>
+              </a:schemeClr>
+            </a:lnRef>
+            <a:fillRef idx="1">
+              <a:schemeClr val="accent1"/>
+            </a:fillRef>
+            <a:effectRef idx="0">
+              <a:schemeClr val="accent1"/>
+            </a:effectRef>
+            <a:fontRef idx="minor">
+              <a:schemeClr val="lt1"/>
+            </a:fontRef>
+          </p:style>
+          <p:txBody>
+            <a:bodyPr rtlCol="0" anchor="ctr"/>
+            <a:lstStyle/>
+            <a:p>
+              <a:pPr algn="ctr"/>
+              <a:endParaRPr lang="en-US" sz="2000" b="1" dirty="0">
+                <a:solidFill>
+                  <a:schemeClr val="tx1"/>
+                </a:solidFill>
+              </a:endParaRPr>
+            </a:p>
+          </p:txBody>
+        </p:sp>
+        <p:sp>
+          <p:nvSpPr>
+            <p:cNvPr id="6" name="Rectangle 5">
+              <a:extLst>
+                <a:ext uri="{FF2B5EF4-FFF2-40B4-BE49-F238E27FC236}">
+                  <a16:creationId xmlns:a16="http://schemas.microsoft.com/office/drawing/2014/main" id="{4BECE4F3-C404-4E8E-A686-9C455149ED3C}"/>
+                </a:ext>
+              </a:extLst>
+            </p:cNvPr>
+            <p:cNvSpPr/>
+            <p:nvPr/>
+          </p:nvSpPr>
+          <p:spPr>
+            <a:xfrm>
+              <a:off x="3532006" y="1628990"/>
+              <a:ext cx="359394" cy="461665"/>
+            </a:xfrm>
+            <a:prstGeom prst="rect">
+              <a:avLst/>
+            </a:prstGeom>
+          </p:spPr>
+          <p:txBody>
+            <a:bodyPr wrap="none">
+              <a:spAutoFit/>
+            </a:bodyPr>
+            <a:lstStyle/>
+            <a:p>
+              <a:r>
+                <a:rPr lang="en-US" sz="2400" b="1" dirty="0">
+                  <a:latin typeface="Times New Roman" panose="02020603050405020304" pitchFamily="18" charset="0"/>
+                  <a:cs typeface="Times New Roman" panose="02020603050405020304" pitchFamily="18" charset="0"/>
+                </a:rPr>
+                <a:t>+</a:t>
+              </a:r>
+            </a:p>
+          </p:txBody>
+        </p:sp>
+        <p:sp>
+          <p:nvSpPr>
+            <p:cNvPr id="7" name="Rectangle 6">
+              <a:extLst>
+                <a:ext uri="{FF2B5EF4-FFF2-40B4-BE49-F238E27FC236}">
+                  <a16:creationId xmlns:a16="http://schemas.microsoft.com/office/drawing/2014/main" id="{DF39E9D0-9F83-42C2-B261-93C64F208737}"/>
+                </a:ext>
+              </a:extLst>
+            </p:cNvPr>
+            <p:cNvSpPr/>
+            <p:nvPr/>
+          </p:nvSpPr>
+          <p:spPr>
+            <a:xfrm>
+              <a:off x="3700699" y="1738145"/>
+              <a:ext cx="287258" cy="461665"/>
+            </a:xfrm>
+            <a:prstGeom prst="rect">
+              <a:avLst/>
+            </a:prstGeom>
+          </p:spPr>
+          <p:txBody>
+            <a:bodyPr wrap="none">
+              <a:spAutoFit/>
+            </a:bodyPr>
+            <a:lstStyle/>
+            <a:p>
+              <a:r>
+                <a:rPr lang="en-US" sz="2400" b="1" dirty="0">
+                  <a:latin typeface="Times New Roman" panose="02020603050405020304" pitchFamily="18" charset="0"/>
+                  <a:cs typeface="Times New Roman" panose="02020603050405020304" pitchFamily="18" charset="0"/>
+                </a:rPr>
+                <a:t>-</a:t>
+              </a:r>
+            </a:p>
+          </p:txBody>
+        </p:sp>
+      </p:grpSp>
+      <p:pic>
+        <p:nvPicPr>
+          <p:cNvPr id="8" name="Picture 2" descr="72 Rpm Single Phase Synchronous Motor, 10-100 KW, Rs 650 | ID: 18075601748">
+            <a:extLst>
+              <a:ext uri="{FF2B5EF4-FFF2-40B4-BE49-F238E27FC236}">
+                <a16:creationId xmlns:a16="http://schemas.microsoft.com/office/drawing/2014/main" id="{8C0C63B3-9109-4E7D-8162-05660030406A}"/>
+              </a:ext>
+            </a:extLst>
+          </p:cNvPr>
+          <p:cNvPicPr>
+            <a:picLocks noChangeAspect="1" noChangeArrowheads="1"/>
+          </p:cNvPicPr>
+          <p:nvPr/>
+        </p:nvPicPr>
+        <p:blipFill>
+          <a:blip r:embed="rId2">
+            <a:extLst>
+              <a:ext uri="{28A0092B-C50C-407E-A947-70E740481C1C}">
+                <a14:useLocalDpi xmlns:a14="http://schemas.microsoft.com/office/drawing/2010/main" val="0"/>
+              </a:ext>
+            </a:extLst>
+          </a:blip>
+          <a:srcRect/>
+          <a:stretch>
+            <a:fillRect/>
+          </a:stretch>
+        </p:blipFill>
+        <p:spPr bwMode="auto">
+          <a:xfrm flipH="1">
+            <a:off x="8360577" y="972708"/>
+            <a:ext cx="1391605" cy="1391605"/>
+          </a:xfrm>
+          <a:prstGeom prst="rect">
+            <a:avLst/>
+          </a:prstGeom>
+          <a:noFill/>
+          <a:extLst>
+            <a:ext uri="{909E8E84-426E-40DD-AFC4-6F175D3DCCD1}">
+              <a14:hiddenFill xmlns:a14="http://schemas.microsoft.com/office/drawing/2010/main">
+                <a:solidFill>
+                  <a:srgbClr val="FFFFFF"/>
+                </a:solidFill>
+              </a14:hiddenFill>
+            </a:ext>
+          </a:extLst>
+        </p:spPr>
+      </p:pic>
+      <p:sp>
+        <p:nvSpPr>
+          <p:cNvPr id="9" name="Rectangle 8">
+            <a:extLst>
+              <a:ext uri="{FF2B5EF4-FFF2-40B4-BE49-F238E27FC236}">
+                <a16:creationId xmlns:a16="http://schemas.microsoft.com/office/drawing/2014/main" id="{FF6F6DE9-1AD4-4254-9B06-48E0AE9B1F66}"/>
+              </a:ext>
+            </a:extLst>
+          </p:cNvPr>
+          <p:cNvSpPr/>
+          <p:nvPr/>
+        </p:nvSpPr>
+        <p:spPr>
+          <a:xfrm>
+            <a:off x="6636450" y="1460058"/>
+            <a:ext cx="1292085" cy="745437"/>
+          </a:xfrm>
+          <a:prstGeom prst="rect">
+            <a:avLst/>
+          </a:prstGeom>
+          <a:solidFill>
+            <a:schemeClr val="accent1">
+              <a:lumMod val="40000"/>
+              <a:lumOff val="60000"/>
+            </a:schemeClr>
+          </a:solidFill>
+          <a:ln w="25400">
+            <a:solidFill>
+              <a:schemeClr val="tx1"/>
+            </a:solidFill>
+          </a:ln>
+        </p:spPr>
+        <p:style>
+          <a:lnRef idx="2">
+            <a:schemeClr val="accent1">
+              <a:shade val="50000"/>
+            </a:schemeClr>
+          </a:lnRef>
+          <a:fillRef idx="1">
+            <a:schemeClr val="accent1"/>
+          </a:fillRef>
+          <a:effectRef idx="0">
+            <a:schemeClr val="accent1"/>
+          </a:effectRef>
+          <a:fontRef idx="minor">
+            <a:schemeClr val="lt1"/>
+          </a:fontRef>
+        </p:style>
+        <p:txBody>
+          <a:bodyPr rtlCol="0" anchor="ctr"/>
+          <a:lstStyle/>
+          <a:p>
+            <a:pPr algn="ctr"/>
+            <a:r>
+              <a:rPr lang="en-US" dirty="0">
+                <a:solidFill>
+                  <a:schemeClr val="tx1"/>
+                </a:solidFill>
+                <a:latin typeface="Times New Roman" panose="02020603050405020304" pitchFamily="18" charset="0"/>
+                <a:cs typeface="Times New Roman" panose="02020603050405020304" pitchFamily="18" charset="0"/>
+              </a:rPr>
+              <a:t>DC/DC</a:t>
+            </a:r>
+          </a:p>
+          <a:p>
+            <a:pPr algn="ctr"/>
+            <a:r>
+              <a:rPr lang="en-US" dirty="0">
+                <a:solidFill>
+                  <a:schemeClr val="tx1"/>
+                </a:solidFill>
+                <a:latin typeface="Times New Roman" panose="02020603050405020304" pitchFamily="18" charset="0"/>
+                <a:cs typeface="Times New Roman" panose="02020603050405020304" pitchFamily="18" charset="0"/>
+              </a:rPr>
+              <a:t>Converter</a:t>
+            </a:r>
+          </a:p>
+        </p:txBody>
+      </p:sp>
+      <p:sp>
+        <p:nvSpPr>
+          <p:cNvPr id="10" name="Rectangle 9">
+            <a:extLst>
+              <a:ext uri="{FF2B5EF4-FFF2-40B4-BE49-F238E27FC236}">
+                <a16:creationId xmlns:a16="http://schemas.microsoft.com/office/drawing/2014/main" id="{4D85C853-E7B1-4FED-B203-2DEDFDC8E9B6}"/>
+              </a:ext>
+            </a:extLst>
+          </p:cNvPr>
+          <p:cNvSpPr/>
+          <p:nvPr/>
+        </p:nvSpPr>
+        <p:spPr>
+          <a:xfrm>
+            <a:off x="10435850" y="1456325"/>
+            <a:ext cx="1292085" cy="745437"/>
+          </a:xfrm>
+          <a:prstGeom prst="rect">
+            <a:avLst/>
+          </a:prstGeom>
+          <a:solidFill>
+            <a:schemeClr val="bg2"/>
+          </a:solidFill>
+          <a:ln w="25400">
+            <a:solidFill>
+              <a:schemeClr val="tx1"/>
+            </a:solidFill>
+          </a:ln>
+        </p:spPr>
+        <p:style>
+          <a:lnRef idx="2">
+            <a:schemeClr val="accent1">
+              <a:shade val="50000"/>
+            </a:schemeClr>
+          </a:lnRef>
+          <a:fillRef idx="1">
+            <a:schemeClr val="accent1"/>
+          </a:fillRef>
+          <a:effectRef idx="0">
+            <a:schemeClr val="accent1"/>
+          </a:effectRef>
+          <a:fontRef idx="minor">
+            <a:schemeClr val="lt1"/>
+          </a:fontRef>
+        </p:style>
+        <p:txBody>
+          <a:bodyPr rtlCol="0" anchor="ctr"/>
+          <a:lstStyle/>
+          <a:p>
+            <a:pPr algn="ctr"/>
+            <a:r>
+              <a:rPr lang="en-US" dirty="0">
+                <a:solidFill>
+                  <a:schemeClr val="tx1"/>
+                </a:solidFill>
+                <a:latin typeface="Times New Roman" panose="02020603050405020304" pitchFamily="18" charset="0"/>
+                <a:cs typeface="Times New Roman" panose="02020603050405020304" pitchFamily="18" charset="0"/>
+              </a:rPr>
+              <a:t>Load</a:t>
+            </a:r>
+          </a:p>
+        </p:txBody>
+      </p:sp>
+      <p:cxnSp>
+        <p:nvCxnSpPr>
+          <p:cNvPr id="11" name="Straight Arrow Connector 10">
+            <a:extLst>
+              <a:ext uri="{FF2B5EF4-FFF2-40B4-BE49-F238E27FC236}">
+                <a16:creationId xmlns:a16="http://schemas.microsoft.com/office/drawing/2014/main" id="{6E0E41AD-28E0-44B6-B5C1-5AC2B92B11E9}"/>
+              </a:ext>
+            </a:extLst>
+          </p:cNvPr>
+          <p:cNvCxnSpPr>
+            <a:cxnSpLocks/>
+          </p:cNvCxnSpPr>
+          <p:nvPr/>
+        </p:nvCxnSpPr>
+        <p:spPr>
+          <a:xfrm flipV="1">
+            <a:off x="7954627" y="1829046"/>
+            <a:ext cx="455710" cy="7464"/>
+          </a:xfrm>
+          <a:prstGeom prst="straightConnector1">
+            <a:avLst/>
+          </a:prstGeom>
+          <a:ln w="25400">
+            <a:solidFill>
+              <a:schemeClr val="tx1"/>
+            </a:solidFill>
+            <a:tailEnd type="arrow" w="lg" len="lg"/>
+          </a:ln>
+        </p:spPr>
+        <p:style>
+          <a:lnRef idx="1">
+            <a:schemeClr val="accent1"/>
+          </a:lnRef>
+          <a:fillRef idx="0">
+            <a:schemeClr val="accent1"/>
+          </a:fillRef>
+          <a:effectRef idx="0">
+            <a:schemeClr val="accent1"/>
+          </a:effectRef>
+          <a:fontRef idx="minor">
+            <a:schemeClr val="tx1"/>
+          </a:fontRef>
+        </p:style>
+      </p:cxnSp>
+      <p:cxnSp>
+        <p:nvCxnSpPr>
+          <p:cNvPr id="12" name="Straight Arrow Connector 11">
+            <a:extLst>
+              <a:ext uri="{FF2B5EF4-FFF2-40B4-BE49-F238E27FC236}">
+                <a16:creationId xmlns:a16="http://schemas.microsoft.com/office/drawing/2014/main" id="{F2CC1572-FF0A-4F69-89BE-76B59577FF54}"/>
+              </a:ext>
+            </a:extLst>
+          </p:cNvPr>
+          <p:cNvCxnSpPr>
+            <a:cxnSpLocks/>
+          </p:cNvCxnSpPr>
+          <p:nvPr/>
+        </p:nvCxnSpPr>
+        <p:spPr>
+          <a:xfrm>
+            <a:off x="9702422" y="1829043"/>
+            <a:ext cx="733428" cy="0"/>
+          </a:xfrm>
+          <a:prstGeom prst="straightConnector1">
+            <a:avLst/>
+          </a:prstGeom>
+          <a:ln w="25400">
+            <a:solidFill>
+              <a:schemeClr val="tx1"/>
+            </a:solidFill>
+            <a:tailEnd type="arrow" w="lg" len="lg"/>
+          </a:ln>
+        </p:spPr>
+        <p:style>
+          <a:lnRef idx="1">
+            <a:schemeClr val="accent1"/>
+          </a:lnRef>
+          <a:fillRef idx="0">
+            <a:schemeClr val="accent1"/>
+          </a:fillRef>
+          <a:effectRef idx="0">
+            <a:schemeClr val="accent1"/>
+          </a:effectRef>
+          <a:fontRef idx="minor">
+            <a:schemeClr val="tx1"/>
+          </a:fontRef>
+        </p:style>
+      </p:cxnSp>
+      <p:cxnSp>
+        <p:nvCxnSpPr>
+          <p:cNvPr id="13" name="Straight Arrow Connector 12">
+            <a:extLst>
+              <a:ext uri="{FF2B5EF4-FFF2-40B4-BE49-F238E27FC236}">
+                <a16:creationId xmlns:a16="http://schemas.microsoft.com/office/drawing/2014/main" id="{86200106-4EA3-4CCA-B5FA-E10255DACCA0}"/>
+              </a:ext>
+            </a:extLst>
+          </p:cNvPr>
+          <p:cNvCxnSpPr>
+            <a:cxnSpLocks/>
+          </p:cNvCxnSpPr>
+          <p:nvPr/>
+        </p:nvCxnSpPr>
+        <p:spPr>
+          <a:xfrm>
+            <a:off x="9018073" y="2117285"/>
+            <a:ext cx="0" cy="480183"/>
+          </a:xfrm>
+          <a:prstGeom prst="straightConnector1">
+            <a:avLst/>
+          </a:prstGeom>
+          <a:ln w="25400">
+            <a:solidFill>
+              <a:schemeClr val="tx1"/>
+            </a:solidFill>
+            <a:tailEnd type="none" w="lg" len="lg"/>
+          </a:ln>
+        </p:spPr>
+        <p:style>
+          <a:lnRef idx="1">
+            <a:schemeClr val="accent1"/>
+          </a:lnRef>
+          <a:fillRef idx="0">
+            <a:schemeClr val="accent1"/>
+          </a:fillRef>
+          <a:effectRef idx="0">
+            <a:schemeClr val="accent1"/>
+          </a:effectRef>
+          <a:fontRef idx="minor">
+            <a:schemeClr val="tx1"/>
+          </a:fontRef>
+        </p:style>
+      </p:cxnSp>
+      <p:cxnSp>
+        <p:nvCxnSpPr>
+          <p:cNvPr id="14" name="Straight Arrow Connector 13">
+            <a:extLst>
+              <a:ext uri="{FF2B5EF4-FFF2-40B4-BE49-F238E27FC236}">
+                <a16:creationId xmlns:a16="http://schemas.microsoft.com/office/drawing/2014/main" id="{224C37CA-55D0-4C37-8B62-DEF122C1FAEF}"/>
+              </a:ext>
+            </a:extLst>
+          </p:cNvPr>
+          <p:cNvCxnSpPr>
+            <a:cxnSpLocks/>
+          </p:cNvCxnSpPr>
+          <p:nvPr/>
+        </p:nvCxnSpPr>
+        <p:spPr>
+          <a:xfrm flipH="1">
+            <a:off x="1162699" y="2935338"/>
+            <a:ext cx="8860545" cy="32472"/>
+          </a:xfrm>
+          <a:prstGeom prst="straightConnector1">
+            <a:avLst/>
+          </a:prstGeom>
+          <a:ln w="25400">
+            <a:solidFill>
+              <a:schemeClr val="tx1"/>
+            </a:solidFill>
+            <a:tailEnd type="none" w="lg" len="lg"/>
+          </a:ln>
+        </p:spPr>
+        <p:style>
+          <a:lnRef idx="1">
+            <a:schemeClr val="accent1"/>
+          </a:lnRef>
+          <a:fillRef idx="0">
+            <a:schemeClr val="accent1"/>
+          </a:fillRef>
+          <a:effectRef idx="0">
+            <a:schemeClr val="accent1"/>
+          </a:effectRef>
+          <a:fontRef idx="minor">
+            <a:schemeClr val="tx1"/>
+          </a:fontRef>
+        </p:style>
+      </p:cxnSp>
+      <p:sp>
+        <p:nvSpPr>
+          <p:cNvPr id="15" name="Rectangle 14">
+            <a:extLst>
+              <a:ext uri="{FF2B5EF4-FFF2-40B4-BE49-F238E27FC236}">
+                <a16:creationId xmlns:a16="http://schemas.microsoft.com/office/drawing/2014/main" id="{BFB1DFD2-3FC5-4FE5-BD24-2EDC14F7EACA}"/>
+              </a:ext>
+            </a:extLst>
+          </p:cNvPr>
+          <p:cNvSpPr/>
+          <p:nvPr/>
+        </p:nvSpPr>
+        <p:spPr>
+          <a:xfrm>
+            <a:off x="9014182" y="2222161"/>
+            <a:ext cx="391454" cy="369332"/>
+          </a:xfrm>
+          <a:prstGeom prst="rect">
+            <a:avLst/>
+          </a:prstGeom>
+        </p:spPr>
+        <p:txBody>
+          <a:bodyPr wrap="none">
+            <a:spAutoFit/>
+          </a:bodyPr>
+          <a:lstStyle/>
+          <a:p>
+            <a:r>
+              <a:rPr lang="en-US" dirty="0">
+                <a:latin typeface="Times New Roman" panose="02020603050405020304" pitchFamily="18" charset="0"/>
+                <a:cs typeface="Times New Roman" panose="02020603050405020304" pitchFamily="18" charset="0"/>
+              </a:rPr>
+              <a:t>I</a:t>
+            </a:r>
+            <a:r>
+              <a:rPr lang="en-US" sz="1400" dirty="0">
+                <a:latin typeface="Times New Roman" panose="02020603050405020304" pitchFamily="18" charset="0"/>
+                <a:cs typeface="Times New Roman" panose="02020603050405020304" pitchFamily="18" charset="0"/>
+              </a:rPr>
+              <a:t>A</a:t>
+            </a:r>
+            <a:endParaRPr lang="en-US" dirty="0"/>
+          </a:p>
+        </p:txBody>
+      </p:sp>
+      <p:cxnSp>
+        <p:nvCxnSpPr>
+          <p:cNvPr id="16" name="Straight Arrow Connector 15">
+            <a:extLst>
+              <a:ext uri="{FF2B5EF4-FFF2-40B4-BE49-F238E27FC236}">
+                <a16:creationId xmlns:a16="http://schemas.microsoft.com/office/drawing/2014/main" id="{AC1518D8-7A50-4BE6-90F4-DB2406503A49}"/>
+              </a:ext>
+            </a:extLst>
+          </p:cNvPr>
+          <p:cNvCxnSpPr>
+            <a:cxnSpLocks/>
+          </p:cNvCxnSpPr>
+          <p:nvPr/>
+        </p:nvCxnSpPr>
+        <p:spPr>
+          <a:xfrm>
+            <a:off x="10029899" y="1829043"/>
+            <a:ext cx="0" cy="1106295"/>
+          </a:xfrm>
+          <a:prstGeom prst="straightConnector1">
+            <a:avLst/>
+          </a:prstGeom>
+          <a:ln w="25400">
+            <a:solidFill>
+              <a:schemeClr val="tx1"/>
+            </a:solidFill>
+            <a:tailEnd type="none" w="lg" len="lg"/>
+          </a:ln>
+        </p:spPr>
+        <p:style>
+          <a:lnRef idx="1">
+            <a:schemeClr val="accent1"/>
+          </a:lnRef>
+          <a:fillRef idx="0">
+            <a:schemeClr val="accent1"/>
+          </a:fillRef>
+          <a:effectRef idx="0">
+            <a:schemeClr val="accent1"/>
+          </a:effectRef>
+          <a:fontRef idx="minor">
+            <a:schemeClr val="tx1"/>
+          </a:fontRef>
+        </p:style>
+      </p:cxnSp>
+      <p:cxnSp>
+        <p:nvCxnSpPr>
+          <p:cNvPr id="17" name="Straight Arrow Connector 16">
+            <a:extLst>
+              <a:ext uri="{FF2B5EF4-FFF2-40B4-BE49-F238E27FC236}">
+                <a16:creationId xmlns:a16="http://schemas.microsoft.com/office/drawing/2014/main" id="{4606B637-01A2-42C1-95B5-0ECAD7D81D5F}"/>
+              </a:ext>
+            </a:extLst>
+          </p:cNvPr>
+          <p:cNvCxnSpPr>
+            <a:cxnSpLocks/>
+          </p:cNvCxnSpPr>
+          <p:nvPr/>
+        </p:nvCxnSpPr>
+        <p:spPr>
+          <a:xfrm flipV="1">
+            <a:off x="1162699" y="2089955"/>
+            <a:ext cx="6659" cy="861619"/>
+          </a:xfrm>
+          <a:prstGeom prst="straightConnector1">
+            <a:avLst/>
+          </a:prstGeom>
+          <a:ln w="25400">
+            <a:solidFill>
+              <a:schemeClr val="tx1"/>
+            </a:solidFill>
+            <a:tailEnd type="arrow" w="lg" len="lg"/>
+          </a:ln>
+        </p:spPr>
+        <p:style>
+          <a:lnRef idx="1">
+            <a:schemeClr val="accent1"/>
+          </a:lnRef>
+          <a:fillRef idx="0">
+            <a:schemeClr val="accent1"/>
+          </a:fillRef>
+          <a:effectRef idx="0">
+            <a:schemeClr val="accent1"/>
+          </a:effectRef>
+          <a:fontRef idx="minor">
+            <a:schemeClr val="tx1"/>
+          </a:fontRef>
+        </p:style>
+      </p:cxnSp>
+      <p:sp>
+        <p:nvSpPr>
+          <p:cNvPr id="18" name="Rectangle 17">
+            <a:extLst>
+              <a:ext uri="{FF2B5EF4-FFF2-40B4-BE49-F238E27FC236}">
+                <a16:creationId xmlns:a16="http://schemas.microsoft.com/office/drawing/2014/main" id="{4164829C-C45E-4467-B615-825E30D78660}"/>
+              </a:ext>
+            </a:extLst>
+          </p:cNvPr>
+          <p:cNvSpPr/>
+          <p:nvPr/>
+        </p:nvSpPr>
+        <p:spPr>
+          <a:xfrm>
+            <a:off x="4929930" y="1460058"/>
+            <a:ext cx="1183350" cy="752903"/>
+          </a:xfrm>
+          <a:prstGeom prst="rect">
+            <a:avLst/>
+          </a:prstGeom>
+          <a:solidFill>
+            <a:schemeClr val="accent1">
+              <a:lumMod val="40000"/>
+              <a:lumOff val="60000"/>
+            </a:schemeClr>
+          </a:solidFill>
+          <a:ln w="25400">
+            <a:solidFill>
+              <a:schemeClr val="tx1"/>
+            </a:solidFill>
+          </a:ln>
+        </p:spPr>
+        <p:style>
+          <a:lnRef idx="2">
+            <a:schemeClr val="accent1">
+              <a:shade val="50000"/>
+            </a:schemeClr>
+          </a:lnRef>
+          <a:fillRef idx="1">
+            <a:schemeClr val="accent1"/>
+          </a:fillRef>
+          <a:effectRef idx="0">
+            <a:schemeClr val="accent1"/>
+          </a:effectRef>
+          <a:fontRef idx="minor">
+            <a:schemeClr val="lt1"/>
+          </a:fontRef>
+        </p:style>
+        <p:txBody>
+          <a:bodyPr rtlCol="0" anchor="ctr"/>
+          <a:lstStyle/>
+          <a:p>
+            <a:pPr algn="ctr"/>
+            <a:r>
+              <a:rPr lang="en-US" dirty="0">
+                <a:solidFill>
+                  <a:schemeClr val="tx1"/>
+                </a:solidFill>
+                <a:latin typeface="Times New Roman" panose="02020603050405020304" pitchFamily="18" charset="0"/>
+                <a:cs typeface="Times New Roman" panose="02020603050405020304" pitchFamily="18" charset="0"/>
+              </a:rPr>
+              <a:t>Current Controller</a:t>
+            </a:r>
+          </a:p>
+        </p:txBody>
+      </p:sp>
+      <p:sp>
+        <p:nvSpPr>
+          <p:cNvPr id="19" name="TextBox 18">
+            <a:extLst>
+              <a:ext uri="{FF2B5EF4-FFF2-40B4-BE49-F238E27FC236}">
+                <a16:creationId xmlns:a16="http://schemas.microsoft.com/office/drawing/2014/main" id="{5F0DA028-CAE0-438A-A1FD-F98109244EEB}"/>
+              </a:ext>
+            </a:extLst>
+          </p:cNvPr>
+          <p:cNvSpPr txBox="1"/>
+          <p:nvPr/>
+        </p:nvSpPr>
+        <p:spPr>
+          <a:xfrm>
+            <a:off x="10055576" y="2222161"/>
+            <a:ext cx="904461" cy="400110"/>
+          </a:xfrm>
+          <a:prstGeom prst="rect">
+            <a:avLst/>
+          </a:prstGeom>
+          <a:noFill/>
+        </p:spPr>
+        <p:txBody>
+          <a:bodyPr wrap="square" rtlCol="0">
+            <a:spAutoFit/>
+          </a:bodyPr>
+          <a:lstStyle/>
+          <a:p>
+            <a:r>
+              <a:rPr lang="el-GR" sz="2000" dirty="0">
+                <a:latin typeface="Times New Roman" panose="02020603050405020304" pitchFamily="18" charset="0"/>
+                <a:cs typeface="Times New Roman" panose="02020603050405020304" pitchFamily="18" charset="0"/>
+              </a:rPr>
+              <a:t>ω</a:t>
+            </a:r>
+            <a:endParaRPr lang="en-US" sz="2000" dirty="0"/>
+          </a:p>
+        </p:txBody>
+      </p:sp>
+      <p:cxnSp>
+        <p:nvCxnSpPr>
+          <p:cNvPr id="20" name="Straight Arrow Connector 19">
+            <a:extLst>
+              <a:ext uri="{FF2B5EF4-FFF2-40B4-BE49-F238E27FC236}">
+                <a16:creationId xmlns:a16="http://schemas.microsoft.com/office/drawing/2014/main" id="{880572B1-81B4-4D49-9A11-7DC797BE0167}"/>
+              </a:ext>
+            </a:extLst>
+          </p:cNvPr>
+          <p:cNvCxnSpPr>
+            <a:cxnSpLocks/>
+          </p:cNvCxnSpPr>
+          <p:nvPr/>
+        </p:nvCxnSpPr>
+        <p:spPr>
+          <a:xfrm flipH="1" flipV="1">
+            <a:off x="4127439" y="2069435"/>
+            <a:ext cx="13555" cy="528034"/>
+          </a:xfrm>
+          <a:prstGeom prst="straightConnector1">
+            <a:avLst/>
+          </a:prstGeom>
+          <a:ln w="25400">
+            <a:solidFill>
+              <a:schemeClr val="tx1"/>
+            </a:solidFill>
+            <a:tailEnd type="arrow" w="lg" len="lg"/>
+          </a:ln>
+        </p:spPr>
+        <p:style>
+          <a:lnRef idx="1">
+            <a:schemeClr val="accent1"/>
+          </a:lnRef>
+          <a:fillRef idx="0">
+            <a:schemeClr val="accent1"/>
+          </a:fillRef>
+          <a:effectRef idx="0">
+            <a:schemeClr val="accent1"/>
+          </a:effectRef>
+          <a:fontRef idx="minor">
+            <a:schemeClr val="tx1"/>
+          </a:fontRef>
+        </p:style>
+      </p:cxnSp>
+      <p:cxnSp>
+        <p:nvCxnSpPr>
+          <p:cNvPr id="21" name="Straight Arrow Connector 20">
+            <a:extLst>
+              <a:ext uri="{FF2B5EF4-FFF2-40B4-BE49-F238E27FC236}">
+                <a16:creationId xmlns:a16="http://schemas.microsoft.com/office/drawing/2014/main" id="{5263EFCD-00B3-4F9F-BFBD-1D5C699CD05C}"/>
+              </a:ext>
+            </a:extLst>
+          </p:cNvPr>
+          <p:cNvCxnSpPr>
+            <a:cxnSpLocks/>
+            <a:endCxn id="33" idx="2"/>
+          </p:cNvCxnSpPr>
+          <p:nvPr/>
+        </p:nvCxnSpPr>
+        <p:spPr>
+          <a:xfrm>
+            <a:off x="396901" y="1842619"/>
+            <a:ext cx="512057" cy="0"/>
+          </a:xfrm>
+          <a:prstGeom prst="straightConnector1">
+            <a:avLst/>
+          </a:prstGeom>
+          <a:ln w="25400">
+            <a:solidFill>
+              <a:schemeClr val="tx1"/>
+            </a:solidFill>
+            <a:tailEnd type="arrow" w="lg" len="lg"/>
+          </a:ln>
+        </p:spPr>
+        <p:style>
+          <a:lnRef idx="1">
+            <a:schemeClr val="accent1"/>
+          </a:lnRef>
+          <a:fillRef idx="0">
+            <a:schemeClr val="accent1"/>
+          </a:fillRef>
+          <a:effectRef idx="0">
+            <a:schemeClr val="accent1"/>
+          </a:effectRef>
+          <a:fontRef idx="minor">
+            <a:schemeClr val="tx1"/>
+          </a:fontRef>
+        </p:style>
+      </p:cxnSp>
+      <p:sp>
+        <p:nvSpPr>
+          <p:cNvPr id="22" name="TextBox 21">
+            <a:extLst>
+              <a:ext uri="{FF2B5EF4-FFF2-40B4-BE49-F238E27FC236}">
+                <a16:creationId xmlns:a16="http://schemas.microsoft.com/office/drawing/2014/main" id="{42BB3E12-AE50-4A3C-8894-4563368C3DB5}"/>
+              </a:ext>
+            </a:extLst>
+          </p:cNvPr>
+          <p:cNvSpPr txBox="1"/>
+          <p:nvPr/>
+        </p:nvSpPr>
+        <p:spPr>
+          <a:xfrm>
+            <a:off x="5952782" y="866798"/>
+            <a:ext cx="1841514" cy="584775"/>
+          </a:xfrm>
+          <a:prstGeom prst="rect">
+            <a:avLst/>
+          </a:prstGeom>
+          <a:noFill/>
+        </p:spPr>
+        <p:txBody>
+          <a:bodyPr wrap="square" rtlCol="0">
+            <a:spAutoFit/>
+          </a:bodyPr>
+          <a:lstStyle/>
+          <a:p>
+            <a:pPr algn="ctr"/>
+            <a:r>
+              <a:rPr lang="en-US" sz="1600" dirty="0">
+                <a:latin typeface="Times New Roman" panose="02020603050405020304" pitchFamily="18" charset="0"/>
+                <a:cs typeface="Times New Roman" panose="02020603050405020304" pitchFamily="18" charset="0"/>
+              </a:rPr>
+              <a:t>Voltage </a:t>
+            </a:r>
+          </a:p>
+          <a:p>
+            <a:pPr algn="ctr"/>
+            <a:r>
+              <a:rPr lang="en-US" sz="1600" dirty="0">
+                <a:latin typeface="Times New Roman" panose="02020603050405020304" pitchFamily="18" charset="0"/>
+                <a:cs typeface="Times New Roman" panose="02020603050405020304" pitchFamily="18" charset="0"/>
+              </a:rPr>
+              <a:t>Source</a:t>
+            </a:r>
+            <a:endParaRPr lang="en-US" sz="1600" dirty="0"/>
+          </a:p>
+        </p:txBody>
+      </p:sp>
+      <p:cxnSp>
+        <p:nvCxnSpPr>
+          <p:cNvPr id="23" name="Straight Arrow Connector 22">
+            <a:extLst>
+              <a:ext uri="{FF2B5EF4-FFF2-40B4-BE49-F238E27FC236}">
+                <a16:creationId xmlns:a16="http://schemas.microsoft.com/office/drawing/2014/main" id="{77859F04-E599-4FDB-BB7C-85CF8C633413}"/>
+              </a:ext>
+            </a:extLst>
+          </p:cNvPr>
+          <p:cNvCxnSpPr>
+            <a:cxnSpLocks/>
+          </p:cNvCxnSpPr>
+          <p:nvPr/>
+        </p:nvCxnSpPr>
+        <p:spPr>
+          <a:xfrm>
+            <a:off x="7263075" y="956293"/>
+            <a:ext cx="0" cy="496299"/>
+          </a:xfrm>
+          <a:prstGeom prst="straightConnector1">
+            <a:avLst/>
+          </a:prstGeom>
+          <a:ln w="25400">
+            <a:solidFill>
+              <a:schemeClr val="tx1"/>
+            </a:solidFill>
+            <a:tailEnd type="arrow" w="lg" len="lg"/>
+          </a:ln>
+        </p:spPr>
+        <p:style>
+          <a:lnRef idx="1">
+            <a:schemeClr val="accent1"/>
+          </a:lnRef>
+          <a:fillRef idx="0">
+            <a:schemeClr val="accent1"/>
+          </a:fillRef>
+          <a:effectRef idx="0">
+            <a:schemeClr val="accent1"/>
+          </a:effectRef>
+          <a:fontRef idx="minor">
+            <a:schemeClr val="tx1"/>
+          </a:fontRef>
+        </p:style>
+      </p:cxnSp>
+      <p:sp>
+        <p:nvSpPr>
+          <p:cNvPr id="24" name="TextBox 23">
+            <a:extLst>
+              <a:ext uri="{FF2B5EF4-FFF2-40B4-BE49-F238E27FC236}">
+                <a16:creationId xmlns:a16="http://schemas.microsoft.com/office/drawing/2014/main" id="{16C3096A-71C0-4E9B-9515-B16A4805FC2E}"/>
+              </a:ext>
+            </a:extLst>
+          </p:cNvPr>
+          <p:cNvSpPr txBox="1"/>
+          <p:nvPr/>
+        </p:nvSpPr>
+        <p:spPr>
+          <a:xfrm>
+            <a:off x="281054" y="1420633"/>
+            <a:ext cx="904461" cy="400110"/>
+          </a:xfrm>
+          <a:prstGeom prst="rect">
+            <a:avLst/>
+          </a:prstGeom>
+          <a:noFill/>
+        </p:spPr>
+        <p:txBody>
+          <a:bodyPr wrap="square" rtlCol="0">
+            <a:spAutoFit/>
+          </a:bodyPr>
+          <a:lstStyle/>
+          <a:p>
+            <a:r>
+              <a:rPr lang="el-GR" sz="2000" dirty="0">
+                <a:latin typeface="Times New Roman" panose="02020603050405020304" pitchFamily="18" charset="0"/>
+                <a:cs typeface="Times New Roman" panose="02020603050405020304" pitchFamily="18" charset="0"/>
+              </a:rPr>
+              <a:t>ω</a:t>
+            </a:r>
+            <a:r>
+              <a:rPr lang="en-US" sz="1600" dirty="0">
+                <a:latin typeface="Times New Roman" panose="02020603050405020304" pitchFamily="18" charset="0"/>
+                <a:cs typeface="Times New Roman" panose="02020603050405020304" pitchFamily="18" charset="0"/>
+              </a:rPr>
+              <a:t>ref</a:t>
+            </a:r>
+            <a:endParaRPr lang="en-US" sz="2000" dirty="0"/>
+          </a:p>
+        </p:txBody>
+      </p:sp>
+      <p:cxnSp>
+        <p:nvCxnSpPr>
+          <p:cNvPr id="25" name="Straight Arrow Connector 24">
+            <a:extLst>
+              <a:ext uri="{FF2B5EF4-FFF2-40B4-BE49-F238E27FC236}">
+                <a16:creationId xmlns:a16="http://schemas.microsoft.com/office/drawing/2014/main" id="{A5098AD4-57E6-4B7E-861E-55B217468EB7}"/>
+              </a:ext>
+            </a:extLst>
+          </p:cNvPr>
+          <p:cNvCxnSpPr>
+            <a:cxnSpLocks/>
+            <a:stCxn id="18" idx="3"/>
+            <a:endCxn id="9" idx="1"/>
+          </p:cNvCxnSpPr>
+          <p:nvPr/>
+        </p:nvCxnSpPr>
+        <p:spPr>
+          <a:xfrm flipV="1">
+            <a:off x="6113280" y="1832777"/>
+            <a:ext cx="523170" cy="3733"/>
+          </a:xfrm>
+          <a:prstGeom prst="straightConnector1">
+            <a:avLst/>
+          </a:prstGeom>
+          <a:ln w="25400">
+            <a:solidFill>
+              <a:schemeClr val="tx1"/>
+            </a:solidFill>
+            <a:tailEnd type="arrow" w="lg" len="lg"/>
+          </a:ln>
+        </p:spPr>
+        <p:style>
+          <a:lnRef idx="1">
+            <a:schemeClr val="accent1"/>
+          </a:lnRef>
+          <a:fillRef idx="0">
+            <a:schemeClr val="accent1"/>
+          </a:fillRef>
+          <a:effectRef idx="0">
+            <a:schemeClr val="accent1"/>
+          </a:effectRef>
+          <a:fontRef idx="minor">
+            <a:schemeClr val="tx1"/>
+          </a:fontRef>
+        </p:style>
+      </p:cxnSp>
+      <p:sp>
+        <p:nvSpPr>
+          <p:cNvPr id="26" name="TextBox 25">
+            <a:extLst>
+              <a:ext uri="{FF2B5EF4-FFF2-40B4-BE49-F238E27FC236}">
+                <a16:creationId xmlns:a16="http://schemas.microsoft.com/office/drawing/2014/main" id="{DD4901E3-D85D-49D0-B669-BED50278E27B}"/>
+              </a:ext>
+            </a:extLst>
+          </p:cNvPr>
+          <p:cNvSpPr txBox="1"/>
+          <p:nvPr/>
+        </p:nvSpPr>
+        <p:spPr>
+          <a:xfrm>
+            <a:off x="6158306" y="1428935"/>
+            <a:ext cx="904461" cy="400110"/>
+          </a:xfrm>
+          <a:prstGeom prst="rect">
+            <a:avLst/>
+          </a:prstGeom>
+          <a:noFill/>
+        </p:spPr>
+        <p:txBody>
+          <a:bodyPr wrap="square" rtlCol="0">
+            <a:spAutoFit/>
+          </a:bodyPr>
+          <a:lstStyle/>
+          <a:p>
+            <a:r>
+              <a:rPr lang="en-US" sz="2000" dirty="0">
+                <a:latin typeface="Times New Roman" panose="02020603050405020304" pitchFamily="18" charset="0"/>
+                <a:cs typeface="Times New Roman" panose="02020603050405020304" pitchFamily="18" charset="0"/>
+              </a:rPr>
+              <a:t>D</a:t>
+            </a:r>
+            <a:endParaRPr lang="en-US" sz="2000" dirty="0"/>
+          </a:p>
+        </p:txBody>
+      </p:sp>
+      <p:cxnSp>
+        <p:nvCxnSpPr>
+          <p:cNvPr id="27" name="Straight Arrow Connector 26">
+            <a:extLst>
+              <a:ext uri="{FF2B5EF4-FFF2-40B4-BE49-F238E27FC236}">
+                <a16:creationId xmlns:a16="http://schemas.microsoft.com/office/drawing/2014/main" id="{DF891FEC-4378-4375-96D8-D738E523F620}"/>
+              </a:ext>
+            </a:extLst>
+          </p:cNvPr>
+          <p:cNvCxnSpPr>
+            <a:cxnSpLocks/>
+          </p:cNvCxnSpPr>
+          <p:nvPr/>
+        </p:nvCxnSpPr>
+        <p:spPr>
+          <a:xfrm flipH="1">
+            <a:off x="4128840" y="2597468"/>
+            <a:ext cx="4889233" cy="0"/>
+          </a:xfrm>
+          <a:prstGeom prst="straightConnector1">
+            <a:avLst/>
+          </a:prstGeom>
+          <a:ln w="25400">
+            <a:solidFill>
+              <a:schemeClr val="tx1"/>
+            </a:solidFill>
+            <a:tailEnd type="none" w="lg" len="lg"/>
+          </a:ln>
+        </p:spPr>
+        <p:style>
+          <a:lnRef idx="1">
+            <a:schemeClr val="accent1"/>
+          </a:lnRef>
+          <a:fillRef idx="0">
+            <a:schemeClr val="accent1"/>
+          </a:fillRef>
+          <a:effectRef idx="0">
+            <a:schemeClr val="accent1"/>
+          </a:effectRef>
+          <a:fontRef idx="minor">
+            <a:schemeClr val="tx1"/>
+          </a:fontRef>
+        </p:style>
+      </p:cxnSp>
+      <p:cxnSp>
+        <p:nvCxnSpPr>
+          <p:cNvPr id="28" name="Straight Arrow Connector 27">
+            <a:extLst>
+              <a:ext uri="{FF2B5EF4-FFF2-40B4-BE49-F238E27FC236}">
+                <a16:creationId xmlns:a16="http://schemas.microsoft.com/office/drawing/2014/main" id="{2E59CDDA-E82F-4FC9-A43E-7770CE98EC71}"/>
+              </a:ext>
+            </a:extLst>
+          </p:cNvPr>
+          <p:cNvCxnSpPr>
+            <a:cxnSpLocks/>
+            <a:stCxn id="5" idx="6"/>
+            <a:endCxn id="18" idx="1"/>
+          </p:cNvCxnSpPr>
+          <p:nvPr/>
+        </p:nvCxnSpPr>
+        <p:spPr>
+          <a:xfrm flipV="1">
+            <a:off x="4381180" y="1836510"/>
+            <a:ext cx="548750" cy="6109"/>
+          </a:xfrm>
+          <a:prstGeom prst="straightConnector1">
+            <a:avLst/>
+          </a:prstGeom>
+          <a:ln w="25400">
+            <a:solidFill>
+              <a:schemeClr val="tx1"/>
+            </a:solidFill>
+            <a:tailEnd type="arrow" w="lg" len="lg"/>
+          </a:ln>
+        </p:spPr>
+        <p:style>
+          <a:lnRef idx="1">
+            <a:schemeClr val="accent1"/>
+          </a:lnRef>
+          <a:fillRef idx="0">
+            <a:schemeClr val="accent1"/>
+          </a:fillRef>
+          <a:effectRef idx="0">
+            <a:schemeClr val="accent1"/>
+          </a:effectRef>
+          <a:fontRef idx="minor">
+            <a:schemeClr val="tx1"/>
+          </a:fontRef>
+        </p:style>
+      </p:cxnSp>
+      <p:sp>
+        <p:nvSpPr>
+          <p:cNvPr id="29" name="Rectangle 28">
+            <a:extLst>
+              <a:ext uri="{FF2B5EF4-FFF2-40B4-BE49-F238E27FC236}">
+                <a16:creationId xmlns:a16="http://schemas.microsoft.com/office/drawing/2014/main" id="{AC8F976E-9027-4711-BDCC-88613DE13CCC}"/>
+              </a:ext>
+            </a:extLst>
+          </p:cNvPr>
+          <p:cNvSpPr/>
+          <p:nvPr/>
+        </p:nvSpPr>
+        <p:spPr>
+          <a:xfrm>
+            <a:off x="2178291" y="1460243"/>
+            <a:ext cx="1183350" cy="752903"/>
+          </a:xfrm>
+          <a:prstGeom prst="rect">
+            <a:avLst/>
+          </a:prstGeom>
+          <a:solidFill>
+            <a:schemeClr val="accent1">
+              <a:lumMod val="40000"/>
+              <a:lumOff val="60000"/>
+            </a:schemeClr>
+          </a:solidFill>
+          <a:ln w="25400">
+            <a:solidFill>
+              <a:schemeClr val="tx1"/>
+            </a:solidFill>
+          </a:ln>
+        </p:spPr>
+        <p:style>
+          <a:lnRef idx="2">
+            <a:schemeClr val="accent1">
+              <a:shade val="50000"/>
+            </a:schemeClr>
+          </a:lnRef>
+          <a:fillRef idx="1">
+            <a:schemeClr val="accent1"/>
+          </a:fillRef>
+          <a:effectRef idx="0">
+            <a:schemeClr val="accent1"/>
+          </a:effectRef>
+          <a:fontRef idx="minor">
+            <a:schemeClr val="lt1"/>
+          </a:fontRef>
+        </p:style>
+        <p:txBody>
+          <a:bodyPr rtlCol="0" anchor="ctr"/>
+          <a:lstStyle/>
+          <a:p>
+            <a:pPr algn="ctr"/>
+            <a:r>
+              <a:rPr lang="en-US" dirty="0">
+                <a:solidFill>
+                  <a:schemeClr val="tx1"/>
+                </a:solidFill>
+                <a:latin typeface="Times New Roman" panose="02020603050405020304" pitchFamily="18" charset="0"/>
+                <a:cs typeface="Times New Roman" panose="02020603050405020304" pitchFamily="18" charset="0"/>
+              </a:rPr>
+              <a:t>Speed Controller</a:t>
+            </a:r>
+          </a:p>
+        </p:txBody>
+      </p:sp>
+      <p:cxnSp>
+        <p:nvCxnSpPr>
+          <p:cNvPr id="30" name="Straight Arrow Connector 29">
+            <a:extLst>
+              <a:ext uri="{FF2B5EF4-FFF2-40B4-BE49-F238E27FC236}">
+                <a16:creationId xmlns:a16="http://schemas.microsoft.com/office/drawing/2014/main" id="{F1AD7844-2BB7-4C36-A694-A857813FF481}"/>
+              </a:ext>
+            </a:extLst>
+          </p:cNvPr>
+          <p:cNvCxnSpPr>
+            <a:cxnSpLocks/>
+          </p:cNvCxnSpPr>
+          <p:nvPr/>
+        </p:nvCxnSpPr>
+        <p:spPr>
+          <a:xfrm flipV="1">
+            <a:off x="3361183" y="1836509"/>
+            <a:ext cx="548750" cy="6109"/>
+          </a:xfrm>
+          <a:prstGeom prst="straightConnector1">
+            <a:avLst/>
+          </a:prstGeom>
+          <a:ln w="25400">
+            <a:solidFill>
+              <a:schemeClr val="tx1"/>
+            </a:solidFill>
+            <a:tailEnd type="arrow" w="lg" len="lg"/>
+          </a:ln>
+        </p:spPr>
+        <p:style>
+          <a:lnRef idx="1">
+            <a:schemeClr val="accent1"/>
+          </a:lnRef>
+          <a:fillRef idx="0">
+            <a:schemeClr val="accent1"/>
+          </a:fillRef>
+          <a:effectRef idx="0">
+            <a:schemeClr val="accent1"/>
+          </a:effectRef>
+          <a:fontRef idx="minor">
+            <a:schemeClr val="tx1"/>
+          </a:fontRef>
+        </p:style>
+      </p:cxnSp>
+      <p:cxnSp>
+        <p:nvCxnSpPr>
+          <p:cNvPr id="31" name="Straight Arrow Connector 30">
+            <a:extLst>
+              <a:ext uri="{FF2B5EF4-FFF2-40B4-BE49-F238E27FC236}">
+                <a16:creationId xmlns:a16="http://schemas.microsoft.com/office/drawing/2014/main" id="{F9C006F6-642B-420B-9A7E-83DCD1910F81}"/>
+              </a:ext>
+            </a:extLst>
+          </p:cNvPr>
+          <p:cNvCxnSpPr>
+            <a:cxnSpLocks/>
+            <a:endCxn id="29" idx="1"/>
+          </p:cNvCxnSpPr>
+          <p:nvPr/>
+        </p:nvCxnSpPr>
+        <p:spPr>
+          <a:xfrm>
+            <a:off x="1423099" y="1836509"/>
+            <a:ext cx="755192" cy="186"/>
+          </a:xfrm>
+          <a:prstGeom prst="straightConnector1">
+            <a:avLst/>
+          </a:prstGeom>
+          <a:ln w="25400">
+            <a:solidFill>
+              <a:schemeClr val="tx1"/>
+            </a:solidFill>
+            <a:tailEnd type="arrow" w="lg" len="lg"/>
+          </a:ln>
+        </p:spPr>
+        <p:style>
+          <a:lnRef idx="1">
+            <a:schemeClr val="accent1"/>
+          </a:lnRef>
+          <a:fillRef idx="0">
+            <a:schemeClr val="accent1"/>
+          </a:fillRef>
+          <a:effectRef idx="0">
+            <a:schemeClr val="accent1"/>
+          </a:effectRef>
+          <a:fontRef idx="minor">
+            <a:schemeClr val="tx1"/>
+          </a:fontRef>
+        </p:style>
+      </p:cxnSp>
+      <p:grpSp>
+        <p:nvGrpSpPr>
+          <p:cNvPr id="32" name="Group 31">
+            <a:extLst>
+              <a:ext uri="{FF2B5EF4-FFF2-40B4-BE49-F238E27FC236}">
+                <a16:creationId xmlns:a16="http://schemas.microsoft.com/office/drawing/2014/main" id="{B9D3C42F-6487-4C54-B60B-4582E04EBDF4}"/>
+              </a:ext>
+            </a:extLst>
+          </p:cNvPr>
+          <p:cNvGrpSpPr/>
+          <p:nvPr/>
+        </p:nvGrpSpPr>
+        <p:grpSpPr>
+          <a:xfrm>
+            <a:off x="863932" y="1589172"/>
+            <a:ext cx="552508" cy="589418"/>
+            <a:chOff x="3532006" y="1610392"/>
+            <a:chExt cx="552508" cy="589418"/>
+          </a:xfrm>
+        </p:grpSpPr>
+        <p:sp>
+          <p:nvSpPr>
+            <p:cNvPr id="33" name="Oval 32">
+              <a:extLst>
+                <a:ext uri="{FF2B5EF4-FFF2-40B4-BE49-F238E27FC236}">
+                  <a16:creationId xmlns:a16="http://schemas.microsoft.com/office/drawing/2014/main" id="{ABBEE970-4439-4DCD-AFFA-A6BDF87E94D7}"/>
+                </a:ext>
+              </a:extLst>
+            </p:cNvPr>
+            <p:cNvSpPr/>
+            <p:nvPr/>
+          </p:nvSpPr>
+          <p:spPr>
+            <a:xfrm>
+              <a:off x="3577032" y="1610392"/>
+              <a:ext cx="507482" cy="506893"/>
+            </a:xfrm>
+            <a:prstGeom prst="ellipse">
+              <a:avLst/>
+            </a:prstGeom>
+            <a:solidFill>
+              <a:schemeClr val="bg1"/>
+            </a:solidFill>
+            <a:ln w="25400">
+              <a:solidFill>
+                <a:schemeClr val="tx1"/>
+              </a:solidFill>
+            </a:ln>
+          </p:spPr>
+          <p:style>
+            <a:lnRef idx="2">
+              <a:schemeClr val="accent1">
+                <a:shade val="50000"/>
+              </a:schemeClr>
+            </a:lnRef>
+            <a:fillRef idx="1">
+              <a:schemeClr val="accent1"/>
+            </a:fillRef>
+            <a:effectRef idx="0">
+              <a:schemeClr val="accent1"/>
+            </a:effectRef>
+            <a:fontRef idx="minor">
+              <a:schemeClr val="lt1"/>
+            </a:fontRef>
+          </p:style>
+          <p:txBody>
+            <a:bodyPr rtlCol="0" anchor="ctr"/>
+            <a:lstStyle/>
+            <a:p>
+              <a:pPr algn="ctr"/>
+              <a:endParaRPr lang="en-US" sz="2000" b="1" dirty="0">
+                <a:solidFill>
+                  <a:schemeClr val="tx1"/>
+                </a:solidFill>
+              </a:endParaRPr>
+            </a:p>
+          </p:txBody>
+        </p:sp>
+        <p:sp>
+          <p:nvSpPr>
+            <p:cNvPr id="34" name="Rectangle 33">
+              <a:extLst>
+                <a:ext uri="{FF2B5EF4-FFF2-40B4-BE49-F238E27FC236}">
+                  <a16:creationId xmlns:a16="http://schemas.microsoft.com/office/drawing/2014/main" id="{48E81583-6A28-41FF-B2B8-0FE179FB4433}"/>
+                </a:ext>
+              </a:extLst>
+            </p:cNvPr>
+            <p:cNvSpPr/>
+            <p:nvPr/>
+          </p:nvSpPr>
+          <p:spPr>
+            <a:xfrm>
+              <a:off x="3532006" y="1628990"/>
+              <a:ext cx="359394" cy="461665"/>
+            </a:xfrm>
+            <a:prstGeom prst="rect">
+              <a:avLst/>
+            </a:prstGeom>
+          </p:spPr>
+          <p:txBody>
+            <a:bodyPr wrap="none">
+              <a:spAutoFit/>
+            </a:bodyPr>
+            <a:lstStyle/>
+            <a:p>
+              <a:r>
+                <a:rPr lang="en-US" sz="2400" b="1" dirty="0">
+                  <a:latin typeface="Times New Roman" panose="02020603050405020304" pitchFamily="18" charset="0"/>
+                  <a:cs typeface="Times New Roman" panose="02020603050405020304" pitchFamily="18" charset="0"/>
+                </a:rPr>
+                <a:t>+</a:t>
+              </a:r>
+            </a:p>
+          </p:txBody>
+        </p:sp>
+        <p:sp>
+          <p:nvSpPr>
+            <p:cNvPr id="35" name="Rectangle 34">
+              <a:extLst>
+                <a:ext uri="{FF2B5EF4-FFF2-40B4-BE49-F238E27FC236}">
+                  <a16:creationId xmlns:a16="http://schemas.microsoft.com/office/drawing/2014/main" id="{1013B9C5-A305-498D-A766-4A9DA7F5FF41}"/>
+                </a:ext>
+              </a:extLst>
+            </p:cNvPr>
+            <p:cNvSpPr/>
+            <p:nvPr/>
+          </p:nvSpPr>
+          <p:spPr>
+            <a:xfrm>
+              <a:off x="3700699" y="1738145"/>
+              <a:ext cx="287258" cy="461665"/>
+            </a:xfrm>
+            <a:prstGeom prst="rect">
+              <a:avLst/>
+            </a:prstGeom>
+          </p:spPr>
+          <p:txBody>
+            <a:bodyPr wrap="none">
+              <a:spAutoFit/>
+            </a:bodyPr>
+            <a:lstStyle/>
+            <a:p>
+              <a:r>
+                <a:rPr lang="en-US" sz="2400" b="1" dirty="0">
+                  <a:latin typeface="Times New Roman" panose="02020603050405020304" pitchFamily="18" charset="0"/>
+                  <a:cs typeface="Times New Roman" panose="02020603050405020304" pitchFamily="18" charset="0"/>
+                </a:rPr>
+                <a:t>-</a:t>
+              </a:r>
+            </a:p>
+          </p:txBody>
+        </p:sp>
+      </p:grpSp>
+    </p:spTree>
+    <p:extLst>
+      <p:ext uri="{BB962C8B-B14F-4D97-AF65-F5344CB8AC3E}">
+        <p14:creationId xmlns:p14="http://schemas.microsoft.com/office/powerpoint/2010/main" val="3069058960"/>
+      </p:ext>
+    </p:extLst>
+  </p:cSld>
+  <p:clrMapOvr>
+    <a:masterClrMapping/>
+  </p:clrMapOvr>
+</p:sld>
+</file>
+
+<file path=ppt/slides/slide5.xml><?xml version="1.0" encoding="utf-8"?>
+<p:sld xmlns:a="http://schemas.openxmlformats.org/drawingml/2006/main" xmlns:r="http://schemas.openxmlformats.org/officeDocument/2006/relationships" xmlns:p="http://schemas.openxmlformats.org/presentationml/2006/main">
+  <p:cSld>
+    <p:spTree>
+      <p:nvGrpSpPr>
+        <p:cNvPr id="1" name=""/>
+        <p:cNvGrpSpPr/>
+        <p:nvPr/>
+      </p:nvGrpSpPr>
+      <p:grpSpPr>
+        <a:xfrm>
+          <a:off x="0" y="0"/>
+          <a:ext cx="0" cy="0"/>
+          <a:chOff x="0" y="0"/>
+          <a:chExt cx="0" cy="0"/>
+        </a:xfrm>
+      </p:grpSpPr>
       <p:pic>
         <p:nvPicPr>
           <p:cNvPr id="4" name="Graphic 3">
@@ -6815,7 +10991,7 @@
 </p:sld>
 </file>
 
-<file path=ppt/slides/slide5.xml><?xml version="1.0" encoding="utf-8"?>
+<file path=ppt/slides/slide6.xml><?xml version="1.0" encoding="utf-8"?>
 <p:sld xmlns:a="http://schemas.openxmlformats.org/drawingml/2006/main" xmlns:r="http://schemas.openxmlformats.org/officeDocument/2006/relationships" xmlns:p="http://schemas.openxmlformats.org/presentationml/2006/main">
   <p:cSld>
     <p:spTree>
@@ -9712,7 +13888,2914 @@
 </p:sld>
 </file>
 
-<file path=ppt/slides/slide6.xml><?xml version="1.0" encoding="utf-8"?>
+<file path=ppt/slides/slide7.xml><?xml version="1.0" encoding="utf-8"?>
+<p:sld xmlns:a="http://schemas.openxmlformats.org/drawingml/2006/main" xmlns:r="http://schemas.openxmlformats.org/officeDocument/2006/relationships" xmlns:p="http://schemas.openxmlformats.org/presentationml/2006/main">
+  <p:cSld>
+    <p:spTree>
+      <p:nvGrpSpPr>
+        <p:cNvPr id="1" name=""/>
+        <p:cNvGrpSpPr/>
+        <p:nvPr/>
+      </p:nvGrpSpPr>
+      <p:grpSpPr>
+        <a:xfrm>
+          <a:off x="0" y="0"/>
+          <a:ext cx="0" cy="0"/>
+          <a:chOff x="0" y="0"/>
+          <a:chExt cx="0" cy="0"/>
+        </a:xfrm>
+      </p:grpSpPr>
+      <p:grpSp>
+        <p:nvGrpSpPr>
+          <p:cNvPr id="95" name="Group 94">
+            <a:extLst>
+              <a:ext uri="{FF2B5EF4-FFF2-40B4-BE49-F238E27FC236}">
+                <a16:creationId xmlns:a16="http://schemas.microsoft.com/office/drawing/2014/main" id="{C58E6E38-828D-4D1A-AC72-799D8A2A63AD}"/>
+              </a:ext>
+            </a:extLst>
+          </p:cNvPr>
+          <p:cNvGrpSpPr/>
+          <p:nvPr/>
+        </p:nvGrpSpPr>
+        <p:grpSpPr>
+          <a:xfrm>
+            <a:off x="3624032" y="1701001"/>
+            <a:ext cx="552508" cy="589418"/>
+            <a:chOff x="3532006" y="1610392"/>
+            <a:chExt cx="552508" cy="589418"/>
+          </a:xfrm>
+        </p:grpSpPr>
+        <p:sp>
+          <p:nvSpPr>
+            <p:cNvPr id="90" name="Oval 89">
+              <a:extLst>
+                <a:ext uri="{FF2B5EF4-FFF2-40B4-BE49-F238E27FC236}">
+                  <a16:creationId xmlns:a16="http://schemas.microsoft.com/office/drawing/2014/main" id="{63D2005C-AE30-400B-A113-A5617916E1C2}"/>
+                </a:ext>
+              </a:extLst>
+            </p:cNvPr>
+            <p:cNvSpPr/>
+            <p:nvPr/>
+          </p:nvSpPr>
+          <p:spPr>
+            <a:xfrm>
+              <a:off x="3577032" y="1610392"/>
+              <a:ext cx="507482" cy="506893"/>
+            </a:xfrm>
+            <a:prstGeom prst="ellipse">
+              <a:avLst/>
+            </a:prstGeom>
+            <a:solidFill>
+              <a:schemeClr val="bg1"/>
+            </a:solidFill>
+            <a:ln w="25400">
+              <a:solidFill>
+                <a:schemeClr val="tx1"/>
+              </a:solidFill>
+            </a:ln>
+          </p:spPr>
+          <p:style>
+            <a:lnRef idx="2">
+              <a:schemeClr val="accent1">
+                <a:shade val="50000"/>
+              </a:schemeClr>
+            </a:lnRef>
+            <a:fillRef idx="1">
+              <a:schemeClr val="accent1"/>
+            </a:fillRef>
+            <a:effectRef idx="0">
+              <a:schemeClr val="accent1"/>
+            </a:effectRef>
+            <a:fontRef idx="minor">
+              <a:schemeClr val="lt1"/>
+            </a:fontRef>
+          </p:style>
+          <p:txBody>
+            <a:bodyPr rtlCol="0" anchor="ctr"/>
+            <a:lstStyle/>
+            <a:p>
+              <a:pPr algn="ctr"/>
+              <a:endParaRPr lang="en-US" sz="2000" b="1" dirty="0">
+                <a:solidFill>
+                  <a:schemeClr val="tx1"/>
+                </a:solidFill>
+              </a:endParaRPr>
+            </a:p>
+          </p:txBody>
+        </p:sp>
+        <p:sp>
+          <p:nvSpPr>
+            <p:cNvPr id="89" name="Rectangle 88">
+              <a:extLst>
+                <a:ext uri="{FF2B5EF4-FFF2-40B4-BE49-F238E27FC236}">
+                  <a16:creationId xmlns:a16="http://schemas.microsoft.com/office/drawing/2014/main" id="{F6F4D019-C388-4A01-AD45-B1B074FE84FD}"/>
+                </a:ext>
+              </a:extLst>
+            </p:cNvPr>
+            <p:cNvSpPr/>
+            <p:nvPr/>
+          </p:nvSpPr>
+          <p:spPr>
+            <a:xfrm>
+              <a:off x="3532006" y="1628990"/>
+              <a:ext cx="359394" cy="461665"/>
+            </a:xfrm>
+            <a:prstGeom prst="rect">
+              <a:avLst/>
+            </a:prstGeom>
+          </p:spPr>
+          <p:txBody>
+            <a:bodyPr wrap="none">
+              <a:spAutoFit/>
+            </a:bodyPr>
+            <a:lstStyle/>
+            <a:p>
+              <a:r>
+                <a:rPr lang="en-US" sz="2400" b="1" dirty="0">
+                  <a:latin typeface="Times New Roman" panose="02020603050405020304" pitchFamily="18" charset="0"/>
+                  <a:cs typeface="Times New Roman" panose="02020603050405020304" pitchFamily="18" charset="0"/>
+                </a:rPr>
+                <a:t>+</a:t>
+              </a:r>
+            </a:p>
+          </p:txBody>
+        </p:sp>
+        <p:sp>
+          <p:nvSpPr>
+            <p:cNvPr id="91" name="Rectangle 90">
+              <a:extLst>
+                <a:ext uri="{FF2B5EF4-FFF2-40B4-BE49-F238E27FC236}">
+                  <a16:creationId xmlns:a16="http://schemas.microsoft.com/office/drawing/2014/main" id="{3DC0B7A7-4005-4764-A670-8DEE24DDA288}"/>
+                </a:ext>
+              </a:extLst>
+            </p:cNvPr>
+            <p:cNvSpPr/>
+            <p:nvPr/>
+          </p:nvSpPr>
+          <p:spPr>
+            <a:xfrm>
+              <a:off x="3700699" y="1738145"/>
+              <a:ext cx="287258" cy="461665"/>
+            </a:xfrm>
+            <a:prstGeom prst="rect">
+              <a:avLst/>
+            </a:prstGeom>
+          </p:spPr>
+          <p:txBody>
+            <a:bodyPr wrap="none">
+              <a:spAutoFit/>
+            </a:bodyPr>
+            <a:lstStyle/>
+            <a:p>
+              <a:r>
+                <a:rPr lang="en-US" sz="2400" b="1" dirty="0">
+                  <a:latin typeface="Times New Roman" panose="02020603050405020304" pitchFamily="18" charset="0"/>
+                  <a:cs typeface="Times New Roman" panose="02020603050405020304" pitchFamily="18" charset="0"/>
+                </a:rPr>
+                <a:t>-</a:t>
+              </a:r>
+            </a:p>
+          </p:txBody>
+        </p:sp>
+      </p:grpSp>
+      <p:pic>
+        <p:nvPicPr>
+          <p:cNvPr id="4" name="Picture 2" descr="72 Rpm Single Phase Synchronous Motor, 10-100 KW, Rs 650 | ID: 18075601748">
+            <a:extLst>
+              <a:ext uri="{FF2B5EF4-FFF2-40B4-BE49-F238E27FC236}">
+                <a16:creationId xmlns:a16="http://schemas.microsoft.com/office/drawing/2014/main" id="{5EB5B5B3-86A9-4462-A356-BB97F79BB978}"/>
+              </a:ext>
+            </a:extLst>
+          </p:cNvPr>
+          <p:cNvPicPr>
+            <a:picLocks noChangeAspect="1" noChangeArrowheads="1"/>
+          </p:cNvPicPr>
+          <p:nvPr/>
+        </p:nvPicPr>
+        <p:blipFill>
+          <a:blip r:embed="rId2">
+            <a:extLst>
+              <a:ext uri="{28A0092B-C50C-407E-A947-70E740481C1C}">
+                <a14:useLocalDpi xmlns:a14="http://schemas.microsoft.com/office/drawing/2010/main" val="0"/>
+              </a:ext>
+            </a:extLst>
+          </a:blip>
+          <a:srcRect/>
+          <a:stretch>
+            <a:fillRect/>
+          </a:stretch>
+        </p:blipFill>
+        <p:spPr bwMode="auto">
+          <a:xfrm flipH="1">
+            <a:off x="9381910" y="1063316"/>
+            <a:ext cx="1391605" cy="1391605"/>
+          </a:xfrm>
+          <a:prstGeom prst="rect">
+            <a:avLst/>
+          </a:prstGeom>
+          <a:noFill/>
+          <a:extLst>
+            <a:ext uri="{909E8E84-426E-40DD-AFC4-6F175D3DCCD1}">
+              <a14:hiddenFill xmlns:a14="http://schemas.microsoft.com/office/drawing/2010/main">
+                <a:solidFill>
+                  <a:srgbClr val="FFFFFF"/>
+                </a:solidFill>
+              </a14:hiddenFill>
+            </a:ext>
+          </a:extLst>
+        </p:spPr>
+      </p:pic>
+      <p:sp>
+        <p:nvSpPr>
+          <p:cNvPr id="7" name="Rectangle 6">
+            <a:extLst>
+              <a:ext uri="{FF2B5EF4-FFF2-40B4-BE49-F238E27FC236}">
+                <a16:creationId xmlns:a16="http://schemas.microsoft.com/office/drawing/2014/main" id="{87877269-0096-47C6-A918-A7E58CEF509A}"/>
+              </a:ext>
+            </a:extLst>
+          </p:cNvPr>
+          <p:cNvSpPr/>
+          <p:nvPr/>
+        </p:nvSpPr>
+        <p:spPr>
+          <a:xfrm>
+            <a:off x="7940924" y="1555549"/>
+            <a:ext cx="1292085" cy="745437"/>
+          </a:xfrm>
+          <a:prstGeom prst="rect">
+            <a:avLst/>
+          </a:prstGeom>
+          <a:solidFill>
+            <a:schemeClr val="accent1">
+              <a:lumMod val="40000"/>
+              <a:lumOff val="60000"/>
+            </a:schemeClr>
+          </a:solidFill>
+          <a:ln w="25400">
+            <a:solidFill>
+              <a:schemeClr val="tx1"/>
+            </a:solidFill>
+          </a:ln>
+        </p:spPr>
+        <p:style>
+          <a:lnRef idx="2">
+            <a:schemeClr val="accent1">
+              <a:shade val="50000"/>
+            </a:schemeClr>
+          </a:lnRef>
+          <a:fillRef idx="1">
+            <a:schemeClr val="accent1"/>
+          </a:fillRef>
+          <a:effectRef idx="0">
+            <a:schemeClr val="accent1"/>
+          </a:effectRef>
+          <a:fontRef idx="minor">
+            <a:schemeClr val="lt1"/>
+          </a:fontRef>
+        </p:style>
+        <p:txBody>
+          <a:bodyPr rtlCol="0" anchor="ctr"/>
+          <a:lstStyle/>
+          <a:p>
+            <a:pPr algn="ctr"/>
+            <a:r>
+              <a:rPr lang="en-US" dirty="0">
+                <a:solidFill>
+                  <a:schemeClr val="tx1"/>
+                </a:solidFill>
+                <a:latin typeface="Times New Roman" panose="02020603050405020304" pitchFamily="18" charset="0"/>
+                <a:cs typeface="Times New Roman" panose="02020603050405020304" pitchFamily="18" charset="0"/>
+              </a:rPr>
+              <a:t>DC/AC</a:t>
+            </a:r>
+          </a:p>
+          <a:p>
+            <a:pPr algn="ctr"/>
+            <a:r>
+              <a:rPr lang="en-US" dirty="0">
+                <a:solidFill>
+                  <a:schemeClr val="tx1"/>
+                </a:solidFill>
+                <a:latin typeface="Times New Roman" panose="02020603050405020304" pitchFamily="18" charset="0"/>
+                <a:cs typeface="Times New Roman" panose="02020603050405020304" pitchFamily="18" charset="0"/>
+              </a:rPr>
+              <a:t>Converter</a:t>
+            </a:r>
+          </a:p>
+        </p:txBody>
+      </p:sp>
+      <p:sp>
+        <p:nvSpPr>
+          <p:cNvPr id="10" name="Rectangle 9">
+            <a:extLst>
+              <a:ext uri="{FF2B5EF4-FFF2-40B4-BE49-F238E27FC236}">
+                <a16:creationId xmlns:a16="http://schemas.microsoft.com/office/drawing/2014/main" id="{CA48D5AF-948E-4798-971C-8E2E583ADB67}"/>
+              </a:ext>
+            </a:extLst>
+          </p:cNvPr>
+          <p:cNvSpPr/>
+          <p:nvPr/>
+        </p:nvSpPr>
+        <p:spPr>
+          <a:xfrm>
+            <a:off x="11107572" y="1540303"/>
+            <a:ext cx="806667" cy="745437"/>
+          </a:xfrm>
+          <a:prstGeom prst="rect">
+            <a:avLst/>
+          </a:prstGeom>
+          <a:solidFill>
+            <a:schemeClr val="bg2"/>
+          </a:solidFill>
+          <a:ln w="25400">
+            <a:solidFill>
+              <a:schemeClr val="tx1"/>
+            </a:solidFill>
+          </a:ln>
+        </p:spPr>
+        <p:style>
+          <a:lnRef idx="2">
+            <a:schemeClr val="accent1">
+              <a:shade val="50000"/>
+            </a:schemeClr>
+          </a:lnRef>
+          <a:fillRef idx="1">
+            <a:schemeClr val="accent1"/>
+          </a:fillRef>
+          <a:effectRef idx="0">
+            <a:schemeClr val="accent1"/>
+          </a:effectRef>
+          <a:fontRef idx="minor">
+            <a:schemeClr val="lt1"/>
+          </a:fontRef>
+        </p:style>
+        <p:txBody>
+          <a:bodyPr rtlCol="0" anchor="ctr"/>
+          <a:lstStyle/>
+          <a:p>
+            <a:pPr algn="ctr"/>
+            <a:r>
+              <a:rPr lang="en-US" dirty="0">
+                <a:solidFill>
+                  <a:schemeClr val="tx1"/>
+                </a:solidFill>
+                <a:latin typeface="Times New Roman" panose="02020603050405020304" pitchFamily="18" charset="0"/>
+                <a:cs typeface="Times New Roman" panose="02020603050405020304" pitchFamily="18" charset="0"/>
+              </a:rPr>
+              <a:t>Load</a:t>
+            </a:r>
+          </a:p>
+        </p:txBody>
+      </p:sp>
+      <p:cxnSp>
+        <p:nvCxnSpPr>
+          <p:cNvPr id="12" name="Straight Arrow Connector 11">
+            <a:extLst>
+              <a:ext uri="{FF2B5EF4-FFF2-40B4-BE49-F238E27FC236}">
+                <a16:creationId xmlns:a16="http://schemas.microsoft.com/office/drawing/2014/main" id="{2FFD9941-067B-47F9-AA83-69DDC0CB440F}"/>
+              </a:ext>
+            </a:extLst>
+          </p:cNvPr>
+          <p:cNvCxnSpPr>
+            <a:cxnSpLocks/>
+          </p:cNvCxnSpPr>
+          <p:nvPr/>
+        </p:nvCxnSpPr>
+        <p:spPr>
+          <a:xfrm flipV="1">
+            <a:off x="9232716" y="1920056"/>
+            <a:ext cx="455710" cy="7464"/>
+          </a:xfrm>
+          <a:prstGeom prst="straightConnector1">
+            <a:avLst/>
+          </a:prstGeom>
+          <a:ln w="25400">
+            <a:solidFill>
+              <a:schemeClr val="tx1"/>
+            </a:solidFill>
+            <a:tailEnd type="arrow" w="lg" len="lg"/>
+          </a:ln>
+        </p:spPr>
+        <p:style>
+          <a:lnRef idx="1">
+            <a:schemeClr val="accent1"/>
+          </a:lnRef>
+          <a:fillRef idx="0">
+            <a:schemeClr val="accent1"/>
+          </a:fillRef>
+          <a:effectRef idx="0">
+            <a:schemeClr val="accent1"/>
+          </a:effectRef>
+          <a:fontRef idx="minor">
+            <a:schemeClr val="tx1"/>
+          </a:fontRef>
+        </p:style>
+      </p:cxnSp>
+      <p:cxnSp>
+        <p:nvCxnSpPr>
+          <p:cNvPr id="13" name="Straight Arrow Connector 12">
+            <a:extLst>
+              <a:ext uri="{FF2B5EF4-FFF2-40B4-BE49-F238E27FC236}">
+                <a16:creationId xmlns:a16="http://schemas.microsoft.com/office/drawing/2014/main" id="{A0AA42E3-30B7-4A47-A687-42724C695877}"/>
+              </a:ext>
+            </a:extLst>
+          </p:cNvPr>
+          <p:cNvCxnSpPr>
+            <a:cxnSpLocks/>
+          </p:cNvCxnSpPr>
+          <p:nvPr/>
+        </p:nvCxnSpPr>
+        <p:spPr>
+          <a:xfrm>
+            <a:off x="10727298" y="1904721"/>
+            <a:ext cx="381820" cy="8300"/>
+          </a:xfrm>
+          <a:prstGeom prst="straightConnector1">
+            <a:avLst/>
+          </a:prstGeom>
+          <a:ln w="25400">
+            <a:solidFill>
+              <a:schemeClr val="tx1"/>
+            </a:solidFill>
+            <a:tailEnd type="arrow" w="lg" len="lg"/>
+          </a:ln>
+        </p:spPr>
+        <p:style>
+          <a:lnRef idx="1">
+            <a:schemeClr val="accent1"/>
+          </a:lnRef>
+          <a:fillRef idx="0">
+            <a:schemeClr val="accent1"/>
+          </a:fillRef>
+          <a:effectRef idx="0">
+            <a:schemeClr val="accent1"/>
+          </a:effectRef>
+          <a:fontRef idx="minor">
+            <a:schemeClr val="tx1"/>
+          </a:fontRef>
+        </p:style>
+      </p:cxnSp>
+      <p:cxnSp>
+        <p:nvCxnSpPr>
+          <p:cNvPr id="15" name="Straight Arrow Connector 14">
+            <a:extLst>
+              <a:ext uri="{FF2B5EF4-FFF2-40B4-BE49-F238E27FC236}">
+                <a16:creationId xmlns:a16="http://schemas.microsoft.com/office/drawing/2014/main" id="{55FE97B8-55CD-4C47-BA53-D71D4AA4FCBB}"/>
+              </a:ext>
+            </a:extLst>
+          </p:cNvPr>
+          <p:cNvCxnSpPr>
+            <a:cxnSpLocks/>
+          </p:cNvCxnSpPr>
+          <p:nvPr/>
+        </p:nvCxnSpPr>
+        <p:spPr>
+          <a:xfrm>
+            <a:off x="10077712" y="2207894"/>
+            <a:ext cx="0" cy="1612848"/>
+          </a:xfrm>
+          <a:prstGeom prst="straightConnector1">
+            <a:avLst/>
+          </a:prstGeom>
+          <a:ln w="25400">
+            <a:solidFill>
+              <a:schemeClr val="tx1"/>
+            </a:solidFill>
+            <a:tailEnd type="none" w="lg" len="lg"/>
+          </a:ln>
+        </p:spPr>
+        <p:style>
+          <a:lnRef idx="1">
+            <a:schemeClr val="accent1"/>
+          </a:lnRef>
+          <a:fillRef idx="0">
+            <a:schemeClr val="accent1"/>
+          </a:fillRef>
+          <a:effectRef idx="0">
+            <a:schemeClr val="accent1"/>
+          </a:effectRef>
+          <a:fontRef idx="minor">
+            <a:schemeClr val="tx1"/>
+          </a:fontRef>
+        </p:style>
+      </p:cxnSp>
+      <p:cxnSp>
+        <p:nvCxnSpPr>
+          <p:cNvPr id="21" name="Straight Arrow Connector 20">
+            <a:extLst>
+              <a:ext uri="{FF2B5EF4-FFF2-40B4-BE49-F238E27FC236}">
+                <a16:creationId xmlns:a16="http://schemas.microsoft.com/office/drawing/2014/main" id="{C485EE0F-D1E9-4D6D-A1E7-A2DFE030155A}"/>
+              </a:ext>
+            </a:extLst>
+          </p:cNvPr>
+          <p:cNvCxnSpPr>
+            <a:cxnSpLocks/>
+          </p:cNvCxnSpPr>
+          <p:nvPr/>
+        </p:nvCxnSpPr>
+        <p:spPr>
+          <a:xfrm flipH="1">
+            <a:off x="1095969" y="4482955"/>
+            <a:ext cx="9646435" cy="45456"/>
+          </a:xfrm>
+          <a:prstGeom prst="straightConnector1">
+            <a:avLst/>
+          </a:prstGeom>
+          <a:ln w="25400">
+            <a:solidFill>
+              <a:schemeClr val="tx1"/>
+            </a:solidFill>
+            <a:tailEnd type="none" w="lg" len="lg"/>
+          </a:ln>
+        </p:spPr>
+        <p:style>
+          <a:lnRef idx="1">
+            <a:schemeClr val="accent1"/>
+          </a:lnRef>
+          <a:fillRef idx="0">
+            <a:schemeClr val="accent1"/>
+          </a:fillRef>
+          <a:effectRef idx="0">
+            <a:schemeClr val="accent1"/>
+          </a:effectRef>
+          <a:fontRef idx="minor">
+            <a:schemeClr val="tx1"/>
+          </a:fontRef>
+        </p:style>
+      </p:cxnSp>
+      <p:sp>
+        <p:nvSpPr>
+          <p:cNvPr id="31" name="Rectangle 30">
+            <a:extLst>
+              <a:ext uri="{FF2B5EF4-FFF2-40B4-BE49-F238E27FC236}">
+                <a16:creationId xmlns:a16="http://schemas.microsoft.com/office/drawing/2014/main" id="{845498C5-0861-44FF-AEDD-27C347FD5021}"/>
+              </a:ext>
+            </a:extLst>
+          </p:cNvPr>
+          <p:cNvSpPr/>
+          <p:nvPr/>
+        </p:nvSpPr>
+        <p:spPr>
+          <a:xfrm>
+            <a:off x="7206467" y="2955597"/>
+            <a:ext cx="341760" cy="369332"/>
+          </a:xfrm>
+          <a:prstGeom prst="rect">
+            <a:avLst/>
+          </a:prstGeom>
+        </p:spPr>
+        <p:txBody>
+          <a:bodyPr wrap="none">
+            <a:spAutoFit/>
+          </a:bodyPr>
+          <a:lstStyle/>
+          <a:p>
+            <a:r>
+              <a:rPr lang="en-US" dirty="0" err="1">
+                <a:latin typeface="Times New Roman" panose="02020603050405020304" pitchFamily="18" charset="0"/>
+                <a:cs typeface="Times New Roman" panose="02020603050405020304" pitchFamily="18" charset="0"/>
+              </a:rPr>
+              <a:t>I</a:t>
+            </a:r>
+            <a:r>
+              <a:rPr lang="en-US" sz="1400" dirty="0" err="1">
+                <a:latin typeface="Times New Roman" panose="02020603050405020304" pitchFamily="18" charset="0"/>
+                <a:cs typeface="Times New Roman" panose="02020603050405020304" pitchFamily="18" charset="0"/>
+              </a:rPr>
+              <a:t>a</a:t>
+            </a:r>
+            <a:endParaRPr lang="en-US" dirty="0"/>
+          </a:p>
+        </p:txBody>
+      </p:sp>
+      <p:cxnSp>
+        <p:nvCxnSpPr>
+          <p:cNvPr id="32" name="Straight Arrow Connector 31">
+            <a:extLst>
+              <a:ext uri="{FF2B5EF4-FFF2-40B4-BE49-F238E27FC236}">
+                <a16:creationId xmlns:a16="http://schemas.microsoft.com/office/drawing/2014/main" id="{B0A5FBE3-8A55-482F-9B88-DEDCEF5DFC98}"/>
+              </a:ext>
+            </a:extLst>
+          </p:cNvPr>
+          <p:cNvCxnSpPr>
+            <a:cxnSpLocks/>
+          </p:cNvCxnSpPr>
+          <p:nvPr/>
+        </p:nvCxnSpPr>
+        <p:spPr>
+          <a:xfrm>
+            <a:off x="10727298" y="1904721"/>
+            <a:ext cx="15106" cy="2594344"/>
+          </a:xfrm>
+          <a:prstGeom prst="straightConnector1">
+            <a:avLst/>
+          </a:prstGeom>
+          <a:ln w="25400">
+            <a:solidFill>
+              <a:schemeClr val="tx1"/>
+            </a:solidFill>
+            <a:tailEnd type="none" w="lg" len="lg"/>
+          </a:ln>
+        </p:spPr>
+        <p:style>
+          <a:lnRef idx="1">
+            <a:schemeClr val="accent1"/>
+          </a:lnRef>
+          <a:fillRef idx="0">
+            <a:schemeClr val="accent1"/>
+          </a:fillRef>
+          <a:effectRef idx="0">
+            <a:schemeClr val="accent1"/>
+          </a:effectRef>
+          <a:fontRef idx="minor">
+            <a:schemeClr val="tx1"/>
+          </a:fontRef>
+        </p:style>
+      </p:cxnSp>
+      <p:cxnSp>
+        <p:nvCxnSpPr>
+          <p:cNvPr id="34" name="Straight Arrow Connector 33">
+            <a:extLst>
+              <a:ext uri="{FF2B5EF4-FFF2-40B4-BE49-F238E27FC236}">
+                <a16:creationId xmlns:a16="http://schemas.microsoft.com/office/drawing/2014/main" id="{0E69A69B-5130-4B84-9FD1-7D5DC6DCCE54}"/>
+              </a:ext>
+            </a:extLst>
+          </p:cNvPr>
+          <p:cNvCxnSpPr>
+            <a:cxnSpLocks/>
+          </p:cNvCxnSpPr>
+          <p:nvPr/>
+        </p:nvCxnSpPr>
+        <p:spPr>
+          <a:xfrm flipH="1" flipV="1">
+            <a:off x="1079812" y="2167394"/>
+            <a:ext cx="8411" cy="2351756"/>
+          </a:xfrm>
+          <a:prstGeom prst="straightConnector1">
+            <a:avLst/>
+          </a:prstGeom>
+          <a:ln w="25400">
+            <a:solidFill>
+              <a:schemeClr val="tx1"/>
+            </a:solidFill>
+            <a:tailEnd type="arrow" w="lg" len="lg"/>
+          </a:ln>
+        </p:spPr>
+        <p:style>
+          <a:lnRef idx="1">
+            <a:schemeClr val="accent1"/>
+          </a:lnRef>
+          <a:fillRef idx="0">
+            <a:schemeClr val="accent1"/>
+          </a:fillRef>
+          <a:effectRef idx="0">
+            <a:schemeClr val="accent1"/>
+          </a:effectRef>
+          <a:fontRef idx="minor">
+            <a:schemeClr val="tx1"/>
+          </a:fontRef>
+        </p:style>
+      </p:cxnSp>
+      <p:sp>
+        <p:nvSpPr>
+          <p:cNvPr id="35" name="Rectangle 34">
+            <a:extLst>
+              <a:ext uri="{FF2B5EF4-FFF2-40B4-BE49-F238E27FC236}">
+                <a16:creationId xmlns:a16="http://schemas.microsoft.com/office/drawing/2014/main" id="{BB84E8BC-E5E0-4289-97DF-59788E6FF403}"/>
+              </a:ext>
+            </a:extLst>
+          </p:cNvPr>
+          <p:cNvSpPr/>
+          <p:nvPr/>
+        </p:nvSpPr>
+        <p:spPr>
+          <a:xfrm>
+            <a:off x="4523530" y="1576173"/>
+            <a:ext cx="1183350" cy="752903"/>
+          </a:xfrm>
+          <a:prstGeom prst="rect">
+            <a:avLst/>
+          </a:prstGeom>
+          <a:solidFill>
+            <a:schemeClr val="accent1">
+              <a:lumMod val="40000"/>
+              <a:lumOff val="60000"/>
+            </a:schemeClr>
+          </a:solidFill>
+          <a:ln w="25400">
+            <a:solidFill>
+              <a:schemeClr val="tx1"/>
+            </a:solidFill>
+          </a:ln>
+        </p:spPr>
+        <p:style>
+          <a:lnRef idx="2">
+            <a:schemeClr val="accent1">
+              <a:shade val="50000"/>
+            </a:schemeClr>
+          </a:lnRef>
+          <a:fillRef idx="1">
+            <a:schemeClr val="accent1"/>
+          </a:fillRef>
+          <a:effectRef idx="0">
+            <a:schemeClr val="accent1"/>
+          </a:effectRef>
+          <a:fontRef idx="minor">
+            <a:schemeClr val="lt1"/>
+          </a:fontRef>
+        </p:style>
+        <p:txBody>
+          <a:bodyPr rtlCol="0" anchor="ctr"/>
+          <a:lstStyle/>
+          <a:p>
+            <a:pPr algn="ctr"/>
+            <a:r>
+              <a:rPr lang="en-US" dirty="0">
+                <a:solidFill>
+                  <a:schemeClr val="tx1"/>
+                </a:solidFill>
+                <a:latin typeface="Times New Roman" panose="02020603050405020304" pitchFamily="18" charset="0"/>
+                <a:cs typeface="Times New Roman" panose="02020603050405020304" pitchFamily="18" charset="0"/>
+              </a:rPr>
+              <a:t>Current Controller</a:t>
+            </a:r>
+          </a:p>
+        </p:txBody>
+      </p:sp>
+      <p:sp>
+        <p:nvSpPr>
+          <p:cNvPr id="43" name="TextBox 42">
+            <a:extLst>
+              <a:ext uri="{FF2B5EF4-FFF2-40B4-BE49-F238E27FC236}">
+                <a16:creationId xmlns:a16="http://schemas.microsoft.com/office/drawing/2014/main" id="{90EE9F7E-05D5-46EF-936F-309518BD07DD}"/>
+              </a:ext>
+            </a:extLst>
+          </p:cNvPr>
+          <p:cNvSpPr txBox="1"/>
+          <p:nvPr/>
+        </p:nvSpPr>
+        <p:spPr>
+          <a:xfrm>
+            <a:off x="2314232" y="4502328"/>
+            <a:ext cx="904461" cy="400110"/>
+          </a:xfrm>
+          <a:prstGeom prst="rect">
+            <a:avLst/>
+          </a:prstGeom>
+          <a:noFill/>
+        </p:spPr>
+        <p:txBody>
+          <a:bodyPr wrap="square" rtlCol="0">
+            <a:spAutoFit/>
+          </a:bodyPr>
+          <a:lstStyle/>
+          <a:p>
+            <a:r>
+              <a:rPr lang="el-GR" sz="2000" dirty="0">
+                <a:latin typeface="Times New Roman" panose="02020603050405020304" pitchFamily="18" charset="0"/>
+                <a:cs typeface="Times New Roman" panose="02020603050405020304" pitchFamily="18" charset="0"/>
+              </a:rPr>
+              <a:t>ω</a:t>
+            </a:r>
+            <a:r>
+              <a:rPr lang="en-US" sz="1600" dirty="0">
+                <a:latin typeface="Times New Roman" panose="02020603050405020304" pitchFamily="18" charset="0"/>
+                <a:cs typeface="Times New Roman" panose="02020603050405020304" pitchFamily="18" charset="0"/>
+              </a:rPr>
+              <a:t>e</a:t>
+            </a:r>
+            <a:endParaRPr lang="en-US" sz="2000" dirty="0"/>
+          </a:p>
+        </p:txBody>
+      </p:sp>
+      <p:cxnSp>
+        <p:nvCxnSpPr>
+          <p:cNvPr id="65" name="Straight Arrow Connector 64">
+            <a:extLst>
+              <a:ext uri="{FF2B5EF4-FFF2-40B4-BE49-F238E27FC236}">
+                <a16:creationId xmlns:a16="http://schemas.microsoft.com/office/drawing/2014/main" id="{3685ACCF-8055-4CE7-A6E7-48A141990C40}"/>
+              </a:ext>
+            </a:extLst>
+          </p:cNvPr>
+          <p:cNvCxnSpPr>
+            <a:cxnSpLocks/>
+          </p:cNvCxnSpPr>
+          <p:nvPr/>
+        </p:nvCxnSpPr>
+        <p:spPr>
+          <a:xfrm flipH="1" flipV="1">
+            <a:off x="3921292" y="2190712"/>
+            <a:ext cx="12765" cy="1178076"/>
+          </a:xfrm>
+          <a:prstGeom prst="straightConnector1">
+            <a:avLst/>
+          </a:prstGeom>
+          <a:ln w="25400">
+            <a:solidFill>
+              <a:schemeClr val="tx1"/>
+            </a:solidFill>
+            <a:tailEnd type="arrow" w="lg" len="lg"/>
+          </a:ln>
+        </p:spPr>
+        <p:style>
+          <a:lnRef idx="1">
+            <a:schemeClr val="accent1"/>
+          </a:lnRef>
+          <a:fillRef idx="0">
+            <a:schemeClr val="accent1"/>
+          </a:fillRef>
+          <a:effectRef idx="0">
+            <a:schemeClr val="accent1"/>
+          </a:effectRef>
+          <a:fontRef idx="minor">
+            <a:schemeClr val="tx1"/>
+          </a:fontRef>
+        </p:style>
+      </p:cxnSp>
+      <p:cxnSp>
+        <p:nvCxnSpPr>
+          <p:cNvPr id="71" name="Straight Arrow Connector 70">
+            <a:extLst>
+              <a:ext uri="{FF2B5EF4-FFF2-40B4-BE49-F238E27FC236}">
+                <a16:creationId xmlns:a16="http://schemas.microsoft.com/office/drawing/2014/main" id="{2DE462F9-AF8E-498E-BBAB-FC95AB8A34DC}"/>
+              </a:ext>
+            </a:extLst>
+          </p:cNvPr>
+          <p:cNvCxnSpPr>
+            <a:cxnSpLocks/>
+            <a:endCxn id="126" idx="2"/>
+          </p:cNvCxnSpPr>
+          <p:nvPr/>
+        </p:nvCxnSpPr>
+        <p:spPr>
+          <a:xfrm>
+            <a:off x="307355" y="1920057"/>
+            <a:ext cx="512057" cy="0"/>
+          </a:xfrm>
+          <a:prstGeom prst="straightConnector1">
+            <a:avLst/>
+          </a:prstGeom>
+          <a:ln w="25400">
+            <a:solidFill>
+              <a:schemeClr val="tx1"/>
+            </a:solidFill>
+            <a:tailEnd type="arrow" w="lg" len="lg"/>
+          </a:ln>
+        </p:spPr>
+        <p:style>
+          <a:lnRef idx="1">
+            <a:schemeClr val="accent1"/>
+          </a:lnRef>
+          <a:fillRef idx="0">
+            <a:schemeClr val="accent1"/>
+          </a:fillRef>
+          <a:effectRef idx="0">
+            <a:schemeClr val="accent1"/>
+          </a:effectRef>
+          <a:fontRef idx="minor">
+            <a:schemeClr val="tx1"/>
+          </a:fontRef>
+        </p:style>
+      </p:cxnSp>
+      <p:cxnSp>
+        <p:nvCxnSpPr>
+          <p:cNvPr id="80" name="Straight Arrow Connector 79">
+            <a:extLst>
+              <a:ext uri="{FF2B5EF4-FFF2-40B4-BE49-F238E27FC236}">
+                <a16:creationId xmlns:a16="http://schemas.microsoft.com/office/drawing/2014/main" id="{B53EB2E5-983B-4DF9-A052-CBBAF8721E7E}"/>
+              </a:ext>
+            </a:extLst>
+          </p:cNvPr>
+          <p:cNvCxnSpPr>
+            <a:cxnSpLocks/>
+          </p:cNvCxnSpPr>
+          <p:nvPr/>
+        </p:nvCxnSpPr>
+        <p:spPr>
+          <a:xfrm>
+            <a:off x="8666687" y="1054490"/>
+            <a:ext cx="0" cy="496299"/>
+          </a:xfrm>
+          <a:prstGeom prst="straightConnector1">
+            <a:avLst/>
+          </a:prstGeom>
+          <a:ln w="25400">
+            <a:solidFill>
+              <a:schemeClr val="tx1"/>
+            </a:solidFill>
+            <a:tailEnd type="arrow" w="lg" len="lg"/>
+          </a:ln>
+        </p:spPr>
+        <p:style>
+          <a:lnRef idx="1">
+            <a:schemeClr val="accent1"/>
+          </a:lnRef>
+          <a:fillRef idx="0">
+            <a:schemeClr val="accent1"/>
+          </a:fillRef>
+          <a:effectRef idx="0">
+            <a:schemeClr val="accent1"/>
+          </a:effectRef>
+          <a:fontRef idx="minor">
+            <a:schemeClr val="tx1"/>
+          </a:fontRef>
+        </p:style>
+      </p:cxnSp>
+      <p:sp>
+        <p:nvSpPr>
+          <p:cNvPr id="81" name="TextBox 80">
+            <a:extLst>
+              <a:ext uri="{FF2B5EF4-FFF2-40B4-BE49-F238E27FC236}">
+                <a16:creationId xmlns:a16="http://schemas.microsoft.com/office/drawing/2014/main" id="{DA63794C-E034-4F64-9964-EAF8D89C5080}"/>
+              </a:ext>
+            </a:extLst>
+          </p:cNvPr>
+          <p:cNvSpPr txBox="1"/>
+          <p:nvPr/>
+        </p:nvSpPr>
+        <p:spPr>
+          <a:xfrm>
+            <a:off x="191508" y="1498071"/>
+            <a:ext cx="904461" cy="400110"/>
+          </a:xfrm>
+          <a:prstGeom prst="rect">
+            <a:avLst/>
+          </a:prstGeom>
+          <a:noFill/>
+        </p:spPr>
+        <p:txBody>
+          <a:bodyPr wrap="square" rtlCol="0">
+            <a:spAutoFit/>
+          </a:bodyPr>
+          <a:lstStyle/>
+          <a:p>
+            <a:r>
+              <a:rPr lang="el-GR" sz="2000" dirty="0">
+                <a:latin typeface="Times New Roman" panose="02020603050405020304" pitchFamily="18" charset="0"/>
+                <a:cs typeface="Times New Roman" panose="02020603050405020304" pitchFamily="18" charset="0"/>
+              </a:rPr>
+              <a:t>ω</a:t>
+            </a:r>
+            <a:r>
+              <a:rPr lang="en-US" sz="1600" dirty="0" err="1">
+                <a:latin typeface="Times New Roman" panose="02020603050405020304" pitchFamily="18" charset="0"/>
+                <a:cs typeface="Times New Roman" panose="02020603050405020304" pitchFamily="18" charset="0"/>
+              </a:rPr>
+              <a:t>e</a:t>
+            </a:r>
+            <a:r>
+              <a:rPr lang="en-US" sz="1200" dirty="0" err="1">
+                <a:latin typeface="Times New Roman" panose="02020603050405020304" pitchFamily="18" charset="0"/>
+                <a:cs typeface="Times New Roman" panose="02020603050405020304" pitchFamily="18" charset="0"/>
+              </a:rPr>
+              <a:t>ref</a:t>
+            </a:r>
+            <a:endParaRPr lang="en-US" sz="2000" dirty="0"/>
+          </a:p>
+        </p:txBody>
+      </p:sp>
+      <p:cxnSp>
+        <p:nvCxnSpPr>
+          <p:cNvPr id="82" name="Straight Arrow Connector 81">
+            <a:extLst>
+              <a:ext uri="{FF2B5EF4-FFF2-40B4-BE49-F238E27FC236}">
+                <a16:creationId xmlns:a16="http://schemas.microsoft.com/office/drawing/2014/main" id="{DB1F1CCE-FAFE-4EBC-BDD1-E669705317B3}"/>
+              </a:ext>
+            </a:extLst>
+          </p:cNvPr>
+          <p:cNvCxnSpPr>
+            <a:cxnSpLocks/>
+            <a:stCxn id="35" idx="3"/>
+          </p:cNvCxnSpPr>
+          <p:nvPr/>
+        </p:nvCxnSpPr>
+        <p:spPr>
+          <a:xfrm flipV="1">
+            <a:off x="5706880" y="1945158"/>
+            <a:ext cx="520260" cy="7467"/>
+          </a:xfrm>
+          <a:prstGeom prst="straightConnector1">
+            <a:avLst/>
+          </a:prstGeom>
+          <a:ln w="25400">
+            <a:solidFill>
+              <a:schemeClr val="tx1"/>
+            </a:solidFill>
+            <a:tailEnd type="arrow" w="lg" len="lg"/>
+          </a:ln>
+        </p:spPr>
+        <p:style>
+          <a:lnRef idx="1">
+            <a:schemeClr val="accent1"/>
+          </a:lnRef>
+          <a:fillRef idx="0">
+            <a:schemeClr val="accent1"/>
+          </a:fillRef>
+          <a:effectRef idx="0">
+            <a:schemeClr val="accent1"/>
+          </a:effectRef>
+          <a:fontRef idx="minor">
+            <a:schemeClr val="tx1"/>
+          </a:fontRef>
+        </p:style>
+      </p:cxnSp>
+      <p:cxnSp>
+        <p:nvCxnSpPr>
+          <p:cNvPr id="105" name="Straight Arrow Connector 104">
+            <a:extLst>
+              <a:ext uri="{FF2B5EF4-FFF2-40B4-BE49-F238E27FC236}">
+                <a16:creationId xmlns:a16="http://schemas.microsoft.com/office/drawing/2014/main" id="{98B89643-FDD9-49FC-8F1C-4C2EEAC6D7BB}"/>
+              </a:ext>
+            </a:extLst>
+          </p:cNvPr>
+          <p:cNvCxnSpPr>
+            <a:cxnSpLocks/>
+            <a:endCxn id="35" idx="1"/>
+          </p:cNvCxnSpPr>
+          <p:nvPr/>
+        </p:nvCxnSpPr>
+        <p:spPr>
+          <a:xfrm>
+            <a:off x="4203089" y="1945158"/>
+            <a:ext cx="320441" cy="7467"/>
+          </a:xfrm>
+          <a:prstGeom prst="straightConnector1">
+            <a:avLst/>
+          </a:prstGeom>
+          <a:ln w="25400">
+            <a:solidFill>
+              <a:schemeClr val="tx1"/>
+            </a:solidFill>
+            <a:tailEnd type="arrow" w="lg" len="lg"/>
+          </a:ln>
+        </p:spPr>
+        <p:style>
+          <a:lnRef idx="1">
+            <a:schemeClr val="accent1"/>
+          </a:lnRef>
+          <a:fillRef idx="0">
+            <a:schemeClr val="accent1"/>
+          </a:fillRef>
+          <a:effectRef idx="0">
+            <a:schemeClr val="accent1"/>
+          </a:effectRef>
+          <a:fontRef idx="minor">
+            <a:schemeClr val="tx1"/>
+          </a:fontRef>
+        </p:style>
+      </p:cxnSp>
+      <p:sp>
+        <p:nvSpPr>
+          <p:cNvPr id="116" name="Rectangle 115">
+            <a:extLst>
+              <a:ext uri="{FF2B5EF4-FFF2-40B4-BE49-F238E27FC236}">
+                <a16:creationId xmlns:a16="http://schemas.microsoft.com/office/drawing/2014/main" id="{E4BD9EC6-CBA8-4CF1-9F24-6DA893CBD02B}"/>
+              </a:ext>
+            </a:extLst>
+          </p:cNvPr>
+          <p:cNvSpPr/>
+          <p:nvPr/>
+        </p:nvSpPr>
+        <p:spPr>
+          <a:xfrm>
+            <a:off x="1771891" y="1576358"/>
+            <a:ext cx="1183350" cy="752903"/>
+          </a:xfrm>
+          <a:prstGeom prst="rect">
+            <a:avLst/>
+          </a:prstGeom>
+          <a:solidFill>
+            <a:schemeClr val="accent1">
+              <a:lumMod val="40000"/>
+              <a:lumOff val="60000"/>
+            </a:schemeClr>
+          </a:solidFill>
+          <a:ln w="25400">
+            <a:solidFill>
+              <a:schemeClr val="tx1"/>
+            </a:solidFill>
+          </a:ln>
+        </p:spPr>
+        <p:style>
+          <a:lnRef idx="2">
+            <a:schemeClr val="accent1">
+              <a:shade val="50000"/>
+            </a:schemeClr>
+          </a:lnRef>
+          <a:fillRef idx="1">
+            <a:schemeClr val="accent1"/>
+          </a:fillRef>
+          <a:effectRef idx="0">
+            <a:schemeClr val="accent1"/>
+          </a:effectRef>
+          <a:fontRef idx="minor">
+            <a:schemeClr val="lt1"/>
+          </a:fontRef>
+        </p:style>
+        <p:txBody>
+          <a:bodyPr rtlCol="0" anchor="ctr"/>
+          <a:lstStyle/>
+          <a:p>
+            <a:pPr algn="ctr"/>
+            <a:r>
+              <a:rPr lang="en-US" dirty="0">
+                <a:solidFill>
+                  <a:schemeClr val="tx1"/>
+                </a:solidFill>
+                <a:latin typeface="Times New Roman" panose="02020603050405020304" pitchFamily="18" charset="0"/>
+                <a:cs typeface="Times New Roman" panose="02020603050405020304" pitchFamily="18" charset="0"/>
+              </a:rPr>
+              <a:t>Speed Controller</a:t>
+            </a:r>
+          </a:p>
+        </p:txBody>
+      </p:sp>
+      <p:cxnSp>
+        <p:nvCxnSpPr>
+          <p:cNvPr id="117" name="Straight Arrow Connector 116">
+            <a:extLst>
+              <a:ext uri="{FF2B5EF4-FFF2-40B4-BE49-F238E27FC236}">
+                <a16:creationId xmlns:a16="http://schemas.microsoft.com/office/drawing/2014/main" id="{9F4F8F54-70DB-409A-8F9F-F47AC97EA57E}"/>
+              </a:ext>
+            </a:extLst>
+          </p:cNvPr>
+          <p:cNvCxnSpPr>
+            <a:cxnSpLocks/>
+            <a:endCxn id="89" idx="1"/>
+          </p:cNvCxnSpPr>
+          <p:nvPr/>
+        </p:nvCxnSpPr>
+        <p:spPr>
+          <a:xfrm flipV="1">
+            <a:off x="2954783" y="1950432"/>
+            <a:ext cx="669249" cy="8302"/>
+          </a:xfrm>
+          <a:prstGeom prst="straightConnector1">
+            <a:avLst/>
+          </a:prstGeom>
+          <a:ln w="25400">
+            <a:solidFill>
+              <a:schemeClr val="tx1"/>
+            </a:solidFill>
+            <a:tailEnd type="arrow" w="lg" len="lg"/>
+          </a:ln>
+        </p:spPr>
+        <p:style>
+          <a:lnRef idx="1">
+            <a:schemeClr val="accent1"/>
+          </a:lnRef>
+          <a:fillRef idx="0">
+            <a:schemeClr val="accent1"/>
+          </a:fillRef>
+          <a:effectRef idx="0">
+            <a:schemeClr val="accent1"/>
+          </a:effectRef>
+          <a:fontRef idx="minor">
+            <a:schemeClr val="tx1"/>
+          </a:fontRef>
+        </p:style>
+      </p:cxnSp>
+      <p:cxnSp>
+        <p:nvCxnSpPr>
+          <p:cNvPr id="121" name="Straight Arrow Connector 120">
+            <a:extLst>
+              <a:ext uri="{FF2B5EF4-FFF2-40B4-BE49-F238E27FC236}">
+                <a16:creationId xmlns:a16="http://schemas.microsoft.com/office/drawing/2014/main" id="{6AB5FB16-1273-4523-B21B-FF33CE281AEB}"/>
+              </a:ext>
+            </a:extLst>
+          </p:cNvPr>
+          <p:cNvCxnSpPr>
+            <a:cxnSpLocks/>
+            <a:endCxn id="116" idx="1"/>
+          </p:cNvCxnSpPr>
+          <p:nvPr/>
+        </p:nvCxnSpPr>
+        <p:spPr>
+          <a:xfrm>
+            <a:off x="1352063" y="1952810"/>
+            <a:ext cx="419828" cy="0"/>
+          </a:xfrm>
+          <a:prstGeom prst="straightConnector1">
+            <a:avLst/>
+          </a:prstGeom>
+          <a:ln w="25400">
+            <a:solidFill>
+              <a:schemeClr val="tx1"/>
+            </a:solidFill>
+            <a:tailEnd type="arrow" w="lg" len="lg"/>
+          </a:ln>
+        </p:spPr>
+        <p:style>
+          <a:lnRef idx="1">
+            <a:schemeClr val="accent1"/>
+          </a:lnRef>
+          <a:fillRef idx="0">
+            <a:schemeClr val="accent1"/>
+          </a:fillRef>
+          <a:effectRef idx="0">
+            <a:schemeClr val="accent1"/>
+          </a:effectRef>
+          <a:fontRef idx="minor">
+            <a:schemeClr val="tx1"/>
+          </a:fontRef>
+        </p:style>
+      </p:cxnSp>
+      <p:grpSp>
+        <p:nvGrpSpPr>
+          <p:cNvPr id="125" name="Group 124">
+            <a:extLst>
+              <a:ext uri="{FF2B5EF4-FFF2-40B4-BE49-F238E27FC236}">
+                <a16:creationId xmlns:a16="http://schemas.microsoft.com/office/drawing/2014/main" id="{633B08DF-3804-416C-B8C6-A748D19DFD8C}"/>
+              </a:ext>
+            </a:extLst>
+          </p:cNvPr>
+          <p:cNvGrpSpPr/>
+          <p:nvPr/>
+        </p:nvGrpSpPr>
+        <p:grpSpPr>
+          <a:xfrm>
+            <a:off x="774386" y="1666610"/>
+            <a:ext cx="552508" cy="589418"/>
+            <a:chOff x="3532006" y="1610392"/>
+            <a:chExt cx="552508" cy="589418"/>
+          </a:xfrm>
+        </p:grpSpPr>
+        <p:sp>
+          <p:nvSpPr>
+            <p:cNvPr id="126" name="Oval 125">
+              <a:extLst>
+                <a:ext uri="{FF2B5EF4-FFF2-40B4-BE49-F238E27FC236}">
+                  <a16:creationId xmlns:a16="http://schemas.microsoft.com/office/drawing/2014/main" id="{48014BFB-EB5D-4EE9-B076-E5C7BC441242}"/>
+                </a:ext>
+              </a:extLst>
+            </p:cNvPr>
+            <p:cNvSpPr/>
+            <p:nvPr/>
+          </p:nvSpPr>
+          <p:spPr>
+            <a:xfrm>
+              <a:off x="3577032" y="1610392"/>
+              <a:ext cx="507482" cy="506893"/>
+            </a:xfrm>
+            <a:prstGeom prst="ellipse">
+              <a:avLst/>
+            </a:prstGeom>
+            <a:solidFill>
+              <a:schemeClr val="bg1"/>
+            </a:solidFill>
+            <a:ln w="25400">
+              <a:solidFill>
+                <a:schemeClr val="tx1"/>
+              </a:solidFill>
+            </a:ln>
+          </p:spPr>
+          <p:style>
+            <a:lnRef idx="2">
+              <a:schemeClr val="accent1">
+                <a:shade val="50000"/>
+              </a:schemeClr>
+            </a:lnRef>
+            <a:fillRef idx="1">
+              <a:schemeClr val="accent1"/>
+            </a:fillRef>
+            <a:effectRef idx="0">
+              <a:schemeClr val="accent1"/>
+            </a:effectRef>
+            <a:fontRef idx="minor">
+              <a:schemeClr val="lt1"/>
+            </a:fontRef>
+          </p:style>
+          <p:txBody>
+            <a:bodyPr rtlCol="0" anchor="ctr"/>
+            <a:lstStyle/>
+            <a:p>
+              <a:pPr algn="ctr"/>
+              <a:endParaRPr lang="en-US" sz="2000" b="1" dirty="0">
+                <a:solidFill>
+                  <a:schemeClr val="tx1"/>
+                </a:solidFill>
+              </a:endParaRPr>
+            </a:p>
+          </p:txBody>
+        </p:sp>
+        <p:sp>
+          <p:nvSpPr>
+            <p:cNvPr id="127" name="Rectangle 126">
+              <a:extLst>
+                <a:ext uri="{FF2B5EF4-FFF2-40B4-BE49-F238E27FC236}">
+                  <a16:creationId xmlns:a16="http://schemas.microsoft.com/office/drawing/2014/main" id="{8BCC17D8-888D-4FD0-86BD-3AEFC7481028}"/>
+                </a:ext>
+              </a:extLst>
+            </p:cNvPr>
+            <p:cNvSpPr/>
+            <p:nvPr/>
+          </p:nvSpPr>
+          <p:spPr>
+            <a:xfrm>
+              <a:off x="3532006" y="1628990"/>
+              <a:ext cx="359394" cy="461665"/>
+            </a:xfrm>
+            <a:prstGeom prst="rect">
+              <a:avLst/>
+            </a:prstGeom>
+          </p:spPr>
+          <p:txBody>
+            <a:bodyPr wrap="none">
+              <a:spAutoFit/>
+            </a:bodyPr>
+            <a:lstStyle/>
+            <a:p>
+              <a:r>
+                <a:rPr lang="en-US" sz="2400" b="1" dirty="0">
+                  <a:latin typeface="Times New Roman" panose="02020603050405020304" pitchFamily="18" charset="0"/>
+                  <a:cs typeface="Times New Roman" panose="02020603050405020304" pitchFamily="18" charset="0"/>
+                </a:rPr>
+                <a:t>+</a:t>
+              </a:r>
+            </a:p>
+          </p:txBody>
+        </p:sp>
+        <p:sp>
+          <p:nvSpPr>
+            <p:cNvPr id="128" name="Rectangle 127">
+              <a:extLst>
+                <a:ext uri="{FF2B5EF4-FFF2-40B4-BE49-F238E27FC236}">
+                  <a16:creationId xmlns:a16="http://schemas.microsoft.com/office/drawing/2014/main" id="{28C721F8-91FF-46DA-87AB-4F2105CAD063}"/>
+                </a:ext>
+              </a:extLst>
+            </p:cNvPr>
+            <p:cNvSpPr/>
+            <p:nvPr/>
+          </p:nvSpPr>
+          <p:spPr>
+            <a:xfrm>
+              <a:off x="3700699" y="1738145"/>
+              <a:ext cx="287258" cy="461665"/>
+            </a:xfrm>
+            <a:prstGeom prst="rect">
+              <a:avLst/>
+            </a:prstGeom>
+          </p:spPr>
+          <p:txBody>
+            <a:bodyPr wrap="none">
+              <a:spAutoFit/>
+            </a:bodyPr>
+            <a:lstStyle/>
+            <a:p>
+              <a:r>
+                <a:rPr lang="en-US" sz="2400" b="1" dirty="0">
+                  <a:latin typeface="Times New Roman" panose="02020603050405020304" pitchFamily="18" charset="0"/>
+                  <a:cs typeface="Times New Roman" panose="02020603050405020304" pitchFamily="18" charset="0"/>
+                </a:rPr>
+                <a:t>-</a:t>
+              </a:r>
+            </a:p>
+          </p:txBody>
+        </p:sp>
+      </p:grpSp>
+      <p:cxnSp>
+        <p:nvCxnSpPr>
+          <p:cNvPr id="42" name="Straight Arrow Connector 41">
+            <a:extLst>
+              <a:ext uri="{FF2B5EF4-FFF2-40B4-BE49-F238E27FC236}">
+                <a16:creationId xmlns:a16="http://schemas.microsoft.com/office/drawing/2014/main" id="{4E7B5B7A-D23E-46AD-926E-4F220F8DB1C0}"/>
+              </a:ext>
+            </a:extLst>
+          </p:cNvPr>
+          <p:cNvCxnSpPr>
+            <a:cxnSpLocks/>
+          </p:cNvCxnSpPr>
+          <p:nvPr/>
+        </p:nvCxnSpPr>
+        <p:spPr>
+          <a:xfrm>
+            <a:off x="9917672" y="2183968"/>
+            <a:ext cx="0" cy="1345405"/>
+          </a:xfrm>
+          <a:prstGeom prst="straightConnector1">
+            <a:avLst/>
+          </a:prstGeom>
+          <a:ln w="25400">
+            <a:solidFill>
+              <a:schemeClr val="tx1"/>
+            </a:solidFill>
+            <a:tailEnd type="none" w="lg" len="lg"/>
+          </a:ln>
+        </p:spPr>
+        <p:style>
+          <a:lnRef idx="1">
+            <a:schemeClr val="accent1"/>
+          </a:lnRef>
+          <a:fillRef idx="0">
+            <a:schemeClr val="accent1"/>
+          </a:fillRef>
+          <a:effectRef idx="0">
+            <a:schemeClr val="accent1"/>
+          </a:effectRef>
+          <a:fontRef idx="minor">
+            <a:schemeClr val="tx1"/>
+          </a:fontRef>
+        </p:style>
+      </p:cxnSp>
+      <p:cxnSp>
+        <p:nvCxnSpPr>
+          <p:cNvPr id="44" name="Straight Arrow Connector 43">
+            <a:extLst>
+              <a:ext uri="{FF2B5EF4-FFF2-40B4-BE49-F238E27FC236}">
+                <a16:creationId xmlns:a16="http://schemas.microsoft.com/office/drawing/2014/main" id="{BE06D053-3F66-4232-B0C4-B7238E1AE2B3}"/>
+              </a:ext>
+            </a:extLst>
+          </p:cNvPr>
+          <p:cNvCxnSpPr>
+            <a:cxnSpLocks/>
+          </p:cNvCxnSpPr>
+          <p:nvPr/>
+        </p:nvCxnSpPr>
+        <p:spPr>
+          <a:xfrm>
+            <a:off x="9764423" y="2160043"/>
+            <a:ext cx="0" cy="1115133"/>
+          </a:xfrm>
+          <a:prstGeom prst="straightConnector1">
+            <a:avLst/>
+          </a:prstGeom>
+          <a:ln w="25400">
+            <a:solidFill>
+              <a:schemeClr val="tx1"/>
+            </a:solidFill>
+            <a:tailEnd type="none" w="lg" len="lg"/>
+          </a:ln>
+        </p:spPr>
+        <p:style>
+          <a:lnRef idx="1">
+            <a:schemeClr val="accent1"/>
+          </a:lnRef>
+          <a:fillRef idx="0">
+            <a:schemeClr val="accent1"/>
+          </a:fillRef>
+          <a:effectRef idx="0">
+            <a:schemeClr val="accent1"/>
+          </a:effectRef>
+          <a:fontRef idx="minor">
+            <a:schemeClr val="tx1"/>
+          </a:fontRef>
+        </p:style>
+      </p:cxnSp>
+      <p:sp>
+        <p:nvSpPr>
+          <p:cNvPr id="55" name="Rectangle 54">
+            <a:extLst>
+              <a:ext uri="{FF2B5EF4-FFF2-40B4-BE49-F238E27FC236}">
+                <a16:creationId xmlns:a16="http://schemas.microsoft.com/office/drawing/2014/main" id="{3EA118A3-2294-416D-8ABE-D0A0403E4743}"/>
+              </a:ext>
+            </a:extLst>
+          </p:cNvPr>
+          <p:cNvSpPr/>
+          <p:nvPr/>
+        </p:nvSpPr>
+        <p:spPr>
+          <a:xfrm>
+            <a:off x="4765458" y="3168663"/>
+            <a:ext cx="1183350" cy="752903"/>
+          </a:xfrm>
+          <a:prstGeom prst="rect">
+            <a:avLst/>
+          </a:prstGeom>
+          <a:solidFill>
+            <a:schemeClr val="accent1">
+              <a:lumMod val="40000"/>
+              <a:lumOff val="60000"/>
+            </a:schemeClr>
+          </a:solidFill>
+          <a:ln w="25400">
+            <a:solidFill>
+              <a:schemeClr val="tx1"/>
+            </a:solidFill>
+          </a:ln>
+        </p:spPr>
+        <p:style>
+          <a:lnRef idx="2">
+            <a:schemeClr val="accent1">
+              <a:shade val="50000"/>
+            </a:schemeClr>
+          </a:lnRef>
+          <a:fillRef idx="1">
+            <a:schemeClr val="accent1"/>
+          </a:fillRef>
+          <a:effectRef idx="0">
+            <a:schemeClr val="accent1"/>
+          </a:effectRef>
+          <a:fontRef idx="minor">
+            <a:schemeClr val="lt1"/>
+          </a:fontRef>
+        </p:style>
+        <p:txBody>
+          <a:bodyPr rtlCol="0" anchor="ctr"/>
+          <a:lstStyle/>
+          <a:p>
+            <a:pPr algn="ctr"/>
+            <a:r>
+              <a:rPr lang="en-US" dirty="0" err="1">
+                <a:solidFill>
+                  <a:schemeClr val="tx1"/>
+                </a:solidFill>
+                <a:latin typeface="Times New Roman" panose="02020603050405020304" pitchFamily="18" charset="0"/>
+                <a:cs typeface="Times New Roman" panose="02020603050405020304" pitchFamily="18" charset="0"/>
+              </a:rPr>
+              <a:t>abc</a:t>
+            </a:r>
+            <a:r>
+              <a:rPr lang="en-US" dirty="0">
+                <a:solidFill>
+                  <a:schemeClr val="tx1"/>
+                </a:solidFill>
+                <a:latin typeface="Times New Roman" panose="02020603050405020304" pitchFamily="18" charset="0"/>
+                <a:cs typeface="Times New Roman" panose="02020603050405020304" pitchFamily="18" charset="0"/>
+              </a:rPr>
+              <a:t>/</a:t>
+            </a:r>
+            <a:r>
+              <a:rPr lang="en-US" dirty="0" err="1">
+                <a:solidFill>
+                  <a:schemeClr val="tx1"/>
+                </a:solidFill>
+                <a:latin typeface="Times New Roman" panose="02020603050405020304" pitchFamily="18" charset="0"/>
+                <a:cs typeface="Times New Roman" panose="02020603050405020304" pitchFamily="18" charset="0"/>
+              </a:rPr>
+              <a:t>dq</a:t>
+            </a:r>
+            <a:endParaRPr lang="en-US" dirty="0">
+              <a:solidFill>
+                <a:schemeClr val="tx1"/>
+              </a:solidFill>
+              <a:latin typeface="Times New Roman" panose="02020603050405020304" pitchFamily="18" charset="0"/>
+              <a:cs typeface="Times New Roman" panose="02020603050405020304" pitchFamily="18" charset="0"/>
+            </a:endParaRPr>
+          </a:p>
+        </p:txBody>
+      </p:sp>
+      <p:cxnSp>
+        <p:nvCxnSpPr>
+          <p:cNvPr id="56" name="Straight Arrow Connector 55">
+            <a:extLst>
+              <a:ext uri="{FF2B5EF4-FFF2-40B4-BE49-F238E27FC236}">
+                <a16:creationId xmlns:a16="http://schemas.microsoft.com/office/drawing/2014/main" id="{CBFE46D9-3229-42DA-A007-B5B374D7D8D8}"/>
+              </a:ext>
+            </a:extLst>
+          </p:cNvPr>
+          <p:cNvCxnSpPr>
+            <a:cxnSpLocks/>
+          </p:cNvCxnSpPr>
+          <p:nvPr/>
+        </p:nvCxnSpPr>
+        <p:spPr>
+          <a:xfrm flipH="1">
+            <a:off x="3944163" y="3339706"/>
+            <a:ext cx="821298" cy="2763"/>
+          </a:xfrm>
+          <a:prstGeom prst="straightConnector1">
+            <a:avLst/>
+          </a:prstGeom>
+          <a:ln w="25400">
+            <a:solidFill>
+              <a:schemeClr val="tx1"/>
+            </a:solidFill>
+            <a:tailEnd type="none" w="lg" len="lg"/>
+          </a:ln>
+        </p:spPr>
+        <p:style>
+          <a:lnRef idx="1">
+            <a:schemeClr val="accent1"/>
+          </a:lnRef>
+          <a:fillRef idx="0">
+            <a:schemeClr val="accent1"/>
+          </a:fillRef>
+          <a:effectRef idx="0">
+            <a:schemeClr val="accent1"/>
+          </a:effectRef>
+          <a:fontRef idx="minor">
+            <a:schemeClr val="tx1"/>
+          </a:fontRef>
+        </p:style>
+      </p:cxnSp>
+      <p:cxnSp>
+        <p:nvCxnSpPr>
+          <p:cNvPr id="57" name="Straight Arrow Connector 56">
+            <a:extLst>
+              <a:ext uri="{FF2B5EF4-FFF2-40B4-BE49-F238E27FC236}">
+                <a16:creationId xmlns:a16="http://schemas.microsoft.com/office/drawing/2014/main" id="{229664F3-5183-4626-A89E-874E3658CE72}"/>
+              </a:ext>
+            </a:extLst>
+          </p:cNvPr>
+          <p:cNvCxnSpPr>
+            <a:cxnSpLocks/>
+          </p:cNvCxnSpPr>
+          <p:nvPr/>
+        </p:nvCxnSpPr>
+        <p:spPr>
+          <a:xfrm flipH="1">
+            <a:off x="3387004" y="3760505"/>
+            <a:ext cx="1381054" cy="16074"/>
+          </a:xfrm>
+          <a:prstGeom prst="straightConnector1">
+            <a:avLst/>
+          </a:prstGeom>
+          <a:ln w="25400">
+            <a:solidFill>
+              <a:schemeClr val="tx1"/>
+            </a:solidFill>
+            <a:tailEnd type="none" w="lg" len="lg"/>
+          </a:ln>
+        </p:spPr>
+        <p:style>
+          <a:lnRef idx="1">
+            <a:schemeClr val="accent1"/>
+          </a:lnRef>
+          <a:fillRef idx="0">
+            <a:schemeClr val="accent1"/>
+          </a:fillRef>
+          <a:effectRef idx="0">
+            <a:schemeClr val="accent1"/>
+          </a:effectRef>
+          <a:fontRef idx="minor">
+            <a:schemeClr val="tx1"/>
+          </a:fontRef>
+        </p:style>
+      </p:cxnSp>
+      <p:cxnSp>
+        <p:nvCxnSpPr>
+          <p:cNvPr id="59" name="Straight Arrow Connector 58">
+            <a:extLst>
+              <a:ext uri="{FF2B5EF4-FFF2-40B4-BE49-F238E27FC236}">
+                <a16:creationId xmlns:a16="http://schemas.microsoft.com/office/drawing/2014/main" id="{BC2C2C19-2FF8-4863-A562-76D3919513D4}"/>
+              </a:ext>
+            </a:extLst>
+          </p:cNvPr>
+          <p:cNvCxnSpPr>
+            <a:cxnSpLocks/>
+          </p:cNvCxnSpPr>
+          <p:nvPr/>
+        </p:nvCxnSpPr>
+        <p:spPr>
+          <a:xfrm flipH="1">
+            <a:off x="5947061" y="3802577"/>
+            <a:ext cx="4130651" cy="31330"/>
+          </a:xfrm>
+          <a:prstGeom prst="straightConnector1">
+            <a:avLst/>
+          </a:prstGeom>
+          <a:ln w="25400">
+            <a:solidFill>
+              <a:schemeClr val="tx1"/>
+            </a:solidFill>
+            <a:tailEnd type="arrow" w="lg" len="lg"/>
+          </a:ln>
+        </p:spPr>
+        <p:style>
+          <a:lnRef idx="1">
+            <a:schemeClr val="accent1"/>
+          </a:lnRef>
+          <a:fillRef idx="0">
+            <a:schemeClr val="accent1"/>
+          </a:fillRef>
+          <a:effectRef idx="0">
+            <a:schemeClr val="accent1"/>
+          </a:effectRef>
+          <a:fontRef idx="minor">
+            <a:schemeClr val="tx1"/>
+          </a:fontRef>
+        </p:style>
+      </p:cxnSp>
+      <p:cxnSp>
+        <p:nvCxnSpPr>
+          <p:cNvPr id="66" name="Straight Arrow Connector 65">
+            <a:extLst>
+              <a:ext uri="{FF2B5EF4-FFF2-40B4-BE49-F238E27FC236}">
+                <a16:creationId xmlns:a16="http://schemas.microsoft.com/office/drawing/2014/main" id="{042458FA-1578-4FF5-BC0B-A19F55538321}"/>
+              </a:ext>
+            </a:extLst>
+          </p:cNvPr>
+          <p:cNvCxnSpPr>
+            <a:cxnSpLocks/>
+          </p:cNvCxnSpPr>
+          <p:nvPr/>
+        </p:nvCxnSpPr>
+        <p:spPr>
+          <a:xfrm flipH="1">
+            <a:off x="5945810" y="3529373"/>
+            <a:ext cx="3971862" cy="15742"/>
+          </a:xfrm>
+          <a:prstGeom prst="straightConnector1">
+            <a:avLst/>
+          </a:prstGeom>
+          <a:ln w="25400">
+            <a:solidFill>
+              <a:schemeClr val="tx1"/>
+            </a:solidFill>
+            <a:tailEnd type="arrow" w="lg" len="lg"/>
+          </a:ln>
+        </p:spPr>
+        <p:style>
+          <a:lnRef idx="1">
+            <a:schemeClr val="accent1"/>
+          </a:lnRef>
+          <a:fillRef idx="0">
+            <a:schemeClr val="accent1"/>
+          </a:fillRef>
+          <a:effectRef idx="0">
+            <a:schemeClr val="accent1"/>
+          </a:effectRef>
+          <a:fontRef idx="minor">
+            <a:schemeClr val="tx1"/>
+          </a:fontRef>
+        </p:style>
+      </p:cxnSp>
+      <p:cxnSp>
+        <p:nvCxnSpPr>
+          <p:cNvPr id="67" name="Straight Arrow Connector 66">
+            <a:extLst>
+              <a:ext uri="{FF2B5EF4-FFF2-40B4-BE49-F238E27FC236}">
+                <a16:creationId xmlns:a16="http://schemas.microsoft.com/office/drawing/2014/main" id="{4BB91F41-D920-4689-B7B2-E781664E9B21}"/>
+              </a:ext>
+            </a:extLst>
+          </p:cNvPr>
+          <p:cNvCxnSpPr>
+            <a:cxnSpLocks/>
+          </p:cNvCxnSpPr>
+          <p:nvPr/>
+        </p:nvCxnSpPr>
+        <p:spPr>
+          <a:xfrm flipH="1">
+            <a:off x="5948811" y="3275176"/>
+            <a:ext cx="3815612" cy="11146"/>
+          </a:xfrm>
+          <a:prstGeom prst="straightConnector1">
+            <a:avLst/>
+          </a:prstGeom>
+          <a:ln w="25400">
+            <a:solidFill>
+              <a:schemeClr val="tx1"/>
+            </a:solidFill>
+            <a:tailEnd type="arrow" w="lg" len="lg"/>
+          </a:ln>
+        </p:spPr>
+        <p:style>
+          <a:lnRef idx="1">
+            <a:schemeClr val="accent1"/>
+          </a:lnRef>
+          <a:fillRef idx="0">
+            <a:schemeClr val="accent1"/>
+          </a:fillRef>
+          <a:effectRef idx="0">
+            <a:schemeClr val="accent1"/>
+          </a:effectRef>
+          <a:fontRef idx="minor">
+            <a:schemeClr val="tx1"/>
+          </a:fontRef>
+        </p:style>
+      </p:cxnSp>
+      <p:grpSp>
+        <p:nvGrpSpPr>
+          <p:cNvPr id="77" name="Group 76">
+            <a:extLst>
+              <a:ext uri="{FF2B5EF4-FFF2-40B4-BE49-F238E27FC236}">
+                <a16:creationId xmlns:a16="http://schemas.microsoft.com/office/drawing/2014/main" id="{61EFF75F-5269-4062-A40C-22CB35E15FF2}"/>
+              </a:ext>
+            </a:extLst>
+          </p:cNvPr>
+          <p:cNvGrpSpPr/>
+          <p:nvPr/>
+        </p:nvGrpSpPr>
+        <p:grpSpPr>
+          <a:xfrm>
+            <a:off x="3084479" y="712333"/>
+            <a:ext cx="552508" cy="589418"/>
+            <a:chOff x="3532006" y="1610392"/>
+            <a:chExt cx="552508" cy="589418"/>
+          </a:xfrm>
+        </p:grpSpPr>
+        <p:sp>
+          <p:nvSpPr>
+            <p:cNvPr id="78" name="Oval 77">
+              <a:extLst>
+                <a:ext uri="{FF2B5EF4-FFF2-40B4-BE49-F238E27FC236}">
+                  <a16:creationId xmlns:a16="http://schemas.microsoft.com/office/drawing/2014/main" id="{AC9D4EDC-9FEE-4A9D-A421-458F4F830AAC}"/>
+                </a:ext>
+              </a:extLst>
+            </p:cNvPr>
+            <p:cNvSpPr/>
+            <p:nvPr/>
+          </p:nvSpPr>
+          <p:spPr>
+            <a:xfrm>
+              <a:off x="3577032" y="1610392"/>
+              <a:ext cx="507482" cy="506893"/>
+            </a:xfrm>
+            <a:prstGeom prst="ellipse">
+              <a:avLst/>
+            </a:prstGeom>
+            <a:solidFill>
+              <a:schemeClr val="bg1"/>
+            </a:solidFill>
+            <a:ln w="25400">
+              <a:solidFill>
+                <a:schemeClr val="tx1"/>
+              </a:solidFill>
+            </a:ln>
+          </p:spPr>
+          <p:style>
+            <a:lnRef idx="2">
+              <a:schemeClr val="accent1">
+                <a:shade val="50000"/>
+              </a:schemeClr>
+            </a:lnRef>
+            <a:fillRef idx="1">
+              <a:schemeClr val="accent1"/>
+            </a:fillRef>
+            <a:effectRef idx="0">
+              <a:schemeClr val="accent1"/>
+            </a:effectRef>
+            <a:fontRef idx="minor">
+              <a:schemeClr val="lt1"/>
+            </a:fontRef>
+          </p:style>
+          <p:txBody>
+            <a:bodyPr rtlCol="0" anchor="ctr"/>
+            <a:lstStyle/>
+            <a:p>
+              <a:pPr algn="ctr"/>
+              <a:endParaRPr lang="en-US" sz="2000" b="1" dirty="0">
+                <a:solidFill>
+                  <a:schemeClr val="tx1"/>
+                </a:solidFill>
+              </a:endParaRPr>
+            </a:p>
+          </p:txBody>
+        </p:sp>
+        <p:sp>
+          <p:nvSpPr>
+            <p:cNvPr id="79" name="Rectangle 78">
+              <a:extLst>
+                <a:ext uri="{FF2B5EF4-FFF2-40B4-BE49-F238E27FC236}">
+                  <a16:creationId xmlns:a16="http://schemas.microsoft.com/office/drawing/2014/main" id="{6DCF60EC-C922-43A6-BF61-869A43DE00E1}"/>
+                </a:ext>
+              </a:extLst>
+            </p:cNvPr>
+            <p:cNvSpPr/>
+            <p:nvPr/>
+          </p:nvSpPr>
+          <p:spPr>
+            <a:xfrm>
+              <a:off x="3532006" y="1628990"/>
+              <a:ext cx="359394" cy="461665"/>
+            </a:xfrm>
+            <a:prstGeom prst="rect">
+              <a:avLst/>
+            </a:prstGeom>
+          </p:spPr>
+          <p:txBody>
+            <a:bodyPr wrap="none">
+              <a:spAutoFit/>
+            </a:bodyPr>
+            <a:lstStyle/>
+            <a:p>
+              <a:r>
+                <a:rPr lang="en-US" sz="2400" b="1" dirty="0">
+                  <a:latin typeface="Times New Roman" panose="02020603050405020304" pitchFamily="18" charset="0"/>
+                  <a:cs typeface="Times New Roman" panose="02020603050405020304" pitchFamily="18" charset="0"/>
+                </a:rPr>
+                <a:t>+</a:t>
+              </a:r>
+            </a:p>
+          </p:txBody>
+        </p:sp>
+        <p:sp>
+          <p:nvSpPr>
+            <p:cNvPr id="83" name="Rectangle 82">
+              <a:extLst>
+                <a:ext uri="{FF2B5EF4-FFF2-40B4-BE49-F238E27FC236}">
+                  <a16:creationId xmlns:a16="http://schemas.microsoft.com/office/drawing/2014/main" id="{21FD265D-B988-43DE-A6E9-4B26D2FB2AC9}"/>
+                </a:ext>
+              </a:extLst>
+            </p:cNvPr>
+            <p:cNvSpPr/>
+            <p:nvPr/>
+          </p:nvSpPr>
+          <p:spPr>
+            <a:xfrm>
+              <a:off x="3700699" y="1738145"/>
+              <a:ext cx="287258" cy="461665"/>
+            </a:xfrm>
+            <a:prstGeom prst="rect">
+              <a:avLst/>
+            </a:prstGeom>
+          </p:spPr>
+          <p:txBody>
+            <a:bodyPr wrap="none">
+              <a:spAutoFit/>
+            </a:bodyPr>
+            <a:lstStyle/>
+            <a:p>
+              <a:r>
+                <a:rPr lang="en-US" sz="2400" b="1" dirty="0">
+                  <a:latin typeface="Times New Roman" panose="02020603050405020304" pitchFamily="18" charset="0"/>
+                  <a:cs typeface="Times New Roman" panose="02020603050405020304" pitchFamily="18" charset="0"/>
+                </a:rPr>
+                <a:t>-</a:t>
+              </a:r>
+            </a:p>
+          </p:txBody>
+        </p:sp>
+      </p:grpSp>
+      <p:cxnSp>
+        <p:nvCxnSpPr>
+          <p:cNvPr id="84" name="Straight Arrow Connector 83">
+            <a:extLst>
+              <a:ext uri="{FF2B5EF4-FFF2-40B4-BE49-F238E27FC236}">
+                <a16:creationId xmlns:a16="http://schemas.microsoft.com/office/drawing/2014/main" id="{82243761-50C6-4DBC-85DF-77153562CF36}"/>
+              </a:ext>
+            </a:extLst>
+          </p:cNvPr>
+          <p:cNvCxnSpPr>
+            <a:cxnSpLocks/>
+          </p:cNvCxnSpPr>
+          <p:nvPr/>
+        </p:nvCxnSpPr>
+        <p:spPr>
+          <a:xfrm flipV="1">
+            <a:off x="3387004" y="1232916"/>
+            <a:ext cx="0" cy="2534215"/>
+          </a:xfrm>
+          <a:prstGeom prst="straightConnector1">
+            <a:avLst/>
+          </a:prstGeom>
+          <a:ln w="25400">
+            <a:solidFill>
+              <a:schemeClr val="tx1"/>
+            </a:solidFill>
+            <a:tailEnd type="arrow" w="lg" len="lg"/>
+          </a:ln>
+        </p:spPr>
+        <p:style>
+          <a:lnRef idx="1">
+            <a:schemeClr val="accent1"/>
+          </a:lnRef>
+          <a:fillRef idx="0">
+            <a:schemeClr val="accent1"/>
+          </a:fillRef>
+          <a:effectRef idx="0">
+            <a:schemeClr val="accent1"/>
+          </a:effectRef>
+          <a:fontRef idx="minor">
+            <a:schemeClr val="tx1"/>
+          </a:fontRef>
+        </p:style>
+      </p:cxnSp>
+      <p:cxnSp>
+        <p:nvCxnSpPr>
+          <p:cNvPr id="85" name="Straight Arrow Connector 84">
+            <a:extLst>
+              <a:ext uri="{FF2B5EF4-FFF2-40B4-BE49-F238E27FC236}">
+                <a16:creationId xmlns:a16="http://schemas.microsoft.com/office/drawing/2014/main" id="{506E9893-05FD-4C15-9E91-E2F6673B1558}"/>
+              </a:ext>
+            </a:extLst>
+          </p:cNvPr>
+          <p:cNvCxnSpPr>
+            <a:cxnSpLocks/>
+          </p:cNvCxnSpPr>
+          <p:nvPr/>
+        </p:nvCxnSpPr>
+        <p:spPr>
+          <a:xfrm>
+            <a:off x="2617448" y="987787"/>
+            <a:ext cx="512057" cy="0"/>
+          </a:xfrm>
+          <a:prstGeom prst="straightConnector1">
+            <a:avLst/>
+          </a:prstGeom>
+          <a:ln w="25400">
+            <a:solidFill>
+              <a:schemeClr val="tx1"/>
+            </a:solidFill>
+            <a:tailEnd type="arrow" w="lg" len="lg"/>
+          </a:ln>
+        </p:spPr>
+        <p:style>
+          <a:lnRef idx="1">
+            <a:schemeClr val="accent1"/>
+          </a:lnRef>
+          <a:fillRef idx="0">
+            <a:schemeClr val="accent1"/>
+          </a:fillRef>
+          <a:effectRef idx="0">
+            <a:schemeClr val="accent1"/>
+          </a:effectRef>
+          <a:fontRef idx="minor">
+            <a:schemeClr val="tx1"/>
+          </a:fontRef>
+        </p:style>
+      </p:cxnSp>
+      <p:cxnSp>
+        <p:nvCxnSpPr>
+          <p:cNvPr id="87" name="Straight Arrow Connector 86">
+            <a:extLst>
+              <a:ext uri="{FF2B5EF4-FFF2-40B4-BE49-F238E27FC236}">
+                <a16:creationId xmlns:a16="http://schemas.microsoft.com/office/drawing/2014/main" id="{77EAE885-8063-48ED-85BA-01D52162CAB8}"/>
+              </a:ext>
+            </a:extLst>
+          </p:cNvPr>
+          <p:cNvCxnSpPr>
+            <a:cxnSpLocks/>
+          </p:cNvCxnSpPr>
+          <p:nvPr/>
+        </p:nvCxnSpPr>
+        <p:spPr>
+          <a:xfrm flipV="1">
+            <a:off x="5728796" y="2185862"/>
+            <a:ext cx="523170" cy="3733"/>
+          </a:xfrm>
+          <a:prstGeom prst="straightConnector1">
+            <a:avLst/>
+          </a:prstGeom>
+          <a:ln w="25400">
+            <a:solidFill>
+              <a:schemeClr val="tx1"/>
+            </a:solidFill>
+            <a:tailEnd type="arrow" w="lg" len="lg"/>
+          </a:ln>
+        </p:spPr>
+        <p:style>
+          <a:lnRef idx="1">
+            <a:schemeClr val="accent1"/>
+          </a:lnRef>
+          <a:fillRef idx="0">
+            <a:schemeClr val="accent1"/>
+          </a:fillRef>
+          <a:effectRef idx="0">
+            <a:schemeClr val="accent1"/>
+          </a:effectRef>
+          <a:fontRef idx="minor">
+            <a:schemeClr val="tx1"/>
+          </a:fontRef>
+        </p:style>
+      </p:cxnSp>
+      <p:cxnSp>
+        <p:nvCxnSpPr>
+          <p:cNvPr id="88" name="Straight Arrow Connector 87">
+            <a:extLst>
+              <a:ext uri="{FF2B5EF4-FFF2-40B4-BE49-F238E27FC236}">
+                <a16:creationId xmlns:a16="http://schemas.microsoft.com/office/drawing/2014/main" id="{F922AF52-BCAE-4E1D-9057-32641D5F854F}"/>
+              </a:ext>
+            </a:extLst>
+          </p:cNvPr>
+          <p:cNvCxnSpPr>
+            <a:cxnSpLocks/>
+          </p:cNvCxnSpPr>
+          <p:nvPr/>
+        </p:nvCxnSpPr>
+        <p:spPr>
+          <a:xfrm flipV="1">
+            <a:off x="5708527" y="1712243"/>
+            <a:ext cx="523170" cy="3733"/>
+          </a:xfrm>
+          <a:prstGeom prst="straightConnector1">
+            <a:avLst/>
+          </a:prstGeom>
+          <a:ln w="25400">
+            <a:solidFill>
+              <a:schemeClr val="tx1"/>
+            </a:solidFill>
+            <a:tailEnd type="arrow" w="lg" len="lg"/>
+          </a:ln>
+        </p:spPr>
+        <p:style>
+          <a:lnRef idx="1">
+            <a:schemeClr val="accent1"/>
+          </a:lnRef>
+          <a:fillRef idx="0">
+            <a:schemeClr val="accent1"/>
+          </a:fillRef>
+          <a:effectRef idx="0">
+            <a:schemeClr val="accent1"/>
+          </a:effectRef>
+          <a:fontRef idx="minor">
+            <a:schemeClr val="tx1"/>
+          </a:fontRef>
+        </p:style>
+      </p:cxnSp>
+      <p:cxnSp>
+        <p:nvCxnSpPr>
+          <p:cNvPr id="96" name="Straight Arrow Connector 95">
+            <a:extLst>
+              <a:ext uri="{FF2B5EF4-FFF2-40B4-BE49-F238E27FC236}">
+                <a16:creationId xmlns:a16="http://schemas.microsoft.com/office/drawing/2014/main" id="{35444F03-D1ED-4C8F-BC14-4DFD5864BCCA}"/>
+              </a:ext>
+            </a:extLst>
+          </p:cNvPr>
+          <p:cNvCxnSpPr>
+            <a:cxnSpLocks/>
+          </p:cNvCxnSpPr>
+          <p:nvPr/>
+        </p:nvCxnSpPr>
+        <p:spPr>
+          <a:xfrm flipV="1">
+            <a:off x="5384035" y="3927091"/>
+            <a:ext cx="0" cy="561860"/>
+          </a:xfrm>
+          <a:prstGeom prst="straightConnector1">
+            <a:avLst/>
+          </a:prstGeom>
+          <a:ln w="25400">
+            <a:solidFill>
+              <a:schemeClr val="tx1"/>
+            </a:solidFill>
+            <a:tailEnd type="arrow" w="lg" len="lg"/>
+          </a:ln>
+        </p:spPr>
+        <p:style>
+          <a:lnRef idx="1">
+            <a:schemeClr val="accent1"/>
+          </a:lnRef>
+          <a:fillRef idx="0">
+            <a:schemeClr val="accent1"/>
+          </a:fillRef>
+          <a:effectRef idx="0">
+            <a:schemeClr val="accent1"/>
+          </a:effectRef>
+          <a:fontRef idx="minor">
+            <a:schemeClr val="tx1"/>
+          </a:fontRef>
+        </p:style>
+      </p:cxnSp>
+      <p:sp>
+        <p:nvSpPr>
+          <p:cNvPr id="97" name="Rectangle 96">
+            <a:extLst>
+              <a:ext uri="{FF2B5EF4-FFF2-40B4-BE49-F238E27FC236}">
+                <a16:creationId xmlns:a16="http://schemas.microsoft.com/office/drawing/2014/main" id="{E5B6BA3D-ABCB-4878-992A-198233552A51}"/>
+              </a:ext>
+            </a:extLst>
+          </p:cNvPr>
+          <p:cNvSpPr/>
+          <p:nvPr/>
+        </p:nvSpPr>
+        <p:spPr>
+          <a:xfrm>
+            <a:off x="3352488" y="4122964"/>
+            <a:ext cx="1183350" cy="752903"/>
+          </a:xfrm>
+          <a:prstGeom prst="rect">
+            <a:avLst/>
+          </a:prstGeom>
+          <a:solidFill>
+            <a:schemeClr val="accent1">
+              <a:lumMod val="40000"/>
+              <a:lumOff val="60000"/>
+            </a:schemeClr>
+          </a:solidFill>
+          <a:ln w="25400">
+            <a:solidFill>
+              <a:schemeClr val="tx1"/>
+            </a:solidFill>
+          </a:ln>
+        </p:spPr>
+        <p:style>
+          <a:lnRef idx="2">
+            <a:schemeClr val="accent1">
+              <a:shade val="50000"/>
+            </a:schemeClr>
+          </a:lnRef>
+          <a:fillRef idx="1">
+            <a:schemeClr val="accent1"/>
+          </a:fillRef>
+          <a:effectRef idx="0">
+            <a:schemeClr val="accent1"/>
+          </a:effectRef>
+          <a:fontRef idx="minor">
+            <a:schemeClr val="lt1"/>
+          </a:fontRef>
+        </p:style>
+        <p:txBody>
+          <a:bodyPr rtlCol="0" anchor="ctr"/>
+          <a:lstStyle/>
+          <a:p>
+            <a:pPr algn="ctr"/>
+            <a:r>
+              <a:rPr lang="en-US" dirty="0">
+                <a:solidFill>
+                  <a:schemeClr val="tx1"/>
+                </a:solidFill>
+                <a:latin typeface="Times New Roman" panose="02020603050405020304" pitchFamily="18" charset="0"/>
+                <a:cs typeface="Times New Roman" panose="02020603050405020304" pitchFamily="18" charset="0"/>
+              </a:rPr>
+              <a:t>d/dt</a:t>
+            </a:r>
+          </a:p>
+        </p:txBody>
+      </p:sp>
+      <p:sp>
+        <p:nvSpPr>
+          <p:cNvPr id="99" name="Rectangle 98">
+            <a:extLst>
+              <a:ext uri="{FF2B5EF4-FFF2-40B4-BE49-F238E27FC236}">
+                <a16:creationId xmlns:a16="http://schemas.microsoft.com/office/drawing/2014/main" id="{37679CC5-7519-4972-A215-48DED9C7C08D}"/>
+              </a:ext>
+            </a:extLst>
+          </p:cNvPr>
+          <p:cNvSpPr/>
+          <p:nvPr/>
+        </p:nvSpPr>
+        <p:spPr>
+          <a:xfrm>
+            <a:off x="7206467" y="3220343"/>
+            <a:ext cx="351378" cy="369332"/>
+          </a:xfrm>
+          <a:prstGeom prst="rect">
+            <a:avLst/>
+          </a:prstGeom>
+        </p:spPr>
+        <p:txBody>
+          <a:bodyPr wrap="none">
+            <a:spAutoFit/>
+          </a:bodyPr>
+          <a:lstStyle/>
+          <a:p>
+            <a:r>
+              <a:rPr lang="en-US" dirty="0" err="1">
+                <a:latin typeface="Times New Roman" panose="02020603050405020304" pitchFamily="18" charset="0"/>
+                <a:cs typeface="Times New Roman" panose="02020603050405020304" pitchFamily="18" charset="0"/>
+              </a:rPr>
+              <a:t>I</a:t>
+            </a:r>
+            <a:r>
+              <a:rPr lang="en-US" sz="1400" dirty="0" err="1">
+                <a:latin typeface="Times New Roman" panose="02020603050405020304" pitchFamily="18" charset="0"/>
+                <a:cs typeface="Times New Roman" panose="02020603050405020304" pitchFamily="18" charset="0"/>
+              </a:rPr>
+              <a:t>b</a:t>
+            </a:r>
+            <a:endParaRPr lang="en-US" dirty="0"/>
+          </a:p>
+        </p:txBody>
+      </p:sp>
+      <p:sp>
+        <p:nvSpPr>
+          <p:cNvPr id="100" name="Rectangle 99">
+            <a:extLst>
+              <a:ext uri="{FF2B5EF4-FFF2-40B4-BE49-F238E27FC236}">
+                <a16:creationId xmlns:a16="http://schemas.microsoft.com/office/drawing/2014/main" id="{9C148CA2-329F-40CA-B19E-542426E1B6ED}"/>
+              </a:ext>
+            </a:extLst>
+          </p:cNvPr>
+          <p:cNvSpPr/>
+          <p:nvPr/>
+        </p:nvSpPr>
+        <p:spPr>
+          <a:xfrm>
+            <a:off x="7206467" y="3506435"/>
+            <a:ext cx="341760" cy="369332"/>
+          </a:xfrm>
+          <a:prstGeom prst="rect">
+            <a:avLst/>
+          </a:prstGeom>
+        </p:spPr>
+        <p:txBody>
+          <a:bodyPr wrap="none">
+            <a:spAutoFit/>
+          </a:bodyPr>
+          <a:lstStyle/>
+          <a:p>
+            <a:r>
+              <a:rPr lang="en-US" dirty="0" err="1">
+                <a:latin typeface="Times New Roman" panose="02020603050405020304" pitchFamily="18" charset="0"/>
+                <a:cs typeface="Times New Roman" panose="02020603050405020304" pitchFamily="18" charset="0"/>
+              </a:rPr>
+              <a:t>I</a:t>
+            </a:r>
+            <a:r>
+              <a:rPr lang="en-US" sz="1400" dirty="0" err="1">
+                <a:latin typeface="Times New Roman" panose="02020603050405020304" pitchFamily="18" charset="0"/>
+                <a:cs typeface="Times New Roman" panose="02020603050405020304" pitchFamily="18" charset="0"/>
+              </a:rPr>
+              <a:t>c</a:t>
+            </a:r>
+            <a:endParaRPr lang="en-US" dirty="0"/>
+          </a:p>
+        </p:txBody>
+      </p:sp>
+      <p:sp>
+        <p:nvSpPr>
+          <p:cNvPr id="101" name="Rectangle 100">
+            <a:extLst>
+              <a:ext uri="{FF2B5EF4-FFF2-40B4-BE49-F238E27FC236}">
+                <a16:creationId xmlns:a16="http://schemas.microsoft.com/office/drawing/2014/main" id="{23C11832-C37B-4FC8-8373-BC9FFF91AD10}"/>
+              </a:ext>
+            </a:extLst>
+          </p:cNvPr>
+          <p:cNvSpPr/>
+          <p:nvPr/>
+        </p:nvSpPr>
+        <p:spPr>
+          <a:xfrm>
+            <a:off x="4096533" y="2978347"/>
+            <a:ext cx="351378" cy="369332"/>
+          </a:xfrm>
+          <a:prstGeom prst="rect">
+            <a:avLst/>
+          </a:prstGeom>
+        </p:spPr>
+        <p:txBody>
+          <a:bodyPr wrap="none">
+            <a:spAutoFit/>
+          </a:bodyPr>
+          <a:lstStyle/>
+          <a:p>
+            <a:r>
+              <a:rPr lang="en-US" dirty="0" err="1">
+                <a:latin typeface="Times New Roman" panose="02020603050405020304" pitchFamily="18" charset="0"/>
+                <a:cs typeface="Times New Roman" panose="02020603050405020304" pitchFamily="18" charset="0"/>
+              </a:rPr>
+              <a:t>I</a:t>
+            </a:r>
+            <a:r>
+              <a:rPr lang="en-US" sz="1400" dirty="0" err="1">
+                <a:latin typeface="Times New Roman" panose="02020603050405020304" pitchFamily="18" charset="0"/>
+                <a:cs typeface="Times New Roman" panose="02020603050405020304" pitchFamily="18" charset="0"/>
+              </a:rPr>
+              <a:t>q</a:t>
+            </a:r>
+            <a:endParaRPr lang="en-US" dirty="0"/>
+          </a:p>
+        </p:txBody>
+      </p:sp>
+      <p:sp>
+        <p:nvSpPr>
+          <p:cNvPr id="102" name="Rectangle 101">
+            <a:extLst>
+              <a:ext uri="{FF2B5EF4-FFF2-40B4-BE49-F238E27FC236}">
+                <a16:creationId xmlns:a16="http://schemas.microsoft.com/office/drawing/2014/main" id="{53FAF10B-4178-4A42-940F-6DCBABD10936}"/>
+              </a:ext>
+            </a:extLst>
+          </p:cNvPr>
+          <p:cNvSpPr/>
+          <p:nvPr/>
+        </p:nvSpPr>
+        <p:spPr>
+          <a:xfrm>
+            <a:off x="4090171" y="3397799"/>
+            <a:ext cx="351378" cy="369332"/>
+          </a:xfrm>
+          <a:prstGeom prst="rect">
+            <a:avLst/>
+          </a:prstGeom>
+        </p:spPr>
+        <p:txBody>
+          <a:bodyPr wrap="none">
+            <a:spAutoFit/>
+          </a:bodyPr>
+          <a:lstStyle/>
+          <a:p>
+            <a:r>
+              <a:rPr lang="en-US" dirty="0">
+                <a:latin typeface="Times New Roman" panose="02020603050405020304" pitchFamily="18" charset="0"/>
+                <a:cs typeface="Times New Roman" panose="02020603050405020304" pitchFamily="18" charset="0"/>
+              </a:rPr>
+              <a:t>I</a:t>
+            </a:r>
+            <a:r>
+              <a:rPr lang="en-US" sz="1400" dirty="0">
+                <a:latin typeface="Times New Roman" panose="02020603050405020304" pitchFamily="18" charset="0"/>
+                <a:cs typeface="Times New Roman" panose="02020603050405020304" pitchFamily="18" charset="0"/>
+              </a:rPr>
+              <a:t>d</a:t>
+            </a:r>
+            <a:endParaRPr lang="en-US" dirty="0"/>
+          </a:p>
+        </p:txBody>
+      </p:sp>
+      <p:sp>
+        <p:nvSpPr>
+          <p:cNvPr id="113" name="Rectangle 112">
+            <a:extLst>
+              <a:ext uri="{FF2B5EF4-FFF2-40B4-BE49-F238E27FC236}">
+                <a16:creationId xmlns:a16="http://schemas.microsoft.com/office/drawing/2014/main" id="{A1A5923A-D418-4BCE-8B3A-0416C3F9F464}"/>
+              </a:ext>
+            </a:extLst>
+          </p:cNvPr>
+          <p:cNvSpPr/>
+          <p:nvPr/>
+        </p:nvSpPr>
+        <p:spPr>
+          <a:xfrm>
+            <a:off x="2901163" y="1624907"/>
+            <a:ext cx="522900" cy="369332"/>
+          </a:xfrm>
+          <a:prstGeom prst="rect">
+            <a:avLst/>
+          </a:prstGeom>
+        </p:spPr>
+        <p:txBody>
+          <a:bodyPr wrap="none">
+            <a:spAutoFit/>
+          </a:bodyPr>
+          <a:lstStyle/>
+          <a:p>
+            <a:r>
+              <a:rPr lang="en-US" dirty="0" err="1">
+                <a:latin typeface="Times New Roman" panose="02020603050405020304" pitchFamily="18" charset="0"/>
+                <a:cs typeface="Times New Roman" panose="02020603050405020304" pitchFamily="18" charset="0"/>
+              </a:rPr>
+              <a:t>I</a:t>
+            </a:r>
+            <a:r>
+              <a:rPr lang="en-US" sz="1400" dirty="0" err="1">
+                <a:latin typeface="Times New Roman" panose="02020603050405020304" pitchFamily="18" charset="0"/>
+                <a:cs typeface="Times New Roman" panose="02020603050405020304" pitchFamily="18" charset="0"/>
+              </a:rPr>
+              <a:t>q</a:t>
+            </a:r>
+            <a:r>
+              <a:rPr lang="en-US" sz="1100" dirty="0" err="1">
+                <a:latin typeface="Times New Roman" panose="02020603050405020304" pitchFamily="18" charset="0"/>
+                <a:cs typeface="Times New Roman" panose="02020603050405020304" pitchFamily="18" charset="0"/>
+              </a:rPr>
+              <a:t>ref</a:t>
+            </a:r>
+            <a:endParaRPr lang="en-US" dirty="0"/>
+          </a:p>
+        </p:txBody>
+      </p:sp>
+      <p:sp>
+        <p:nvSpPr>
+          <p:cNvPr id="114" name="Rectangle 113">
+            <a:extLst>
+              <a:ext uri="{FF2B5EF4-FFF2-40B4-BE49-F238E27FC236}">
+                <a16:creationId xmlns:a16="http://schemas.microsoft.com/office/drawing/2014/main" id="{A1967B14-7AA6-46B1-B143-137ABCF16249}"/>
+              </a:ext>
+            </a:extLst>
+          </p:cNvPr>
+          <p:cNvSpPr/>
+          <p:nvPr/>
+        </p:nvSpPr>
+        <p:spPr>
+          <a:xfrm>
+            <a:off x="2532578" y="627923"/>
+            <a:ext cx="522900" cy="369332"/>
+          </a:xfrm>
+          <a:prstGeom prst="rect">
+            <a:avLst/>
+          </a:prstGeom>
+        </p:spPr>
+        <p:txBody>
+          <a:bodyPr wrap="none">
+            <a:spAutoFit/>
+          </a:bodyPr>
+          <a:lstStyle/>
+          <a:p>
+            <a:r>
+              <a:rPr lang="en-US" dirty="0" err="1">
+                <a:latin typeface="Times New Roman" panose="02020603050405020304" pitchFamily="18" charset="0"/>
+                <a:cs typeface="Times New Roman" panose="02020603050405020304" pitchFamily="18" charset="0"/>
+              </a:rPr>
+              <a:t>I</a:t>
+            </a:r>
+            <a:r>
+              <a:rPr lang="en-US" sz="1400" dirty="0" err="1">
+                <a:latin typeface="Times New Roman" panose="02020603050405020304" pitchFamily="18" charset="0"/>
+                <a:cs typeface="Times New Roman" panose="02020603050405020304" pitchFamily="18" charset="0"/>
+              </a:rPr>
+              <a:t>d</a:t>
+            </a:r>
+            <a:r>
+              <a:rPr lang="en-US" sz="1100" dirty="0" err="1">
+                <a:latin typeface="Times New Roman" panose="02020603050405020304" pitchFamily="18" charset="0"/>
+                <a:cs typeface="Times New Roman" panose="02020603050405020304" pitchFamily="18" charset="0"/>
+              </a:rPr>
+              <a:t>ref</a:t>
+            </a:r>
+            <a:endParaRPr lang="en-US" dirty="0"/>
+          </a:p>
+        </p:txBody>
+      </p:sp>
+      <p:sp>
+        <p:nvSpPr>
+          <p:cNvPr id="135" name="Rectangle 134">
+            <a:extLst>
+              <a:ext uri="{FF2B5EF4-FFF2-40B4-BE49-F238E27FC236}">
+                <a16:creationId xmlns:a16="http://schemas.microsoft.com/office/drawing/2014/main" id="{6A62633B-22CD-434C-A72C-09D54C70E10B}"/>
+              </a:ext>
+            </a:extLst>
+          </p:cNvPr>
+          <p:cNvSpPr/>
+          <p:nvPr/>
+        </p:nvSpPr>
+        <p:spPr>
+          <a:xfrm>
+            <a:off x="6214672" y="1568691"/>
+            <a:ext cx="1183350" cy="752903"/>
+          </a:xfrm>
+          <a:prstGeom prst="rect">
+            <a:avLst/>
+          </a:prstGeom>
+          <a:solidFill>
+            <a:schemeClr val="accent1">
+              <a:lumMod val="40000"/>
+              <a:lumOff val="60000"/>
+            </a:schemeClr>
+          </a:solidFill>
+          <a:ln w="25400">
+            <a:solidFill>
+              <a:schemeClr val="tx1"/>
+            </a:solidFill>
+          </a:ln>
+        </p:spPr>
+        <p:style>
+          <a:lnRef idx="2">
+            <a:schemeClr val="accent1">
+              <a:shade val="50000"/>
+            </a:schemeClr>
+          </a:lnRef>
+          <a:fillRef idx="1">
+            <a:schemeClr val="accent1"/>
+          </a:fillRef>
+          <a:effectRef idx="0">
+            <a:schemeClr val="accent1"/>
+          </a:effectRef>
+          <a:fontRef idx="minor">
+            <a:schemeClr val="lt1"/>
+          </a:fontRef>
+        </p:style>
+        <p:txBody>
+          <a:bodyPr rtlCol="0" anchor="ctr"/>
+          <a:lstStyle/>
+          <a:p>
+            <a:pPr algn="ctr"/>
+            <a:r>
+              <a:rPr lang="en-US" dirty="0">
+                <a:solidFill>
+                  <a:schemeClr val="tx1"/>
+                </a:solidFill>
+                <a:latin typeface="Times New Roman" panose="02020603050405020304" pitchFamily="18" charset="0"/>
+                <a:cs typeface="Times New Roman" panose="02020603050405020304" pitchFamily="18" charset="0"/>
+              </a:rPr>
+              <a:t>Modulator</a:t>
+            </a:r>
+          </a:p>
+        </p:txBody>
+      </p:sp>
+      <p:cxnSp>
+        <p:nvCxnSpPr>
+          <p:cNvPr id="140" name="Straight Arrow Connector 139">
+            <a:extLst>
+              <a:ext uri="{FF2B5EF4-FFF2-40B4-BE49-F238E27FC236}">
+                <a16:creationId xmlns:a16="http://schemas.microsoft.com/office/drawing/2014/main" id="{99002CBC-8141-46DF-A4B1-51E788F3BF12}"/>
+              </a:ext>
+            </a:extLst>
+          </p:cNvPr>
+          <p:cNvCxnSpPr>
+            <a:cxnSpLocks/>
+          </p:cNvCxnSpPr>
+          <p:nvPr/>
+        </p:nvCxnSpPr>
+        <p:spPr>
+          <a:xfrm flipV="1">
+            <a:off x="7393288" y="1948781"/>
+            <a:ext cx="520260" cy="7467"/>
+          </a:xfrm>
+          <a:prstGeom prst="straightConnector1">
+            <a:avLst/>
+          </a:prstGeom>
+          <a:ln w="25400">
+            <a:solidFill>
+              <a:schemeClr val="tx1"/>
+            </a:solidFill>
+            <a:tailEnd type="arrow" w="lg" len="lg"/>
+          </a:ln>
+        </p:spPr>
+        <p:style>
+          <a:lnRef idx="1">
+            <a:schemeClr val="accent1"/>
+          </a:lnRef>
+          <a:fillRef idx="0">
+            <a:schemeClr val="accent1"/>
+          </a:fillRef>
+          <a:effectRef idx="0">
+            <a:schemeClr val="accent1"/>
+          </a:effectRef>
+          <a:fontRef idx="minor">
+            <a:schemeClr val="tx1"/>
+          </a:fontRef>
+        </p:style>
+      </p:cxnSp>
+      <p:cxnSp>
+        <p:nvCxnSpPr>
+          <p:cNvPr id="141" name="Straight Arrow Connector 140">
+            <a:extLst>
+              <a:ext uri="{FF2B5EF4-FFF2-40B4-BE49-F238E27FC236}">
+                <a16:creationId xmlns:a16="http://schemas.microsoft.com/office/drawing/2014/main" id="{1D3C1623-C70B-46E7-A9BF-2A2B440C63D8}"/>
+              </a:ext>
+            </a:extLst>
+          </p:cNvPr>
+          <p:cNvCxnSpPr>
+            <a:cxnSpLocks/>
+          </p:cNvCxnSpPr>
+          <p:nvPr/>
+        </p:nvCxnSpPr>
+        <p:spPr>
+          <a:xfrm flipV="1">
+            <a:off x="7415204" y="2189485"/>
+            <a:ext cx="523170" cy="3733"/>
+          </a:xfrm>
+          <a:prstGeom prst="straightConnector1">
+            <a:avLst/>
+          </a:prstGeom>
+          <a:ln w="25400">
+            <a:solidFill>
+              <a:schemeClr val="tx1"/>
+            </a:solidFill>
+            <a:tailEnd type="arrow" w="lg" len="lg"/>
+          </a:ln>
+        </p:spPr>
+        <p:style>
+          <a:lnRef idx="1">
+            <a:schemeClr val="accent1"/>
+          </a:lnRef>
+          <a:fillRef idx="0">
+            <a:schemeClr val="accent1"/>
+          </a:fillRef>
+          <a:effectRef idx="0">
+            <a:schemeClr val="accent1"/>
+          </a:effectRef>
+          <a:fontRef idx="minor">
+            <a:schemeClr val="tx1"/>
+          </a:fontRef>
+        </p:style>
+      </p:cxnSp>
+      <p:cxnSp>
+        <p:nvCxnSpPr>
+          <p:cNvPr id="142" name="Straight Arrow Connector 141">
+            <a:extLst>
+              <a:ext uri="{FF2B5EF4-FFF2-40B4-BE49-F238E27FC236}">
+                <a16:creationId xmlns:a16="http://schemas.microsoft.com/office/drawing/2014/main" id="{7251A691-4F3E-47F5-BD19-9252B732041B}"/>
+              </a:ext>
+            </a:extLst>
+          </p:cNvPr>
+          <p:cNvCxnSpPr>
+            <a:cxnSpLocks/>
+          </p:cNvCxnSpPr>
+          <p:nvPr/>
+        </p:nvCxnSpPr>
+        <p:spPr>
+          <a:xfrm flipV="1">
+            <a:off x="7394935" y="1715866"/>
+            <a:ext cx="523170" cy="3733"/>
+          </a:xfrm>
+          <a:prstGeom prst="straightConnector1">
+            <a:avLst/>
+          </a:prstGeom>
+          <a:ln w="25400">
+            <a:solidFill>
+              <a:schemeClr val="tx1"/>
+            </a:solidFill>
+            <a:tailEnd type="arrow" w="lg" len="lg"/>
+          </a:ln>
+        </p:spPr>
+        <p:style>
+          <a:lnRef idx="1">
+            <a:schemeClr val="accent1"/>
+          </a:lnRef>
+          <a:fillRef idx="0">
+            <a:schemeClr val="accent1"/>
+          </a:fillRef>
+          <a:effectRef idx="0">
+            <a:schemeClr val="accent1"/>
+          </a:effectRef>
+          <a:fontRef idx="minor">
+            <a:schemeClr val="tx1"/>
+          </a:fontRef>
+        </p:style>
+      </p:cxnSp>
+      <p:sp>
+        <p:nvSpPr>
+          <p:cNvPr id="153" name="TextBox 152">
+            <a:extLst>
+              <a:ext uri="{FF2B5EF4-FFF2-40B4-BE49-F238E27FC236}">
+                <a16:creationId xmlns:a16="http://schemas.microsoft.com/office/drawing/2014/main" id="{CC5710F0-40A9-4178-9ADE-C01685A159C2}"/>
+              </a:ext>
+            </a:extLst>
+          </p:cNvPr>
+          <p:cNvSpPr txBox="1"/>
+          <p:nvPr/>
+        </p:nvSpPr>
+        <p:spPr>
+          <a:xfrm>
+            <a:off x="9378770" y="4496120"/>
+            <a:ext cx="904461" cy="400110"/>
+          </a:xfrm>
+          <a:prstGeom prst="rect">
+            <a:avLst/>
+          </a:prstGeom>
+          <a:noFill/>
+        </p:spPr>
+        <p:txBody>
+          <a:bodyPr wrap="square" rtlCol="0">
+            <a:spAutoFit/>
+          </a:bodyPr>
+          <a:lstStyle/>
+          <a:p>
+            <a:r>
+              <a:rPr lang="el-GR" sz="2000" dirty="0">
+                <a:latin typeface="Times New Roman" panose="02020603050405020304" pitchFamily="18" charset="0"/>
+                <a:cs typeface="Times New Roman" panose="02020603050405020304" pitchFamily="18" charset="0"/>
+              </a:rPr>
+              <a:t>θ</a:t>
+            </a:r>
+            <a:r>
+              <a:rPr lang="en-US" sz="1600" dirty="0">
+                <a:latin typeface="Times New Roman" panose="02020603050405020304" pitchFamily="18" charset="0"/>
+                <a:cs typeface="Times New Roman" panose="02020603050405020304" pitchFamily="18" charset="0"/>
+              </a:rPr>
+              <a:t>m</a:t>
+            </a:r>
+            <a:endParaRPr lang="en-US" sz="2000" dirty="0"/>
+          </a:p>
+        </p:txBody>
+      </p:sp>
+      <p:sp>
+        <p:nvSpPr>
+          <p:cNvPr id="154" name="Rectangle 153">
+            <a:extLst>
+              <a:ext uri="{FF2B5EF4-FFF2-40B4-BE49-F238E27FC236}">
+                <a16:creationId xmlns:a16="http://schemas.microsoft.com/office/drawing/2014/main" id="{714A3534-E7FC-4BC3-9DC6-9AAE6BA0EDF0}"/>
+              </a:ext>
+            </a:extLst>
+          </p:cNvPr>
+          <p:cNvSpPr/>
+          <p:nvPr/>
+        </p:nvSpPr>
+        <p:spPr>
+          <a:xfrm>
+            <a:off x="7648300" y="4129231"/>
+            <a:ext cx="1183350" cy="752903"/>
+          </a:xfrm>
+          <a:prstGeom prst="rect">
+            <a:avLst/>
+          </a:prstGeom>
+          <a:solidFill>
+            <a:schemeClr val="accent1">
+              <a:lumMod val="40000"/>
+              <a:lumOff val="60000"/>
+            </a:schemeClr>
+          </a:solidFill>
+          <a:ln w="25400">
+            <a:solidFill>
+              <a:schemeClr val="tx1"/>
+            </a:solidFill>
+          </a:ln>
+        </p:spPr>
+        <p:style>
+          <a:lnRef idx="2">
+            <a:schemeClr val="accent1">
+              <a:shade val="50000"/>
+            </a:schemeClr>
+          </a:lnRef>
+          <a:fillRef idx="1">
+            <a:schemeClr val="accent1"/>
+          </a:fillRef>
+          <a:effectRef idx="0">
+            <a:schemeClr val="accent1"/>
+          </a:effectRef>
+          <a:fontRef idx="minor">
+            <a:schemeClr val="lt1"/>
+          </a:fontRef>
+        </p:style>
+        <p:txBody>
+          <a:bodyPr rtlCol="0" anchor="ctr"/>
+          <a:lstStyle/>
+          <a:p>
+            <a:pPr algn="ctr"/>
+            <a:r>
+              <a:rPr lang="en-US" dirty="0">
+                <a:solidFill>
+                  <a:schemeClr val="tx1"/>
+                </a:solidFill>
+                <a:latin typeface="Times New Roman" panose="02020603050405020304" pitchFamily="18" charset="0"/>
+                <a:cs typeface="Times New Roman" panose="02020603050405020304" pitchFamily="18" charset="0"/>
+              </a:rPr>
+              <a:t>p</a:t>
+            </a:r>
+          </a:p>
+        </p:txBody>
+      </p:sp>
+      <p:sp>
+        <p:nvSpPr>
+          <p:cNvPr id="155" name="TextBox 154">
+            <a:extLst>
+              <a:ext uri="{FF2B5EF4-FFF2-40B4-BE49-F238E27FC236}">
+                <a16:creationId xmlns:a16="http://schemas.microsoft.com/office/drawing/2014/main" id="{7AE41787-ED81-49E1-B2C2-5BC9E3031795}"/>
+              </a:ext>
+            </a:extLst>
+          </p:cNvPr>
+          <p:cNvSpPr txBox="1"/>
+          <p:nvPr/>
+        </p:nvSpPr>
+        <p:spPr>
+          <a:xfrm>
+            <a:off x="6284666" y="4551099"/>
+            <a:ext cx="904461" cy="400110"/>
+          </a:xfrm>
+          <a:prstGeom prst="rect">
+            <a:avLst/>
+          </a:prstGeom>
+          <a:noFill/>
+        </p:spPr>
+        <p:txBody>
+          <a:bodyPr wrap="square" rtlCol="0">
+            <a:spAutoFit/>
+          </a:bodyPr>
+          <a:lstStyle/>
+          <a:p>
+            <a:r>
+              <a:rPr lang="el-GR" sz="2000" dirty="0">
+                <a:latin typeface="Times New Roman" panose="02020603050405020304" pitchFamily="18" charset="0"/>
+                <a:cs typeface="Times New Roman" panose="02020603050405020304" pitchFamily="18" charset="0"/>
+              </a:rPr>
+              <a:t>θ</a:t>
+            </a:r>
+            <a:r>
+              <a:rPr lang="en-US" sz="1600" dirty="0">
+                <a:latin typeface="Times New Roman" panose="02020603050405020304" pitchFamily="18" charset="0"/>
+                <a:cs typeface="Times New Roman" panose="02020603050405020304" pitchFamily="18" charset="0"/>
+              </a:rPr>
+              <a:t>e</a:t>
+            </a:r>
+            <a:endParaRPr lang="en-US" sz="2000" dirty="0"/>
+          </a:p>
+        </p:txBody>
+      </p:sp>
+      <p:sp>
+        <p:nvSpPr>
+          <p:cNvPr id="2" name="Rectangle 1">
+            <a:extLst>
+              <a:ext uri="{FF2B5EF4-FFF2-40B4-BE49-F238E27FC236}">
+                <a16:creationId xmlns:a16="http://schemas.microsoft.com/office/drawing/2014/main" id="{82779029-571B-4562-8BE4-C0DAC0EC0E1C}"/>
+              </a:ext>
+            </a:extLst>
+          </p:cNvPr>
+          <p:cNvSpPr/>
+          <p:nvPr/>
+        </p:nvSpPr>
+        <p:spPr>
+          <a:xfrm>
+            <a:off x="7676789" y="907860"/>
+            <a:ext cx="1054687" cy="646331"/>
+          </a:xfrm>
+          <a:prstGeom prst="rect">
+            <a:avLst/>
+          </a:prstGeom>
+        </p:spPr>
+        <p:txBody>
+          <a:bodyPr wrap="square">
+            <a:spAutoFit/>
+          </a:bodyPr>
+          <a:lstStyle/>
+          <a:p>
+            <a:pPr algn="ctr"/>
+            <a:r>
+              <a:rPr lang="en-US" dirty="0">
+                <a:latin typeface="Times New Roman" panose="02020603050405020304" pitchFamily="18" charset="0"/>
+                <a:cs typeface="Times New Roman" panose="02020603050405020304" pitchFamily="18" charset="0"/>
+              </a:rPr>
+              <a:t>Voltage </a:t>
+            </a:r>
+          </a:p>
+          <a:p>
+            <a:pPr algn="ctr"/>
+            <a:r>
+              <a:rPr lang="en-US" dirty="0">
+                <a:latin typeface="Times New Roman" panose="02020603050405020304" pitchFamily="18" charset="0"/>
+                <a:cs typeface="Times New Roman" panose="02020603050405020304" pitchFamily="18" charset="0"/>
+              </a:rPr>
+              <a:t>Source</a:t>
+            </a:r>
+            <a:endParaRPr lang="en-US" dirty="0"/>
+          </a:p>
+        </p:txBody>
+      </p:sp>
+    </p:spTree>
+    <p:extLst>
+      <p:ext uri="{BB962C8B-B14F-4D97-AF65-F5344CB8AC3E}">
+        <p14:creationId xmlns:p14="http://schemas.microsoft.com/office/powerpoint/2010/main" val="954555186"/>
+      </p:ext>
+    </p:extLst>
+  </p:cSld>
+  <p:clrMapOvr>
+    <a:masterClrMapping/>
+  </p:clrMapOvr>
+</p:sld>
+</file>
+
+<file path=ppt/slides/slide8.xml><?xml version="1.0" encoding="utf-8"?>
 <p:sld xmlns:a="http://schemas.openxmlformats.org/drawingml/2006/main" xmlns:r="http://schemas.openxmlformats.org/officeDocument/2006/relationships" xmlns:p="http://schemas.openxmlformats.org/presentationml/2006/main">
   <p:cSld>
     <p:spTree>
@@ -10585,7 +17668,7 @@
 </p:sld>
 </file>
 
-<file path=ppt/slides/slide7.xml><?xml version="1.0" encoding="utf-8"?>
+<file path=ppt/slides/slide9.xml><?xml version="1.0" encoding="utf-8"?>
 <p:sld xmlns:a="http://schemas.openxmlformats.org/drawingml/2006/main" xmlns:r="http://schemas.openxmlformats.org/officeDocument/2006/relationships" xmlns:p="http://schemas.openxmlformats.org/presentationml/2006/main">
   <p:cSld>
     <p:spTree>
@@ -13056,794 +20139,6 @@
     <p:extLst>
       <p:ext uri="{BB962C8B-B14F-4D97-AF65-F5344CB8AC3E}">
         <p14:creationId xmlns:p14="http://schemas.microsoft.com/office/powerpoint/2010/main" val="547707236"/>
-      </p:ext>
-    </p:extLst>
-  </p:cSld>
-  <p:clrMapOvr>
-    <a:masterClrMapping/>
-  </p:clrMapOvr>
-</p:sld>
-</file>
-
-<file path=ppt/slides/slide8.xml><?xml version="1.0" encoding="utf-8"?>
-<p:sld xmlns:a="http://schemas.openxmlformats.org/drawingml/2006/main" xmlns:r="http://schemas.openxmlformats.org/officeDocument/2006/relationships" xmlns:p="http://schemas.openxmlformats.org/presentationml/2006/main">
-  <p:cSld>
-    <p:spTree>
-      <p:nvGrpSpPr>
-        <p:cNvPr id="1" name=""/>
-        <p:cNvGrpSpPr/>
-        <p:nvPr/>
-      </p:nvGrpSpPr>
-      <p:grpSpPr>
-        <a:xfrm>
-          <a:off x="0" y="0"/>
-          <a:ext cx="0" cy="0"/>
-          <a:chOff x="0" y="0"/>
-          <a:chExt cx="0" cy="0"/>
-        </a:xfrm>
-      </p:grpSpPr>
-      <p:grpSp>
-        <p:nvGrpSpPr>
-          <p:cNvPr id="60" name="Group 59">
-            <a:extLst>
-              <a:ext uri="{FF2B5EF4-FFF2-40B4-BE49-F238E27FC236}">
-                <a16:creationId xmlns:a16="http://schemas.microsoft.com/office/drawing/2014/main" id="{5A955AE5-1B22-4809-8128-71B19F9A0E75}"/>
-              </a:ext>
-            </a:extLst>
-          </p:cNvPr>
-          <p:cNvGrpSpPr/>
-          <p:nvPr/>
-        </p:nvGrpSpPr>
-        <p:grpSpPr>
-          <a:xfrm>
-            <a:off x="3334326" y="721052"/>
-            <a:ext cx="2031999" cy="3084329"/>
-            <a:chOff x="3620653" y="794723"/>
-            <a:chExt cx="1745674" cy="1920204"/>
-          </a:xfrm>
-        </p:grpSpPr>
-        <p:sp>
-          <p:nvSpPr>
-            <p:cNvPr id="23" name="Rectangle 22">
-              <a:extLst>
-                <a:ext uri="{FF2B5EF4-FFF2-40B4-BE49-F238E27FC236}">
-                  <a16:creationId xmlns:a16="http://schemas.microsoft.com/office/drawing/2014/main" id="{19145D4B-58EE-4D4E-B15E-18432A990599}"/>
-                </a:ext>
-              </a:extLst>
-            </p:cNvPr>
-            <p:cNvSpPr/>
-            <p:nvPr/>
-          </p:nvSpPr>
-          <p:spPr>
-            <a:xfrm>
-              <a:off x="3628237" y="1673492"/>
-              <a:ext cx="1738090" cy="1041435"/>
-            </a:xfrm>
-            <a:prstGeom prst="rect">
-              <a:avLst/>
-            </a:prstGeom>
-            <a:solidFill>
-              <a:schemeClr val="accent6">
-                <a:lumMod val="60000"/>
-                <a:lumOff val="40000"/>
-                <a:alpha val="25000"/>
-              </a:schemeClr>
-            </a:solidFill>
-            <a:ln>
-              <a:solidFill>
-                <a:schemeClr val="accent1">
-                  <a:shade val="50000"/>
-                  <a:alpha val="0"/>
-                </a:schemeClr>
-              </a:solidFill>
-            </a:ln>
-          </p:spPr>
-          <p:style>
-            <a:lnRef idx="2">
-              <a:schemeClr val="accent1">
-                <a:shade val="50000"/>
-              </a:schemeClr>
-            </a:lnRef>
-            <a:fillRef idx="1">
-              <a:schemeClr val="accent1"/>
-            </a:fillRef>
-            <a:effectRef idx="0">
-              <a:schemeClr val="accent1"/>
-            </a:effectRef>
-            <a:fontRef idx="minor">
-              <a:schemeClr val="lt1"/>
-            </a:fontRef>
-          </p:style>
-          <p:txBody>
-            <a:bodyPr rtlCol="0" anchor="ctr"/>
-            <a:lstStyle/>
-            <a:p>
-              <a:pPr algn="ctr"/>
-              <a:endParaRPr lang="en-US"/>
-            </a:p>
-          </p:txBody>
-        </p:sp>
-        <p:sp>
-          <p:nvSpPr>
-            <p:cNvPr id="54" name="Right Triangle 53">
-              <a:extLst>
-                <a:ext uri="{FF2B5EF4-FFF2-40B4-BE49-F238E27FC236}">
-                  <a16:creationId xmlns:a16="http://schemas.microsoft.com/office/drawing/2014/main" id="{55A30959-EC74-4C2D-90A1-27F825E46A09}"/>
-                </a:ext>
-              </a:extLst>
-            </p:cNvPr>
-            <p:cNvSpPr/>
-            <p:nvPr/>
-          </p:nvSpPr>
-          <p:spPr>
-            <a:xfrm>
-              <a:off x="3620653" y="794723"/>
-              <a:ext cx="1738091" cy="878769"/>
-            </a:xfrm>
-            <a:prstGeom prst="rtTriangle">
-              <a:avLst/>
-            </a:prstGeom>
-            <a:solidFill>
-              <a:schemeClr val="accent6">
-                <a:lumMod val="60000"/>
-                <a:lumOff val="40000"/>
-                <a:alpha val="25000"/>
-              </a:schemeClr>
-            </a:solidFill>
-            <a:ln>
-              <a:solidFill>
-                <a:schemeClr val="accent1">
-                  <a:shade val="50000"/>
-                  <a:alpha val="0"/>
-                </a:schemeClr>
-              </a:solidFill>
-            </a:ln>
-          </p:spPr>
-          <p:style>
-            <a:lnRef idx="2">
-              <a:schemeClr val="accent1">
-                <a:shade val="50000"/>
-              </a:schemeClr>
-            </a:lnRef>
-            <a:fillRef idx="1">
-              <a:schemeClr val="accent1"/>
-            </a:fillRef>
-            <a:effectRef idx="0">
-              <a:schemeClr val="accent1"/>
-            </a:effectRef>
-            <a:fontRef idx="minor">
-              <a:schemeClr val="lt1"/>
-            </a:fontRef>
-          </p:style>
-          <p:txBody>
-            <a:bodyPr rtlCol="0" anchor="ctr"/>
-            <a:lstStyle/>
-            <a:p>
-              <a:pPr algn="ctr"/>
-              <a:endParaRPr lang="en-US"/>
-            </a:p>
-          </p:txBody>
-        </p:sp>
-      </p:grpSp>
-      <p:cxnSp>
-        <p:nvCxnSpPr>
-          <p:cNvPr id="4" name="Straight Arrow Connector 3">
-            <a:extLst>
-              <a:ext uri="{FF2B5EF4-FFF2-40B4-BE49-F238E27FC236}">
-                <a16:creationId xmlns:a16="http://schemas.microsoft.com/office/drawing/2014/main" id="{62807C3F-D0D3-4EE3-8F23-B3F41B4F9380}"/>
-              </a:ext>
-            </a:extLst>
-          </p:cNvPr>
-          <p:cNvCxnSpPr>
-            <a:cxnSpLocks/>
-          </p:cNvCxnSpPr>
-          <p:nvPr/>
-        </p:nvCxnSpPr>
-        <p:spPr>
-          <a:xfrm flipV="1">
-            <a:off x="2205203" y="1453861"/>
-            <a:ext cx="0" cy="2351520"/>
-          </a:xfrm>
-          <a:prstGeom prst="straightConnector1">
-            <a:avLst/>
-          </a:prstGeom>
-          <a:ln w="25400">
-            <a:solidFill>
-              <a:schemeClr val="tx1"/>
-            </a:solidFill>
-            <a:tailEnd type="triangle" w="lg" len="lg"/>
-          </a:ln>
-        </p:spPr>
-        <p:style>
-          <a:lnRef idx="1">
-            <a:schemeClr val="accent1"/>
-          </a:lnRef>
-          <a:fillRef idx="0">
-            <a:schemeClr val="accent1"/>
-          </a:fillRef>
-          <a:effectRef idx="0">
-            <a:schemeClr val="accent1"/>
-          </a:effectRef>
-          <a:fontRef idx="minor">
-            <a:schemeClr val="tx1"/>
-          </a:fontRef>
-        </p:style>
-      </p:cxnSp>
-      <p:cxnSp>
-        <p:nvCxnSpPr>
-          <p:cNvPr id="5" name="Straight Arrow Connector 4">
-            <a:extLst>
-              <a:ext uri="{FF2B5EF4-FFF2-40B4-BE49-F238E27FC236}">
-                <a16:creationId xmlns:a16="http://schemas.microsoft.com/office/drawing/2014/main" id="{D627EF9C-89EE-4475-A07A-588632485CDC}"/>
-              </a:ext>
-            </a:extLst>
-          </p:cNvPr>
-          <p:cNvCxnSpPr>
-            <a:cxnSpLocks/>
-          </p:cNvCxnSpPr>
-          <p:nvPr/>
-        </p:nvCxnSpPr>
-        <p:spPr>
-          <a:xfrm flipV="1">
-            <a:off x="2205203" y="3754887"/>
-            <a:ext cx="5872003" cy="50495"/>
-          </a:xfrm>
-          <a:prstGeom prst="straightConnector1">
-            <a:avLst/>
-          </a:prstGeom>
-          <a:ln w="25400">
-            <a:solidFill>
-              <a:schemeClr val="tx1"/>
-            </a:solidFill>
-            <a:tailEnd type="triangle" w="lg" len="lg"/>
-          </a:ln>
-        </p:spPr>
-        <p:style>
-          <a:lnRef idx="1">
-            <a:schemeClr val="accent1"/>
-          </a:lnRef>
-          <a:fillRef idx="0">
-            <a:schemeClr val="accent1"/>
-          </a:fillRef>
-          <a:effectRef idx="0">
-            <a:schemeClr val="accent1"/>
-          </a:effectRef>
-          <a:fontRef idx="minor">
-            <a:schemeClr val="tx1"/>
-          </a:fontRef>
-        </p:style>
-      </p:cxnSp>
-      <p:sp>
-        <p:nvSpPr>
-          <p:cNvPr id="6" name="TextBox 5">
-            <a:extLst>
-              <a:ext uri="{FF2B5EF4-FFF2-40B4-BE49-F238E27FC236}">
-                <a16:creationId xmlns:a16="http://schemas.microsoft.com/office/drawing/2014/main" id="{4F04E69E-2AFB-4D51-ADB0-E6BF491EDAF7}"/>
-              </a:ext>
-            </a:extLst>
-          </p:cNvPr>
-          <p:cNvSpPr txBox="1"/>
-          <p:nvPr/>
-        </p:nvSpPr>
-        <p:spPr>
-          <a:xfrm>
-            <a:off x="8065594" y="3530288"/>
-            <a:ext cx="1087573" cy="369332"/>
-          </a:xfrm>
-          <a:prstGeom prst="rect">
-            <a:avLst/>
-          </a:prstGeom>
-          <a:noFill/>
-        </p:spPr>
-        <p:txBody>
-          <a:bodyPr wrap="square" rtlCol="0">
-            <a:spAutoFit/>
-          </a:bodyPr>
-          <a:lstStyle/>
-          <a:p>
-            <a:r>
-              <a:rPr lang="en-US" dirty="0">
-                <a:latin typeface="Times New Roman" panose="02020603050405020304" pitchFamily="18" charset="0"/>
-                <a:cs typeface="Times New Roman" panose="02020603050405020304" pitchFamily="18" charset="0"/>
-              </a:rPr>
-              <a:t>[kHz]</a:t>
-            </a:r>
-            <a:endParaRPr lang="en-US" dirty="0"/>
-          </a:p>
-        </p:txBody>
-      </p:sp>
-      <p:sp>
-        <p:nvSpPr>
-          <p:cNvPr id="19" name="Rectangle 18">
-            <a:extLst>
-              <a:ext uri="{FF2B5EF4-FFF2-40B4-BE49-F238E27FC236}">
-                <a16:creationId xmlns:a16="http://schemas.microsoft.com/office/drawing/2014/main" id="{3CC6DDBE-9C70-4617-8787-CD2CD04771CA}"/>
-              </a:ext>
-            </a:extLst>
-          </p:cNvPr>
-          <p:cNvSpPr/>
-          <p:nvPr/>
-        </p:nvSpPr>
-        <p:spPr>
-          <a:xfrm>
-            <a:off x="9166787" y="3530288"/>
-            <a:ext cx="2369927" cy="1483596"/>
-          </a:xfrm>
-          <a:prstGeom prst="rect">
-            <a:avLst/>
-          </a:prstGeom>
-          <a:solidFill>
-            <a:srgbClr val="E3BCB9">
-              <a:alpha val="24706"/>
-            </a:srgbClr>
-          </a:solidFill>
-          <a:ln>
-            <a:solidFill>
-              <a:schemeClr val="accent1">
-                <a:shade val="50000"/>
-                <a:alpha val="0"/>
-              </a:schemeClr>
-            </a:solidFill>
-          </a:ln>
-        </p:spPr>
-        <p:style>
-          <a:lnRef idx="2">
-            <a:schemeClr val="accent1">
-              <a:shade val="50000"/>
-            </a:schemeClr>
-          </a:lnRef>
-          <a:fillRef idx="1">
-            <a:schemeClr val="accent1"/>
-          </a:fillRef>
-          <a:effectRef idx="0">
-            <a:schemeClr val="accent1"/>
-          </a:effectRef>
-          <a:fontRef idx="minor">
-            <a:schemeClr val="lt1"/>
-          </a:fontRef>
-        </p:style>
-        <p:txBody>
-          <a:bodyPr rtlCol="0" anchor="ctr"/>
-          <a:lstStyle/>
-          <a:p>
-            <a:pPr algn="ctr"/>
-            <a:endParaRPr lang="en-US" dirty="0"/>
-          </a:p>
-        </p:txBody>
-      </p:sp>
-      <p:cxnSp>
-        <p:nvCxnSpPr>
-          <p:cNvPr id="49" name="Straight Connector 48">
-            <a:extLst>
-              <a:ext uri="{FF2B5EF4-FFF2-40B4-BE49-F238E27FC236}">
-                <a16:creationId xmlns:a16="http://schemas.microsoft.com/office/drawing/2014/main" id="{2DB1983B-A822-406A-A598-AA39A4FFCA49}"/>
-              </a:ext>
-            </a:extLst>
-          </p:cNvPr>
-          <p:cNvCxnSpPr>
-            <a:cxnSpLocks/>
-          </p:cNvCxnSpPr>
-          <p:nvPr/>
-        </p:nvCxnSpPr>
-        <p:spPr>
-          <a:xfrm>
-            <a:off x="3315854" y="1671782"/>
-            <a:ext cx="0" cy="2133599"/>
-          </a:xfrm>
-          <a:prstGeom prst="line">
-            <a:avLst/>
-          </a:prstGeom>
-          <a:ln w="25400">
-            <a:solidFill>
-              <a:schemeClr val="tx1">
-                <a:lumMod val="50000"/>
-                <a:lumOff val="50000"/>
-              </a:schemeClr>
-            </a:solidFill>
-            <a:prstDash val="sysDash"/>
-          </a:ln>
-        </p:spPr>
-        <p:style>
-          <a:lnRef idx="1">
-            <a:schemeClr val="accent1"/>
-          </a:lnRef>
-          <a:fillRef idx="0">
-            <a:schemeClr val="accent1"/>
-          </a:fillRef>
-          <a:effectRef idx="0">
-            <a:schemeClr val="accent1"/>
-          </a:effectRef>
-          <a:fontRef idx="minor">
-            <a:schemeClr val="tx1"/>
-          </a:fontRef>
-        </p:style>
-      </p:cxnSp>
-      <p:cxnSp>
-        <p:nvCxnSpPr>
-          <p:cNvPr id="50" name="Straight Connector 49">
-            <a:extLst>
-              <a:ext uri="{FF2B5EF4-FFF2-40B4-BE49-F238E27FC236}">
-                <a16:creationId xmlns:a16="http://schemas.microsoft.com/office/drawing/2014/main" id="{0E82D618-685F-4445-9AC0-EFF025C652A6}"/>
-              </a:ext>
-            </a:extLst>
-          </p:cNvPr>
-          <p:cNvCxnSpPr>
-            <a:cxnSpLocks/>
-          </p:cNvCxnSpPr>
-          <p:nvPr/>
-        </p:nvCxnSpPr>
-        <p:spPr>
-          <a:xfrm>
-            <a:off x="4322618" y="1671782"/>
-            <a:ext cx="0" cy="2133599"/>
-          </a:xfrm>
-          <a:prstGeom prst="line">
-            <a:avLst/>
-          </a:prstGeom>
-          <a:ln w="25400">
-            <a:solidFill>
-              <a:schemeClr val="tx1">
-                <a:lumMod val="50000"/>
-                <a:lumOff val="50000"/>
-              </a:schemeClr>
-            </a:solidFill>
-            <a:prstDash val="sysDash"/>
-          </a:ln>
-        </p:spPr>
-        <p:style>
-          <a:lnRef idx="1">
-            <a:schemeClr val="accent1"/>
-          </a:lnRef>
-          <a:fillRef idx="0">
-            <a:schemeClr val="accent1"/>
-          </a:fillRef>
-          <a:effectRef idx="0">
-            <a:schemeClr val="accent1"/>
-          </a:effectRef>
-          <a:fontRef idx="minor">
-            <a:schemeClr val="tx1"/>
-          </a:fontRef>
-        </p:style>
-      </p:cxnSp>
-      <p:cxnSp>
-        <p:nvCxnSpPr>
-          <p:cNvPr id="51" name="Straight Connector 50">
-            <a:extLst>
-              <a:ext uri="{FF2B5EF4-FFF2-40B4-BE49-F238E27FC236}">
-                <a16:creationId xmlns:a16="http://schemas.microsoft.com/office/drawing/2014/main" id="{4D2193ED-A523-4C34-BA58-0DC1C1C165F9}"/>
-              </a:ext>
-            </a:extLst>
-          </p:cNvPr>
-          <p:cNvCxnSpPr>
-            <a:cxnSpLocks/>
-          </p:cNvCxnSpPr>
-          <p:nvPr/>
-        </p:nvCxnSpPr>
-        <p:spPr>
-          <a:xfrm>
-            <a:off x="5366327" y="1671782"/>
-            <a:ext cx="0" cy="2133599"/>
-          </a:xfrm>
-          <a:prstGeom prst="line">
-            <a:avLst/>
-          </a:prstGeom>
-          <a:ln w="25400">
-            <a:solidFill>
-              <a:schemeClr val="tx1">
-                <a:lumMod val="50000"/>
-                <a:lumOff val="50000"/>
-              </a:schemeClr>
-            </a:solidFill>
-            <a:prstDash val="sysDash"/>
-          </a:ln>
-        </p:spPr>
-        <p:style>
-          <a:lnRef idx="1">
-            <a:schemeClr val="accent1"/>
-          </a:lnRef>
-          <a:fillRef idx="0">
-            <a:schemeClr val="accent1"/>
-          </a:fillRef>
-          <a:effectRef idx="0">
-            <a:schemeClr val="accent1"/>
-          </a:effectRef>
-          <a:fontRef idx="minor">
-            <a:schemeClr val="tx1"/>
-          </a:fontRef>
-        </p:style>
-      </p:cxnSp>
-      <p:cxnSp>
-        <p:nvCxnSpPr>
-          <p:cNvPr id="52" name="Straight Connector 51">
-            <a:extLst>
-              <a:ext uri="{FF2B5EF4-FFF2-40B4-BE49-F238E27FC236}">
-                <a16:creationId xmlns:a16="http://schemas.microsoft.com/office/drawing/2014/main" id="{A1152694-4747-47BB-8668-A566538CC03B}"/>
-              </a:ext>
-            </a:extLst>
-          </p:cNvPr>
-          <p:cNvCxnSpPr>
-            <a:cxnSpLocks/>
-          </p:cNvCxnSpPr>
-          <p:nvPr/>
-        </p:nvCxnSpPr>
-        <p:spPr>
-          <a:xfrm>
-            <a:off x="6650182" y="1671782"/>
-            <a:ext cx="0" cy="2133599"/>
-          </a:xfrm>
-          <a:prstGeom prst="line">
-            <a:avLst/>
-          </a:prstGeom>
-          <a:ln w="25400">
-            <a:solidFill>
-              <a:schemeClr val="tx1">
-                <a:lumMod val="50000"/>
-                <a:lumOff val="50000"/>
-              </a:schemeClr>
-            </a:solidFill>
-            <a:prstDash val="sysDash"/>
-          </a:ln>
-        </p:spPr>
-        <p:style>
-          <a:lnRef idx="1">
-            <a:schemeClr val="accent1"/>
-          </a:lnRef>
-          <a:fillRef idx="0">
-            <a:schemeClr val="accent1"/>
-          </a:fillRef>
-          <a:effectRef idx="0">
-            <a:schemeClr val="accent1"/>
-          </a:effectRef>
-          <a:fontRef idx="minor">
-            <a:schemeClr val="tx1"/>
-          </a:fontRef>
-        </p:style>
-      </p:cxnSp>
-      <p:grpSp>
-        <p:nvGrpSpPr>
-          <p:cNvPr id="56" name="Group 55">
-            <a:extLst>
-              <a:ext uri="{FF2B5EF4-FFF2-40B4-BE49-F238E27FC236}">
-                <a16:creationId xmlns:a16="http://schemas.microsoft.com/office/drawing/2014/main" id="{EDACC6F8-2BF1-4DD1-9572-D3CA7AB7E1E4}"/>
-              </a:ext>
-            </a:extLst>
-          </p:cNvPr>
-          <p:cNvGrpSpPr/>
-          <p:nvPr/>
-        </p:nvGrpSpPr>
-        <p:grpSpPr>
-          <a:xfrm>
-            <a:off x="4314556" y="1919249"/>
-            <a:ext cx="3135297" cy="1835637"/>
-            <a:chOff x="4322618" y="1969745"/>
-            <a:chExt cx="3135297" cy="1835637"/>
-          </a:xfrm>
-        </p:grpSpPr>
-        <p:sp>
-          <p:nvSpPr>
-            <p:cNvPr id="57" name="Rectangle 56">
-              <a:extLst>
-                <a:ext uri="{FF2B5EF4-FFF2-40B4-BE49-F238E27FC236}">
-                  <a16:creationId xmlns:a16="http://schemas.microsoft.com/office/drawing/2014/main" id="{A79AAD37-B853-4DEE-A391-A2D313BEBF18}"/>
-                </a:ext>
-              </a:extLst>
-            </p:cNvPr>
-            <p:cNvSpPr/>
-            <p:nvPr/>
-          </p:nvSpPr>
-          <p:spPr>
-            <a:xfrm>
-              <a:off x="4336239" y="2809812"/>
-              <a:ext cx="3121676" cy="995570"/>
-            </a:xfrm>
-            <a:prstGeom prst="rect">
-              <a:avLst/>
-            </a:prstGeom>
-            <a:solidFill>
-              <a:schemeClr val="accent1">
-                <a:lumMod val="40000"/>
-                <a:lumOff val="60000"/>
-                <a:alpha val="25000"/>
-              </a:schemeClr>
-            </a:solidFill>
-            <a:ln>
-              <a:solidFill>
-                <a:schemeClr val="accent1">
-                  <a:shade val="50000"/>
-                  <a:alpha val="0"/>
-                </a:schemeClr>
-              </a:solidFill>
-            </a:ln>
-          </p:spPr>
-          <p:style>
-            <a:lnRef idx="2">
-              <a:schemeClr val="accent1">
-                <a:shade val="50000"/>
-              </a:schemeClr>
-            </a:lnRef>
-            <a:fillRef idx="1">
-              <a:schemeClr val="accent1"/>
-            </a:fillRef>
-            <a:effectRef idx="0">
-              <a:schemeClr val="accent1"/>
-            </a:effectRef>
-            <a:fontRef idx="minor">
-              <a:schemeClr val="lt1"/>
-            </a:fontRef>
-          </p:style>
-          <p:txBody>
-            <a:bodyPr rtlCol="0" anchor="ctr"/>
-            <a:lstStyle/>
-            <a:p>
-              <a:pPr algn="ctr"/>
-              <a:endParaRPr lang="en-US"/>
-            </a:p>
-          </p:txBody>
-        </p:sp>
-        <p:sp>
-          <p:nvSpPr>
-            <p:cNvPr id="58" name="Right Triangle 57">
-              <a:extLst>
-                <a:ext uri="{FF2B5EF4-FFF2-40B4-BE49-F238E27FC236}">
-                  <a16:creationId xmlns:a16="http://schemas.microsoft.com/office/drawing/2014/main" id="{393F133A-DD87-40C5-B2B4-321C6A534390}"/>
-                </a:ext>
-              </a:extLst>
-            </p:cNvPr>
-            <p:cNvSpPr/>
-            <p:nvPr/>
-          </p:nvSpPr>
-          <p:spPr>
-            <a:xfrm>
-              <a:off x="4322618" y="1969745"/>
-              <a:ext cx="3121677" cy="840067"/>
-            </a:xfrm>
-            <a:prstGeom prst="rtTriangle">
-              <a:avLst/>
-            </a:prstGeom>
-            <a:solidFill>
-              <a:schemeClr val="accent1">
-                <a:lumMod val="40000"/>
-                <a:lumOff val="60000"/>
-                <a:alpha val="25000"/>
-              </a:schemeClr>
-            </a:solidFill>
-            <a:ln>
-              <a:solidFill>
-                <a:schemeClr val="accent1">
-                  <a:shade val="50000"/>
-                  <a:alpha val="0"/>
-                </a:schemeClr>
-              </a:solidFill>
-            </a:ln>
-          </p:spPr>
-          <p:style>
-            <a:lnRef idx="2">
-              <a:schemeClr val="accent1">
-                <a:shade val="50000"/>
-              </a:schemeClr>
-            </a:lnRef>
-            <a:fillRef idx="1">
-              <a:schemeClr val="accent1"/>
-            </a:fillRef>
-            <a:effectRef idx="0">
-              <a:schemeClr val="accent1"/>
-            </a:effectRef>
-            <a:fontRef idx="minor">
-              <a:schemeClr val="lt1"/>
-            </a:fontRef>
-          </p:style>
-          <p:txBody>
-            <a:bodyPr rtlCol="0" anchor="ctr"/>
-            <a:lstStyle/>
-            <a:p>
-              <a:pPr algn="ctr"/>
-              <a:endParaRPr lang="en-US"/>
-            </a:p>
-          </p:txBody>
-        </p:sp>
-      </p:grpSp>
-      <p:sp>
-        <p:nvSpPr>
-          <p:cNvPr id="59" name="TextBox 58">
-            <a:extLst>
-              <a:ext uri="{FF2B5EF4-FFF2-40B4-BE49-F238E27FC236}">
-                <a16:creationId xmlns:a16="http://schemas.microsoft.com/office/drawing/2014/main" id="{F2A6CF12-ED30-4086-AB56-61FDCF360FD0}"/>
-              </a:ext>
-            </a:extLst>
-          </p:cNvPr>
-          <p:cNvSpPr txBox="1"/>
-          <p:nvPr/>
-        </p:nvSpPr>
-        <p:spPr>
-          <a:xfrm>
-            <a:off x="1881848" y="1038906"/>
-            <a:ext cx="1087573" cy="369332"/>
-          </a:xfrm>
-          <a:prstGeom prst="rect">
-            <a:avLst/>
-          </a:prstGeom>
-          <a:noFill/>
-        </p:spPr>
-        <p:txBody>
-          <a:bodyPr wrap="square" rtlCol="0">
-            <a:spAutoFit/>
-          </a:bodyPr>
-          <a:lstStyle/>
-          <a:p>
-            <a:r>
-              <a:rPr lang="en-US" dirty="0">
-                <a:latin typeface="Times New Roman" panose="02020603050405020304" pitchFamily="18" charset="0"/>
-                <a:cs typeface="Times New Roman" panose="02020603050405020304" pitchFamily="18" charset="0"/>
-              </a:rPr>
-              <a:t>[kW]</a:t>
-            </a:r>
-            <a:endParaRPr lang="en-US" dirty="0"/>
-          </a:p>
-        </p:txBody>
-      </p:sp>
-      <p:sp>
-        <p:nvSpPr>
-          <p:cNvPr id="48" name="Right Triangle 47">
-            <a:extLst>
-              <a:ext uri="{FF2B5EF4-FFF2-40B4-BE49-F238E27FC236}">
-                <a16:creationId xmlns:a16="http://schemas.microsoft.com/office/drawing/2014/main" id="{6216A828-D0FA-4B78-BEA9-9B6044A2AC10}"/>
-              </a:ext>
-            </a:extLst>
-          </p:cNvPr>
-          <p:cNvSpPr/>
-          <p:nvPr/>
-        </p:nvSpPr>
-        <p:spPr>
-          <a:xfrm>
-            <a:off x="2205202" y="2444356"/>
-            <a:ext cx="3121677" cy="1361026"/>
-          </a:xfrm>
-          <a:prstGeom prst="rtTriangle">
-            <a:avLst/>
-          </a:prstGeom>
-          <a:solidFill>
-            <a:srgbClr val="002060">
-              <a:alpha val="50000"/>
-            </a:srgbClr>
-          </a:solidFill>
-          <a:ln>
-            <a:solidFill>
-              <a:schemeClr val="accent1">
-                <a:shade val="50000"/>
-                <a:alpha val="49000"/>
-              </a:schemeClr>
-            </a:solidFill>
-          </a:ln>
-        </p:spPr>
-        <p:style>
-          <a:lnRef idx="2">
-            <a:schemeClr val="accent1">
-              <a:shade val="50000"/>
-            </a:schemeClr>
-          </a:lnRef>
-          <a:fillRef idx="1">
-            <a:schemeClr val="accent1"/>
-          </a:fillRef>
-          <a:effectRef idx="0">
-            <a:schemeClr val="accent1"/>
-          </a:effectRef>
-          <a:fontRef idx="minor">
-            <a:schemeClr val="lt1"/>
-          </a:fontRef>
-        </p:style>
-        <p:txBody>
-          <a:bodyPr rtlCol="0" anchor="ctr"/>
-          <a:lstStyle/>
-          <a:p>
-            <a:pPr algn="ctr"/>
-            <a:endParaRPr lang="en-US"/>
-          </a:p>
-        </p:txBody>
-      </p:sp>
-    </p:spTree>
-    <p:extLst>
-      <p:ext uri="{BB962C8B-B14F-4D97-AF65-F5344CB8AC3E}">
-        <p14:creationId xmlns:p14="http://schemas.microsoft.com/office/powerpoint/2010/main" val="2082307475"/>
       </p:ext>
     </p:extLst>
   </p:cSld>
